--- a/docs/slides/Defence_presentation_MSAT-UI - Version 3.pptx
+++ b/docs/slides/Defence_presentation_MSAT-UI - Version 3.pptx
@@ -5,10 +5,10 @@
     <p:sldMasterId id="2147483661" r:id="rId1"/>
   </p:sldMasterIdLst>
   <p:notesMasterIdLst>
-    <p:notesMasterId r:id="rId72"/>
+    <p:notesMasterId r:id="rId71"/>
   </p:notesMasterIdLst>
   <p:handoutMasterIdLst>
-    <p:handoutMasterId r:id="rId73"/>
+    <p:handoutMasterId r:id="rId72"/>
   </p:handoutMasterIdLst>
   <p:sldIdLst>
     <p:sldId id="259" r:id="rId2"/>
@@ -20,67 +20,66 @@
     <p:sldId id="291" r:id="rId8"/>
     <p:sldId id="288" r:id="rId9"/>
     <p:sldId id="292" r:id="rId10"/>
-    <p:sldId id="325" r:id="rId11"/>
-    <p:sldId id="363" r:id="rId12"/>
-    <p:sldId id="374" r:id="rId13"/>
-    <p:sldId id="381" r:id="rId14"/>
-    <p:sldId id="382" r:id="rId15"/>
-    <p:sldId id="383" r:id="rId16"/>
-    <p:sldId id="337" r:id="rId17"/>
-    <p:sldId id="326" r:id="rId18"/>
-    <p:sldId id="372" r:id="rId19"/>
-    <p:sldId id="375" r:id="rId20"/>
-    <p:sldId id="378" r:id="rId21"/>
-    <p:sldId id="379" r:id="rId22"/>
-    <p:sldId id="380" r:id="rId23"/>
-    <p:sldId id="347" r:id="rId24"/>
-    <p:sldId id="327" r:id="rId25"/>
-    <p:sldId id="373" r:id="rId26"/>
-    <p:sldId id="376" r:id="rId27"/>
-    <p:sldId id="384" r:id="rId28"/>
-    <p:sldId id="385" r:id="rId29"/>
-    <p:sldId id="386" r:id="rId30"/>
-    <p:sldId id="387" r:id="rId31"/>
-    <p:sldId id="388" r:id="rId32"/>
-    <p:sldId id="319" r:id="rId33"/>
-    <p:sldId id="367" r:id="rId34"/>
-    <p:sldId id="366" r:id="rId35"/>
-    <p:sldId id="368" r:id="rId36"/>
-    <p:sldId id="369" r:id="rId37"/>
-    <p:sldId id="328" r:id="rId38"/>
-    <p:sldId id="330" r:id="rId39"/>
-    <p:sldId id="329" r:id="rId40"/>
-    <p:sldId id="332" r:id="rId41"/>
-    <p:sldId id="331" r:id="rId42"/>
-    <p:sldId id="333" r:id="rId43"/>
-    <p:sldId id="334" r:id="rId44"/>
-    <p:sldId id="335" r:id="rId45"/>
-    <p:sldId id="377" r:id="rId46"/>
-    <p:sldId id="371" r:id="rId47"/>
-    <p:sldId id="336" r:id="rId48"/>
-    <p:sldId id="338" r:id="rId49"/>
-    <p:sldId id="339" r:id="rId50"/>
-    <p:sldId id="340" r:id="rId51"/>
-    <p:sldId id="341" r:id="rId52"/>
-    <p:sldId id="342" r:id="rId53"/>
-    <p:sldId id="343" r:id="rId54"/>
-    <p:sldId id="344" r:id="rId55"/>
-    <p:sldId id="345" r:id="rId56"/>
-    <p:sldId id="370" r:id="rId57"/>
-    <p:sldId id="346" r:id="rId58"/>
-    <p:sldId id="348" r:id="rId59"/>
-    <p:sldId id="349" r:id="rId60"/>
-    <p:sldId id="350" r:id="rId61"/>
-    <p:sldId id="351" r:id="rId62"/>
-    <p:sldId id="352" r:id="rId63"/>
-    <p:sldId id="360" r:id="rId64"/>
-    <p:sldId id="353" r:id="rId65"/>
-    <p:sldId id="355" r:id="rId66"/>
-    <p:sldId id="354" r:id="rId67"/>
-    <p:sldId id="356" r:id="rId68"/>
-    <p:sldId id="357" r:id="rId69"/>
-    <p:sldId id="358" r:id="rId70"/>
-    <p:sldId id="359" r:id="rId71"/>
+    <p:sldId id="386" r:id="rId11"/>
+    <p:sldId id="387" r:id="rId12"/>
+    <p:sldId id="325" r:id="rId13"/>
+    <p:sldId id="363" r:id="rId14"/>
+    <p:sldId id="374" r:id="rId15"/>
+    <p:sldId id="381" r:id="rId16"/>
+    <p:sldId id="382" r:id="rId17"/>
+    <p:sldId id="383" r:id="rId18"/>
+    <p:sldId id="337" r:id="rId19"/>
+    <p:sldId id="326" r:id="rId20"/>
+    <p:sldId id="372" r:id="rId21"/>
+    <p:sldId id="375" r:id="rId22"/>
+    <p:sldId id="378" r:id="rId23"/>
+    <p:sldId id="379" r:id="rId24"/>
+    <p:sldId id="380" r:id="rId25"/>
+    <p:sldId id="347" r:id="rId26"/>
+    <p:sldId id="327" r:id="rId27"/>
+    <p:sldId id="373" r:id="rId28"/>
+    <p:sldId id="376" r:id="rId29"/>
+    <p:sldId id="384" r:id="rId30"/>
+    <p:sldId id="385" r:id="rId31"/>
+    <p:sldId id="319" r:id="rId32"/>
+    <p:sldId id="367" r:id="rId33"/>
+    <p:sldId id="366" r:id="rId34"/>
+    <p:sldId id="368" r:id="rId35"/>
+    <p:sldId id="369" r:id="rId36"/>
+    <p:sldId id="328" r:id="rId37"/>
+    <p:sldId id="330" r:id="rId38"/>
+    <p:sldId id="329" r:id="rId39"/>
+    <p:sldId id="332" r:id="rId40"/>
+    <p:sldId id="331" r:id="rId41"/>
+    <p:sldId id="333" r:id="rId42"/>
+    <p:sldId id="334" r:id="rId43"/>
+    <p:sldId id="335" r:id="rId44"/>
+    <p:sldId id="377" r:id="rId45"/>
+    <p:sldId id="371" r:id="rId46"/>
+    <p:sldId id="336" r:id="rId47"/>
+    <p:sldId id="338" r:id="rId48"/>
+    <p:sldId id="339" r:id="rId49"/>
+    <p:sldId id="340" r:id="rId50"/>
+    <p:sldId id="341" r:id="rId51"/>
+    <p:sldId id="342" r:id="rId52"/>
+    <p:sldId id="343" r:id="rId53"/>
+    <p:sldId id="344" r:id="rId54"/>
+    <p:sldId id="345" r:id="rId55"/>
+    <p:sldId id="370" r:id="rId56"/>
+    <p:sldId id="346" r:id="rId57"/>
+    <p:sldId id="348" r:id="rId58"/>
+    <p:sldId id="349" r:id="rId59"/>
+    <p:sldId id="350" r:id="rId60"/>
+    <p:sldId id="351" r:id="rId61"/>
+    <p:sldId id="352" r:id="rId62"/>
+    <p:sldId id="360" r:id="rId63"/>
+    <p:sldId id="353" r:id="rId64"/>
+    <p:sldId id="355" r:id="rId65"/>
+    <p:sldId id="354" r:id="rId66"/>
+    <p:sldId id="356" r:id="rId67"/>
+    <p:sldId id="357" r:id="rId68"/>
+    <p:sldId id="358" r:id="rId69"/>
+    <p:sldId id="359" r:id="rId70"/>
   </p:sldIdLst>
   <p:sldSz cx="9906000" cy="6858000" type="A4"/>
   <p:notesSz cx="6669088" cy="9926638"/>
@@ -27715,6 +27714,311 @@
       </p:grpSpPr>
       <p:sp>
         <p:nvSpPr>
+          <p:cNvPr id="2" name="Title 1">
+            <a:extLst>
+              <a:ext uri="{FF2B5EF4-FFF2-40B4-BE49-F238E27FC236}">
+                <a16:creationId xmlns:a16="http://schemas.microsoft.com/office/drawing/2014/main" id="{372BBCAC-B08D-48EA-AFBF-FE4ED61AECD5}"/>
+              </a:ext>
+            </a:extLst>
+          </p:cNvPr>
+          <p:cNvSpPr>
+            <a:spLocks noGrp="1"/>
+          </p:cNvSpPr>
+          <p:nvPr>
+            <p:ph type="title"/>
+          </p:nvPr>
+        </p:nvSpPr>
+        <p:spPr/>
+        <p:txBody>
+          <a:bodyPr/>
+          <a:lstStyle/>
+          <a:p>
+            <a:r>
+              <a:rPr lang="en-GB" dirty="0"/>
+              <a:t>Analysis View</a:t>
+            </a:r>
+          </a:p>
+        </p:txBody>
+      </p:sp>
+      <p:sp>
+        <p:nvSpPr>
+          <p:cNvPr id="3" name="Footer Placeholder 2">
+            <a:extLst>
+              <a:ext uri="{FF2B5EF4-FFF2-40B4-BE49-F238E27FC236}">
+                <a16:creationId xmlns:a16="http://schemas.microsoft.com/office/drawing/2014/main" id="{51043A4A-0C29-4410-B5DB-F8BB34717B12}"/>
+              </a:ext>
+            </a:extLst>
+          </p:cNvPr>
+          <p:cNvSpPr>
+            <a:spLocks noGrp="1"/>
+          </p:cNvSpPr>
+          <p:nvPr>
+            <p:ph type="ftr" sz="quarter" idx="10"/>
+          </p:nvPr>
+        </p:nvSpPr>
+        <p:spPr/>
+        <p:txBody>
+          <a:bodyPr/>
+          <a:lstStyle/>
+          <a:p>
+            <a:r>
+              <a:rPr lang="de-DE"/>
+              <a:t>Software Engineering</a:t>
+            </a:r>
+            <a:endParaRPr lang="de-DE" dirty="0"/>
+          </a:p>
+        </p:txBody>
+      </p:sp>
+      <p:sp>
+        <p:nvSpPr>
+          <p:cNvPr id="4" name="Slide Number Placeholder 3">
+            <a:extLst>
+              <a:ext uri="{FF2B5EF4-FFF2-40B4-BE49-F238E27FC236}">
+                <a16:creationId xmlns:a16="http://schemas.microsoft.com/office/drawing/2014/main" id="{456D5BD5-B903-4EF3-B0A5-ED380C4ED299}"/>
+              </a:ext>
+            </a:extLst>
+          </p:cNvPr>
+          <p:cNvSpPr>
+            <a:spLocks noGrp="1"/>
+          </p:cNvSpPr>
+          <p:nvPr>
+            <p:ph type="sldNum" sz="quarter" idx="11"/>
+          </p:nvPr>
+        </p:nvSpPr>
+        <p:spPr/>
+        <p:txBody>
+          <a:bodyPr/>
+          <a:lstStyle/>
+          <a:p>
+            <a:fld id="{815DB69B-0A2B-4D0B-A3BD-360AAA24381D}" type="slidenum">
+              <a:rPr lang="de-DE" smtClean="0"/>
+              <a:pPr/>
+              <a:t>10</a:t>
+            </a:fld>
+            <a:endParaRPr lang="de-DE" dirty="0"/>
+          </a:p>
+        </p:txBody>
+      </p:sp>
+      <p:pic>
+        <p:nvPicPr>
+          <p:cNvPr id="7" name="Picture 6" descr="A screenshot of a computer&#10;&#10;Description automatically generated">
+            <a:extLst>
+              <a:ext uri="{FF2B5EF4-FFF2-40B4-BE49-F238E27FC236}">
+                <a16:creationId xmlns:a16="http://schemas.microsoft.com/office/drawing/2014/main" id="{542C5777-C084-429C-AD29-135A0F834580}"/>
+              </a:ext>
+            </a:extLst>
+          </p:cNvPr>
+          <p:cNvPicPr>
+            <a:picLocks noChangeAspect="1"/>
+          </p:cNvPicPr>
+          <p:nvPr/>
+        </p:nvPicPr>
+        <p:blipFill>
+          <a:blip r:embed="rId2">
+            <a:extLst>
+              <a:ext uri="{28A0092B-C50C-407E-A947-70E740481C1C}">
+                <a14:useLocalDpi xmlns:a14="http://schemas.microsoft.com/office/drawing/2010/main" val="0"/>
+              </a:ext>
+            </a:extLst>
+          </a:blip>
+          <a:stretch>
+            <a:fillRect/>
+          </a:stretch>
+        </p:blipFill>
+        <p:spPr>
+          <a:xfrm>
+            <a:off x="423990" y="1290401"/>
+            <a:ext cx="9057456" cy="4834589"/>
+          </a:xfrm>
+          <a:prstGeom prst="rect">
+            <a:avLst/>
+          </a:prstGeom>
+        </p:spPr>
+      </p:pic>
+    </p:spTree>
+    <p:extLst>
+      <p:ext uri="{BB962C8B-B14F-4D97-AF65-F5344CB8AC3E}">
+        <p14:creationId xmlns:p14="http://schemas.microsoft.com/office/powerpoint/2010/main" val="1965978176"/>
+      </p:ext>
+    </p:extLst>
+  </p:cSld>
+  <p:clrMapOvr>
+    <a:masterClrMapping/>
+  </p:clrMapOvr>
+</p:sld>
+</file>
+
+<file path=ppt/slides/slide11.xml><?xml version="1.0" encoding="utf-8"?>
+<p:sld xmlns:a="http://schemas.openxmlformats.org/drawingml/2006/main" xmlns:r="http://schemas.openxmlformats.org/officeDocument/2006/relationships" xmlns:p="http://schemas.openxmlformats.org/presentationml/2006/main">
+  <p:cSld>
+    <p:spTree>
+      <p:nvGrpSpPr>
+        <p:cNvPr id="1" name=""/>
+        <p:cNvGrpSpPr/>
+        <p:nvPr/>
+      </p:nvGrpSpPr>
+      <p:grpSpPr>
+        <a:xfrm>
+          <a:off x="0" y="0"/>
+          <a:ext cx="0" cy="0"/>
+          <a:chOff x="0" y="0"/>
+          <a:chExt cx="0" cy="0"/>
+        </a:xfrm>
+      </p:grpSpPr>
+      <p:sp>
+        <p:nvSpPr>
+          <p:cNvPr id="2" name="Title 1">
+            <a:extLst>
+              <a:ext uri="{FF2B5EF4-FFF2-40B4-BE49-F238E27FC236}">
+                <a16:creationId xmlns:a16="http://schemas.microsoft.com/office/drawing/2014/main" id="{372BBCAC-B08D-48EA-AFBF-FE4ED61AECD5}"/>
+              </a:ext>
+            </a:extLst>
+          </p:cNvPr>
+          <p:cNvSpPr>
+            <a:spLocks noGrp="1"/>
+          </p:cNvSpPr>
+          <p:nvPr>
+            <p:ph type="title"/>
+          </p:nvPr>
+        </p:nvSpPr>
+        <p:spPr/>
+        <p:txBody>
+          <a:bodyPr/>
+          <a:lstStyle/>
+          <a:p>
+            <a:r>
+              <a:rPr lang="en-GB" dirty="0"/>
+              <a:t>Code View</a:t>
+            </a:r>
+          </a:p>
+        </p:txBody>
+      </p:sp>
+      <p:sp>
+        <p:nvSpPr>
+          <p:cNvPr id="3" name="Footer Placeholder 2">
+            <a:extLst>
+              <a:ext uri="{FF2B5EF4-FFF2-40B4-BE49-F238E27FC236}">
+                <a16:creationId xmlns:a16="http://schemas.microsoft.com/office/drawing/2014/main" id="{51043A4A-0C29-4410-B5DB-F8BB34717B12}"/>
+              </a:ext>
+            </a:extLst>
+          </p:cNvPr>
+          <p:cNvSpPr>
+            <a:spLocks noGrp="1"/>
+          </p:cNvSpPr>
+          <p:nvPr>
+            <p:ph type="ftr" sz="quarter" idx="10"/>
+          </p:nvPr>
+        </p:nvSpPr>
+        <p:spPr/>
+        <p:txBody>
+          <a:bodyPr/>
+          <a:lstStyle/>
+          <a:p>
+            <a:r>
+              <a:rPr lang="de-DE"/>
+              <a:t>Software Engineering</a:t>
+            </a:r>
+            <a:endParaRPr lang="de-DE" dirty="0"/>
+          </a:p>
+        </p:txBody>
+      </p:sp>
+      <p:sp>
+        <p:nvSpPr>
+          <p:cNvPr id="4" name="Slide Number Placeholder 3">
+            <a:extLst>
+              <a:ext uri="{FF2B5EF4-FFF2-40B4-BE49-F238E27FC236}">
+                <a16:creationId xmlns:a16="http://schemas.microsoft.com/office/drawing/2014/main" id="{456D5BD5-B903-4EF3-B0A5-ED380C4ED299}"/>
+              </a:ext>
+            </a:extLst>
+          </p:cNvPr>
+          <p:cNvSpPr>
+            <a:spLocks noGrp="1"/>
+          </p:cNvSpPr>
+          <p:nvPr>
+            <p:ph type="sldNum" sz="quarter" idx="11"/>
+          </p:nvPr>
+        </p:nvSpPr>
+        <p:spPr/>
+        <p:txBody>
+          <a:bodyPr/>
+          <a:lstStyle/>
+          <a:p>
+            <a:fld id="{815DB69B-0A2B-4D0B-A3BD-360AAA24381D}" type="slidenum">
+              <a:rPr lang="de-DE" smtClean="0"/>
+              <a:pPr/>
+              <a:t>11</a:t>
+            </a:fld>
+            <a:endParaRPr lang="de-DE" dirty="0"/>
+          </a:p>
+        </p:txBody>
+      </p:sp>
+      <p:pic>
+        <p:nvPicPr>
+          <p:cNvPr id="7" name="Picture 6">
+            <a:extLst>
+              <a:ext uri="{FF2B5EF4-FFF2-40B4-BE49-F238E27FC236}">
+                <a16:creationId xmlns:a16="http://schemas.microsoft.com/office/drawing/2014/main" id="{542C5777-C084-429C-AD29-135A0F834580}"/>
+              </a:ext>
+            </a:extLst>
+          </p:cNvPr>
+          <p:cNvPicPr>
+            <a:picLocks noChangeAspect="1"/>
+          </p:cNvPicPr>
+          <p:nvPr/>
+        </p:nvPicPr>
+        <p:blipFill>
+          <a:blip r:embed="rId2">
+            <a:extLst>
+              <a:ext uri="{28A0092B-C50C-407E-A947-70E740481C1C}">
+                <a14:useLocalDpi xmlns:a14="http://schemas.microsoft.com/office/drawing/2010/main" val="0"/>
+              </a:ext>
+            </a:extLst>
+          </a:blip>
+          <a:srcRect/>
+          <a:stretch/>
+        </p:blipFill>
+        <p:spPr>
+          <a:xfrm>
+            <a:off x="423990" y="1316711"/>
+            <a:ext cx="9057456" cy="4781968"/>
+          </a:xfrm>
+          <a:prstGeom prst="rect">
+            <a:avLst/>
+          </a:prstGeom>
+        </p:spPr>
+      </p:pic>
+    </p:spTree>
+    <p:extLst>
+      <p:ext uri="{BB962C8B-B14F-4D97-AF65-F5344CB8AC3E}">
+        <p14:creationId xmlns:p14="http://schemas.microsoft.com/office/powerpoint/2010/main" val="4244844197"/>
+      </p:ext>
+    </p:extLst>
+  </p:cSld>
+  <p:clrMapOvr>
+    <a:masterClrMapping/>
+  </p:clrMapOvr>
+</p:sld>
+</file>
+
+<file path=ppt/slides/slide12.xml><?xml version="1.0" encoding="utf-8"?>
+<p:sld xmlns:a="http://schemas.openxmlformats.org/drawingml/2006/main" xmlns:r="http://schemas.openxmlformats.org/officeDocument/2006/relationships" xmlns:p="http://schemas.openxmlformats.org/presentationml/2006/main">
+  <p:cSld>
+    <p:spTree>
+      <p:nvGrpSpPr>
+        <p:cNvPr id="1" name=""/>
+        <p:cNvGrpSpPr/>
+        <p:nvPr/>
+      </p:nvGrpSpPr>
+      <p:grpSpPr>
+        <a:xfrm>
+          <a:off x="0" y="0"/>
+          <a:ext cx="0" cy="0"/>
+          <a:chOff x="0" y="0"/>
+          <a:chExt cx="0" cy="0"/>
+        </a:xfrm>
+      </p:grpSpPr>
+      <p:sp>
+        <p:nvSpPr>
           <p:cNvPr id="3" name="Footer Placeholder 2">
             <a:extLst>
               <a:ext uri="{FF2B5EF4-FFF2-40B4-BE49-F238E27FC236}">
@@ -27766,7 +28070,7 @@
             <a:fld id="{815DB69B-0A2B-4D0B-A3BD-360AAA24381D}" type="slidenum">
               <a:rPr lang="de-DE" smtClean="0"/>
               <a:pPr/>
-              <a:t>10</a:t>
+              <a:t>12</a:t>
             </a:fld>
             <a:endParaRPr lang="de-DE" dirty="0"/>
           </a:p>
@@ -27821,7 +28125,7 @@
 </p:sld>
 </file>
 
-<file path=ppt/slides/slide11.xml><?xml version="1.0" encoding="utf-8"?>
+<file path=ppt/slides/slide13.xml><?xml version="1.0" encoding="utf-8"?>
 <p:sld xmlns:a="http://schemas.openxmlformats.org/drawingml/2006/main" xmlns:r="http://schemas.openxmlformats.org/officeDocument/2006/relationships" xmlns:p="http://schemas.openxmlformats.org/presentationml/2006/main">
   <p:cSld>
     <p:spTree>
@@ -27923,7 +28227,7 @@
             <a:fld id="{815DB69B-0A2B-4D0B-A3BD-360AAA24381D}" type="slidenum">
               <a:rPr lang="de-DE" smtClean="0"/>
               <a:pPr/>
-              <a:t>11</a:t>
+              <a:t>13</a:t>
             </a:fld>
             <a:endParaRPr lang="de-DE" dirty="0"/>
           </a:p>
@@ -28247,7 +28551,7 @@
 </p:sld>
 </file>
 
-<file path=ppt/slides/slide12.xml><?xml version="1.0" encoding="utf-8"?>
+<file path=ppt/slides/slide14.xml><?xml version="1.0" encoding="utf-8"?>
 <p:sld xmlns:a="http://schemas.openxmlformats.org/drawingml/2006/main" xmlns:r="http://schemas.openxmlformats.org/officeDocument/2006/relationships" xmlns:p="http://schemas.openxmlformats.org/presentationml/2006/main">
   <p:cSld>
     <p:spTree>
@@ -28317,7 +28621,7 @@
             <a:fld id="{815DB69B-0A2B-4D0B-A3BD-360AAA24381D}" type="slidenum">
               <a:rPr lang="de-DE" smtClean="0"/>
               <a:pPr/>
-              <a:t>12</a:t>
+              <a:t>14</a:t>
             </a:fld>
             <a:endParaRPr lang="de-DE" dirty="0"/>
           </a:p>
@@ -28467,7 +28771,7 @@
 </p:sld>
 </file>
 
-<file path=ppt/slides/slide13.xml><?xml version="1.0" encoding="utf-8"?>
+<file path=ppt/slides/slide15.xml><?xml version="1.0" encoding="utf-8"?>
 <p:sld xmlns:a="http://schemas.openxmlformats.org/drawingml/2006/main" xmlns:r="http://schemas.openxmlformats.org/officeDocument/2006/relationships" xmlns:p="http://schemas.openxmlformats.org/presentationml/2006/main">
   <p:cSld>
     <p:spTree>
@@ -28569,7 +28873,7 @@
             <a:fld id="{815DB69B-0A2B-4D0B-A3BD-360AAA24381D}" type="slidenum">
               <a:rPr lang="de-DE" smtClean="0"/>
               <a:pPr/>
-              <a:t>13</a:t>
+              <a:t>15</a:t>
             </a:fld>
             <a:endParaRPr lang="de-DE" dirty="0"/>
           </a:p>
@@ -28670,7 +28974,7 @@
 </p:sld>
 </file>
 
-<file path=ppt/slides/slide14.xml><?xml version="1.0" encoding="utf-8"?>
+<file path=ppt/slides/slide16.xml><?xml version="1.0" encoding="utf-8"?>
 <p:sld xmlns:a="http://schemas.openxmlformats.org/drawingml/2006/main" xmlns:r="http://schemas.openxmlformats.org/officeDocument/2006/relationships" xmlns:p="http://schemas.openxmlformats.org/presentationml/2006/main">
   <p:cSld>
     <p:spTree>
@@ -28772,7 +29076,7 @@
             <a:fld id="{815DB69B-0A2B-4D0B-A3BD-360AAA24381D}" type="slidenum">
               <a:rPr lang="de-DE" smtClean="0"/>
               <a:pPr/>
-              <a:t>14</a:t>
+              <a:t>16</a:t>
             </a:fld>
             <a:endParaRPr lang="de-DE" dirty="0"/>
           </a:p>
@@ -28876,7 +29180,7 @@
 </p:sld>
 </file>
 
-<file path=ppt/slides/slide15.xml><?xml version="1.0" encoding="utf-8"?>
+<file path=ppt/slides/slide17.xml><?xml version="1.0" encoding="utf-8"?>
 <p:sld xmlns:a="http://schemas.openxmlformats.org/drawingml/2006/main" xmlns:r="http://schemas.openxmlformats.org/officeDocument/2006/relationships" xmlns:p="http://schemas.openxmlformats.org/presentationml/2006/main">
   <p:cSld>
     <p:spTree>
@@ -28978,7 +29282,7 @@
             <a:fld id="{815DB69B-0A2B-4D0B-A3BD-360AAA24381D}" type="slidenum">
               <a:rPr lang="de-DE" smtClean="0"/>
               <a:pPr/>
-              <a:t>15</a:t>
+              <a:t>17</a:t>
             </a:fld>
             <a:endParaRPr lang="de-DE" dirty="0"/>
           </a:p>
@@ -29396,7 +29700,7 @@
 </p:sld>
 </file>
 
-<file path=ppt/slides/slide16.xml><?xml version="1.0" encoding="utf-8"?>
+<file path=ppt/slides/slide18.xml><?xml version="1.0" encoding="utf-8"?>
 <p:sld xmlns:a="http://schemas.openxmlformats.org/drawingml/2006/main" xmlns:r="http://schemas.openxmlformats.org/officeDocument/2006/relationships" xmlns:p="http://schemas.openxmlformats.org/presentationml/2006/main">
   <p:cSld>
     <p:spTree>
@@ -29494,7 +29798,7 @@
             <a:fld id="{815DB69B-0A2B-4D0B-A3BD-360AAA24381D}" type="slidenum">
               <a:rPr lang="de-DE" smtClean="0"/>
               <a:pPr/>
-              <a:t>16</a:t>
+              <a:t>18</a:t>
             </a:fld>
             <a:endParaRPr lang="de-DE" dirty="0"/>
           </a:p>
@@ -29549,7 +29853,7 @@
             <a:endParaRPr lang="en-GB" dirty="0"/>
           </a:p>
           <a:p>
-            <a:pPr>
+            <a:pPr lvl="2">
               <a:buFont typeface="Wingdings" panose="05000000000000000000" pitchFamily="2" charset="2"/>
               <a:buChar char="§"/>
             </a:pPr>
@@ -29559,7 +29863,7 @@
             </a:r>
           </a:p>
           <a:p>
-            <a:pPr>
+            <a:pPr lvl="2">
               <a:buFont typeface="Wingdings" panose="05000000000000000000" pitchFamily="2" charset="2"/>
               <a:buChar char="§"/>
             </a:pPr>
@@ -29569,7 +29873,7 @@
             </a:r>
           </a:p>
           <a:p>
-            <a:pPr>
+            <a:pPr lvl="2">
               <a:buFont typeface="Wingdings" panose="05000000000000000000" pitchFamily="2" charset="2"/>
               <a:buChar char="§"/>
             </a:pPr>
@@ -29579,7 +29883,7 @@
             </a:r>
           </a:p>
           <a:p>
-            <a:pPr>
+            <a:pPr lvl="2">
               <a:buFont typeface="Wingdings" panose="05000000000000000000" pitchFamily="2" charset="2"/>
               <a:buChar char="§"/>
             </a:pPr>
@@ -29589,7 +29893,7 @@
             </a:r>
           </a:p>
           <a:p>
-            <a:pPr>
+            <a:pPr lvl="2">
               <a:buFont typeface="Wingdings" panose="05000000000000000000" pitchFamily="2" charset="2"/>
               <a:buChar char="§"/>
             </a:pPr>
@@ -29628,7 +29932,7 @@
         </p:blipFill>
         <p:spPr>
           <a:xfrm>
-            <a:off x="3440832" y="1290909"/>
+            <a:off x="5549773" y="1290909"/>
             <a:ext cx="1057275" cy="1057275"/>
           </a:xfrm>
           <a:prstGeom prst="rect">
@@ -29649,7 +29953,7 @@
 </p:sld>
 </file>
 
-<file path=ppt/slides/slide17.xml><?xml version="1.0" encoding="utf-8"?>
+<file path=ppt/slides/slide19.xml><?xml version="1.0" encoding="utf-8"?>
 <p:sld xmlns:a="http://schemas.openxmlformats.org/drawingml/2006/main" xmlns:r="http://schemas.openxmlformats.org/officeDocument/2006/relationships" xmlns:p="http://schemas.openxmlformats.org/presentationml/2006/main">
   <p:cSld>
     <p:spTree>
@@ -29719,7 +30023,7 @@
             <a:fld id="{815DB69B-0A2B-4D0B-A3BD-360AAA24381D}" type="slidenum">
               <a:rPr lang="de-DE" smtClean="0"/>
               <a:pPr/>
-              <a:t>17</a:t>
+              <a:t>19</a:t>
             </a:fld>
             <a:endParaRPr lang="de-DE" dirty="0"/>
           </a:p>
@@ -29774,7 +30078,419 @@
 </p:sld>
 </file>
 
-<file path=ppt/slides/slide18.xml><?xml version="1.0" encoding="utf-8"?>
+<file path=ppt/slides/slide2.xml><?xml version="1.0" encoding="utf-8"?>
+<p:sld xmlns:a="http://schemas.openxmlformats.org/drawingml/2006/main" xmlns:r="http://schemas.openxmlformats.org/officeDocument/2006/relationships" xmlns:p="http://schemas.openxmlformats.org/presentationml/2006/main">
+  <p:cSld>
+    <p:spTree>
+      <p:nvGrpSpPr>
+        <p:cNvPr id="1" name=""/>
+        <p:cNvGrpSpPr/>
+        <p:nvPr/>
+      </p:nvGrpSpPr>
+      <p:grpSpPr>
+        <a:xfrm>
+          <a:off x="0" y="0"/>
+          <a:ext cx="0" cy="0"/>
+          <a:chOff x="0" y="0"/>
+          <a:chExt cx="0" cy="0"/>
+        </a:xfrm>
+      </p:grpSpPr>
+      <p:sp>
+        <p:nvSpPr>
+          <p:cNvPr id="4" name="Foliennummernplatzhalter 3"/>
+          <p:cNvSpPr>
+            <a:spLocks noGrp="1"/>
+          </p:cNvSpPr>
+          <p:nvPr>
+            <p:ph type="sldNum" sz="quarter" idx="11"/>
+          </p:nvPr>
+        </p:nvSpPr>
+        <p:spPr/>
+        <p:txBody>
+          <a:bodyPr/>
+          <a:lstStyle/>
+          <a:p>
+            <a:fld id="{815DB69B-0A2B-4D0B-A3BD-360AAA24381D}" type="slidenum">
+              <a:rPr lang="de-DE" smtClean="0"/>
+              <a:pPr/>
+              <a:t>2</a:t>
+            </a:fld>
+            <a:endParaRPr lang="de-DE" dirty="0"/>
+          </a:p>
+        </p:txBody>
+      </p:sp>
+      <p:sp>
+        <p:nvSpPr>
+          <p:cNvPr id="5" name="Textplatzhalter 4"/>
+          <p:cNvSpPr>
+            <a:spLocks noGrp="1"/>
+          </p:cNvSpPr>
+          <p:nvPr>
+            <p:ph type="body" sz="quarter" idx="12"/>
+          </p:nvPr>
+        </p:nvSpPr>
+        <p:spPr>
+          <a:xfrm>
+            <a:off x="452374" y="1354002"/>
+            <a:ext cx="3626081" cy="2096235"/>
+          </a:xfrm>
+        </p:spPr>
+        <p:txBody>
+          <a:bodyPr/>
+          <a:lstStyle/>
+          <a:p>
+            <a:endParaRPr lang="en-GB" dirty="0"/>
+          </a:p>
+          <a:p>
+            <a:r>
+              <a:rPr lang="en-GB" dirty="0"/>
+              <a:t>Johnson et al.</a:t>
+            </a:r>
+            <a:endParaRPr lang="en-GB" sz="1600" dirty="0"/>
+          </a:p>
+          <a:p>
+            <a:pPr marL="466362" lvl="1" indent="0">
+              <a:buNone/>
+            </a:pPr>
+            <a:endParaRPr lang="en-GB" sz="1600" dirty="0"/>
+          </a:p>
+          <a:p>
+            <a:pPr marL="360000" lvl="1" indent="-360000"/>
+            <a:r>
+              <a:rPr lang="en-GB" dirty="0"/>
+              <a:t>Christakis et al.</a:t>
+            </a:r>
+            <a:br>
+              <a:rPr lang="en-GB" dirty="0"/>
+            </a:br>
+            <a:endParaRPr lang="en-GB" dirty="0"/>
+          </a:p>
+          <a:p>
+            <a:pPr marL="360000" lvl="1" indent="-360000"/>
+            <a:endParaRPr lang="en-GB" dirty="0"/>
+          </a:p>
+          <a:p>
+            <a:pPr marL="360000" lvl="1" indent="-360000"/>
+            <a:endParaRPr lang="en-GB" dirty="0"/>
+          </a:p>
+          <a:p>
+            <a:pPr marL="360000" lvl="1" indent="-360000"/>
+            <a:endParaRPr lang="en-GB" dirty="0"/>
+          </a:p>
+          <a:p>
+            <a:pPr marL="360000" lvl="1" indent="-360000"/>
+            <a:r>
+              <a:rPr lang="en-GB" dirty="0"/>
+              <a:t>Habib et al.</a:t>
+            </a:r>
+            <a:br>
+              <a:rPr lang="en-GB" dirty="0"/>
+            </a:br>
+            <a:endParaRPr lang="en-GB" dirty="0"/>
+          </a:p>
+          <a:p>
+            <a:pPr lvl="1">
+              <a:buFontTx/>
+              <a:buChar char="-"/>
+            </a:pPr>
+            <a:endParaRPr lang="en-GB" sz="1600" dirty="0"/>
+          </a:p>
+          <a:p>
+            <a:pPr>
+              <a:buFontTx/>
+              <a:buChar char="-"/>
+            </a:pPr>
+            <a:endParaRPr lang="de-DE" dirty="0"/>
+          </a:p>
+          <a:p>
+            <a:pPr>
+              <a:buFontTx/>
+              <a:buChar char="-"/>
+            </a:pPr>
+            <a:endParaRPr lang="de-DE" dirty="0"/>
+          </a:p>
+        </p:txBody>
+      </p:sp>
+      <p:sp>
+        <p:nvSpPr>
+          <p:cNvPr id="3" name="Fußzeilenplatzhalter 2"/>
+          <p:cNvSpPr>
+            <a:spLocks noGrp="1"/>
+          </p:cNvSpPr>
+          <p:nvPr>
+            <p:ph type="ftr" sz="quarter" idx="10"/>
+          </p:nvPr>
+        </p:nvSpPr>
+        <p:spPr/>
+        <p:txBody>
+          <a:bodyPr/>
+          <a:lstStyle/>
+          <a:p>
+            <a:r>
+              <a:rPr lang="de-DE"/>
+              <a:t>Software Engineering</a:t>
+            </a:r>
+            <a:endParaRPr lang="de-DE" dirty="0"/>
+          </a:p>
+        </p:txBody>
+      </p:sp>
+      <p:sp>
+        <p:nvSpPr>
+          <p:cNvPr id="8" name="Titel 1">
+            <a:extLst>
+              <a:ext uri="{FF2B5EF4-FFF2-40B4-BE49-F238E27FC236}">
+                <a16:creationId xmlns:a16="http://schemas.microsoft.com/office/drawing/2014/main" id="{8F3356E1-DF59-4BA5-8E40-09958117AED1}"/>
+              </a:ext>
+            </a:extLst>
+          </p:cNvPr>
+          <p:cNvSpPr>
+            <a:spLocks noGrp="1"/>
+          </p:cNvSpPr>
+          <p:nvPr>
+            <p:ph type="title"/>
+          </p:nvPr>
+        </p:nvSpPr>
+        <p:spPr>
+          <a:xfrm>
+            <a:off x="270900" y="188642"/>
+            <a:ext cx="9363637" cy="1079772"/>
+          </a:xfrm>
+        </p:spPr>
+        <p:txBody>
+          <a:bodyPr/>
+          <a:lstStyle/>
+          <a:p>
+            <a:r>
+              <a:rPr lang="de-DE" dirty="0">
+                <a:solidFill>
+                  <a:schemeClr val="tx2"/>
+                </a:solidFill>
+              </a:rPr>
+              <a:t>Static Code Analysis</a:t>
+            </a:r>
+          </a:p>
+        </p:txBody>
+      </p:sp>
+      <p:sp>
+        <p:nvSpPr>
+          <p:cNvPr id="6" name="Rectangle 5">
+            <a:extLst>
+              <a:ext uri="{FF2B5EF4-FFF2-40B4-BE49-F238E27FC236}">
+                <a16:creationId xmlns:a16="http://schemas.microsoft.com/office/drawing/2014/main" id="{DDFAA2B6-4D61-4CED-ACEF-6473307B202E}"/>
+              </a:ext>
+            </a:extLst>
+          </p:cNvPr>
+          <p:cNvSpPr/>
+          <p:nvPr/>
+        </p:nvSpPr>
+        <p:spPr>
+          <a:xfrm>
+            <a:off x="6249144" y="3080905"/>
+            <a:ext cx="1787669" cy="369332"/>
+          </a:xfrm>
+          <a:prstGeom prst="rect">
+            <a:avLst/>
+          </a:prstGeom>
+        </p:spPr>
+        <p:txBody>
+          <a:bodyPr wrap="none">
+            <a:spAutoFit/>
+          </a:bodyPr>
+          <a:lstStyle/>
+          <a:p>
+            <a:r>
+              <a:rPr lang="de-DE" dirty="0">
+                <a:solidFill>
+                  <a:srgbClr val="00B050"/>
+                </a:solidFill>
+              </a:rPr>
+              <a:t>Usability Issues</a:t>
+            </a:r>
+            <a:endParaRPr lang="LID4096" dirty="0">
+              <a:solidFill>
+                <a:srgbClr val="00B050"/>
+              </a:solidFill>
+            </a:endParaRPr>
+          </a:p>
+        </p:txBody>
+      </p:sp>
+      <p:sp>
+        <p:nvSpPr>
+          <p:cNvPr id="13" name="TextBox 12">
+            <a:extLst>
+              <a:ext uri="{FF2B5EF4-FFF2-40B4-BE49-F238E27FC236}">
+                <a16:creationId xmlns:a16="http://schemas.microsoft.com/office/drawing/2014/main" id="{8573BD47-F90D-4FA1-8B25-00A8EA62085C}"/>
+              </a:ext>
+            </a:extLst>
+          </p:cNvPr>
+          <p:cNvSpPr txBox="1"/>
+          <p:nvPr/>
+        </p:nvSpPr>
+        <p:spPr>
+          <a:xfrm>
+            <a:off x="270900" y="5269404"/>
+            <a:ext cx="9324347" cy="1400383"/>
+          </a:xfrm>
+          <a:prstGeom prst="rect">
+            <a:avLst/>
+          </a:prstGeom>
+          <a:noFill/>
+        </p:spPr>
+        <p:txBody>
+          <a:bodyPr wrap="none" lIns="0" rIns="0" rtlCol="0">
+            <a:spAutoFit/>
+          </a:bodyPr>
+          <a:lstStyle/>
+          <a:p>
+            <a:pPr marL="360000" indent="-360000">
+              <a:spcAft>
+                <a:spcPts val="1000"/>
+              </a:spcAft>
+              <a:buClr>
+                <a:schemeClr val="tx2"/>
+              </a:buClr>
+              <a:buSzPct val="80000"/>
+              <a:buFont typeface="Wingdings" panose="05000000000000000000" pitchFamily="2" charset="2"/>
+              <a:buChar char="v"/>
+            </a:pPr>
+            <a:r>
+              <a:rPr lang="en-GB" sz="1000" dirty="0"/>
+              <a:t>Brittany Johnson, </a:t>
+            </a:r>
+            <a:r>
+              <a:rPr lang="en-GB" sz="1000" dirty="0" err="1"/>
+              <a:t>Yoonki</a:t>
+            </a:r>
+            <a:r>
+              <a:rPr lang="en-GB" sz="1000" dirty="0"/>
+              <a:t> Song, Emerson Murphy-Hill, and Robert </a:t>
+            </a:r>
+            <a:r>
+              <a:rPr lang="en-GB" sz="1000" dirty="0" err="1"/>
+              <a:t>Bowdidge</a:t>
+            </a:r>
+            <a:r>
+              <a:rPr lang="en-GB" sz="1000" dirty="0"/>
+              <a:t>. 2013. Why don't software developers use static analysis tools to find bugs?. </a:t>
+            </a:r>
+            <a:br>
+              <a:rPr lang="en-GB" sz="1000" dirty="0"/>
+            </a:br>
+            <a:r>
+              <a:rPr lang="en-GB" sz="1000" dirty="0"/>
+              <a:t>In </a:t>
+            </a:r>
+            <a:r>
+              <a:rPr lang="en-GB" sz="1000" i="1" dirty="0"/>
+              <a:t>Proceedings of the 2013 International Conference on Software Engineering</a:t>
+            </a:r>
+            <a:r>
+              <a:rPr lang="en-GB" sz="1000" dirty="0"/>
+              <a:t> (ICSE '13). IEEE Press, Piscataway, NJ, USA, 672-681.</a:t>
+            </a:r>
+          </a:p>
+          <a:p>
+            <a:pPr marL="360000" indent="-360000">
+              <a:spcAft>
+                <a:spcPts val="1000"/>
+              </a:spcAft>
+              <a:buClr>
+                <a:schemeClr val="tx2"/>
+              </a:buClr>
+              <a:buSzPct val="80000"/>
+              <a:buFont typeface="Wingdings" panose="05000000000000000000" pitchFamily="2" charset="2"/>
+              <a:buChar char="v"/>
+            </a:pPr>
+            <a:r>
+              <a:rPr lang="en-GB" sz="1000" dirty="0"/>
+              <a:t>Maria Christakis and Christian Bird. 2016. What developers want and need from program analysis: an empirical study. In </a:t>
+            </a:r>
+            <a:r>
+              <a:rPr lang="en-GB" sz="1000" i="1" dirty="0"/>
+              <a:t>Proceedings of the 31st IEEE/ACM </a:t>
+            </a:r>
+            <a:br>
+              <a:rPr lang="en-GB" sz="1000" i="1" dirty="0"/>
+            </a:br>
+            <a:r>
+              <a:rPr lang="en-GB" sz="1000" i="1" dirty="0"/>
+              <a:t>International Conference on Automated Software Engineering</a:t>
+            </a:r>
+            <a:r>
+              <a:rPr lang="en-GB" sz="1000" dirty="0"/>
+              <a:t> (ASE 2016). ACM, New York, NY, USA, 332-343. DOI: </a:t>
+            </a:r>
+            <a:r>
+              <a:rPr lang="en-GB" sz="1000" dirty="0">
+                <a:hlinkClick r:id="rId3"/>
+              </a:rPr>
+              <a:t>https://doi.org/10.1145/2970276.2970347</a:t>
+            </a:r>
+            <a:endParaRPr lang="en-GB" sz="1000" dirty="0"/>
+          </a:p>
+          <a:p>
+            <a:pPr marL="360000" indent="-360000">
+              <a:spcAft>
+                <a:spcPts val="1000"/>
+              </a:spcAft>
+              <a:buClr>
+                <a:schemeClr val="tx2"/>
+              </a:buClr>
+              <a:buSzPct val="80000"/>
+              <a:buFont typeface="Wingdings" panose="05000000000000000000" pitchFamily="2" charset="2"/>
+              <a:buChar char="v"/>
+            </a:pPr>
+            <a:r>
+              <a:rPr lang="en-GB" sz="1000" dirty="0"/>
+              <a:t>Habib, A., &amp; </a:t>
+            </a:r>
+            <a:r>
+              <a:rPr lang="en-GB" sz="1000" dirty="0" err="1"/>
+              <a:t>Pradel</a:t>
+            </a:r>
+            <a:r>
+              <a:rPr lang="en-GB" sz="1000" dirty="0"/>
+              <a:t>, M. (2018, September). How many of all bugs do we find? a study of static bug detectors. In </a:t>
+            </a:r>
+            <a:r>
+              <a:rPr lang="en-GB" sz="1000" i="1" dirty="0"/>
+              <a:t>ASE</a:t>
+            </a:r>
+            <a:r>
+              <a:rPr lang="en-GB" sz="1000" dirty="0"/>
+              <a:t> (pp. 317-328).</a:t>
+            </a:r>
+          </a:p>
+          <a:p>
+            <a:pPr marL="360000" indent="-360000">
+              <a:spcAft>
+                <a:spcPts val="1000"/>
+              </a:spcAft>
+              <a:buClr>
+                <a:schemeClr val="tx2"/>
+              </a:buClr>
+              <a:buSzPct val="80000"/>
+              <a:buFont typeface="Wingdings" panose="05000000000000000000" pitchFamily="2" charset="2"/>
+              <a:buChar char="v"/>
+            </a:pPr>
+            <a:endParaRPr lang="LID4096" sz="1000" dirty="0" err="1"/>
+          </a:p>
+        </p:txBody>
+      </p:sp>
+    </p:spTree>
+    <p:extLst>
+      <p:ext uri="{BB962C8B-B14F-4D97-AF65-F5344CB8AC3E}">
+        <p14:creationId xmlns:p14="http://schemas.microsoft.com/office/powerpoint/2010/main" val="2155070845"/>
+      </p:ext>
+    </p:extLst>
+  </p:cSld>
+  <p:clrMapOvr>
+    <a:masterClrMapping/>
+  </p:clrMapOvr>
+</p:sld>
+</file>
+
+<file path=ppt/slides/slide20.xml><?xml version="1.0" encoding="utf-8"?>
 <p:sld xmlns:a="http://schemas.openxmlformats.org/drawingml/2006/main" xmlns:r="http://schemas.openxmlformats.org/officeDocument/2006/relationships" xmlns:p="http://schemas.openxmlformats.org/presentationml/2006/main">
   <p:cSld>
     <p:spTree>
@@ -29876,7 +30592,7 @@
             <a:fld id="{815DB69B-0A2B-4D0B-A3BD-360AAA24381D}" type="slidenum">
               <a:rPr lang="de-DE" smtClean="0"/>
               <a:pPr/>
-              <a:t>18</a:t>
+              <a:t>20</a:t>
             </a:fld>
             <a:endParaRPr lang="de-DE" dirty="0"/>
           </a:p>
@@ -30303,7 +31019,7 @@
 </p:sld>
 </file>
 
-<file path=ppt/slides/slide19.xml><?xml version="1.0" encoding="utf-8"?>
+<file path=ppt/slides/slide21.xml><?xml version="1.0" encoding="utf-8"?>
 <p:sld xmlns:a="http://schemas.openxmlformats.org/drawingml/2006/main" xmlns:r="http://schemas.openxmlformats.org/officeDocument/2006/relationships" xmlns:p="http://schemas.openxmlformats.org/presentationml/2006/main">
   <p:cSld>
     <p:spTree>
@@ -30373,7 +31089,7 @@
             <a:fld id="{815DB69B-0A2B-4D0B-A3BD-360AAA24381D}" type="slidenum">
               <a:rPr lang="de-DE" smtClean="0"/>
               <a:pPr/>
-              <a:t>19</a:t>
+              <a:t>21</a:t>
             </a:fld>
             <a:endParaRPr lang="de-DE" dirty="0"/>
           </a:p>
@@ -30611,419 +31327,7 @@
 </p:sld>
 </file>
 
-<file path=ppt/slides/slide2.xml><?xml version="1.0" encoding="utf-8"?>
-<p:sld xmlns:a="http://schemas.openxmlformats.org/drawingml/2006/main" xmlns:r="http://schemas.openxmlformats.org/officeDocument/2006/relationships" xmlns:p="http://schemas.openxmlformats.org/presentationml/2006/main">
-  <p:cSld>
-    <p:spTree>
-      <p:nvGrpSpPr>
-        <p:cNvPr id="1" name=""/>
-        <p:cNvGrpSpPr/>
-        <p:nvPr/>
-      </p:nvGrpSpPr>
-      <p:grpSpPr>
-        <a:xfrm>
-          <a:off x="0" y="0"/>
-          <a:ext cx="0" cy="0"/>
-          <a:chOff x="0" y="0"/>
-          <a:chExt cx="0" cy="0"/>
-        </a:xfrm>
-      </p:grpSpPr>
-      <p:sp>
-        <p:nvSpPr>
-          <p:cNvPr id="4" name="Foliennummernplatzhalter 3"/>
-          <p:cNvSpPr>
-            <a:spLocks noGrp="1"/>
-          </p:cNvSpPr>
-          <p:nvPr>
-            <p:ph type="sldNum" sz="quarter" idx="11"/>
-          </p:nvPr>
-        </p:nvSpPr>
-        <p:spPr/>
-        <p:txBody>
-          <a:bodyPr/>
-          <a:lstStyle/>
-          <a:p>
-            <a:fld id="{815DB69B-0A2B-4D0B-A3BD-360AAA24381D}" type="slidenum">
-              <a:rPr lang="de-DE" smtClean="0"/>
-              <a:pPr/>
-              <a:t>2</a:t>
-            </a:fld>
-            <a:endParaRPr lang="de-DE" dirty="0"/>
-          </a:p>
-        </p:txBody>
-      </p:sp>
-      <p:sp>
-        <p:nvSpPr>
-          <p:cNvPr id="5" name="Textplatzhalter 4"/>
-          <p:cNvSpPr>
-            <a:spLocks noGrp="1"/>
-          </p:cNvSpPr>
-          <p:nvPr>
-            <p:ph type="body" sz="quarter" idx="12"/>
-          </p:nvPr>
-        </p:nvSpPr>
-        <p:spPr>
-          <a:xfrm>
-            <a:off x="452374" y="1354002"/>
-            <a:ext cx="3626081" cy="2096235"/>
-          </a:xfrm>
-        </p:spPr>
-        <p:txBody>
-          <a:bodyPr/>
-          <a:lstStyle/>
-          <a:p>
-            <a:endParaRPr lang="en-GB" dirty="0"/>
-          </a:p>
-          <a:p>
-            <a:r>
-              <a:rPr lang="en-GB" dirty="0"/>
-              <a:t>Johnson et al.</a:t>
-            </a:r>
-            <a:endParaRPr lang="en-GB" sz="1600" dirty="0"/>
-          </a:p>
-          <a:p>
-            <a:pPr marL="466362" lvl="1" indent="0">
-              <a:buNone/>
-            </a:pPr>
-            <a:endParaRPr lang="en-GB" sz="1600" dirty="0"/>
-          </a:p>
-          <a:p>
-            <a:pPr marL="360000" lvl="1" indent="-360000"/>
-            <a:r>
-              <a:rPr lang="en-GB" dirty="0"/>
-              <a:t>Christakis et al.</a:t>
-            </a:r>
-            <a:br>
-              <a:rPr lang="en-GB" dirty="0"/>
-            </a:br>
-            <a:endParaRPr lang="en-GB" dirty="0"/>
-          </a:p>
-          <a:p>
-            <a:pPr marL="360000" lvl="1" indent="-360000"/>
-            <a:endParaRPr lang="en-GB" dirty="0"/>
-          </a:p>
-          <a:p>
-            <a:pPr marL="360000" lvl="1" indent="-360000"/>
-            <a:endParaRPr lang="en-GB" dirty="0"/>
-          </a:p>
-          <a:p>
-            <a:pPr marL="360000" lvl="1" indent="-360000"/>
-            <a:endParaRPr lang="en-GB" dirty="0"/>
-          </a:p>
-          <a:p>
-            <a:pPr marL="360000" lvl="1" indent="-360000"/>
-            <a:r>
-              <a:rPr lang="en-GB" dirty="0"/>
-              <a:t>Habib et al.</a:t>
-            </a:r>
-            <a:br>
-              <a:rPr lang="en-GB" dirty="0"/>
-            </a:br>
-            <a:endParaRPr lang="en-GB" dirty="0"/>
-          </a:p>
-          <a:p>
-            <a:pPr lvl="1">
-              <a:buFontTx/>
-              <a:buChar char="-"/>
-            </a:pPr>
-            <a:endParaRPr lang="en-GB" sz="1600" dirty="0"/>
-          </a:p>
-          <a:p>
-            <a:pPr>
-              <a:buFontTx/>
-              <a:buChar char="-"/>
-            </a:pPr>
-            <a:endParaRPr lang="de-DE" dirty="0"/>
-          </a:p>
-          <a:p>
-            <a:pPr>
-              <a:buFontTx/>
-              <a:buChar char="-"/>
-            </a:pPr>
-            <a:endParaRPr lang="de-DE" dirty="0"/>
-          </a:p>
-        </p:txBody>
-      </p:sp>
-      <p:sp>
-        <p:nvSpPr>
-          <p:cNvPr id="3" name="Fußzeilenplatzhalter 2"/>
-          <p:cNvSpPr>
-            <a:spLocks noGrp="1"/>
-          </p:cNvSpPr>
-          <p:nvPr>
-            <p:ph type="ftr" sz="quarter" idx="10"/>
-          </p:nvPr>
-        </p:nvSpPr>
-        <p:spPr/>
-        <p:txBody>
-          <a:bodyPr/>
-          <a:lstStyle/>
-          <a:p>
-            <a:r>
-              <a:rPr lang="de-DE"/>
-              <a:t>Software Engineering</a:t>
-            </a:r>
-            <a:endParaRPr lang="de-DE" dirty="0"/>
-          </a:p>
-        </p:txBody>
-      </p:sp>
-      <p:sp>
-        <p:nvSpPr>
-          <p:cNvPr id="8" name="Titel 1">
-            <a:extLst>
-              <a:ext uri="{FF2B5EF4-FFF2-40B4-BE49-F238E27FC236}">
-                <a16:creationId xmlns:a16="http://schemas.microsoft.com/office/drawing/2014/main" id="{8F3356E1-DF59-4BA5-8E40-09958117AED1}"/>
-              </a:ext>
-            </a:extLst>
-          </p:cNvPr>
-          <p:cNvSpPr>
-            <a:spLocks noGrp="1"/>
-          </p:cNvSpPr>
-          <p:nvPr>
-            <p:ph type="title"/>
-          </p:nvPr>
-        </p:nvSpPr>
-        <p:spPr>
-          <a:xfrm>
-            <a:off x="270900" y="188642"/>
-            <a:ext cx="9363637" cy="1079772"/>
-          </a:xfrm>
-        </p:spPr>
-        <p:txBody>
-          <a:bodyPr/>
-          <a:lstStyle/>
-          <a:p>
-            <a:r>
-              <a:rPr lang="de-DE" dirty="0">
-                <a:solidFill>
-                  <a:schemeClr val="tx2"/>
-                </a:solidFill>
-              </a:rPr>
-              <a:t>Static Code Analysis</a:t>
-            </a:r>
-          </a:p>
-        </p:txBody>
-      </p:sp>
-      <p:sp>
-        <p:nvSpPr>
-          <p:cNvPr id="6" name="Rectangle 5">
-            <a:extLst>
-              <a:ext uri="{FF2B5EF4-FFF2-40B4-BE49-F238E27FC236}">
-                <a16:creationId xmlns:a16="http://schemas.microsoft.com/office/drawing/2014/main" id="{DDFAA2B6-4D61-4CED-ACEF-6473307B202E}"/>
-              </a:ext>
-            </a:extLst>
-          </p:cNvPr>
-          <p:cNvSpPr/>
-          <p:nvPr/>
-        </p:nvSpPr>
-        <p:spPr>
-          <a:xfrm>
-            <a:off x="6249144" y="3080905"/>
-            <a:ext cx="1787669" cy="369332"/>
-          </a:xfrm>
-          <a:prstGeom prst="rect">
-            <a:avLst/>
-          </a:prstGeom>
-        </p:spPr>
-        <p:txBody>
-          <a:bodyPr wrap="none">
-            <a:spAutoFit/>
-          </a:bodyPr>
-          <a:lstStyle/>
-          <a:p>
-            <a:r>
-              <a:rPr lang="de-DE" dirty="0">
-                <a:solidFill>
-                  <a:srgbClr val="00B050"/>
-                </a:solidFill>
-              </a:rPr>
-              <a:t>Usability Issues</a:t>
-            </a:r>
-            <a:endParaRPr lang="LID4096" dirty="0">
-              <a:solidFill>
-                <a:srgbClr val="00B050"/>
-              </a:solidFill>
-            </a:endParaRPr>
-          </a:p>
-        </p:txBody>
-      </p:sp>
-      <p:sp>
-        <p:nvSpPr>
-          <p:cNvPr id="13" name="TextBox 12">
-            <a:extLst>
-              <a:ext uri="{FF2B5EF4-FFF2-40B4-BE49-F238E27FC236}">
-                <a16:creationId xmlns:a16="http://schemas.microsoft.com/office/drawing/2014/main" id="{8573BD47-F90D-4FA1-8B25-00A8EA62085C}"/>
-              </a:ext>
-            </a:extLst>
-          </p:cNvPr>
-          <p:cNvSpPr txBox="1"/>
-          <p:nvPr/>
-        </p:nvSpPr>
-        <p:spPr>
-          <a:xfrm>
-            <a:off x="270900" y="5269404"/>
-            <a:ext cx="9324347" cy="1400383"/>
-          </a:xfrm>
-          <a:prstGeom prst="rect">
-            <a:avLst/>
-          </a:prstGeom>
-          <a:noFill/>
-        </p:spPr>
-        <p:txBody>
-          <a:bodyPr wrap="none" lIns="0" rIns="0" rtlCol="0">
-            <a:spAutoFit/>
-          </a:bodyPr>
-          <a:lstStyle/>
-          <a:p>
-            <a:pPr marL="360000" indent="-360000">
-              <a:spcAft>
-                <a:spcPts val="1000"/>
-              </a:spcAft>
-              <a:buClr>
-                <a:schemeClr val="tx2"/>
-              </a:buClr>
-              <a:buSzPct val="80000"/>
-              <a:buFont typeface="Wingdings" panose="05000000000000000000" pitchFamily="2" charset="2"/>
-              <a:buChar char="v"/>
-            </a:pPr>
-            <a:r>
-              <a:rPr lang="en-GB" sz="1000" dirty="0"/>
-              <a:t>Brittany Johnson, </a:t>
-            </a:r>
-            <a:r>
-              <a:rPr lang="en-GB" sz="1000" dirty="0" err="1"/>
-              <a:t>Yoonki</a:t>
-            </a:r>
-            <a:r>
-              <a:rPr lang="en-GB" sz="1000" dirty="0"/>
-              <a:t> Song, Emerson Murphy-Hill, and Robert </a:t>
-            </a:r>
-            <a:r>
-              <a:rPr lang="en-GB" sz="1000" dirty="0" err="1"/>
-              <a:t>Bowdidge</a:t>
-            </a:r>
-            <a:r>
-              <a:rPr lang="en-GB" sz="1000" dirty="0"/>
-              <a:t>. 2013. Why don't software developers use static analysis tools to find bugs?. </a:t>
-            </a:r>
-            <a:br>
-              <a:rPr lang="en-GB" sz="1000" dirty="0"/>
-            </a:br>
-            <a:r>
-              <a:rPr lang="en-GB" sz="1000" dirty="0"/>
-              <a:t>In </a:t>
-            </a:r>
-            <a:r>
-              <a:rPr lang="en-GB" sz="1000" i="1" dirty="0"/>
-              <a:t>Proceedings of the 2013 International Conference on Software Engineering</a:t>
-            </a:r>
-            <a:r>
-              <a:rPr lang="en-GB" sz="1000" dirty="0"/>
-              <a:t> (ICSE '13). IEEE Press, Piscataway, NJ, USA, 672-681.</a:t>
-            </a:r>
-          </a:p>
-          <a:p>
-            <a:pPr marL="360000" indent="-360000">
-              <a:spcAft>
-                <a:spcPts val="1000"/>
-              </a:spcAft>
-              <a:buClr>
-                <a:schemeClr val="tx2"/>
-              </a:buClr>
-              <a:buSzPct val="80000"/>
-              <a:buFont typeface="Wingdings" panose="05000000000000000000" pitchFamily="2" charset="2"/>
-              <a:buChar char="v"/>
-            </a:pPr>
-            <a:r>
-              <a:rPr lang="en-GB" sz="1000" dirty="0"/>
-              <a:t>Maria Christakis and Christian Bird. 2016. What developers want and need from program analysis: an empirical study. In </a:t>
-            </a:r>
-            <a:r>
-              <a:rPr lang="en-GB" sz="1000" i="1" dirty="0"/>
-              <a:t>Proceedings of the 31st IEEE/ACM </a:t>
-            </a:r>
-            <a:br>
-              <a:rPr lang="en-GB" sz="1000" i="1" dirty="0"/>
-            </a:br>
-            <a:r>
-              <a:rPr lang="en-GB" sz="1000" i="1" dirty="0"/>
-              <a:t>International Conference on Automated Software Engineering</a:t>
-            </a:r>
-            <a:r>
-              <a:rPr lang="en-GB" sz="1000" dirty="0"/>
-              <a:t> (ASE 2016). ACM, New York, NY, USA, 332-343. DOI: </a:t>
-            </a:r>
-            <a:r>
-              <a:rPr lang="en-GB" sz="1000" dirty="0">
-                <a:hlinkClick r:id="rId3"/>
-              </a:rPr>
-              <a:t>https://doi.org/10.1145/2970276.2970347</a:t>
-            </a:r>
-            <a:endParaRPr lang="en-GB" sz="1000" dirty="0"/>
-          </a:p>
-          <a:p>
-            <a:pPr marL="360000" indent="-360000">
-              <a:spcAft>
-                <a:spcPts val="1000"/>
-              </a:spcAft>
-              <a:buClr>
-                <a:schemeClr val="tx2"/>
-              </a:buClr>
-              <a:buSzPct val="80000"/>
-              <a:buFont typeface="Wingdings" panose="05000000000000000000" pitchFamily="2" charset="2"/>
-              <a:buChar char="v"/>
-            </a:pPr>
-            <a:r>
-              <a:rPr lang="en-GB" sz="1000" dirty="0"/>
-              <a:t>Habib, A., &amp; </a:t>
-            </a:r>
-            <a:r>
-              <a:rPr lang="en-GB" sz="1000" dirty="0" err="1"/>
-              <a:t>Pradel</a:t>
-            </a:r>
-            <a:r>
-              <a:rPr lang="en-GB" sz="1000" dirty="0"/>
-              <a:t>, M. (2018, September). How many of all bugs do we find? a study of static bug detectors. In </a:t>
-            </a:r>
-            <a:r>
-              <a:rPr lang="en-GB" sz="1000" i="1" dirty="0"/>
-              <a:t>ASE</a:t>
-            </a:r>
-            <a:r>
-              <a:rPr lang="en-GB" sz="1000" dirty="0"/>
-              <a:t> (pp. 317-328).</a:t>
-            </a:r>
-          </a:p>
-          <a:p>
-            <a:pPr marL="360000" indent="-360000">
-              <a:spcAft>
-                <a:spcPts val="1000"/>
-              </a:spcAft>
-              <a:buClr>
-                <a:schemeClr val="tx2"/>
-              </a:buClr>
-              <a:buSzPct val="80000"/>
-              <a:buFont typeface="Wingdings" panose="05000000000000000000" pitchFamily="2" charset="2"/>
-              <a:buChar char="v"/>
-            </a:pPr>
-            <a:endParaRPr lang="LID4096" sz="1000" dirty="0" err="1"/>
-          </a:p>
-        </p:txBody>
-      </p:sp>
-    </p:spTree>
-    <p:extLst>
-      <p:ext uri="{BB962C8B-B14F-4D97-AF65-F5344CB8AC3E}">
-        <p14:creationId xmlns:p14="http://schemas.microsoft.com/office/powerpoint/2010/main" val="2155070845"/>
-      </p:ext>
-    </p:extLst>
-  </p:cSld>
-  <p:clrMapOvr>
-    <a:masterClrMapping/>
-  </p:clrMapOvr>
-</p:sld>
-</file>
-
-<file path=ppt/slides/slide20.xml><?xml version="1.0" encoding="utf-8"?>
+<file path=ppt/slides/slide22.xml><?xml version="1.0" encoding="utf-8"?>
 <p:sld xmlns:a="http://schemas.openxmlformats.org/drawingml/2006/main" xmlns:r="http://schemas.openxmlformats.org/officeDocument/2006/relationships" xmlns:p="http://schemas.openxmlformats.org/presentationml/2006/main">
   <p:cSld>
     <p:spTree>
@@ -31125,7 +31429,7 @@
             <a:fld id="{815DB69B-0A2B-4D0B-A3BD-360AAA24381D}" type="slidenum">
               <a:rPr lang="de-DE" smtClean="0"/>
               <a:pPr/>
-              <a:t>20</a:t>
+              <a:t>22</a:t>
             </a:fld>
             <a:endParaRPr lang="de-DE" dirty="0"/>
           </a:p>
@@ -31225,7 +31529,7 @@
 </p:sld>
 </file>
 
-<file path=ppt/slides/slide21.xml><?xml version="1.0" encoding="utf-8"?>
+<file path=ppt/slides/slide23.xml><?xml version="1.0" encoding="utf-8"?>
 <p:sld xmlns:a="http://schemas.openxmlformats.org/drawingml/2006/main" xmlns:r="http://schemas.openxmlformats.org/officeDocument/2006/relationships" xmlns:p="http://schemas.openxmlformats.org/presentationml/2006/main">
   <p:cSld>
     <p:spTree>
@@ -31327,7 +31631,7 @@
             <a:fld id="{815DB69B-0A2B-4D0B-A3BD-360AAA24381D}" type="slidenum">
               <a:rPr lang="de-DE" smtClean="0"/>
               <a:pPr/>
-              <a:t>21</a:t>
+              <a:t>23</a:t>
             </a:fld>
             <a:endParaRPr lang="de-DE" dirty="0"/>
           </a:p>
@@ -31427,7 +31731,7 @@
 </p:sld>
 </file>
 
-<file path=ppt/slides/slide22.xml><?xml version="1.0" encoding="utf-8"?>
+<file path=ppt/slides/slide24.xml><?xml version="1.0" encoding="utf-8"?>
 <p:sld xmlns:a="http://schemas.openxmlformats.org/drawingml/2006/main" xmlns:r="http://schemas.openxmlformats.org/officeDocument/2006/relationships" xmlns:p="http://schemas.openxmlformats.org/presentationml/2006/main">
   <p:cSld>
     <p:spTree>
@@ -31529,7 +31833,7 @@
             <a:fld id="{815DB69B-0A2B-4D0B-A3BD-360AAA24381D}" type="slidenum">
               <a:rPr lang="de-DE" smtClean="0"/>
               <a:pPr/>
-              <a:t>22</a:t>
+              <a:t>24</a:t>
             </a:fld>
             <a:endParaRPr lang="de-DE" dirty="0"/>
           </a:p>
@@ -31953,7 +32257,7 @@
 </p:sld>
 </file>
 
-<file path=ppt/slides/slide23.xml><?xml version="1.0" encoding="utf-8"?>
+<file path=ppt/slides/slide25.xml><?xml version="1.0" encoding="utf-8"?>
 <p:sld xmlns:a="http://schemas.openxmlformats.org/drawingml/2006/main" xmlns:r="http://schemas.openxmlformats.org/officeDocument/2006/relationships" xmlns:p="http://schemas.openxmlformats.org/presentationml/2006/main">
   <p:cSld>
     <p:spTree>
@@ -32051,7 +32355,7 @@
             <a:fld id="{815DB69B-0A2B-4D0B-A3BD-360AAA24381D}" type="slidenum">
               <a:rPr lang="de-DE" smtClean="0"/>
               <a:pPr/>
-              <a:t>23</a:t>
+              <a:t>25</a:t>
             </a:fld>
             <a:endParaRPr lang="de-DE" dirty="0"/>
           </a:p>
@@ -32121,7 +32425,7 @@
             <a:endParaRPr lang="en-GB" dirty="0"/>
           </a:p>
           <a:p>
-            <a:pPr>
+            <a:pPr lvl="3">
               <a:buFont typeface="Wingdings" panose="05000000000000000000" pitchFamily="2" charset="2"/>
               <a:buChar char="§"/>
             </a:pPr>
@@ -32131,7 +32435,7 @@
             </a:r>
           </a:p>
           <a:p>
-            <a:pPr>
+            <a:pPr lvl="3">
               <a:buFont typeface="Wingdings" panose="05000000000000000000" pitchFamily="2" charset="2"/>
               <a:buChar char="§"/>
             </a:pPr>
@@ -32170,7 +32474,7 @@
         </p:blipFill>
         <p:spPr>
           <a:xfrm>
-            <a:off x="4016896" y="1700808"/>
+            <a:off x="4952718" y="1700808"/>
             <a:ext cx="1057275" cy="1057275"/>
           </a:xfrm>
           <a:prstGeom prst="rect">
@@ -32191,7 +32495,7 @@
 </p:sld>
 </file>
 
-<file path=ppt/slides/slide24.xml><?xml version="1.0" encoding="utf-8"?>
+<file path=ppt/slides/slide26.xml><?xml version="1.0" encoding="utf-8"?>
 <p:sld xmlns:a="http://schemas.openxmlformats.org/drawingml/2006/main" xmlns:r="http://schemas.openxmlformats.org/officeDocument/2006/relationships" xmlns:p="http://schemas.openxmlformats.org/presentationml/2006/main">
   <p:cSld>
     <p:spTree>
@@ -32261,7 +32565,7 @@
             <a:fld id="{815DB69B-0A2B-4D0B-A3BD-360AAA24381D}" type="slidenum">
               <a:rPr lang="de-DE" smtClean="0"/>
               <a:pPr/>
-              <a:t>24</a:t>
+              <a:t>26</a:t>
             </a:fld>
             <a:endParaRPr lang="de-DE" dirty="0"/>
           </a:p>
@@ -32316,7 +32620,7 @@
 </p:sld>
 </file>
 
-<file path=ppt/slides/slide25.xml><?xml version="1.0" encoding="utf-8"?>
+<file path=ppt/slides/slide27.xml><?xml version="1.0" encoding="utf-8"?>
 <p:sld xmlns:a="http://schemas.openxmlformats.org/drawingml/2006/main" xmlns:r="http://schemas.openxmlformats.org/officeDocument/2006/relationships" xmlns:p="http://schemas.openxmlformats.org/presentationml/2006/main">
   <p:cSld>
     <p:spTree>
@@ -32423,7 +32727,7 @@
             <a:fld id="{815DB69B-0A2B-4D0B-A3BD-360AAA24381D}" type="slidenum">
               <a:rPr lang="de-DE" smtClean="0"/>
               <a:pPr/>
-              <a:t>25</a:t>
+              <a:t>27</a:t>
             </a:fld>
             <a:endParaRPr lang="de-DE" dirty="0"/>
           </a:p>
@@ -32892,7 +33196,7 @@
 </p:sld>
 </file>
 
-<file path=ppt/slides/slide26.xml><?xml version="1.0" encoding="utf-8"?>
+<file path=ppt/slides/slide28.xml><?xml version="1.0" encoding="utf-8"?>
 <p:sld xmlns:a="http://schemas.openxmlformats.org/drawingml/2006/main" xmlns:r="http://schemas.openxmlformats.org/officeDocument/2006/relationships" xmlns:p="http://schemas.openxmlformats.org/presentationml/2006/main">
   <p:cSld>
     <p:spTree>
@@ -32962,7 +33266,7 @@
             <a:fld id="{815DB69B-0A2B-4D0B-A3BD-360AAA24381D}" type="slidenum">
               <a:rPr lang="de-DE" smtClean="0"/>
               <a:pPr/>
-              <a:t>26</a:t>
+              <a:t>28</a:t>
             </a:fld>
             <a:endParaRPr lang="de-DE" dirty="0"/>
           </a:p>
@@ -33112,7 +33416,7 @@
 </p:sld>
 </file>
 
-<file path=ppt/slides/slide27.xml><?xml version="1.0" encoding="utf-8"?>
+<file path=ppt/slides/slide29.xml><?xml version="1.0" encoding="utf-8"?>
 <p:sld xmlns:a="http://schemas.openxmlformats.org/drawingml/2006/main" xmlns:r="http://schemas.openxmlformats.org/officeDocument/2006/relationships" xmlns:p="http://schemas.openxmlformats.org/presentationml/2006/main">
   <p:cSld>
     <p:spTree>
@@ -33182,7 +33486,7 @@
             <a:fld id="{815DB69B-0A2B-4D0B-A3BD-360AAA24381D}" type="slidenum">
               <a:rPr lang="de-DE" smtClean="0"/>
               <a:pPr/>
-              <a:t>27</a:t>
+              <a:t>29</a:t>
             </a:fld>
             <a:endParaRPr lang="de-DE" dirty="0"/>
           </a:p>
@@ -33798,7 +34102,313 @@
 </p:sld>
 </file>
 
-<file path=ppt/slides/slide28.xml><?xml version="1.0" encoding="utf-8"?>
+<file path=ppt/slides/slide3.xml><?xml version="1.0" encoding="utf-8"?>
+<p:sld xmlns:a="http://schemas.openxmlformats.org/drawingml/2006/main" xmlns:r="http://schemas.openxmlformats.org/officeDocument/2006/relationships" xmlns:p="http://schemas.openxmlformats.org/presentationml/2006/main">
+  <p:cSld>
+    <p:spTree>
+      <p:nvGrpSpPr>
+        <p:cNvPr id="1" name=""/>
+        <p:cNvGrpSpPr/>
+        <p:nvPr/>
+      </p:nvGrpSpPr>
+      <p:grpSpPr>
+        <a:xfrm>
+          <a:off x="0" y="0"/>
+          <a:ext cx="0" cy="0"/>
+          <a:chOff x="0" y="0"/>
+          <a:chExt cx="0" cy="0"/>
+        </a:xfrm>
+      </p:grpSpPr>
+      <p:sp>
+        <p:nvSpPr>
+          <p:cNvPr id="2" name="Titel 1"/>
+          <p:cNvSpPr>
+            <a:spLocks noGrp="1"/>
+          </p:cNvSpPr>
+          <p:nvPr>
+            <p:ph type="title"/>
+          </p:nvPr>
+        </p:nvSpPr>
+        <p:spPr/>
+        <p:txBody>
+          <a:bodyPr/>
+          <a:lstStyle/>
+          <a:p>
+            <a:r>
+              <a:rPr lang="de-DE" dirty="0">
+                <a:solidFill>
+                  <a:schemeClr val="tx2"/>
+                </a:solidFill>
+              </a:rPr>
+              <a:t>Multiple Tools</a:t>
+            </a:r>
+          </a:p>
+        </p:txBody>
+      </p:sp>
+      <p:sp>
+        <p:nvSpPr>
+          <p:cNvPr id="4" name="Foliennummernplatzhalter 3"/>
+          <p:cNvSpPr>
+            <a:spLocks noGrp="1"/>
+          </p:cNvSpPr>
+          <p:nvPr>
+            <p:ph type="sldNum" sz="quarter" idx="11"/>
+          </p:nvPr>
+        </p:nvSpPr>
+        <p:spPr/>
+        <p:txBody>
+          <a:bodyPr/>
+          <a:lstStyle/>
+          <a:p>
+            <a:fld id="{815DB69B-0A2B-4D0B-A3BD-360AAA24381D}" type="slidenum">
+              <a:rPr lang="de-DE" smtClean="0"/>
+              <a:pPr/>
+              <a:t>3</a:t>
+            </a:fld>
+            <a:endParaRPr lang="de-DE" dirty="0"/>
+          </a:p>
+        </p:txBody>
+      </p:sp>
+      <p:sp>
+        <p:nvSpPr>
+          <p:cNvPr id="5" name="Textplatzhalter 4"/>
+          <p:cNvSpPr>
+            <a:spLocks noGrp="1"/>
+          </p:cNvSpPr>
+          <p:nvPr>
+            <p:ph type="body" sz="quarter" idx="12"/>
+          </p:nvPr>
+        </p:nvSpPr>
+        <p:spPr/>
+        <p:txBody>
+          <a:bodyPr/>
+          <a:lstStyle/>
+          <a:p>
+            <a:pPr marL="0" indent="0">
+              <a:buNone/>
+            </a:pPr>
+            <a:endParaRPr lang="de-DE" dirty="0"/>
+          </a:p>
+          <a:p>
+            <a:r>
+              <a:rPr lang="de-DE" dirty="0"/>
+              <a:t>Developers use multiple static analysis tools each having own coverage.</a:t>
+            </a:r>
+          </a:p>
+          <a:p>
+            <a:endParaRPr lang="de-DE" dirty="0"/>
+          </a:p>
+          <a:p>
+            <a:r>
+              <a:rPr lang="de-DE" dirty="0"/>
+              <a:t>Research trends:</a:t>
+            </a:r>
+          </a:p>
+          <a:p>
+            <a:endParaRPr lang="de-DE" dirty="0"/>
+          </a:p>
+          <a:p>
+            <a:pPr>
+              <a:buFont typeface="Arial" panose="020B0604020202020204" pitchFamily="34" charset="0"/>
+              <a:buChar char="•"/>
+            </a:pPr>
+            <a:r>
+              <a:rPr lang="en-GB" dirty="0"/>
+              <a:t>Prioritise the bug warning alerts</a:t>
+            </a:r>
+          </a:p>
+          <a:p>
+            <a:pPr marL="0" indent="0" algn="r">
+              <a:buNone/>
+            </a:pPr>
+            <a:r>
+              <a:rPr lang="en-GB" dirty="0"/>
+              <a:t>( Flynn et al. )</a:t>
+            </a:r>
+          </a:p>
+          <a:p>
+            <a:pPr>
+              <a:buFont typeface="Arial" panose="020B0604020202020204" pitchFamily="34" charset="0"/>
+              <a:buChar char="•"/>
+            </a:pPr>
+            <a:r>
+              <a:rPr lang="en-GB" dirty="0"/>
+              <a:t>Merges 3 tools for Java to show warnings </a:t>
+            </a:r>
+          </a:p>
+          <a:p>
+            <a:pPr marL="0" indent="0" algn="r">
+              <a:buNone/>
+            </a:pPr>
+            <a:r>
+              <a:rPr lang="en-GB" dirty="0"/>
+              <a:t>( Meng et al. )</a:t>
+            </a:r>
+          </a:p>
+        </p:txBody>
+      </p:sp>
+      <p:sp>
+        <p:nvSpPr>
+          <p:cNvPr id="3" name="Fußzeilenplatzhalter 2"/>
+          <p:cNvSpPr>
+            <a:spLocks noGrp="1"/>
+          </p:cNvSpPr>
+          <p:nvPr>
+            <p:ph type="ftr" sz="quarter" idx="10"/>
+          </p:nvPr>
+        </p:nvSpPr>
+        <p:spPr/>
+        <p:txBody>
+          <a:bodyPr/>
+          <a:lstStyle/>
+          <a:p>
+            <a:r>
+              <a:rPr lang="de-DE"/>
+              <a:t>Software Engineering</a:t>
+            </a:r>
+            <a:endParaRPr lang="de-DE" dirty="0"/>
+          </a:p>
+        </p:txBody>
+      </p:sp>
+      <p:sp>
+        <p:nvSpPr>
+          <p:cNvPr id="6" name="TextBox 5">
+            <a:extLst>
+              <a:ext uri="{FF2B5EF4-FFF2-40B4-BE49-F238E27FC236}">
+                <a16:creationId xmlns:a16="http://schemas.microsoft.com/office/drawing/2014/main" id="{BE000176-FB64-494D-85BE-2C0B58A1CB46}"/>
+              </a:ext>
+            </a:extLst>
+          </p:cNvPr>
+          <p:cNvSpPr txBox="1"/>
+          <p:nvPr/>
+        </p:nvSpPr>
+        <p:spPr>
+          <a:xfrm>
+            <a:off x="270900" y="5492411"/>
+            <a:ext cx="9433352" cy="990015"/>
+          </a:xfrm>
+          <a:prstGeom prst="rect">
+            <a:avLst/>
+          </a:prstGeom>
+          <a:noFill/>
+        </p:spPr>
+        <p:txBody>
+          <a:bodyPr wrap="none" lIns="0" rIns="0" rtlCol="0">
+            <a:spAutoFit/>
+          </a:bodyPr>
+          <a:lstStyle/>
+          <a:p>
+            <a:pPr marL="360000" indent="-360000">
+              <a:spcAft>
+                <a:spcPts val="1000"/>
+              </a:spcAft>
+              <a:buClr>
+                <a:schemeClr val="tx2"/>
+              </a:buClr>
+              <a:buSzPct val="80000"/>
+              <a:buFont typeface="Wingdings" panose="05000000000000000000" pitchFamily="2" charset="2"/>
+              <a:buChar char="v"/>
+            </a:pPr>
+            <a:r>
+              <a:rPr lang="en-GB" sz="1000" dirty="0"/>
+              <a:t>Lori Flynn, William Snavely, David Svoboda, Nathan </a:t>
+            </a:r>
+            <a:r>
+              <a:rPr lang="en-GB" sz="1000" dirty="0" err="1"/>
+              <a:t>VanHoudnos</a:t>
+            </a:r>
+            <a:r>
+              <a:rPr lang="en-GB" sz="1000" dirty="0"/>
+              <a:t>, Richard Qin, Jennifer Burns, David </a:t>
+            </a:r>
+            <a:r>
+              <a:rPr lang="en-GB" sz="1000" dirty="0" err="1"/>
+              <a:t>Zubrow</a:t>
+            </a:r>
+            <a:r>
+              <a:rPr lang="en-GB" sz="1000" dirty="0"/>
+              <a:t>, Robert Stoddard, and Guillermo </a:t>
+            </a:r>
+            <a:r>
+              <a:rPr lang="en-GB" sz="1000" dirty="0" err="1"/>
+              <a:t>Marce-Santurio</a:t>
+            </a:r>
+            <a:r>
+              <a:rPr lang="en-GB" sz="1000" dirty="0"/>
+              <a:t>. </a:t>
+            </a:r>
+            <a:br>
+              <a:rPr lang="en-GB" sz="1000" dirty="0"/>
+            </a:br>
+            <a:r>
+              <a:rPr lang="en-GB" sz="1000" dirty="0"/>
+              <a:t>2018. Prioritizing alerts from multiple static analysis tools, using classification models. In </a:t>
+            </a:r>
+            <a:r>
+              <a:rPr lang="en-GB" sz="1000" i="1" dirty="0"/>
+              <a:t>Proceedings of the 1st International Workshop on Software Qualities </a:t>
+            </a:r>
+            <a:br>
+              <a:rPr lang="en-GB" sz="1000" i="1" dirty="0"/>
+            </a:br>
+            <a:r>
+              <a:rPr lang="en-GB" sz="1000" i="1" dirty="0"/>
+              <a:t>and Their Dependencies</a:t>
+            </a:r>
+            <a:r>
+              <a:rPr lang="en-GB" sz="1000" dirty="0"/>
+              <a:t> (SQUADE '18). ACM, New York, NY, USA, 13-20. DOI: https://doi.org/10.1145/3194095.3194100 </a:t>
+            </a:r>
+          </a:p>
+          <a:p>
+            <a:pPr marL="360000" indent="-360000">
+              <a:spcAft>
+                <a:spcPts val="1000"/>
+              </a:spcAft>
+              <a:buClr>
+                <a:schemeClr val="tx2"/>
+              </a:buClr>
+              <a:buSzPct val="80000"/>
+              <a:buFont typeface="Wingdings" panose="05000000000000000000" pitchFamily="2" charset="2"/>
+              <a:buChar char="v"/>
+            </a:pPr>
+            <a:r>
+              <a:rPr lang="en-GB" sz="1000" dirty="0"/>
+              <a:t>N. Meng, Q. Wang, Q. Wu and H. Mei, "An Approach to Merge Results of Multiple Static Analysis Tools (Short Paper)," </a:t>
+            </a:r>
+            <a:r>
+              <a:rPr lang="en-GB" sz="1000" i="1" dirty="0"/>
+              <a:t>2008 The Eighth International </a:t>
+            </a:r>
+            <a:br>
+              <a:rPr lang="en-GB" sz="1000" i="1" dirty="0"/>
+            </a:br>
+            <a:r>
+              <a:rPr lang="en-GB" sz="1000" i="1" dirty="0"/>
+              <a:t>Conference on Quality Software</a:t>
+            </a:r>
+            <a:r>
+              <a:rPr lang="en-GB" sz="1000" dirty="0"/>
+              <a:t>, Oxford, 2008, pp. 169-174.doi: 10.1109/QSIC.2008.30</a:t>
+            </a:r>
+            <a:endParaRPr lang="LID4096" sz="1000" dirty="0" err="1"/>
+          </a:p>
+        </p:txBody>
+      </p:sp>
+    </p:spTree>
+    <p:extLst>
+      <p:ext uri="{BB962C8B-B14F-4D97-AF65-F5344CB8AC3E}">
+        <p14:creationId xmlns:p14="http://schemas.microsoft.com/office/powerpoint/2010/main" val="3993522925"/>
+      </p:ext>
+    </p:extLst>
+  </p:cSld>
+  <p:clrMapOvr>
+    <a:masterClrMapping/>
+  </p:clrMapOvr>
+</p:sld>
+</file>
+
+<file path=ppt/slides/slide30.xml><?xml version="1.0" encoding="utf-8"?>
 <p:sld xmlns:a="http://schemas.openxmlformats.org/drawingml/2006/main" xmlns:r="http://schemas.openxmlformats.org/officeDocument/2006/relationships" xmlns:p="http://schemas.openxmlformats.org/presentationml/2006/main">
   <p:cSld>
     <p:spTree>
@@ -33927,7 +34537,7 @@
             <a:fld id="{815DB69B-0A2B-4D0B-A3BD-360AAA24381D}" type="slidenum">
               <a:rPr lang="de-DE" smtClean="0"/>
               <a:pPr/>
-              <a:t>28</a:t>
+              <a:t>30</a:t>
             </a:fld>
             <a:endParaRPr lang="de-DE" dirty="0"/>
           </a:p>
@@ -34558,230 +35168,7 @@
 </p:sld>
 </file>
 
-<file path=ppt/slides/slide29.xml><?xml version="1.0" encoding="utf-8"?>
-<p:sld xmlns:a="http://schemas.openxmlformats.org/drawingml/2006/main" xmlns:r="http://schemas.openxmlformats.org/officeDocument/2006/relationships" xmlns:p="http://schemas.openxmlformats.org/presentationml/2006/main">
-  <p:cSld>
-    <p:spTree>
-      <p:nvGrpSpPr>
-        <p:cNvPr id="1" name=""/>
-        <p:cNvGrpSpPr/>
-        <p:nvPr/>
-      </p:nvGrpSpPr>
-      <p:grpSpPr>
-        <a:xfrm>
-          <a:off x="0" y="0"/>
-          <a:ext cx="0" cy="0"/>
-          <a:chOff x="0" y="0"/>
-          <a:chExt cx="0" cy="0"/>
-        </a:xfrm>
-      </p:grpSpPr>
-      <p:sp>
-        <p:nvSpPr>
-          <p:cNvPr id="2" name="Title 1">
-            <a:extLst>
-              <a:ext uri="{FF2B5EF4-FFF2-40B4-BE49-F238E27FC236}">
-                <a16:creationId xmlns:a16="http://schemas.microsoft.com/office/drawing/2014/main" id="{D900D08C-C553-43EE-84D1-0E74FA2FC9BA}"/>
-              </a:ext>
-            </a:extLst>
-          </p:cNvPr>
-          <p:cNvSpPr>
-            <a:spLocks noGrp="1"/>
-          </p:cNvSpPr>
-          <p:nvPr>
-            <p:ph type="title"/>
-          </p:nvPr>
-        </p:nvSpPr>
-        <p:spPr>
-          <a:xfrm>
-            <a:off x="250734" y="404664"/>
-            <a:ext cx="9363637" cy="1079772"/>
-          </a:xfrm>
-        </p:spPr>
-        <p:txBody>
-          <a:bodyPr/>
-          <a:lstStyle/>
-          <a:p>
-            <a:r>
-              <a:rPr lang="en-GB" dirty="0">
-                <a:solidFill>
-                  <a:srgbClr val="003A80"/>
-                </a:solidFill>
-              </a:rPr>
-              <a:t>[RQ 3.3] </a:t>
-            </a:r>
-            <a:br>
-              <a:rPr lang="en-GB" dirty="0">
-                <a:solidFill>
-                  <a:srgbClr val="003A80"/>
-                </a:solidFill>
-              </a:rPr>
-            </a:br>
-            <a:r>
-              <a:rPr lang="en-GB" dirty="0">
-                <a:solidFill>
-                  <a:srgbClr val="003A80"/>
-                </a:solidFill>
-              </a:rPr>
-              <a:t>While tracing previous bug ﬁxes in a method, do users prefer a table view to a before/after windows?</a:t>
-            </a:r>
-          </a:p>
-        </p:txBody>
-      </p:sp>
-      <p:sp>
-        <p:nvSpPr>
-          <p:cNvPr id="3" name="Footer Placeholder 2">
-            <a:extLst>
-              <a:ext uri="{FF2B5EF4-FFF2-40B4-BE49-F238E27FC236}">
-                <a16:creationId xmlns:a16="http://schemas.microsoft.com/office/drawing/2014/main" id="{29CCF344-4A75-4B15-B92F-90EB399CF56D}"/>
-              </a:ext>
-            </a:extLst>
-          </p:cNvPr>
-          <p:cNvSpPr>
-            <a:spLocks noGrp="1"/>
-          </p:cNvSpPr>
-          <p:nvPr>
-            <p:ph type="ftr" sz="quarter" idx="10"/>
-          </p:nvPr>
-        </p:nvSpPr>
-        <p:spPr/>
-        <p:txBody>
-          <a:bodyPr/>
-          <a:lstStyle/>
-          <a:p>
-            <a:r>
-              <a:rPr lang="de-DE"/>
-              <a:t>Software Engineering</a:t>
-            </a:r>
-            <a:endParaRPr lang="de-DE" dirty="0"/>
-          </a:p>
-        </p:txBody>
-      </p:sp>
-      <p:sp>
-        <p:nvSpPr>
-          <p:cNvPr id="4" name="Slide Number Placeholder 3">
-            <a:extLst>
-              <a:ext uri="{FF2B5EF4-FFF2-40B4-BE49-F238E27FC236}">
-                <a16:creationId xmlns:a16="http://schemas.microsoft.com/office/drawing/2014/main" id="{0B6F0876-29E2-400F-9A5E-7977729A15FA}"/>
-              </a:ext>
-            </a:extLst>
-          </p:cNvPr>
-          <p:cNvSpPr>
-            <a:spLocks noGrp="1"/>
-          </p:cNvSpPr>
-          <p:nvPr>
-            <p:ph type="sldNum" sz="quarter" idx="11"/>
-          </p:nvPr>
-        </p:nvSpPr>
-        <p:spPr/>
-        <p:txBody>
-          <a:bodyPr/>
-          <a:lstStyle/>
-          <a:p>
-            <a:fld id="{815DB69B-0A2B-4D0B-A3BD-360AAA24381D}" type="slidenum">
-              <a:rPr lang="de-DE" smtClean="0"/>
-              <a:pPr/>
-              <a:t>29</a:t>
-            </a:fld>
-            <a:endParaRPr lang="de-DE" dirty="0"/>
-          </a:p>
-        </p:txBody>
-      </p:sp>
-      <p:pic>
-        <p:nvPicPr>
-          <p:cNvPr id="6" name="Picture 5" descr="A screenshot of a cell phone&#10;&#10;Description automatically generated">
-            <a:extLst>
-              <a:ext uri="{FF2B5EF4-FFF2-40B4-BE49-F238E27FC236}">
-                <a16:creationId xmlns:a16="http://schemas.microsoft.com/office/drawing/2014/main" id="{525629A6-6695-4DC5-9357-7CB319C63578}"/>
-              </a:ext>
-            </a:extLst>
-          </p:cNvPr>
-          <p:cNvPicPr>
-            <a:picLocks noChangeAspect="1"/>
-          </p:cNvPicPr>
-          <p:nvPr/>
-        </p:nvPicPr>
-        <p:blipFill>
-          <a:blip r:embed="rId2">
-            <a:extLst>
-              <a:ext uri="{28A0092B-C50C-407E-A947-70E740481C1C}">
-                <a14:useLocalDpi xmlns:a14="http://schemas.microsoft.com/office/drawing/2010/main" val="0"/>
-              </a:ext>
-            </a:extLst>
-          </a:blip>
-          <a:stretch>
-            <a:fillRect/>
-          </a:stretch>
-        </p:blipFill>
-        <p:spPr>
-          <a:xfrm>
-            <a:off x="1047121" y="1819711"/>
-            <a:ext cx="7770861" cy="4102698"/>
-          </a:xfrm>
-          <a:prstGeom prst="rect">
-            <a:avLst/>
-          </a:prstGeom>
-        </p:spPr>
-      </p:pic>
-      <p:sp>
-        <p:nvSpPr>
-          <p:cNvPr id="7" name="TextBox 6">
-            <a:extLst>
-              <a:ext uri="{FF2B5EF4-FFF2-40B4-BE49-F238E27FC236}">
-                <a16:creationId xmlns:a16="http://schemas.microsoft.com/office/drawing/2014/main" id="{937E8091-1ED0-4077-BF6F-1898E8F0FAD5}"/>
-              </a:ext>
-            </a:extLst>
-          </p:cNvPr>
-          <p:cNvSpPr txBox="1"/>
-          <p:nvPr/>
-        </p:nvSpPr>
-        <p:spPr>
-          <a:xfrm>
-            <a:off x="4144533" y="6019530"/>
-            <a:ext cx="1594667" cy="369332"/>
-          </a:xfrm>
-          <a:prstGeom prst="rect">
-            <a:avLst/>
-          </a:prstGeom>
-          <a:noFill/>
-        </p:spPr>
-        <p:txBody>
-          <a:bodyPr wrap="none" lIns="0" rIns="0" rtlCol="0">
-            <a:spAutoFit/>
-          </a:bodyPr>
-          <a:lstStyle/>
-          <a:p>
-            <a:pPr marL="360000" indent="-360000">
-              <a:spcAft>
-                <a:spcPts val="1000"/>
-              </a:spcAft>
-              <a:buClr>
-                <a:schemeClr val="tx2"/>
-              </a:buClr>
-              <a:buSzPct val="80000"/>
-              <a:buFont typeface="Wingdings" panose="05000000000000000000" pitchFamily="2" charset="2"/>
-              <a:buChar char="n"/>
-            </a:pPr>
-            <a:r>
-              <a:rPr lang="en-GB" dirty="0"/>
-              <a:t>Before/After</a:t>
-            </a:r>
-          </a:p>
-        </p:txBody>
-      </p:sp>
-    </p:spTree>
-    <p:extLst>
-      <p:ext uri="{BB962C8B-B14F-4D97-AF65-F5344CB8AC3E}">
-        <p14:creationId xmlns:p14="http://schemas.microsoft.com/office/powerpoint/2010/main" val="2462441599"/>
-      </p:ext>
-    </p:extLst>
-  </p:cSld>
-  <p:clrMapOvr>
-    <a:masterClrMapping/>
-  </p:clrMapOvr>
-</p:sld>
-</file>
-
-<file path=ppt/slides/slide3.xml><?xml version="1.0" encoding="utf-8"?>
+<file path=ppt/slides/slide31.xml><?xml version="1.0" encoding="utf-8"?>
 <p:sld xmlns:a="http://schemas.openxmlformats.org/drawingml/2006/main" xmlns:r="http://schemas.openxmlformats.org/officeDocument/2006/relationships" xmlns:p="http://schemas.openxmlformats.org/presentationml/2006/main">
   <p:cSld>
     <p:spTree>
@@ -34819,7 +35206,7 @@
                   <a:schemeClr val="tx2"/>
                 </a:solidFill>
               </a:rPr>
-              <a:t>Multiple Tools</a:t>
+              <a:t>Limitations</a:t>
             </a:r>
           </a:p>
         </p:txBody>
@@ -34842,1150 +35229,7 @@
             <a:fld id="{815DB69B-0A2B-4D0B-A3BD-360AAA24381D}" type="slidenum">
               <a:rPr lang="de-DE" smtClean="0"/>
               <a:pPr/>
-              <a:t>3</a:t>
-            </a:fld>
-            <a:endParaRPr lang="de-DE" dirty="0"/>
-          </a:p>
-        </p:txBody>
-      </p:sp>
-      <p:sp>
-        <p:nvSpPr>
-          <p:cNvPr id="5" name="Textplatzhalter 4"/>
-          <p:cNvSpPr>
-            <a:spLocks noGrp="1"/>
-          </p:cNvSpPr>
-          <p:nvPr>
-            <p:ph type="body" sz="quarter" idx="12"/>
-          </p:nvPr>
-        </p:nvSpPr>
-        <p:spPr/>
-        <p:txBody>
-          <a:bodyPr/>
-          <a:lstStyle/>
-          <a:p>
-            <a:pPr marL="0" indent="0">
-              <a:buNone/>
-            </a:pPr>
-            <a:endParaRPr lang="de-DE" dirty="0"/>
-          </a:p>
-          <a:p>
-            <a:r>
-              <a:rPr lang="de-DE" dirty="0"/>
-              <a:t>Developers use multiple static analysis tools each having own coverage.</a:t>
-            </a:r>
-          </a:p>
-          <a:p>
-            <a:endParaRPr lang="de-DE" dirty="0"/>
-          </a:p>
-          <a:p>
-            <a:r>
-              <a:rPr lang="de-DE" dirty="0"/>
-              <a:t>Research trends:</a:t>
-            </a:r>
-          </a:p>
-          <a:p>
-            <a:endParaRPr lang="de-DE" dirty="0"/>
-          </a:p>
-          <a:p>
-            <a:pPr>
-              <a:buFont typeface="Arial" panose="020B0604020202020204" pitchFamily="34" charset="0"/>
-              <a:buChar char="•"/>
-            </a:pPr>
-            <a:r>
-              <a:rPr lang="en-GB" dirty="0"/>
-              <a:t>Prioritise the bug warning alerts</a:t>
-            </a:r>
-          </a:p>
-          <a:p>
-            <a:pPr marL="0" indent="0" algn="r">
-              <a:buNone/>
-            </a:pPr>
-            <a:r>
-              <a:rPr lang="en-GB" dirty="0"/>
-              <a:t>( Flynn et al. )</a:t>
-            </a:r>
-          </a:p>
-          <a:p>
-            <a:pPr>
-              <a:buFont typeface="Arial" panose="020B0604020202020204" pitchFamily="34" charset="0"/>
-              <a:buChar char="•"/>
-            </a:pPr>
-            <a:r>
-              <a:rPr lang="en-GB" dirty="0"/>
-              <a:t>Merges 3 tools for Java to show warnings </a:t>
-            </a:r>
-          </a:p>
-          <a:p>
-            <a:pPr marL="0" indent="0" algn="r">
-              <a:buNone/>
-            </a:pPr>
-            <a:r>
-              <a:rPr lang="en-GB" dirty="0"/>
-              <a:t>( Meng et al. )</a:t>
-            </a:r>
-          </a:p>
-        </p:txBody>
-      </p:sp>
-      <p:sp>
-        <p:nvSpPr>
-          <p:cNvPr id="3" name="Fußzeilenplatzhalter 2"/>
-          <p:cNvSpPr>
-            <a:spLocks noGrp="1"/>
-          </p:cNvSpPr>
-          <p:nvPr>
-            <p:ph type="ftr" sz="quarter" idx="10"/>
-          </p:nvPr>
-        </p:nvSpPr>
-        <p:spPr/>
-        <p:txBody>
-          <a:bodyPr/>
-          <a:lstStyle/>
-          <a:p>
-            <a:r>
-              <a:rPr lang="de-DE"/>
-              <a:t>Software Engineering</a:t>
-            </a:r>
-            <a:endParaRPr lang="de-DE" dirty="0"/>
-          </a:p>
-        </p:txBody>
-      </p:sp>
-      <p:sp>
-        <p:nvSpPr>
-          <p:cNvPr id="6" name="TextBox 5">
-            <a:extLst>
-              <a:ext uri="{FF2B5EF4-FFF2-40B4-BE49-F238E27FC236}">
-                <a16:creationId xmlns:a16="http://schemas.microsoft.com/office/drawing/2014/main" id="{BE000176-FB64-494D-85BE-2C0B58A1CB46}"/>
-              </a:ext>
-            </a:extLst>
-          </p:cNvPr>
-          <p:cNvSpPr txBox="1"/>
-          <p:nvPr/>
-        </p:nvSpPr>
-        <p:spPr>
-          <a:xfrm>
-            <a:off x="270900" y="5492411"/>
-            <a:ext cx="9433352" cy="990015"/>
-          </a:xfrm>
-          <a:prstGeom prst="rect">
-            <a:avLst/>
-          </a:prstGeom>
-          <a:noFill/>
-        </p:spPr>
-        <p:txBody>
-          <a:bodyPr wrap="none" lIns="0" rIns="0" rtlCol="0">
-            <a:spAutoFit/>
-          </a:bodyPr>
-          <a:lstStyle/>
-          <a:p>
-            <a:pPr marL="360000" indent="-360000">
-              <a:spcAft>
-                <a:spcPts val="1000"/>
-              </a:spcAft>
-              <a:buClr>
-                <a:schemeClr val="tx2"/>
-              </a:buClr>
-              <a:buSzPct val="80000"/>
-              <a:buFont typeface="Wingdings" panose="05000000000000000000" pitchFamily="2" charset="2"/>
-              <a:buChar char="v"/>
-            </a:pPr>
-            <a:r>
-              <a:rPr lang="en-GB" sz="1000" dirty="0"/>
-              <a:t>Lori Flynn, William Snavely, David Svoboda, Nathan </a:t>
-            </a:r>
-            <a:r>
-              <a:rPr lang="en-GB" sz="1000" dirty="0" err="1"/>
-              <a:t>VanHoudnos</a:t>
-            </a:r>
-            <a:r>
-              <a:rPr lang="en-GB" sz="1000" dirty="0"/>
-              <a:t>, Richard Qin, Jennifer Burns, David </a:t>
-            </a:r>
-            <a:r>
-              <a:rPr lang="en-GB" sz="1000" dirty="0" err="1"/>
-              <a:t>Zubrow</a:t>
-            </a:r>
-            <a:r>
-              <a:rPr lang="en-GB" sz="1000" dirty="0"/>
-              <a:t>, Robert Stoddard, and Guillermo </a:t>
-            </a:r>
-            <a:r>
-              <a:rPr lang="en-GB" sz="1000" dirty="0" err="1"/>
-              <a:t>Marce-Santurio</a:t>
-            </a:r>
-            <a:r>
-              <a:rPr lang="en-GB" sz="1000" dirty="0"/>
-              <a:t>. </a:t>
-            </a:r>
-            <a:br>
-              <a:rPr lang="en-GB" sz="1000" dirty="0"/>
-            </a:br>
-            <a:r>
-              <a:rPr lang="en-GB" sz="1000" dirty="0"/>
-              <a:t>2018. Prioritizing alerts from multiple static analysis tools, using classification models. In </a:t>
-            </a:r>
-            <a:r>
-              <a:rPr lang="en-GB" sz="1000" i="1" dirty="0"/>
-              <a:t>Proceedings of the 1st International Workshop on Software Qualities </a:t>
-            </a:r>
-            <a:br>
-              <a:rPr lang="en-GB" sz="1000" i="1" dirty="0"/>
-            </a:br>
-            <a:r>
-              <a:rPr lang="en-GB" sz="1000" i="1" dirty="0"/>
-              <a:t>and Their Dependencies</a:t>
-            </a:r>
-            <a:r>
-              <a:rPr lang="en-GB" sz="1000" dirty="0"/>
-              <a:t> (SQUADE '18). ACM, New York, NY, USA, 13-20. DOI: https://doi.org/10.1145/3194095.3194100 </a:t>
-            </a:r>
-          </a:p>
-          <a:p>
-            <a:pPr marL="360000" indent="-360000">
-              <a:spcAft>
-                <a:spcPts val="1000"/>
-              </a:spcAft>
-              <a:buClr>
-                <a:schemeClr val="tx2"/>
-              </a:buClr>
-              <a:buSzPct val="80000"/>
-              <a:buFont typeface="Wingdings" panose="05000000000000000000" pitchFamily="2" charset="2"/>
-              <a:buChar char="v"/>
-            </a:pPr>
-            <a:r>
-              <a:rPr lang="en-GB" sz="1000" dirty="0"/>
-              <a:t>N. Meng, Q. Wang, Q. Wu and H. Mei, "An Approach to Merge Results of Multiple Static Analysis Tools (Short Paper)," </a:t>
-            </a:r>
-            <a:r>
-              <a:rPr lang="en-GB" sz="1000" i="1" dirty="0"/>
-              <a:t>2008 The Eighth International </a:t>
-            </a:r>
-            <a:br>
-              <a:rPr lang="en-GB" sz="1000" i="1" dirty="0"/>
-            </a:br>
-            <a:r>
-              <a:rPr lang="en-GB" sz="1000" i="1" dirty="0"/>
-              <a:t>Conference on Quality Software</a:t>
-            </a:r>
-            <a:r>
-              <a:rPr lang="en-GB" sz="1000" dirty="0"/>
-              <a:t>, Oxford, 2008, pp. 169-174.doi: 10.1109/QSIC.2008.30</a:t>
-            </a:r>
-            <a:endParaRPr lang="LID4096" sz="1000" dirty="0" err="1"/>
-          </a:p>
-        </p:txBody>
-      </p:sp>
-    </p:spTree>
-    <p:extLst>
-      <p:ext uri="{BB962C8B-B14F-4D97-AF65-F5344CB8AC3E}">
-        <p14:creationId xmlns:p14="http://schemas.microsoft.com/office/powerpoint/2010/main" val="3993522925"/>
-      </p:ext>
-    </p:extLst>
-  </p:cSld>
-  <p:clrMapOvr>
-    <a:masterClrMapping/>
-  </p:clrMapOvr>
-</p:sld>
-</file>
-
-<file path=ppt/slides/slide30.xml><?xml version="1.0" encoding="utf-8"?>
-<p:sld xmlns:a="http://schemas.openxmlformats.org/drawingml/2006/main" xmlns:r="http://schemas.openxmlformats.org/officeDocument/2006/relationships" xmlns:p="http://schemas.openxmlformats.org/presentationml/2006/main">
-  <p:cSld>
-    <p:spTree>
-      <p:nvGrpSpPr>
-        <p:cNvPr id="1" name=""/>
-        <p:cNvGrpSpPr/>
-        <p:nvPr/>
-      </p:nvGrpSpPr>
-      <p:grpSpPr>
-        <a:xfrm>
-          <a:off x="0" y="0"/>
-          <a:ext cx="0" cy="0"/>
-          <a:chOff x="0" y="0"/>
-          <a:chExt cx="0" cy="0"/>
-        </a:xfrm>
-      </p:grpSpPr>
-      <p:sp>
-        <p:nvSpPr>
-          <p:cNvPr id="2" name="Title 1">
-            <a:extLst>
-              <a:ext uri="{FF2B5EF4-FFF2-40B4-BE49-F238E27FC236}">
-                <a16:creationId xmlns:a16="http://schemas.microsoft.com/office/drawing/2014/main" id="{D900D08C-C553-43EE-84D1-0E74FA2FC9BA}"/>
-              </a:ext>
-            </a:extLst>
-          </p:cNvPr>
-          <p:cNvSpPr>
-            <a:spLocks noGrp="1"/>
-          </p:cNvSpPr>
-          <p:nvPr>
-            <p:ph type="title"/>
-          </p:nvPr>
-        </p:nvSpPr>
-        <p:spPr>
-          <a:xfrm>
-            <a:off x="250734" y="404664"/>
-            <a:ext cx="9363637" cy="1079772"/>
-          </a:xfrm>
-        </p:spPr>
-        <p:txBody>
-          <a:bodyPr/>
-          <a:lstStyle/>
-          <a:p>
-            <a:r>
-              <a:rPr lang="en-GB" dirty="0">
-                <a:solidFill>
-                  <a:srgbClr val="003A80"/>
-                </a:solidFill>
-              </a:rPr>
-              <a:t>[RQ 3.3] </a:t>
-            </a:r>
-            <a:br>
-              <a:rPr lang="en-GB" dirty="0">
-                <a:solidFill>
-                  <a:srgbClr val="003A80"/>
-                </a:solidFill>
-              </a:rPr>
-            </a:br>
-            <a:r>
-              <a:rPr lang="en-GB" dirty="0">
-                <a:solidFill>
-                  <a:srgbClr val="003A80"/>
-                </a:solidFill>
-              </a:rPr>
-              <a:t>While tracing previous bug ﬁxes in a method, do users prefer a table view to a before/after windows? </a:t>
-            </a:r>
-          </a:p>
-        </p:txBody>
-      </p:sp>
-      <p:sp>
-        <p:nvSpPr>
-          <p:cNvPr id="3" name="Footer Placeholder 2">
-            <a:extLst>
-              <a:ext uri="{FF2B5EF4-FFF2-40B4-BE49-F238E27FC236}">
-                <a16:creationId xmlns:a16="http://schemas.microsoft.com/office/drawing/2014/main" id="{29CCF344-4A75-4B15-B92F-90EB399CF56D}"/>
-              </a:ext>
-            </a:extLst>
-          </p:cNvPr>
-          <p:cNvSpPr>
-            <a:spLocks noGrp="1"/>
-          </p:cNvSpPr>
-          <p:nvPr>
-            <p:ph type="ftr" sz="quarter" idx="10"/>
-          </p:nvPr>
-        </p:nvSpPr>
-        <p:spPr/>
-        <p:txBody>
-          <a:bodyPr/>
-          <a:lstStyle/>
-          <a:p>
-            <a:r>
-              <a:rPr lang="de-DE"/>
-              <a:t>Software Engineering</a:t>
-            </a:r>
-            <a:endParaRPr lang="de-DE" dirty="0"/>
-          </a:p>
-        </p:txBody>
-      </p:sp>
-      <p:sp>
-        <p:nvSpPr>
-          <p:cNvPr id="4" name="Slide Number Placeholder 3">
-            <a:extLst>
-              <a:ext uri="{FF2B5EF4-FFF2-40B4-BE49-F238E27FC236}">
-                <a16:creationId xmlns:a16="http://schemas.microsoft.com/office/drawing/2014/main" id="{0B6F0876-29E2-400F-9A5E-7977729A15FA}"/>
-              </a:ext>
-            </a:extLst>
-          </p:cNvPr>
-          <p:cNvSpPr>
-            <a:spLocks noGrp="1"/>
-          </p:cNvSpPr>
-          <p:nvPr>
-            <p:ph type="sldNum" sz="quarter" idx="11"/>
-          </p:nvPr>
-        </p:nvSpPr>
-        <p:spPr/>
-        <p:txBody>
-          <a:bodyPr/>
-          <a:lstStyle/>
-          <a:p>
-            <a:fld id="{815DB69B-0A2B-4D0B-A3BD-360AAA24381D}" type="slidenum">
-              <a:rPr lang="de-DE" smtClean="0"/>
-              <a:pPr/>
-              <a:t>30</a:t>
-            </a:fld>
-            <a:endParaRPr lang="de-DE" dirty="0"/>
-          </a:p>
-        </p:txBody>
-      </p:sp>
-      <p:pic>
-        <p:nvPicPr>
-          <p:cNvPr id="6" name="Picture 5" descr="A screenshot of a cell phone&#10;&#10;Description automatically generated">
-            <a:extLst>
-              <a:ext uri="{FF2B5EF4-FFF2-40B4-BE49-F238E27FC236}">
-                <a16:creationId xmlns:a16="http://schemas.microsoft.com/office/drawing/2014/main" id="{574D3AB7-443F-47D1-AB0D-4FDA1FD81E37}"/>
-              </a:ext>
-            </a:extLst>
-          </p:cNvPr>
-          <p:cNvPicPr>
-            <a:picLocks noChangeAspect="1"/>
-          </p:cNvPicPr>
-          <p:nvPr/>
-        </p:nvPicPr>
-        <p:blipFill>
-          <a:blip r:embed="rId2">
-            <a:extLst>
-              <a:ext uri="{28A0092B-C50C-407E-A947-70E740481C1C}">
-                <a14:useLocalDpi xmlns:a14="http://schemas.microsoft.com/office/drawing/2010/main" val="0"/>
-              </a:ext>
-            </a:extLst>
-          </a:blip>
-          <a:stretch>
-            <a:fillRect/>
-          </a:stretch>
-        </p:blipFill>
-        <p:spPr>
-          <a:xfrm>
-            <a:off x="1136576" y="1766708"/>
-            <a:ext cx="7746266" cy="4089713"/>
-          </a:xfrm>
-          <a:prstGeom prst="rect">
-            <a:avLst/>
-          </a:prstGeom>
-        </p:spPr>
-      </p:pic>
-      <p:sp>
-        <p:nvSpPr>
-          <p:cNvPr id="7" name="TextBox 6">
-            <a:extLst>
-              <a:ext uri="{FF2B5EF4-FFF2-40B4-BE49-F238E27FC236}">
-                <a16:creationId xmlns:a16="http://schemas.microsoft.com/office/drawing/2014/main" id="{C8754E0A-B798-48C9-A73E-E921B84EE573}"/>
-              </a:ext>
-            </a:extLst>
-          </p:cNvPr>
-          <p:cNvSpPr txBox="1"/>
-          <p:nvPr/>
-        </p:nvSpPr>
-        <p:spPr>
-          <a:xfrm>
-            <a:off x="4144533" y="6019530"/>
-            <a:ext cx="1475147" cy="369332"/>
-          </a:xfrm>
-          <a:prstGeom prst="rect">
-            <a:avLst/>
-          </a:prstGeom>
-          <a:noFill/>
-        </p:spPr>
-        <p:txBody>
-          <a:bodyPr wrap="none" lIns="0" rIns="0" rtlCol="0">
-            <a:spAutoFit/>
-          </a:bodyPr>
-          <a:lstStyle/>
-          <a:p>
-            <a:pPr marL="360000" indent="-360000">
-              <a:spcAft>
-                <a:spcPts val="1000"/>
-              </a:spcAft>
-              <a:buClr>
-                <a:schemeClr val="tx2"/>
-              </a:buClr>
-              <a:buSzPct val="80000"/>
-              <a:buFont typeface="Wingdings" panose="05000000000000000000" pitchFamily="2" charset="2"/>
-              <a:buChar char="n"/>
-            </a:pPr>
-            <a:r>
-              <a:rPr lang="en-GB" dirty="0"/>
-              <a:t>Table View</a:t>
-            </a:r>
-          </a:p>
-        </p:txBody>
-      </p:sp>
-    </p:spTree>
-    <p:extLst>
-      <p:ext uri="{BB962C8B-B14F-4D97-AF65-F5344CB8AC3E}">
-        <p14:creationId xmlns:p14="http://schemas.microsoft.com/office/powerpoint/2010/main" val="1270392588"/>
-      </p:ext>
-    </p:extLst>
-  </p:cSld>
-  <p:clrMapOvr>
-    <a:masterClrMapping/>
-  </p:clrMapOvr>
-</p:sld>
-</file>
-
-<file path=ppt/slides/slide31.xml><?xml version="1.0" encoding="utf-8"?>
-<p:sld xmlns:a="http://schemas.openxmlformats.org/drawingml/2006/main" xmlns:r="http://schemas.openxmlformats.org/officeDocument/2006/relationships" xmlns:p="http://schemas.openxmlformats.org/presentationml/2006/main">
-  <p:cSld>
-    <p:spTree>
-      <p:nvGrpSpPr>
-        <p:cNvPr id="1" name=""/>
-        <p:cNvGrpSpPr/>
-        <p:nvPr/>
-      </p:nvGrpSpPr>
-      <p:grpSpPr>
-        <a:xfrm>
-          <a:off x="0" y="0"/>
-          <a:ext cx="0" cy="0"/>
-          <a:chOff x="0" y="0"/>
-          <a:chExt cx="0" cy="0"/>
-        </a:xfrm>
-      </p:grpSpPr>
-      <p:sp>
-        <p:nvSpPr>
-          <p:cNvPr id="2" name="Title 1">
-            <a:extLst>
-              <a:ext uri="{FF2B5EF4-FFF2-40B4-BE49-F238E27FC236}">
-                <a16:creationId xmlns:a16="http://schemas.microsoft.com/office/drawing/2014/main" id="{D900D08C-C553-43EE-84D1-0E74FA2FC9BA}"/>
-              </a:ext>
-            </a:extLst>
-          </p:cNvPr>
-          <p:cNvSpPr>
-            <a:spLocks noGrp="1"/>
-          </p:cNvSpPr>
-          <p:nvPr>
-            <p:ph type="title"/>
-          </p:nvPr>
-        </p:nvSpPr>
-        <p:spPr>
-          <a:xfrm>
-            <a:off x="250734" y="404664"/>
-            <a:ext cx="9363637" cy="1079772"/>
-          </a:xfrm>
-        </p:spPr>
-        <p:txBody>
-          <a:bodyPr/>
-          <a:lstStyle/>
-          <a:p>
-            <a:r>
-              <a:rPr lang="en-GB" dirty="0">
-                <a:solidFill>
-                  <a:srgbClr val="003A80"/>
-                </a:solidFill>
-              </a:rPr>
-              <a:t>[RQ 3.3] </a:t>
-            </a:r>
-            <a:br>
-              <a:rPr lang="en-GB" dirty="0">
-                <a:solidFill>
-                  <a:srgbClr val="003A80"/>
-                </a:solidFill>
-              </a:rPr>
-            </a:br>
-            <a:r>
-              <a:rPr lang="en-GB" dirty="0">
-                <a:solidFill>
-                  <a:srgbClr val="003A80"/>
-                </a:solidFill>
-              </a:rPr>
-              <a:t>While tracing previous bug ﬁxes in a method, do users prefer a table view to a before/after windows? </a:t>
-            </a:r>
-          </a:p>
-        </p:txBody>
-      </p:sp>
-      <p:sp>
-        <p:nvSpPr>
-          <p:cNvPr id="3" name="Footer Placeholder 2">
-            <a:extLst>
-              <a:ext uri="{FF2B5EF4-FFF2-40B4-BE49-F238E27FC236}">
-                <a16:creationId xmlns:a16="http://schemas.microsoft.com/office/drawing/2014/main" id="{29CCF344-4A75-4B15-B92F-90EB399CF56D}"/>
-              </a:ext>
-            </a:extLst>
-          </p:cNvPr>
-          <p:cNvSpPr>
-            <a:spLocks noGrp="1"/>
-          </p:cNvSpPr>
-          <p:nvPr>
-            <p:ph type="ftr" sz="quarter" idx="10"/>
-          </p:nvPr>
-        </p:nvSpPr>
-        <p:spPr/>
-        <p:txBody>
-          <a:bodyPr/>
-          <a:lstStyle/>
-          <a:p>
-            <a:r>
-              <a:rPr lang="de-DE"/>
-              <a:t>Software Engineering</a:t>
-            </a:r>
-            <a:endParaRPr lang="de-DE" dirty="0"/>
-          </a:p>
-        </p:txBody>
-      </p:sp>
-      <p:sp>
-        <p:nvSpPr>
-          <p:cNvPr id="4" name="Slide Number Placeholder 3">
-            <a:extLst>
-              <a:ext uri="{FF2B5EF4-FFF2-40B4-BE49-F238E27FC236}">
-                <a16:creationId xmlns:a16="http://schemas.microsoft.com/office/drawing/2014/main" id="{0B6F0876-29E2-400F-9A5E-7977729A15FA}"/>
-              </a:ext>
-            </a:extLst>
-          </p:cNvPr>
-          <p:cNvSpPr>
-            <a:spLocks noGrp="1"/>
-          </p:cNvSpPr>
-          <p:nvPr>
-            <p:ph type="sldNum" sz="quarter" idx="11"/>
-          </p:nvPr>
-        </p:nvSpPr>
-        <p:spPr/>
-        <p:txBody>
-          <a:bodyPr/>
-          <a:lstStyle/>
-          <a:p>
-            <a:fld id="{815DB69B-0A2B-4D0B-A3BD-360AAA24381D}" type="slidenum">
-              <a:rPr lang="de-DE" smtClean="0"/>
-              <a:pPr/>
               <a:t>31</a:t>
-            </a:fld>
-            <a:endParaRPr lang="de-DE" dirty="0"/>
-          </a:p>
-        </p:txBody>
-      </p:sp>
-      <p:sp>
-        <p:nvSpPr>
-          <p:cNvPr id="7" name="TextBox 6">
-            <a:extLst>
-              <a:ext uri="{FF2B5EF4-FFF2-40B4-BE49-F238E27FC236}">
-                <a16:creationId xmlns:a16="http://schemas.microsoft.com/office/drawing/2014/main" id="{C8754E0A-B798-48C9-A73E-E921B84EE573}"/>
-              </a:ext>
-            </a:extLst>
-          </p:cNvPr>
-          <p:cNvSpPr txBox="1"/>
-          <p:nvPr/>
-        </p:nvSpPr>
-        <p:spPr>
-          <a:xfrm>
-            <a:off x="272228" y="1988840"/>
-            <a:ext cx="7491410" cy="4293483"/>
-          </a:xfrm>
-          <a:prstGeom prst="rect">
-            <a:avLst/>
-          </a:prstGeom>
-          <a:noFill/>
-        </p:spPr>
-        <p:txBody>
-          <a:bodyPr wrap="none" lIns="0" rIns="0" rtlCol="0">
-            <a:spAutoFit/>
-          </a:bodyPr>
-          <a:lstStyle/>
-          <a:p>
-            <a:pPr marL="360000" indent="-360000">
-              <a:spcAft>
-                <a:spcPts val="1000"/>
-              </a:spcAft>
-              <a:buClr>
-                <a:schemeClr val="tx2"/>
-              </a:buClr>
-              <a:buSzPct val="80000"/>
-              <a:buFont typeface="Wingdings" panose="05000000000000000000" pitchFamily="2" charset="2"/>
-              <a:buChar char="n"/>
-            </a:pPr>
-            <a:r>
-              <a:rPr lang="en-GB" dirty="0"/>
-              <a:t>Results:</a:t>
-            </a:r>
-          </a:p>
-          <a:p>
-            <a:pPr marL="360000" indent="-360000">
-              <a:spcAft>
-                <a:spcPts val="1000"/>
-              </a:spcAft>
-              <a:buClr>
-                <a:schemeClr val="tx2"/>
-              </a:buClr>
-              <a:buSzPct val="80000"/>
-              <a:buFont typeface="Wingdings" panose="05000000000000000000" pitchFamily="2" charset="2"/>
-              <a:buChar char="n"/>
-            </a:pPr>
-            <a:endParaRPr lang="en-GB" dirty="0"/>
-          </a:p>
-          <a:p>
-            <a:pPr marL="360000" indent="-360000">
-              <a:spcAft>
-                <a:spcPts val="1000"/>
-              </a:spcAft>
-              <a:buClr>
-                <a:schemeClr val="tx2"/>
-              </a:buClr>
-              <a:buSzPct val="80000"/>
-              <a:buFont typeface="Wingdings" panose="05000000000000000000" pitchFamily="2" charset="2"/>
-              <a:buChar char="n"/>
-            </a:pPr>
-            <a:endParaRPr lang="en-GB" dirty="0"/>
-          </a:p>
-          <a:p>
-            <a:pPr marL="360000" indent="-360000">
-              <a:spcAft>
-                <a:spcPts val="1000"/>
-              </a:spcAft>
-              <a:buClr>
-                <a:schemeClr val="tx2"/>
-              </a:buClr>
-              <a:buSzPct val="80000"/>
-              <a:buFont typeface="Wingdings" panose="05000000000000000000" pitchFamily="2" charset="2"/>
-              <a:buChar char="n"/>
-            </a:pPr>
-            <a:endParaRPr lang="en-GB" dirty="0"/>
-          </a:p>
-          <a:p>
-            <a:pPr marL="360000" indent="-360000">
-              <a:spcAft>
-                <a:spcPts val="1000"/>
-              </a:spcAft>
-              <a:buClr>
-                <a:schemeClr val="tx2"/>
-              </a:buClr>
-              <a:buSzPct val="80000"/>
-              <a:buFont typeface="Wingdings" panose="05000000000000000000" pitchFamily="2" charset="2"/>
-              <a:buChar char="n"/>
-            </a:pPr>
-            <a:endParaRPr lang="en-GB" dirty="0"/>
-          </a:p>
-          <a:p>
-            <a:pPr marL="360000" indent="-360000">
-              <a:spcAft>
-                <a:spcPts val="1000"/>
-              </a:spcAft>
-              <a:buClr>
-                <a:schemeClr val="tx2"/>
-              </a:buClr>
-              <a:buSzPct val="80000"/>
-              <a:buFont typeface="Wingdings" panose="05000000000000000000" pitchFamily="2" charset="2"/>
-              <a:buChar char="n"/>
-            </a:pPr>
-            <a:endParaRPr lang="en-GB" dirty="0"/>
-          </a:p>
-          <a:p>
-            <a:pPr marL="360000" indent="-360000">
-              <a:spcAft>
-                <a:spcPts val="1000"/>
-              </a:spcAft>
-              <a:buClr>
-                <a:schemeClr val="tx2"/>
-              </a:buClr>
-              <a:buSzPct val="80000"/>
-              <a:buFont typeface="Wingdings" panose="05000000000000000000" pitchFamily="2" charset="2"/>
-              <a:buChar char="n"/>
-            </a:pPr>
-            <a:endParaRPr lang="en-GB" dirty="0"/>
-          </a:p>
-          <a:p>
-            <a:pPr marL="360000" indent="-360000">
-              <a:spcAft>
-                <a:spcPts val="1000"/>
-              </a:spcAft>
-              <a:buClr>
-                <a:schemeClr val="tx2"/>
-              </a:buClr>
-              <a:buSzPct val="80000"/>
-              <a:buFont typeface="Wingdings" panose="05000000000000000000" pitchFamily="2" charset="2"/>
-              <a:buChar char="q"/>
-            </a:pPr>
-            <a:r>
-              <a:rPr lang="en-GB" dirty="0"/>
-              <a:t>T1 - Identity how many bugs are ﬁxed earlier …?</a:t>
-            </a:r>
-          </a:p>
-          <a:p>
-            <a:pPr marL="360000" indent="-360000">
-              <a:spcAft>
-                <a:spcPts val="1000"/>
-              </a:spcAft>
-              <a:buClr>
-                <a:schemeClr val="tx2"/>
-              </a:buClr>
-              <a:buSzPct val="80000"/>
-              <a:buFont typeface="Wingdings" panose="05000000000000000000" pitchFamily="2" charset="2"/>
-              <a:buChar char="q"/>
-            </a:pPr>
-            <a:r>
-              <a:rPr lang="en-GB" dirty="0"/>
-              <a:t>T2 - What is the bug line reported as __ Bug-type .?</a:t>
-            </a:r>
-          </a:p>
-          <a:p>
-            <a:pPr marL="285750" indent="-285750">
-              <a:spcAft>
-                <a:spcPts val="1000"/>
-              </a:spcAft>
-              <a:buClr>
-                <a:schemeClr val="tx2"/>
-              </a:buClr>
-              <a:buSzPct val="80000"/>
-              <a:buFont typeface="Arial" panose="020B0604020202020204" pitchFamily="34" charset="0"/>
-              <a:buChar char="•"/>
-            </a:pPr>
-            <a:r>
-              <a:rPr lang="en-GB" dirty="0"/>
-              <a:t>Both are preferred by users. </a:t>
-            </a:r>
-            <a:br>
-              <a:rPr lang="en-GB" dirty="0"/>
-            </a:br>
-            <a:r>
-              <a:rPr lang="en-GB" dirty="0"/>
-              <a:t>However, 4 out of 5 users chosen table view concerning the scalability.</a:t>
-            </a:r>
-          </a:p>
-        </p:txBody>
-      </p:sp>
-      <p:graphicFrame>
-        <p:nvGraphicFramePr>
-          <p:cNvPr id="8" name="Table 7">
-            <a:extLst>
-              <a:ext uri="{FF2B5EF4-FFF2-40B4-BE49-F238E27FC236}">
-                <a16:creationId xmlns:a16="http://schemas.microsoft.com/office/drawing/2014/main" id="{4F45A92E-2AC4-4AF5-8EC9-848F541553E0}"/>
-              </a:ext>
-            </a:extLst>
-          </p:cNvPr>
-          <p:cNvGraphicFramePr>
-            <a:graphicFrameLocks noGrp="1"/>
-          </p:cNvGraphicFramePr>
-          <p:nvPr>
-            <p:extLst>
-              <p:ext uri="{D42A27DB-BD31-4B8C-83A1-F6EECF244321}">
-                <p14:modId xmlns:p14="http://schemas.microsoft.com/office/powerpoint/2010/main" val="1138436053"/>
-              </p:ext>
-            </p:extLst>
-          </p:nvPr>
-        </p:nvGraphicFramePr>
-        <p:xfrm>
-          <a:off x="859060" y="2852936"/>
-          <a:ext cx="8146983" cy="1483360"/>
-        </p:xfrm>
-        <a:graphic>
-          <a:graphicData uri="http://schemas.openxmlformats.org/drawingml/2006/table">
-            <a:tbl>
-              <a:tblPr firstRow="1" bandRow="1">
-                <a:tableStyleId>{5940675A-B579-460E-94D1-54222C63F5DA}</a:tableStyleId>
-              </a:tblPr>
-              <a:tblGrid>
-                <a:gridCol w="2715661">
-                  <a:extLst>
-                    <a:ext uri="{9D8B030D-6E8A-4147-A177-3AD203B41FA5}">
-                      <a16:colId xmlns:a16="http://schemas.microsoft.com/office/drawing/2014/main" val="3451710943"/>
-                    </a:ext>
-                  </a:extLst>
-                </a:gridCol>
-                <a:gridCol w="2715661">
-                  <a:extLst>
-                    <a:ext uri="{9D8B030D-6E8A-4147-A177-3AD203B41FA5}">
-                      <a16:colId xmlns:a16="http://schemas.microsoft.com/office/drawing/2014/main" val="2145922691"/>
-                    </a:ext>
-                  </a:extLst>
-                </a:gridCol>
-                <a:gridCol w="2715661">
-                  <a:extLst>
-                    <a:ext uri="{9D8B030D-6E8A-4147-A177-3AD203B41FA5}">
-                      <a16:colId xmlns:a16="http://schemas.microsoft.com/office/drawing/2014/main" val="3663951750"/>
-                    </a:ext>
-                  </a:extLst>
-                </a:gridCol>
-              </a:tblGrid>
-              <a:tr h="370840">
-                <a:tc>
-                  <a:txBody>
-                    <a:bodyPr/>
-                    <a:lstStyle/>
-                    <a:p>
-                      <a:endParaRPr lang="en-GB" dirty="0"/>
-                    </a:p>
-                  </a:txBody>
-                  <a:tcPr/>
-                </a:tc>
-                <a:tc>
-                  <a:txBody>
-                    <a:bodyPr/>
-                    <a:lstStyle/>
-                    <a:p>
-                      <a:pPr algn="ctr"/>
-                      <a:r>
-                        <a:rPr lang="en-GB" b="1" dirty="0"/>
-                        <a:t>Before/After</a:t>
-                      </a:r>
-                    </a:p>
-                  </a:txBody>
-                  <a:tcPr/>
-                </a:tc>
-                <a:tc>
-                  <a:txBody>
-                    <a:bodyPr/>
-                    <a:lstStyle/>
-                    <a:p>
-                      <a:pPr algn="ctr"/>
-                      <a:r>
-                        <a:rPr lang="en-GB" b="1" dirty="0"/>
-                        <a:t>Table View</a:t>
-                      </a:r>
-                    </a:p>
-                  </a:txBody>
-                  <a:tcPr/>
-                </a:tc>
-                <a:extLst>
-                  <a:ext uri="{0D108BD9-81ED-4DB2-BD59-A6C34878D82A}">
-                    <a16:rowId xmlns:a16="http://schemas.microsoft.com/office/drawing/2014/main" val="2638398685"/>
-                  </a:ext>
-                </a:extLst>
-              </a:tr>
-              <a:tr h="370840">
-                <a:tc>
-                  <a:txBody>
-                    <a:bodyPr/>
-                    <a:lstStyle/>
-                    <a:p>
-                      <a:pPr algn="ctr"/>
-                      <a:r>
-                        <a:rPr lang="en-GB" b="1" dirty="0"/>
-                        <a:t>Task Success</a:t>
-                      </a:r>
-                    </a:p>
-                  </a:txBody>
-                  <a:tcPr/>
-                </a:tc>
-                <a:tc>
-                  <a:txBody>
-                    <a:bodyPr/>
-                    <a:lstStyle/>
-                    <a:p>
-                      <a:pPr algn="ctr"/>
-                      <a:r>
-                        <a:rPr lang="en-GB" dirty="0"/>
-                        <a:t>T1 – 80 %, T2 – 60 %</a:t>
-                      </a:r>
-                    </a:p>
-                  </a:txBody>
-                  <a:tcPr/>
-                </a:tc>
-                <a:tc>
-                  <a:txBody>
-                    <a:bodyPr/>
-                    <a:lstStyle/>
-                    <a:p>
-                      <a:pPr algn="ctr"/>
-                      <a:r>
-                        <a:rPr lang="en-GB" dirty="0"/>
-                        <a:t>T1, T2 - 100 %</a:t>
-                      </a:r>
-                    </a:p>
-                  </a:txBody>
-                  <a:tcPr/>
-                </a:tc>
-                <a:extLst>
-                  <a:ext uri="{0D108BD9-81ED-4DB2-BD59-A6C34878D82A}">
-                    <a16:rowId xmlns:a16="http://schemas.microsoft.com/office/drawing/2014/main" val="837651830"/>
-                  </a:ext>
-                </a:extLst>
-              </a:tr>
-              <a:tr h="370840">
-                <a:tc>
-                  <a:txBody>
-                    <a:bodyPr/>
-                    <a:lstStyle/>
-                    <a:p>
-                      <a:pPr algn="ctr"/>
-                      <a:r>
-                        <a:rPr lang="en-GB" b="1" dirty="0"/>
-                        <a:t>Usability</a:t>
-                      </a:r>
-                    </a:p>
-                  </a:txBody>
-                  <a:tcPr/>
-                </a:tc>
-                <a:tc>
-                  <a:txBody>
-                    <a:bodyPr/>
-                    <a:lstStyle/>
-                    <a:p>
-                      <a:pPr algn="ctr"/>
-                      <a:r>
-                        <a:rPr lang="en-GB" dirty="0"/>
-                        <a:t>8.4</a:t>
-                      </a:r>
-                    </a:p>
-                  </a:txBody>
-                  <a:tcPr/>
-                </a:tc>
-                <a:tc>
-                  <a:txBody>
-                    <a:bodyPr/>
-                    <a:lstStyle/>
-                    <a:p>
-                      <a:pPr algn="ctr"/>
-                      <a:r>
-                        <a:rPr lang="en-GB" dirty="0"/>
-                        <a:t>8.6</a:t>
-                      </a:r>
-                    </a:p>
-                  </a:txBody>
-                  <a:tcPr/>
-                </a:tc>
-                <a:extLst>
-                  <a:ext uri="{0D108BD9-81ED-4DB2-BD59-A6C34878D82A}">
-                    <a16:rowId xmlns:a16="http://schemas.microsoft.com/office/drawing/2014/main" val="3058278828"/>
-                  </a:ext>
-                </a:extLst>
-              </a:tr>
-              <a:tr h="370840">
-                <a:tc>
-                  <a:txBody>
-                    <a:bodyPr/>
-                    <a:lstStyle/>
-                    <a:p>
-                      <a:pPr algn="ctr"/>
-                      <a:r>
-                        <a:rPr lang="en-GB" b="1" dirty="0"/>
-                        <a:t>Votes </a:t>
-                      </a:r>
-                    </a:p>
-                  </a:txBody>
-                  <a:tcPr/>
-                </a:tc>
-                <a:tc>
-                  <a:txBody>
-                    <a:bodyPr/>
-                    <a:lstStyle/>
-                    <a:p>
-                      <a:pPr algn="ctr"/>
-                      <a:r>
-                        <a:rPr lang="en-GB" dirty="0"/>
-                        <a:t>1</a:t>
-                      </a:r>
-                    </a:p>
-                  </a:txBody>
-                  <a:tcPr/>
-                </a:tc>
-                <a:tc>
-                  <a:txBody>
-                    <a:bodyPr/>
-                    <a:lstStyle/>
-                    <a:p>
-                      <a:pPr algn="ctr"/>
-                      <a:r>
-                        <a:rPr lang="en-GB" dirty="0"/>
-                        <a:t>4</a:t>
-                      </a:r>
-                    </a:p>
-                  </a:txBody>
-                  <a:tcPr/>
-                </a:tc>
-                <a:extLst>
-                  <a:ext uri="{0D108BD9-81ED-4DB2-BD59-A6C34878D82A}">
-                    <a16:rowId xmlns:a16="http://schemas.microsoft.com/office/drawing/2014/main" val="4186115944"/>
-                  </a:ext>
-                </a:extLst>
-              </a:tr>
-            </a:tbl>
-          </a:graphicData>
-        </a:graphic>
-      </p:graphicFrame>
-      <p:pic>
-        <p:nvPicPr>
-          <p:cNvPr id="9" name="Picture 8" descr="A picture containing drawing&#10;&#10;Description automatically generated">
-            <a:extLst>
-              <a:ext uri="{FF2B5EF4-FFF2-40B4-BE49-F238E27FC236}">
-                <a16:creationId xmlns:a16="http://schemas.microsoft.com/office/drawing/2014/main" id="{220981A2-468A-476E-AB88-765FAE41AAB4}"/>
-              </a:ext>
-            </a:extLst>
-          </p:cNvPr>
-          <p:cNvPicPr>
-            <a:picLocks noChangeAspect="1"/>
-          </p:cNvPicPr>
-          <p:nvPr/>
-        </p:nvPicPr>
-        <p:blipFill>
-          <a:blip r:embed="rId2" cstate="print">
-            <a:extLst>
-              <a:ext uri="{28A0092B-C50C-407E-A947-70E740481C1C}">
-                <a14:useLocalDpi xmlns:a14="http://schemas.microsoft.com/office/drawing/2010/main" val="0"/>
-              </a:ext>
-            </a:extLst>
-          </a:blip>
-          <a:stretch>
-            <a:fillRect/>
-          </a:stretch>
-        </p:blipFill>
-        <p:spPr>
-          <a:xfrm>
-            <a:off x="7533434" y="4569274"/>
-            <a:ext cx="371894" cy="371894"/>
-          </a:xfrm>
-          <a:prstGeom prst="rect">
-            <a:avLst/>
-          </a:prstGeom>
-        </p:spPr>
-      </p:pic>
-    </p:spTree>
-    <p:extLst>
-      <p:ext uri="{BB962C8B-B14F-4D97-AF65-F5344CB8AC3E}">
-        <p14:creationId xmlns:p14="http://schemas.microsoft.com/office/powerpoint/2010/main" val="2328699735"/>
-      </p:ext>
-    </p:extLst>
-  </p:cSld>
-  <p:clrMapOvr>
-    <a:masterClrMapping/>
-  </p:clrMapOvr>
-</p:sld>
-</file>
-
-<file path=ppt/slides/slide32.xml><?xml version="1.0" encoding="utf-8"?>
-<p:sld xmlns:a="http://schemas.openxmlformats.org/drawingml/2006/main" xmlns:r="http://schemas.openxmlformats.org/officeDocument/2006/relationships" xmlns:p="http://schemas.openxmlformats.org/presentationml/2006/main">
-  <p:cSld>
-    <p:spTree>
-      <p:nvGrpSpPr>
-        <p:cNvPr id="1" name=""/>
-        <p:cNvGrpSpPr/>
-        <p:nvPr/>
-      </p:nvGrpSpPr>
-      <p:grpSpPr>
-        <a:xfrm>
-          <a:off x="0" y="0"/>
-          <a:ext cx="0" cy="0"/>
-          <a:chOff x="0" y="0"/>
-          <a:chExt cx="0" cy="0"/>
-        </a:xfrm>
-      </p:grpSpPr>
-      <p:sp>
-        <p:nvSpPr>
-          <p:cNvPr id="2" name="Titel 1"/>
-          <p:cNvSpPr>
-            <a:spLocks noGrp="1"/>
-          </p:cNvSpPr>
-          <p:nvPr>
-            <p:ph type="title"/>
-          </p:nvPr>
-        </p:nvSpPr>
-        <p:spPr/>
-        <p:txBody>
-          <a:bodyPr/>
-          <a:lstStyle/>
-          <a:p>
-            <a:r>
-              <a:rPr lang="de-DE" dirty="0">
-                <a:solidFill>
-                  <a:schemeClr val="tx2"/>
-                </a:solidFill>
-              </a:rPr>
-              <a:t>Limitations</a:t>
-            </a:r>
-          </a:p>
-        </p:txBody>
-      </p:sp>
-      <p:sp>
-        <p:nvSpPr>
-          <p:cNvPr id="4" name="Foliennummernplatzhalter 3"/>
-          <p:cNvSpPr>
-            <a:spLocks noGrp="1"/>
-          </p:cNvSpPr>
-          <p:nvPr>
-            <p:ph type="sldNum" sz="quarter" idx="11"/>
-          </p:nvPr>
-        </p:nvSpPr>
-        <p:spPr/>
-        <p:txBody>
-          <a:bodyPr/>
-          <a:lstStyle/>
-          <a:p>
-            <a:fld id="{815DB69B-0A2B-4D0B-A3BD-360AAA24381D}" type="slidenum">
-              <a:rPr lang="de-DE" smtClean="0"/>
-              <a:pPr/>
-              <a:t>32</a:t>
             </a:fld>
             <a:endParaRPr lang="de-DE" dirty="0"/>
           </a:p>
@@ -36381,6 +35625,294 @@
 </p:sld>
 </file>
 
+<file path=ppt/slides/slide32.xml><?xml version="1.0" encoding="utf-8"?>
+<p:sld xmlns:a="http://schemas.openxmlformats.org/drawingml/2006/main" xmlns:r="http://schemas.openxmlformats.org/officeDocument/2006/relationships" xmlns:p="http://schemas.openxmlformats.org/presentationml/2006/main">
+  <p:cSld>
+    <p:spTree>
+      <p:nvGrpSpPr>
+        <p:cNvPr id="1" name=""/>
+        <p:cNvGrpSpPr/>
+        <p:nvPr/>
+      </p:nvGrpSpPr>
+      <p:grpSpPr>
+        <a:xfrm>
+          <a:off x="0" y="0"/>
+          <a:ext cx="0" cy="0"/>
+          <a:chOff x="0" y="0"/>
+          <a:chExt cx="0" cy="0"/>
+        </a:xfrm>
+      </p:grpSpPr>
+      <p:sp>
+        <p:nvSpPr>
+          <p:cNvPr id="2" name="Titel 1"/>
+          <p:cNvSpPr>
+            <a:spLocks noGrp="1"/>
+          </p:cNvSpPr>
+          <p:nvPr>
+            <p:ph type="title"/>
+          </p:nvPr>
+        </p:nvSpPr>
+        <p:spPr/>
+        <p:txBody>
+          <a:bodyPr/>
+          <a:lstStyle/>
+          <a:p>
+            <a:r>
+              <a:rPr lang="de-DE" dirty="0">
+                <a:solidFill>
+                  <a:schemeClr val="tx2"/>
+                </a:solidFill>
+              </a:rPr>
+              <a:t>Future Work</a:t>
+            </a:r>
+          </a:p>
+        </p:txBody>
+      </p:sp>
+      <p:sp>
+        <p:nvSpPr>
+          <p:cNvPr id="4" name="Foliennummernplatzhalter 3"/>
+          <p:cNvSpPr>
+            <a:spLocks noGrp="1"/>
+          </p:cNvSpPr>
+          <p:nvPr>
+            <p:ph type="sldNum" sz="quarter" idx="11"/>
+          </p:nvPr>
+        </p:nvSpPr>
+        <p:spPr/>
+        <p:txBody>
+          <a:bodyPr/>
+          <a:lstStyle/>
+          <a:p>
+            <a:fld id="{815DB69B-0A2B-4D0B-A3BD-360AAA24381D}" type="slidenum">
+              <a:rPr lang="de-DE" smtClean="0"/>
+              <a:pPr/>
+              <a:t>32</a:t>
+            </a:fld>
+            <a:endParaRPr lang="de-DE" dirty="0"/>
+          </a:p>
+        </p:txBody>
+      </p:sp>
+      <p:sp>
+        <p:nvSpPr>
+          <p:cNvPr id="5" name="Textplatzhalter 4"/>
+          <p:cNvSpPr>
+            <a:spLocks noGrp="1"/>
+          </p:cNvSpPr>
+          <p:nvPr>
+            <p:ph type="body" sz="quarter" idx="12"/>
+          </p:nvPr>
+        </p:nvSpPr>
+        <p:spPr>
+          <a:xfrm>
+            <a:off x="272284" y="1916832"/>
+            <a:ext cx="9361488" cy="5113337"/>
+          </a:xfrm>
+        </p:spPr>
+        <p:txBody>
+          <a:bodyPr/>
+          <a:lstStyle/>
+          <a:p>
+            <a:r>
+              <a:rPr lang="en-GB" dirty="0"/>
+              <a:t>Q. Would having </a:t>
+            </a:r>
+            <a:r>
+              <a:rPr lang="en-GB" dirty="0">
+                <a:solidFill>
+                  <a:srgbClr val="FF0000"/>
+                </a:solidFill>
+              </a:rPr>
+              <a:t>tabs</a:t>
+            </a:r>
+            <a:r>
+              <a:rPr lang="en-GB" dirty="0"/>
+              <a:t> help scale the tools visibility with bugs results?</a:t>
+            </a:r>
+            <a:br>
+              <a:rPr lang="en-GB" dirty="0"/>
+            </a:br>
+            <a:endParaRPr lang="en-GB" dirty="0"/>
+          </a:p>
+          <a:p>
+            <a:r>
+              <a:rPr lang="en-GB" dirty="0"/>
+              <a:t>Q. Do </a:t>
+            </a:r>
+            <a:r>
+              <a:rPr lang="en-GB" dirty="0">
+                <a:solidFill>
+                  <a:srgbClr val="FF0000"/>
+                </a:solidFill>
+              </a:rPr>
+              <a:t>graphs</a:t>
+            </a:r>
+            <a:r>
+              <a:rPr lang="en-GB" dirty="0"/>
+              <a:t> help in understanding the bugs reported?</a:t>
+            </a:r>
+          </a:p>
+          <a:p>
+            <a:endParaRPr lang="en-GB" dirty="0"/>
+          </a:p>
+          <a:p>
+            <a:pPr marL="0" indent="0">
+              <a:buNone/>
+            </a:pPr>
+            <a:endParaRPr lang="en-GB" dirty="0"/>
+          </a:p>
+          <a:p>
+            <a:r>
+              <a:rPr lang="en-GB" dirty="0"/>
+              <a:t>RQ 4: How is </a:t>
+            </a:r>
+            <a:r>
+              <a:rPr lang="en-GB" dirty="0">
+                <a:solidFill>
+                  <a:srgbClr val="FF0000"/>
+                </a:solidFill>
+              </a:rPr>
+              <a:t>teamwork</a:t>
+            </a:r>
+            <a:r>
+              <a:rPr lang="en-GB" dirty="0"/>
+              <a:t> facilitated in bug fixing in context of multiple tools?																								</a:t>
+            </a:r>
+          </a:p>
+          <a:p>
+            <a:pPr marL="0" indent="0">
+              <a:buNone/>
+            </a:pPr>
+            <a:r>
+              <a:rPr lang="en-GB" dirty="0"/>
+              <a:t>										</a:t>
+            </a:r>
+          </a:p>
+          <a:p>
+            <a:pPr marL="0" indent="0">
+              <a:lnSpc>
+                <a:spcPct val="150000"/>
+              </a:lnSpc>
+              <a:buNone/>
+            </a:pPr>
+            <a:r>
+              <a:rPr lang="en-GB" dirty="0"/>
+              <a:t>														</a:t>
+            </a:r>
+            <a:r>
+              <a:rPr lang="en-GB" dirty="0">
+                <a:solidFill>
+                  <a:srgbClr val="00B050"/>
+                </a:solidFill>
+              </a:rPr>
+              <a:t>	… many more!</a:t>
+            </a:r>
+          </a:p>
+          <a:p>
+            <a:pPr marL="0" indent="0">
+              <a:lnSpc>
+                <a:spcPct val="150000"/>
+              </a:lnSpc>
+              <a:buNone/>
+            </a:pPr>
+            <a:endParaRPr lang="en-GB" dirty="0"/>
+          </a:p>
+          <a:p>
+            <a:pPr marL="0" indent="0" algn="r">
+              <a:lnSpc>
+                <a:spcPct val="150000"/>
+              </a:lnSpc>
+              <a:buNone/>
+            </a:pPr>
+            <a:endParaRPr lang="en-GB" dirty="0"/>
+          </a:p>
+          <a:p>
+            <a:pPr marL="0" indent="0" algn="r">
+              <a:lnSpc>
+                <a:spcPct val="150000"/>
+              </a:lnSpc>
+              <a:buNone/>
+            </a:pPr>
+            <a:endParaRPr lang="en-GB" dirty="0"/>
+          </a:p>
+          <a:p>
+            <a:pPr marL="0" indent="0" algn="r">
+              <a:lnSpc>
+                <a:spcPct val="150000"/>
+              </a:lnSpc>
+              <a:buNone/>
+            </a:pPr>
+            <a:endParaRPr lang="en-GB" dirty="0"/>
+          </a:p>
+          <a:p>
+            <a:pPr marL="0" indent="0" algn="r">
+              <a:lnSpc>
+                <a:spcPct val="150000"/>
+              </a:lnSpc>
+              <a:buNone/>
+            </a:pPr>
+            <a:r>
+              <a:rPr lang="en-GB" dirty="0"/>
+              <a:t> </a:t>
+            </a:r>
+          </a:p>
+          <a:p>
+            <a:pPr>
+              <a:lnSpc>
+                <a:spcPct val="150000"/>
+              </a:lnSpc>
+            </a:pPr>
+            <a:endParaRPr lang="en-GB" dirty="0"/>
+          </a:p>
+          <a:p>
+            <a:pPr marL="0" indent="0">
+              <a:lnSpc>
+                <a:spcPct val="150000"/>
+              </a:lnSpc>
+              <a:buNone/>
+            </a:pPr>
+            <a:endParaRPr lang="en-GB" dirty="0"/>
+          </a:p>
+          <a:p>
+            <a:endParaRPr lang="de-DE" dirty="0"/>
+          </a:p>
+        </p:txBody>
+      </p:sp>
+      <p:sp>
+        <p:nvSpPr>
+          <p:cNvPr id="3" name="Fußzeilenplatzhalter 2"/>
+          <p:cNvSpPr>
+            <a:spLocks noGrp="1"/>
+          </p:cNvSpPr>
+          <p:nvPr>
+            <p:ph type="ftr" sz="quarter" idx="10"/>
+          </p:nvPr>
+        </p:nvSpPr>
+        <p:spPr/>
+        <p:txBody>
+          <a:bodyPr/>
+          <a:lstStyle/>
+          <a:p>
+            <a:r>
+              <a:rPr lang="de-DE"/>
+              <a:t>Software Engineering</a:t>
+            </a:r>
+            <a:endParaRPr lang="de-DE" dirty="0"/>
+          </a:p>
+        </p:txBody>
+      </p:sp>
+    </p:spTree>
+    <p:extLst>
+      <p:ext uri="{BB962C8B-B14F-4D97-AF65-F5344CB8AC3E}">
+        <p14:creationId xmlns:p14="http://schemas.microsoft.com/office/powerpoint/2010/main" val="633130857"/>
+      </p:ext>
+    </p:extLst>
+  </p:cSld>
+  <p:clrMapOvr>
+    <a:masterClrMapping/>
+  </p:clrMapOvr>
+</p:sld>
+</file>
+
 <file path=ppt/slides/slide33.xml><?xml version="1.0" encoding="utf-8"?>
 <p:sld xmlns:a="http://schemas.openxmlformats.org/drawingml/2006/main" xmlns:r="http://schemas.openxmlformats.org/officeDocument/2006/relationships" xmlns:p="http://schemas.openxmlformats.org/presentationml/2006/main">
   <p:cSld>
@@ -36419,7 +35951,7 @@
                   <a:schemeClr val="tx2"/>
                 </a:solidFill>
               </a:rPr>
-              <a:t>Future Work</a:t>
+              <a:t>Summary</a:t>
             </a:r>
           </a:p>
         </p:txBody>
@@ -36458,65 +35990,89 @@
             <p:ph type="body" sz="quarter" idx="12"/>
           </p:nvPr>
         </p:nvSpPr>
-        <p:spPr>
-          <a:xfrm>
-            <a:off x="272284" y="2204864"/>
-            <a:ext cx="9361488" cy="5113337"/>
-          </a:xfrm>
-        </p:spPr>
+        <p:spPr/>
         <p:txBody>
           <a:bodyPr/>
           <a:lstStyle/>
           <a:p>
             <a:r>
+              <a:rPr lang="de-DE" dirty="0"/>
+              <a:t>Importance of Static Analysis tools</a:t>
+            </a:r>
+          </a:p>
+          <a:p>
+            <a:r>
+              <a:rPr lang="de-DE" dirty="0"/>
+              <a:t>Usage of Multiple Static Analysis tools</a:t>
+            </a:r>
+          </a:p>
+          <a:p>
+            <a:pPr marL="0" indent="0">
+              <a:buNone/>
+            </a:pPr>
+            <a:endParaRPr lang="de-DE" dirty="0"/>
+          </a:p>
+          <a:p>
+            <a:r>
+              <a:rPr lang="de-DE" dirty="0"/>
+              <a:t>Need for a single user interface for multiple tools</a:t>
+            </a:r>
+          </a:p>
+          <a:p>
+            <a:endParaRPr lang="de-DE" dirty="0"/>
+          </a:p>
+          <a:p>
+            <a:r>
+              <a:rPr lang="de-DE" dirty="0"/>
+              <a:t>This thesis work followed UX Design Cycle to achieve usable prototypes focussing on primary research questions such as, </a:t>
+            </a:r>
+            <a:r>
               <a:rPr lang="en-GB" dirty="0"/>
-              <a:t>RQ 4: How is teamwork facilitated in bug fixing in context of multiple tools?																								</a:t>
-            </a:r>
-          </a:p>
-          <a:p>
+              <a:t> </a:t>
+            </a:r>
+          </a:p>
+          <a:p>
+            <a:pPr marL="0" indent="0">
+              <a:buNone/>
+            </a:pPr>
+            <a:endParaRPr lang="en-GB" dirty="0"/>
+          </a:p>
+          <a:p>
+            <a:pPr lvl="1">
+              <a:buFont typeface="Wingdings" panose="05000000000000000000" pitchFamily="2" charset="2"/>
+              <a:buChar char="§"/>
+            </a:pPr>
             <a:r>
               <a:rPr lang="en-GB" dirty="0"/>
-              <a:t>Q. Would having tabs help scale the tools visibility with bugs results?</a:t>
-            </a:r>
-            <a:br>
-              <a:rPr lang="en-GB" dirty="0"/>
-            </a:br>
-            <a:endParaRPr lang="en-GB" dirty="0"/>
-          </a:p>
-          <a:p>
-            <a:r>
-              <a:rPr lang="en-GB" dirty="0"/>
-              <a:t>Q. Do graphs help in understanding the bugs reported?										</a:t>
-            </a:r>
-          </a:p>
-          <a:p>
-            <a:pPr marL="0" indent="0">
+              <a:t>How to display results of the same codebase from different analysis tools?</a:t>
+            </a:r>
+          </a:p>
+          <a:p>
+            <a:pPr lvl="1">
               <a:lnSpc>
                 <a:spcPct val="150000"/>
               </a:lnSpc>
-              <a:buNone/>
+              <a:buFont typeface="Wingdings" panose="05000000000000000000" pitchFamily="2" charset="2"/>
+              <a:buChar char="§"/>
             </a:pPr>
-            <a:endParaRPr lang="en-GB" dirty="0"/>
-          </a:p>
-          <a:p>
-            <a:pPr marL="0" indent="0">
+            <a:r>
+              <a:rPr lang="en-GB" dirty="0"/>
+              <a:t>What feedback works to know that bug fixing is on-going?</a:t>
+            </a:r>
+          </a:p>
+          <a:p>
+            <a:pPr lvl="1">
               <a:lnSpc>
                 <a:spcPct val="150000"/>
               </a:lnSpc>
-              <a:buNone/>
+              <a:buFont typeface="Wingdings" panose="05000000000000000000" pitchFamily="2" charset="2"/>
+              <a:buChar char="§"/>
             </a:pPr>
             <a:r>
               <a:rPr lang="en-GB" dirty="0"/>
-              <a:t>														</a:t>
-            </a:r>
-            <a:r>
-              <a:rPr lang="en-GB" dirty="0">
-                <a:solidFill>
-                  <a:srgbClr val="00B050"/>
-                </a:solidFill>
-              </a:rPr>
-              <a:t>	… many more!</a:t>
-            </a:r>
+              <a:t>How to carry traceability of bug fixing? </a:t>
+            </a:r>
+            <a:endParaRPr lang="de-DE" dirty="0"/>
           </a:p>
           <a:p>
             <a:pPr marL="0" indent="0">
@@ -36614,7 +36170,7 @@
     </p:spTree>
     <p:extLst>
       <p:ext uri="{BB962C8B-B14F-4D97-AF65-F5344CB8AC3E}">
-        <p14:creationId xmlns:p14="http://schemas.microsoft.com/office/powerpoint/2010/main" val="633130857"/>
+        <p14:creationId xmlns:p14="http://schemas.microsoft.com/office/powerpoint/2010/main" val="1011400342"/>
       </p:ext>
     </p:extLst>
   </p:cSld>
@@ -36625,273 +36181,6 @@
 </file>
 
 <file path=ppt/slides/slide34.xml><?xml version="1.0" encoding="utf-8"?>
-<p:sld xmlns:a="http://schemas.openxmlformats.org/drawingml/2006/main" xmlns:r="http://schemas.openxmlformats.org/officeDocument/2006/relationships" xmlns:p="http://schemas.openxmlformats.org/presentationml/2006/main">
-  <p:cSld>
-    <p:spTree>
-      <p:nvGrpSpPr>
-        <p:cNvPr id="1" name=""/>
-        <p:cNvGrpSpPr/>
-        <p:nvPr/>
-      </p:nvGrpSpPr>
-      <p:grpSpPr>
-        <a:xfrm>
-          <a:off x="0" y="0"/>
-          <a:ext cx="0" cy="0"/>
-          <a:chOff x="0" y="0"/>
-          <a:chExt cx="0" cy="0"/>
-        </a:xfrm>
-      </p:grpSpPr>
-      <p:sp>
-        <p:nvSpPr>
-          <p:cNvPr id="2" name="Titel 1"/>
-          <p:cNvSpPr>
-            <a:spLocks noGrp="1"/>
-          </p:cNvSpPr>
-          <p:nvPr>
-            <p:ph type="title"/>
-          </p:nvPr>
-        </p:nvSpPr>
-        <p:spPr/>
-        <p:txBody>
-          <a:bodyPr/>
-          <a:lstStyle/>
-          <a:p>
-            <a:r>
-              <a:rPr lang="de-DE" dirty="0">
-                <a:solidFill>
-                  <a:schemeClr val="tx2"/>
-                </a:solidFill>
-              </a:rPr>
-              <a:t>Summary</a:t>
-            </a:r>
-          </a:p>
-        </p:txBody>
-      </p:sp>
-      <p:sp>
-        <p:nvSpPr>
-          <p:cNvPr id="4" name="Foliennummernplatzhalter 3"/>
-          <p:cNvSpPr>
-            <a:spLocks noGrp="1"/>
-          </p:cNvSpPr>
-          <p:nvPr>
-            <p:ph type="sldNum" sz="quarter" idx="11"/>
-          </p:nvPr>
-        </p:nvSpPr>
-        <p:spPr/>
-        <p:txBody>
-          <a:bodyPr/>
-          <a:lstStyle/>
-          <a:p>
-            <a:fld id="{815DB69B-0A2B-4D0B-A3BD-360AAA24381D}" type="slidenum">
-              <a:rPr lang="de-DE" smtClean="0"/>
-              <a:pPr/>
-              <a:t>34</a:t>
-            </a:fld>
-            <a:endParaRPr lang="de-DE" dirty="0"/>
-          </a:p>
-        </p:txBody>
-      </p:sp>
-      <p:sp>
-        <p:nvSpPr>
-          <p:cNvPr id="5" name="Textplatzhalter 4"/>
-          <p:cNvSpPr>
-            <a:spLocks noGrp="1"/>
-          </p:cNvSpPr>
-          <p:nvPr>
-            <p:ph type="body" sz="quarter" idx="12"/>
-          </p:nvPr>
-        </p:nvSpPr>
-        <p:spPr/>
-        <p:txBody>
-          <a:bodyPr/>
-          <a:lstStyle/>
-          <a:p>
-            <a:r>
-              <a:rPr lang="de-DE" dirty="0"/>
-              <a:t>Importance of Static Analysis tools</a:t>
-            </a:r>
-          </a:p>
-          <a:p>
-            <a:r>
-              <a:rPr lang="de-DE" dirty="0"/>
-              <a:t>Usage of Multiple Static Analysis tools</a:t>
-            </a:r>
-          </a:p>
-          <a:p>
-            <a:pPr marL="0" indent="0">
-              <a:buNone/>
-            </a:pPr>
-            <a:endParaRPr lang="de-DE" dirty="0"/>
-          </a:p>
-          <a:p>
-            <a:r>
-              <a:rPr lang="de-DE" dirty="0"/>
-              <a:t>Need for a single user interface for multiple tools</a:t>
-            </a:r>
-          </a:p>
-          <a:p>
-            <a:endParaRPr lang="de-DE" dirty="0"/>
-          </a:p>
-          <a:p>
-            <a:r>
-              <a:rPr lang="de-DE" dirty="0"/>
-              <a:t>This thesis work followed UX Design Cycle to achieve usable prototypes focussing on primary research questions such as, </a:t>
-            </a:r>
-            <a:r>
-              <a:rPr lang="en-GB" dirty="0"/>
-              <a:t> </a:t>
-            </a:r>
-          </a:p>
-          <a:p>
-            <a:pPr marL="0" indent="0">
-              <a:buNone/>
-            </a:pPr>
-            <a:endParaRPr lang="en-GB" dirty="0"/>
-          </a:p>
-          <a:p>
-            <a:pPr lvl="1">
-              <a:buFont typeface="Wingdings" panose="05000000000000000000" pitchFamily="2" charset="2"/>
-              <a:buChar char="§"/>
-            </a:pPr>
-            <a:r>
-              <a:rPr lang="en-GB" dirty="0"/>
-              <a:t>How to display results of the same codebase from different analysis tools?</a:t>
-            </a:r>
-          </a:p>
-          <a:p>
-            <a:pPr lvl="1">
-              <a:lnSpc>
-                <a:spcPct val="150000"/>
-              </a:lnSpc>
-              <a:buFont typeface="Wingdings" panose="05000000000000000000" pitchFamily="2" charset="2"/>
-              <a:buChar char="§"/>
-            </a:pPr>
-            <a:r>
-              <a:rPr lang="en-GB" dirty="0"/>
-              <a:t>What feedback works to know that bug fixing is on-going?</a:t>
-            </a:r>
-          </a:p>
-          <a:p>
-            <a:pPr lvl="1">
-              <a:lnSpc>
-                <a:spcPct val="150000"/>
-              </a:lnSpc>
-              <a:buFont typeface="Wingdings" panose="05000000000000000000" pitchFamily="2" charset="2"/>
-              <a:buChar char="§"/>
-            </a:pPr>
-            <a:r>
-              <a:rPr lang="en-GB" dirty="0"/>
-              <a:t>How to carry traceability of bug fixing? </a:t>
-            </a:r>
-            <a:endParaRPr lang="de-DE" dirty="0"/>
-          </a:p>
-          <a:p>
-            <a:pPr marL="0" indent="0">
-              <a:lnSpc>
-                <a:spcPct val="150000"/>
-              </a:lnSpc>
-              <a:buNone/>
-            </a:pPr>
-            <a:endParaRPr lang="en-GB" dirty="0"/>
-          </a:p>
-          <a:p>
-            <a:pPr marL="0" indent="0" algn="r">
-              <a:lnSpc>
-                <a:spcPct val="150000"/>
-              </a:lnSpc>
-              <a:buNone/>
-            </a:pPr>
-            <a:endParaRPr lang="en-GB" dirty="0"/>
-          </a:p>
-          <a:p>
-            <a:pPr marL="0" indent="0" algn="r">
-              <a:lnSpc>
-                <a:spcPct val="150000"/>
-              </a:lnSpc>
-              <a:buNone/>
-            </a:pPr>
-            <a:endParaRPr lang="en-GB" dirty="0"/>
-          </a:p>
-          <a:p>
-            <a:pPr marL="0" indent="0" algn="r">
-              <a:lnSpc>
-                <a:spcPct val="150000"/>
-              </a:lnSpc>
-              <a:buNone/>
-            </a:pPr>
-            <a:endParaRPr lang="en-GB" dirty="0"/>
-          </a:p>
-          <a:p>
-            <a:pPr marL="0" indent="0" algn="r">
-              <a:lnSpc>
-                <a:spcPct val="150000"/>
-              </a:lnSpc>
-              <a:buNone/>
-            </a:pPr>
-            <a:r>
-              <a:rPr lang="en-GB" dirty="0"/>
-              <a:t> </a:t>
-            </a:r>
-          </a:p>
-          <a:p>
-            <a:pPr>
-              <a:lnSpc>
-                <a:spcPct val="150000"/>
-              </a:lnSpc>
-            </a:pPr>
-            <a:endParaRPr lang="en-GB" dirty="0"/>
-          </a:p>
-          <a:p>
-            <a:pPr marL="0" indent="0">
-              <a:lnSpc>
-                <a:spcPct val="150000"/>
-              </a:lnSpc>
-              <a:buNone/>
-            </a:pPr>
-            <a:endParaRPr lang="en-GB" dirty="0"/>
-          </a:p>
-          <a:p>
-            <a:endParaRPr lang="de-DE" dirty="0"/>
-          </a:p>
-        </p:txBody>
-      </p:sp>
-      <p:sp>
-        <p:nvSpPr>
-          <p:cNvPr id="3" name="Fußzeilenplatzhalter 2"/>
-          <p:cNvSpPr>
-            <a:spLocks noGrp="1"/>
-          </p:cNvSpPr>
-          <p:nvPr>
-            <p:ph type="ftr" sz="quarter" idx="10"/>
-          </p:nvPr>
-        </p:nvSpPr>
-        <p:spPr/>
-        <p:txBody>
-          <a:bodyPr/>
-          <a:lstStyle/>
-          <a:p>
-            <a:r>
-              <a:rPr lang="de-DE"/>
-              <a:t>Software Engineering</a:t>
-            </a:r>
-            <a:endParaRPr lang="de-DE" dirty="0"/>
-          </a:p>
-        </p:txBody>
-      </p:sp>
-    </p:spTree>
-    <p:extLst>
-      <p:ext uri="{BB962C8B-B14F-4D97-AF65-F5344CB8AC3E}">
-        <p14:creationId xmlns:p14="http://schemas.microsoft.com/office/powerpoint/2010/main" val="1011400342"/>
-      </p:ext>
-    </p:extLst>
-  </p:cSld>
-  <p:clrMapOvr>
-    <a:masterClrMapping/>
-  </p:clrMapOvr>
-</p:sld>
-</file>
-
-<file path=ppt/slides/slide35.xml><?xml version="1.0" encoding="utf-8"?>
 <p:sld xmlns:a="http://schemas.openxmlformats.org/drawingml/2006/main" xmlns:r="http://schemas.openxmlformats.org/officeDocument/2006/relationships" xmlns:p="http://schemas.openxmlformats.org/presentationml/2006/main">
   <p:cSld>
     <p:spTree>
@@ -36994,7 +36283,7 @@
             <a:fld id="{815DB69B-0A2B-4D0B-A3BD-360AAA24381D}" type="slidenum">
               <a:rPr lang="de-DE" smtClean="0"/>
               <a:pPr/>
-              <a:t>35</a:t>
+              <a:t>34</a:t>
             </a:fld>
             <a:endParaRPr lang="de-DE" dirty="0"/>
           </a:p>
@@ -37013,7 +36302,7 @@
 </p:sld>
 </file>
 
-<file path=ppt/slides/slide36.xml><?xml version="1.0" encoding="utf-8"?>
+<file path=ppt/slides/slide35.xml><?xml version="1.0" encoding="utf-8"?>
 <p:sld xmlns:a="http://schemas.openxmlformats.org/drawingml/2006/main" xmlns:r="http://schemas.openxmlformats.org/officeDocument/2006/relationships" xmlns:p="http://schemas.openxmlformats.org/presentationml/2006/main">
   <p:cSld>
     <p:spTree>
@@ -37111,7 +36400,7 @@
             <a:fld id="{815DB69B-0A2B-4D0B-A3BD-360AAA24381D}" type="slidenum">
               <a:rPr lang="de-DE" smtClean="0"/>
               <a:pPr/>
-              <a:t>36</a:t>
+              <a:t>35</a:t>
             </a:fld>
             <a:endParaRPr lang="de-DE" dirty="0"/>
           </a:p>
@@ -37130,7 +36419,7 @@
 </p:sld>
 </file>
 
-<file path=ppt/slides/slide37.xml><?xml version="1.0" encoding="utf-8"?>
+<file path=ppt/slides/slide36.xml><?xml version="1.0" encoding="utf-8"?>
 <p:sld xmlns:a="http://schemas.openxmlformats.org/drawingml/2006/main" xmlns:r="http://schemas.openxmlformats.org/officeDocument/2006/relationships" xmlns:p="http://schemas.openxmlformats.org/presentationml/2006/main">
   <p:cSld>
     <p:spTree>
@@ -37232,7 +36521,7 @@
             <a:fld id="{815DB69B-0A2B-4D0B-A3BD-360AAA24381D}" type="slidenum">
               <a:rPr lang="de-DE" smtClean="0"/>
               <a:pPr/>
-              <a:t>37</a:t>
+              <a:t>36</a:t>
             </a:fld>
             <a:endParaRPr lang="de-DE" dirty="0"/>
           </a:p>
@@ -37336,7 +36625,7 @@
 </p:sld>
 </file>
 
-<file path=ppt/slides/slide38.xml><?xml version="1.0" encoding="utf-8"?>
+<file path=ppt/slides/slide37.xml><?xml version="1.0" encoding="utf-8"?>
 <p:sld xmlns:a="http://schemas.openxmlformats.org/drawingml/2006/main" xmlns:r="http://schemas.openxmlformats.org/officeDocument/2006/relationships" xmlns:p="http://schemas.openxmlformats.org/presentationml/2006/main">
   <p:cSld>
     <p:spTree>
@@ -37438,7 +36727,7 @@
             <a:fld id="{815DB69B-0A2B-4D0B-A3BD-360AAA24381D}" type="slidenum">
               <a:rPr lang="de-DE" smtClean="0"/>
               <a:pPr/>
-              <a:t>38</a:t>
+              <a:t>37</a:t>
             </a:fld>
             <a:endParaRPr lang="de-DE" dirty="0"/>
           </a:p>
@@ -37538,7 +36827,7 @@
 </p:sld>
 </file>
 
-<file path=ppt/slides/slide39.xml><?xml version="1.0" encoding="utf-8"?>
+<file path=ppt/slides/slide38.xml><?xml version="1.0" encoding="utf-8"?>
 <p:sld xmlns:a="http://schemas.openxmlformats.org/drawingml/2006/main" xmlns:r="http://schemas.openxmlformats.org/officeDocument/2006/relationships" xmlns:p="http://schemas.openxmlformats.org/presentationml/2006/main">
   <p:cSld>
     <p:spTree>
@@ -37640,7 +36929,7 @@
             <a:fld id="{815DB69B-0A2B-4D0B-A3BD-360AAA24381D}" type="slidenum">
               <a:rPr lang="de-DE" smtClean="0"/>
               <a:pPr/>
-              <a:t>39</a:t>
+              <a:t>38</a:t>
             </a:fld>
             <a:endParaRPr lang="de-DE" dirty="0"/>
           </a:p>
@@ -37732,457 +37021,7 @@
 </p:sld>
 </file>
 
-<file path=ppt/slides/slide4.xml><?xml version="1.0" encoding="utf-8"?>
-<p:sld xmlns:a="http://schemas.openxmlformats.org/drawingml/2006/main" xmlns:r="http://schemas.openxmlformats.org/officeDocument/2006/relationships" xmlns:p="http://schemas.openxmlformats.org/presentationml/2006/main">
-  <p:cSld>
-    <p:spTree>
-      <p:nvGrpSpPr>
-        <p:cNvPr id="1" name=""/>
-        <p:cNvGrpSpPr/>
-        <p:nvPr/>
-      </p:nvGrpSpPr>
-      <p:grpSpPr>
-        <a:xfrm>
-          <a:off x="0" y="0"/>
-          <a:ext cx="0" cy="0"/>
-          <a:chOff x="0" y="0"/>
-          <a:chExt cx="0" cy="0"/>
-        </a:xfrm>
-      </p:grpSpPr>
-      <p:sp>
-        <p:nvSpPr>
-          <p:cNvPr id="2" name="Titel 1"/>
-          <p:cNvSpPr>
-            <a:spLocks noGrp="1"/>
-          </p:cNvSpPr>
-          <p:nvPr>
-            <p:ph type="title"/>
-          </p:nvPr>
-        </p:nvSpPr>
-        <p:spPr/>
-        <p:txBody>
-          <a:bodyPr/>
-          <a:lstStyle/>
-          <a:p>
-            <a:r>
-              <a:rPr lang="de-DE" dirty="0">
-                <a:solidFill>
-                  <a:schemeClr val="tx2"/>
-                </a:solidFill>
-              </a:rPr>
-              <a:t>Multiple Tools</a:t>
-            </a:r>
-          </a:p>
-        </p:txBody>
-      </p:sp>
-      <p:sp>
-        <p:nvSpPr>
-          <p:cNvPr id="4" name="Foliennummernplatzhalter 3"/>
-          <p:cNvSpPr>
-            <a:spLocks noGrp="1"/>
-          </p:cNvSpPr>
-          <p:nvPr>
-            <p:ph type="sldNum" sz="quarter" idx="11"/>
-          </p:nvPr>
-        </p:nvSpPr>
-        <p:spPr/>
-        <p:txBody>
-          <a:bodyPr/>
-          <a:lstStyle/>
-          <a:p>
-            <a:fld id="{815DB69B-0A2B-4D0B-A3BD-360AAA24381D}" type="slidenum">
-              <a:rPr lang="de-DE" smtClean="0"/>
-              <a:pPr/>
-              <a:t>4</a:t>
-            </a:fld>
-            <a:endParaRPr lang="de-DE" dirty="0"/>
-          </a:p>
-        </p:txBody>
-      </p:sp>
-      <p:sp>
-        <p:nvSpPr>
-          <p:cNvPr id="5" name="Textplatzhalter 4"/>
-          <p:cNvSpPr>
-            <a:spLocks noGrp="1"/>
-          </p:cNvSpPr>
-          <p:nvPr>
-            <p:ph type="body" sz="quarter" idx="12"/>
-          </p:nvPr>
-        </p:nvSpPr>
-        <p:spPr/>
-        <p:txBody>
-          <a:bodyPr/>
-          <a:lstStyle/>
-          <a:p>
-            <a:pPr>
-              <a:buFont typeface="Wingdings" panose="05000000000000000000" pitchFamily="2" charset="2"/>
-              <a:buChar char="§"/>
-            </a:pPr>
-            <a:endParaRPr lang="en-GB" dirty="0"/>
-          </a:p>
-          <a:p>
-            <a:pPr>
-              <a:buFont typeface="Wingdings" panose="05000000000000000000" pitchFamily="2" charset="2"/>
-              <a:buChar char="§"/>
-            </a:pPr>
-            <a:r>
-              <a:rPr lang="en-GB" dirty="0"/>
-              <a:t>Tricorder</a:t>
-            </a:r>
-          </a:p>
-          <a:p>
-            <a:pPr>
-              <a:lnSpc>
-                <a:spcPct val="150000"/>
-              </a:lnSpc>
-              <a:buFont typeface="Wingdings" panose="05000000000000000000" pitchFamily="2" charset="2"/>
-              <a:buChar char="§"/>
-            </a:pPr>
-            <a:r>
-              <a:rPr lang="en-GB" dirty="0"/>
-              <a:t>Shipshape</a:t>
-            </a:r>
-          </a:p>
-          <a:p>
-            <a:pPr>
-              <a:lnSpc>
-                <a:spcPct val="150000"/>
-              </a:lnSpc>
-              <a:buFont typeface="Wingdings" panose="05000000000000000000" pitchFamily="2" charset="2"/>
-              <a:buChar char="§"/>
-            </a:pPr>
-            <a:r>
-              <a:rPr lang="en-GB" dirty="0" err="1"/>
-              <a:t>Tricium</a:t>
-            </a:r>
-            <a:endParaRPr lang="en-GB" dirty="0"/>
-          </a:p>
-          <a:p>
-            <a:pPr>
-              <a:buFont typeface="Wingdings" panose="05000000000000000000" pitchFamily="2" charset="2"/>
-              <a:buChar char="§"/>
-            </a:pPr>
-            <a:r>
-              <a:rPr lang="en-GB" dirty="0"/>
-              <a:t>Parfait                                                                                               ( Cifuentes et al. )</a:t>
-            </a:r>
-          </a:p>
-          <a:p>
-            <a:pPr marL="0" indent="0" algn="ctr">
-              <a:buNone/>
-            </a:pPr>
-            <a:br>
-              <a:rPr lang="en-GB" dirty="0"/>
-            </a:br>
-            <a:endParaRPr lang="de-DE" dirty="0"/>
-          </a:p>
-        </p:txBody>
-      </p:sp>
-      <p:sp>
-        <p:nvSpPr>
-          <p:cNvPr id="3" name="Fußzeilenplatzhalter 2"/>
-          <p:cNvSpPr>
-            <a:spLocks noGrp="1"/>
-          </p:cNvSpPr>
-          <p:nvPr>
-            <p:ph type="ftr" sz="quarter" idx="10"/>
-          </p:nvPr>
-        </p:nvSpPr>
-        <p:spPr/>
-        <p:txBody>
-          <a:bodyPr/>
-          <a:lstStyle/>
-          <a:p>
-            <a:r>
-              <a:rPr lang="de-DE"/>
-              <a:t>Software Engineering</a:t>
-            </a:r>
-            <a:endParaRPr lang="de-DE" dirty="0"/>
-          </a:p>
-        </p:txBody>
-      </p:sp>
-      <p:sp>
-        <p:nvSpPr>
-          <p:cNvPr id="6" name="Rectangle: Rounded Corners 5">
-            <a:extLst>
-              <a:ext uri="{FF2B5EF4-FFF2-40B4-BE49-F238E27FC236}">
-                <a16:creationId xmlns:a16="http://schemas.microsoft.com/office/drawing/2014/main" id="{7B1A95CE-58D3-4A2F-96D9-3FCCC8DB722D}"/>
-              </a:ext>
-            </a:extLst>
-          </p:cNvPr>
-          <p:cNvSpPr/>
-          <p:nvPr/>
-        </p:nvSpPr>
-        <p:spPr bwMode="auto">
-          <a:xfrm>
-            <a:off x="3079049" y="4331391"/>
-            <a:ext cx="3672408" cy="432048"/>
-          </a:xfrm>
-          <a:prstGeom prst="roundRect">
-            <a:avLst/>
-          </a:prstGeom>
-          <a:noFill/>
-          <a:ln w="12700">
-            <a:solidFill>
-              <a:srgbClr val="FF0000"/>
-            </a:solidFill>
-            <a:miter lim="800000"/>
-            <a:headEnd/>
-            <a:tailEnd/>
-          </a:ln>
-          <a:effectLst/>
-        </p:spPr>
-        <p:txBody>
-          <a:bodyPr wrap="none" rtlCol="0" anchor="ctr"/>
-          <a:lstStyle/>
-          <a:p>
-            <a:pPr algn="ctr"/>
-            <a:endParaRPr lang="LID4096" sz="1600" b="1" dirty="0">
-              <a:solidFill>
-                <a:schemeClr val="bg1"/>
-              </a:solidFill>
-            </a:endParaRPr>
-          </a:p>
-        </p:txBody>
-      </p:sp>
-      <p:sp>
-        <p:nvSpPr>
-          <p:cNvPr id="7" name="TextBox 6">
-            <a:extLst>
-              <a:ext uri="{FF2B5EF4-FFF2-40B4-BE49-F238E27FC236}">
-                <a16:creationId xmlns:a16="http://schemas.microsoft.com/office/drawing/2014/main" id="{69EF1288-A1A1-4D2C-91B6-7C4C1C4B12A1}"/>
-              </a:ext>
-            </a:extLst>
-          </p:cNvPr>
-          <p:cNvSpPr txBox="1"/>
-          <p:nvPr/>
-        </p:nvSpPr>
-        <p:spPr>
-          <a:xfrm>
-            <a:off x="301971" y="5646301"/>
-            <a:ext cx="9226565" cy="836126"/>
-          </a:xfrm>
-          <a:prstGeom prst="rect">
-            <a:avLst/>
-          </a:prstGeom>
-          <a:noFill/>
-        </p:spPr>
-        <p:txBody>
-          <a:bodyPr wrap="none" lIns="0" rIns="0" rtlCol="0">
-            <a:spAutoFit/>
-          </a:bodyPr>
-          <a:lstStyle/>
-          <a:p>
-            <a:pPr marL="360000" indent="-360000">
-              <a:spcAft>
-                <a:spcPts val="1000"/>
-              </a:spcAft>
-              <a:buClr>
-                <a:schemeClr val="tx2"/>
-              </a:buClr>
-              <a:buSzPct val="80000"/>
-              <a:buFont typeface="Wingdings" panose="05000000000000000000" pitchFamily="2" charset="2"/>
-              <a:buChar char="v"/>
-            </a:pPr>
-            <a:r>
-              <a:rPr lang="en-GB" sz="1000" dirty="0"/>
-              <a:t>Caitlin Sadowski, Jeffrey van Gogh, Ciera </a:t>
-            </a:r>
-            <a:r>
-              <a:rPr lang="en-GB" sz="1000" dirty="0" err="1"/>
-              <a:t>Jaspan</a:t>
-            </a:r>
-            <a:r>
-              <a:rPr lang="en-GB" sz="1000" dirty="0"/>
-              <a:t>, Emma </a:t>
-            </a:r>
-            <a:r>
-              <a:rPr lang="en-GB" sz="1000" dirty="0" err="1"/>
-              <a:t>Söderberg</a:t>
-            </a:r>
-            <a:r>
-              <a:rPr lang="en-GB" sz="1000" dirty="0"/>
-              <a:t>, and Collin Winter. 2015. Tricorder: building a program analysis ecosystem. </a:t>
-            </a:r>
-            <a:br>
-              <a:rPr lang="en-GB" sz="1000" dirty="0"/>
-            </a:br>
-            <a:r>
-              <a:rPr lang="en-GB" sz="1000" dirty="0"/>
-              <a:t>In </a:t>
-            </a:r>
-            <a:r>
-              <a:rPr lang="en-GB" sz="1000" i="1" dirty="0"/>
-              <a:t>Proceedings of the 37th International Conference on Software Engineering - Volume 1</a:t>
-            </a:r>
-            <a:r>
-              <a:rPr lang="en-GB" sz="1000" dirty="0"/>
-              <a:t> (ICSE '15), Vol. 1. IEEE Press, Piscataway, NJ, USA, 598-608.  </a:t>
-            </a:r>
-          </a:p>
-          <a:p>
-            <a:pPr marL="360000" indent="-360000">
-              <a:spcAft>
-                <a:spcPts val="1000"/>
-              </a:spcAft>
-              <a:buClr>
-                <a:schemeClr val="tx2"/>
-              </a:buClr>
-              <a:buSzPct val="80000"/>
-              <a:buFont typeface="Wingdings" panose="05000000000000000000" pitchFamily="2" charset="2"/>
-              <a:buChar char="v"/>
-            </a:pPr>
-            <a:r>
-              <a:rPr lang="en-GB" sz="1000" dirty="0"/>
-              <a:t>Cristina Cifuentes and Bernhard Scholz. 2008. Parfait: designing a scalable bug checker. In </a:t>
-            </a:r>
-            <a:r>
-              <a:rPr lang="en-GB" sz="1000" i="1" dirty="0"/>
-              <a:t>Proceedings of the 2008 workshop on Static analysis</a:t>
-            </a:r>
-            <a:r>
-              <a:rPr lang="en-GB" sz="1000" dirty="0"/>
-              <a:t> (SAW '08). </a:t>
-            </a:r>
-            <a:br>
-              <a:rPr lang="en-GB" sz="1000" dirty="0"/>
-            </a:br>
-            <a:r>
-              <a:rPr lang="en-GB" sz="1000" dirty="0"/>
-              <a:t>ACM, New York, NY, USA, 4-11. DOI=http://dx.doi.org/10.1145/1394504.1394505 </a:t>
-            </a:r>
-            <a:endParaRPr lang="LID4096" sz="1000" dirty="0" err="1"/>
-          </a:p>
-        </p:txBody>
-      </p:sp>
-      <p:sp>
-        <p:nvSpPr>
-          <p:cNvPr id="8" name="TextBox 7">
-            <a:extLst>
-              <a:ext uri="{FF2B5EF4-FFF2-40B4-BE49-F238E27FC236}">
-                <a16:creationId xmlns:a16="http://schemas.microsoft.com/office/drawing/2014/main" id="{2B8A2715-A3AA-4482-A224-A7DD1F53A754}"/>
-              </a:ext>
-            </a:extLst>
-          </p:cNvPr>
-          <p:cNvSpPr txBox="1"/>
-          <p:nvPr/>
-        </p:nvSpPr>
-        <p:spPr>
-          <a:xfrm>
-            <a:off x="3165850" y="4394633"/>
-            <a:ext cx="3573735" cy="369332"/>
-          </a:xfrm>
-          <a:prstGeom prst="rect">
-            <a:avLst/>
-          </a:prstGeom>
-          <a:noFill/>
-        </p:spPr>
-        <p:txBody>
-          <a:bodyPr wrap="none" lIns="0" rIns="0" rtlCol="0">
-            <a:spAutoFit/>
-          </a:bodyPr>
-          <a:lstStyle/>
-          <a:p>
-            <a:pPr>
-              <a:spcAft>
-                <a:spcPts val="1000"/>
-              </a:spcAft>
-              <a:buClr>
-                <a:schemeClr val="tx2"/>
-              </a:buClr>
-              <a:buSzPct val="80000"/>
-            </a:pPr>
-            <a:r>
-              <a:rPr lang="en-GB" dirty="0"/>
-              <a:t>But </a:t>
-            </a:r>
-            <a:r>
-              <a:rPr lang="en-GB" dirty="0">
-                <a:solidFill>
-                  <a:srgbClr val="00B050"/>
-                </a:solidFill>
-              </a:rPr>
-              <a:t>USABILITY</a:t>
-            </a:r>
-            <a:r>
-              <a:rPr lang="en-GB" dirty="0"/>
-              <a:t> is not addressed…</a:t>
-            </a:r>
-          </a:p>
-        </p:txBody>
-      </p:sp>
-      <p:sp>
-        <p:nvSpPr>
-          <p:cNvPr id="9" name="TextBox 8">
-            <a:extLst>
-              <a:ext uri="{FF2B5EF4-FFF2-40B4-BE49-F238E27FC236}">
-                <a16:creationId xmlns:a16="http://schemas.microsoft.com/office/drawing/2014/main" id="{F51C88C8-8E0C-45F8-A6CB-AE1ADA5D7824}"/>
-              </a:ext>
-            </a:extLst>
-          </p:cNvPr>
-          <p:cNvSpPr txBox="1"/>
-          <p:nvPr/>
-        </p:nvSpPr>
-        <p:spPr>
-          <a:xfrm>
-            <a:off x="7329264" y="1638046"/>
-            <a:ext cx="2088232" cy="774571"/>
-          </a:xfrm>
-          <a:prstGeom prst="rect">
-            <a:avLst/>
-          </a:prstGeom>
-          <a:noFill/>
-        </p:spPr>
-        <p:txBody>
-          <a:bodyPr wrap="square" lIns="0" rIns="0" rtlCol="0">
-            <a:spAutoFit/>
-          </a:bodyPr>
-          <a:lstStyle/>
-          <a:p>
-            <a:pPr>
-              <a:spcAft>
-                <a:spcPts val="1000"/>
-              </a:spcAft>
-              <a:buClr>
-                <a:schemeClr val="tx2"/>
-              </a:buClr>
-              <a:buSzPct val="80000"/>
-            </a:pPr>
-            <a:r>
-              <a:rPr lang="en-GB" dirty="0"/>
-              <a:t>( Sadowski et al. )</a:t>
-            </a:r>
-          </a:p>
-          <a:p>
-            <a:pPr marL="360000" indent="-360000">
-              <a:spcAft>
-                <a:spcPts val="1000"/>
-              </a:spcAft>
-              <a:buClr>
-                <a:schemeClr val="tx2"/>
-              </a:buClr>
-              <a:buSzPct val="80000"/>
-              <a:buFont typeface="Wingdings" panose="05000000000000000000" pitchFamily="2" charset="2"/>
-              <a:buChar char="n"/>
-            </a:pPr>
-            <a:endParaRPr lang="en-GB" dirty="0" err="1"/>
-          </a:p>
-        </p:txBody>
-      </p:sp>
-    </p:spTree>
-    <p:extLst>
-      <p:ext uri="{BB962C8B-B14F-4D97-AF65-F5344CB8AC3E}">
-        <p14:creationId xmlns:p14="http://schemas.microsoft.com/office/powerpoint/2010/main" val="1143630792"/>
-      </p:ext>
-    </p:extLst>
-  </p:cSld>
-  <p:clrMapOvr>
-    <a:masterClrMapping/>
-  </p:clrMapOvr>
-</p:sld>
-</file>
-
-<file path=ppt/slides/slide40.xml><?xml version="1.0" encoding="utf-8"?>
+<file path=ppt/slides/slide39.xml><?xml version="1.0" encoding="utf-8"?>
 <p:sld xmlns:a="http://schemas.openxmlformats.org/drawingml/2006/main" xmlns:r="http://schemas.openxmlformats.org/officeDocument/2006/relationships" xmlns:p="http://schemas.openxmlformats.org/presentationml/2006/main">
   <p:cSld>
     <p:spTree>
@@ -38284,7 +37123,7 @@
             <a:fld id="{815DB69B-0A2B-4D0B-A3BD-360AAA24381D}" type="slidenum">
               <a:rPr lang="de-DE" smtClean="0"/>
               <a:pPr/>
-              <a:t>40</a:t>
+              <a:t>39</a:t>
             </a:fld>
             <a:endParaRPr lang="de-DE" dirty="0"/>
           </a:p>
@@ -38384,7 +37223,457 @@
 </p:sld>
 </file>
 
-<file path=ppt/slides/slide41.xml><?xml version="1.0" encoding="utf-8"?>
+<file path=ppt/slides/slide4.xml><?xml version="1.0" encoding="utf-8"?>
+<p:sld xmlns:a="http://schemas.openxmlformats.org/drawingml/2006/main" xmlns:r="http://schemas.openxmlformats.org/officeDocument/2006/relationships" xmlns:p="http://schemas.openxmlformats.org/presentationml/2006/main">
+  <p:cSld>
+    <p:spTree>
+      <p:nvGrpSpPr>
+        <p:cNvPr id="1" name=""/>
+        <p:cNvGrpSpPr/>
+        <p:nvPr/>
+      </p:nvGrpSpPr>
+      <p:grpSpPr>
+        <a:xfrm>
+          <a:off x="0" y="0"/>
+          <a:ext cx="0" cy="0"/>
+          <a:chOff x="0" y="0"/>
+          <a:chExt cx="0" cy="0"/>
+        </a:xfrm>
+      </p:grpSpPr>
+      <p:sp>
+        <p:nvSpPr>
+          <p:cNvPr id="2" name="Titel 1"/>
+          <p:cNvSpPr>
+            <a:spLocks noGrp="1"/>
+          </p:cNvSpPr>
+          <p:nvPr>
+            <p:ph type="title"/>
+          </p:nvPr>
+        </p:nvSpPr>
+        <p:spPr/>
+        <p:txBody>
+          <a:bodyPr/>
+          <a:lstStyle/>
+          <a:p>
+            <a:r>
+              <a:rPr lang="de-DE" dirty="0">
+                <a:solidFill>
+                  <a:schemeClr val="tx2"/>
+                </a:solidFill>
+              </a:rPr>
+              <a:t>Multiple Tools</a:t>
+            </a:r>
+          </a:p>
+        </p:txBody>
+      </p:sp>
+      <p:sp>
+        <p:nvSpPr>
+          <p:cNvPr id="4" name="Foliennummernplatzhalter 3"/>
+          <p:cNvSpPr>
+            <a:spLocks noGrp="1"/>
+          </p:cNvSpPr>
+          <p:nvPr>
+            <p:ph type="sldNum" sz="quarter" idx="11"/>
+          </p:nvPr>
+        </p:nvSpPr>
+        <p:spPr/>
+        <p:txBody>
+          <a:bodyPr/>
+          <a:lstStyle/>
+          <a:p>
+            <a:fld id="{815DB69B-0A2B-4D0B-A3BD-360AAA24381D}" type="slidenum">
+              <a:rPr lang="de-DE" smtClean="0"/>
+              <a:pPr/>
+              <a:t>4</a:t>
+            </a:fld>
+            <a:endParaRPr lang="de-DE" dirty="0"/>
+          </a:p>
+        </p:txBody>
+      </p:sp>
+      <p:sp>
+        <p:nvSpPr>
+          <p:cNvPr id="5" name="Textplatzhalter 4"/>
+          <p:cNvSpPr>
+            <a:spLocks noGrp="1"/>
+          </p:cNvSpPr>
+          <p:nvPr>
+            <p:ph type="body" sz="quarter" idx="12"/>
+          </p:nvPr>
+        </p:nvSpPr>
+        <p:spPr/>
+        <p:txBody>
+          <a:bodyPr/>
+          <a:lstStyle/>
+          <a:p>
+            <a:pPr>
+              <a:buFont typeface="Wingdings" panose="05000000000000000000" pitchFamily="2" charset="2"/>
+              <a:buChar char="§"/>
+            </a:pPr>
+            <a:endParaRPr lang="en-GB" dirty="0"/>
+          </a:p>
+          <a:p>
+            <a:pPr>
+              <a:buFont typeface="Wingdings" panose="05000000000000000000" pitchFamily="2" charset="2"/>
+              <a:buChar char="§"/>
+            </a:pPr>
+            <a:r>
+              <a:rPr lang="en-GB" dirty="0"/>
+              <a:t>Tricorder</a:t>
+            </a:r>
+          </a:p>
+          <a:p>
+            <a:pPr>
+              <a:lnSpc>
+                <a:spcPct val="150000"/>
+              </a:lnSpc>
+              <a:buFont typeface="Wingdings" panose="05000000000000000000" pitchFamily="2" charset="2"/>
+              <a:buChar char="§"/>
+            </a:pPr>
+            <a:r>
+              <a:rPr lang="en-GB" dirty="0"/>
+              <a:t>Shipshape</a:t>
+            </a:r>
+          </a:p>
+          <a:p>
+            <a:pPr>
+              <a:lnSpc>
+                <a:spcPct val="150000"/>
+              </a:lnSpc>
+              <a:buFont typeface="Wingdings" panose="05000000000000000000" pitchFamily="2" charset="2"/>
+              <a:buChar char="§"/>
+            </a:pPr>
+            <a:r>
+              <a:rPr lang="en-GB" dirty="0" err="1"/>
+              <a:t>Tricium</a:t>
+            </a:r>
+            <a:endParaRPr lang="en-GB" dirty="0"/>
+          </a:p>
+          <a:p>
+            <a:pPr>
+              <a:buFont typeface="Wingdings" panose="05000000000000000000" pitchFamily="2" charset="2"/>
+              <a:buChar char="§"/>
+            </a:pPr>
+            <a:r>
+              <a:rPr lang="en-GB" dirty="0"/>
+              <a:t>Parfait                                                                                               ( Cifuentes et al. )</a:t>
+            </a:r>
+          </a:p>
+          <a:p>
+            <a:pPr marL="0" indent="0" algn="ctr">
+              <a:buNone/>
+            </a:pPr>
+            <a:br>
+              <a:rPr lang="en-GB" dirty="0"/>
+            </a:br>
+            <a:endParaRPr lang="de-DE" dirty="0"/>
+          </a:p>
+        </p:txBody>
+      </p:sp>
+      <p:sp>
+        <p:nvSpPr>
+          <p:cNvPr id="3" name="Fußzeilenplatzhalter 2"/>
+          <p:cNvSpPr>
+            <a:spLocks noGrp="1"/>
+          </p:cNvSpPr>
+          <p:nvPr>
+            <p:ph type="ftr" sz="quarter" idx="10"/>
+          </p:nvPr>
+        </p:nvSpPr>
+        <p:spPr/>
+        <p:txBody>
+          <a:bodyPr/>
+          <a:lstStyle/>
+          <a:p>
+            <a:r>
+              <a:rPr lang="de-DE"/>
+              <a:t>Software Engineering</a:t>
+            </a:r>
+            <a:endParaRPr lang="de-DE" dirty="0"/>
+          </a:p>
+        </p:txBody>
+      </p:sp>
+      <p:sp>
+        <p:nvSpPr>
+          <p:cNvPr id="6" name="Rectangle: Rounded Corners 5">
+            <a:extLst>
+              <a:ext uri="{FF2B5EF4-FFF2-40B4-BE49-F238E27FC236}">
+                <a16:creationId xmlns:a16="http://schemas.microsoft.com/office/drawing/2014/main" id="{7B1A95CE-58D3-4A2F-96D9-3FCCC8DB722D}"/>
+              </a:ext>
+            </a:extLst>
+          </p:cNvPr>
+          <p:cNvSpPr/>
+          <p:nvPr/>
+        </p:nvSpPr>
+        <p:spPr bwMode="auto">
+          <a:xfrm>
+            <a:off x="3079049" y="4331391"/>
+            <a:ext cx="3672408" cy="432048"/>
+          </a:xfrm>
+          <a:prstGeom prst="roundRect">
+            <a:avLst/>
+          </a:prstGeom>
+          <a:noFill/>
+          <a:ln w="12700">
+            <a:solidFill>
+              <a:srgbClr val="FF0000"/>
+            </a:solidFill>
+            <a:miter lim="800000"/>
+            <a:headEnd/>
+            <a:tailEnd/>
+          </a:ln>
+          <a:effectLst/>
+        </p:spPr>
+        <p:txBody>
+          <a:bodyPr wrap="none" rtlCol="0" anchor="ctr"/>
+          <a:lstStyle/>
+          <a:p>
+            <a:pPr algn="ctr"/>
+            <a:endParaRPr lang="LID4096" sz="1600" b="1" dirty="0">
+              <a:solidFill>
+                <a:schemeClr val="bg1"/>
+              </a:solidFill>
+            </a:endParaRPr>
+          </a:p>
+        </p:txBody>
+      </p:sp>
+      <p:sp>
+        <p:nvSpPr>
+          <p:cNvPr id="7" name="TextBox 6">
+            <a:extLst>
+              <a:ext uri="{FF2B5EF4-FFF2-40B4-BE49-F238E27FC236}">
+                <a16:creationId xmlns:a16="http://schemas.microsoft.com/office/drawing/2014/main" id="{69EF1288-A1A1-4D2C-91B6-7C4C1C4B12A1}"/>
+              </a:ext>
+            </a:extLst>
+          </p:cNvPr>
+          <p:cNvSpPr txBox="1"/>
+          <p:nvPr/>
+        </p:nvSpPr>
+        <p:spPr>
+          <a:xfrm>
+            <a:off x="301971" y="5646301"/>
+            <a:ext cx="9226565" cy="836126"/>
+          </a:xfrm>
+          <a:prstGeom prst="rect">
+            <a:avLst/>
+          </a:prstGeom>
+          <a:noFill/>
+        </p:spPr>
+        <p:txBody>
+          <a:bodyPr wrap="none" lIns="0" rIns="0" rtlCol="0">
+            <a:spAutoFit/>
+          </a:bodyPr>
+          <a:lstStyle/>
+          <a:p>
+            <a:pPr marL="360000" indent="-360000">
+              <a:spcAft>
+                <a:spcPts val="1000"/>
+              </a:spcAft>
+              <a:buClr>
+                <a:schemeClr val="tx2"/>
+              </a:buClr>
+              <a:buSzPct val="80000"/>
+              <a:buFont typeface="Wingdings" panose="05000000000000000000" pitchFamily="2" charset="2"/>
+              <a:buChar char="v"/>
+            </a:pPr>
+            <a:r>
+              <a:rPr lang="en-GB" sz="1000" dirty="0"/>
+              <a:t>Caitlin Sadowski, Jeffrey van Gogh, Ciera </a:t>
+            </a:r>
+            <a:r>
+              <a:rPr lang="en-GB" sz="1000" dirty="0" err="1"/>
+              <a:t>Jaspan</a:t>
+            </a:r>
+            <a:r>
+              <a:rPr lang="en-GB" sz="1000" dirty="0"/>
+              <a:t>, Emma </a:t>
+            </a:r>
+            <a:r>
+              <a:rPr lang="en-GB" sz="1000" dirty="0" err="1"/>
+              <a:t>Söderberg</a:t>
+            </a:r>
+            <a:r>
+              <a:rPr lang="en-GB" sz="1000" dirty="0"/>
+              <a:t>, and Collin Winter. 2015. Tricorder: building a program analysis ecosystem. </a:t>
+            </a:r>
+            <a:br>
+              <a:rPr lang="en-GB" sz="1000" dirty="0"/>
+            </a:br>
+            <a:r>
+              <a:rPr lang="en-GB" sz="1000" dirty="0"/>
+              <a:t>In </a:t>
+            </a:r>
+            <a:r>
+              <a:rPr lang="en-GB" sz="1000" i="1" dirty="0"/>
+              <a:t>Proceedings of the 37th International Conference on Software Engineering - Volume 1</a:t>
+            </a:r>
+            <a:r>
+              <a:rPr lang="en-GB" sz="1000" dirty="0"/>
+              <a:t> (ICSE '15), Vol. 1. IEEE Press, Piscataway, NJ, USA, 598-608.  </a:t>
+            </a:r>
+          </a:p>
+          <a:p>
+            <a:pPr marL="360000" indent="-360000">
+              <a:spcAft>
+                <a:spcPts val="1000"/>
+              </a:spcAft>
+              <a:buClr>
+                <a:schemeClr val="tx2"/>
+              </a:buClr>
+              <a:buSzPct val="80000"/>
+              <a:buFont typeface="Wingdings" panose="05000000000000000000" pitchFamily="2" charset="2"/>
+              <a:buChar char="v"/>
+            </a:pPr>
+            <a:r>
+              <a:rPr lang="en-GB" sz="1000" dirty="0"/>
+              <a:t>Cristina Cifuentes and Bernhard Scholz. 2008. Parfait: designing a scalable bug checker. In </a:t>
+            </a:r>
+            <a:r>
+              <a:rPr lang="en-GB" sz="1000" i="1" dirty="0"/>
+              <a:t>Proceedings of the 2008 workshop on Static analysis</a:t>
+            </a:r>
+            <a:r>
+              <a:rPr lang="en-GB" sz="1000" dirty="0"/>
+              <a:t> (SAW '08). </a:t>
+            </a:r>
+            <a:br>
+              <a:rPr lang="en-GB" sz="1000" dirty="0"/>
+            </a:br>
+            <a:r>
+              <a:rPr lang="en-GB" sz="1000" dirty="0"/>
+              <a:t>ACM, New York, NY, USA, 4-11. DOI=http://dx.doi.org/10.1145/1394504.1394505 </a:t>
+            </a:r>
+            <a:endParaRPr lang="LID4096" sz="1000" dirty="0" err="1"/>
+          </a:p>
+        </p:txBody>
+      </p:sp>
+      <p:sp>
+        <p:nvSpPr>
+          <p:cNvPr id="8" name="TextBox 7">
+            <a:extLst>
+              <a:ext uri="{FF2B5EF4-FFF2-40B4-BE49-F238E27FC236}">
+                <a16:creationId xmlns:a16="http://schemas.microsoft.com/office/drawing/2014/main" id="{2B8A2715-A3AA-4482-A224-A7DD1F53A754}"/>
+              </a:ext>
+            </a:extLst>
+          </p:cNvPr>
+          <p:cNvSpPr txBox="1"/>
+          <p:nvPr/>
+        </p:nvSpPr>
+        <p:spPr>
+          <a:xfrm>
+            <a:off x="3165850" y="4394633"/>
+            <a:ext cx="3573735" cy="369332"/>
+          </a:xfrm>
+          <a:prstGeom prst="rect">
+            <a:avLst/>
+          </a:prstGeom>
+          <a:noFill/>
+        </p:spPr>
+        <p:txBody>
+          <a:bodyPr wrap="none" lIns="0" rIns="0" rtlCol="0">
+            <a:spAutoFit/>
+          </a:bodyPr>
+          <a:lstStyle/>
+          <a:p>
+            <a:pPr>
+              <a:spcAft>
+                <a:spcPts val="1000"/>
+              </a:spcAft>
+              <a:buClr>
+                <a:schemeClr val="tx2"/>
+              </a:buClr>
+              <a:buSzPct val="80000"/>
+            </a:pPr>
+            <a:r>
+              <a:rPr lang="en-GB" dirty="0"/>
+              <a:t>But </a:t>
+            </a:r>
+            <a:r>
+              <a:rPr lang="en-GB" dirty="0">
+                <a:solidFill>
+                  <a:srgbClr val="00B050"/>
+                </a:solidFill>
+              </a:rPr>
+              <a:t>USABILITY</a:t>
+            </a:r>
+            <a:r>
+              <a:rPr lang="en-GB" dirty="0"/>
+              <a:t> is not addressed…</a:t>
+            </a:r>
+          </a:p>
+        </p:txBody>
+      </p:sp>
+      <p:sp>
+        <p:nvSpPr>
+          <p:cNvPr id="9" name="TextBox 8">
+            <a:extLst>
+              <a:ext uri="{FF2B5EF4-FFF2-40B4-BE49-F238E27FC236}">
+                <a16:creationId xmlns:a16="http://schemas.microsoft.com/office/drawing/2014/main" id="{F51C88C8-8E0C-45F8-A6CB-AE1ADA5D7824}"/>
+              </a:ext>
+            </a:extLst>
+          </p:cNvPr>
+          <p:cNvSpPr txBox="1"/>
+          <p:nvPr/>
+        </p:nvSpPr>
+        <p:spPr>
+          <a:xfrm>
+            <a:off x="7329264" y="1638046"/>
+            <a:ext cx="2088232" cy="774571"/>
+          </a:xfrm>
+          <a:prstGeom prst="rect">
+            <a:avLst/>
+          </a:prstGeom>
+          <a:noFill/>
+        </p:spPr>
+        <p:txBody>
+          <a:bodyPr wrap="square" lIns="0" rIns="0" rtlCol="0">
+            <a:spAutoFit/>
+          </a:bodyPr>
+          <a:lstStyle/>
+          <a:p>
+            <a:pPr>
+              <a:spcAft>
+                <a:spcPts val="1000"/>
+              </a:spcAft>
+              <a:buClr>
+                <a:schemeClr val="tx2"/>
+              </a:buClr>
+              <a:buSzPct val="80000"/>
+            </a:pPr>
+            <a:r>
+              <a:rPr lang="en-GB" dirty="0"/>
+              <a:t>( Sadowski et al. )</a:t>
+            </a:r>
+          </a:p>
+          <a:p>
+            <a:pPr marL="360000" indent="-360000">
+              <a:spcAft>
+                <a:spcPts val="1000"/>
+              </a:spcAft>
+              <a:buClr>
+                <a:schemeClr val="tx2"/>
+              </a:buClr>
+              <a:buSzPct val="80000"/>
+              <a:buFont typeface="Wingdings" panose="05000000000000000000" pitchFamily="2" charset="2"/>
+              <a:buChar char="n"/>
+            </a:pPr>
+            <a:endParaRPr lang="en-GB" dirty="0" err="1"/>
+          </a:p>
+        </p:txBody>
+      </p:sp>
+    </p:spTree>
+    <p:extLst>
+      <p:ext uri="{BB962C8B-B14F-4D97-AF65-F5344CB8AC3E}">
+        <p14:creationId xmlns:p14="http://schemas.microsoft.com/office/powerpoint/2010/main" val="1143630792"/>
+      </p:ext>
+    </p:extLst>
+  </p:cSld>
+  <p:clrMapOvr>
+    <a:masterClrMapping/>
+  </p:clrMapOvr>
+</p:sld>
+</file>
+
+<file path=ppt/slides/slide40.xml><?xml version="1.0" encoding="utf-8"?>
 <p:sld xmlns:a="http://schemas.openxmlformats.org/drawingml/2006/main" xmlns:r="http://schemas.openxmlformats.org/officeDocument/2006/relationships" xmlns:p="http://schemas.openxmlformats.org/presentationml/2006/main">
   <p:cSld>
     <p:spTree>
@@ -38486,7 +37775,7 @@
             <a:fld id="{815DB69B-0A2B-4D0B-A3BD-360AAA24381D}" type="slidenum">
               <a:rPr lang="de-DE" smtClean="0"/>
               <a:pPr/>
-              <a:t>41</a:t>
+              <a:t>40</a:t>
             </a:fld>
             <a:endParaRPr lang="de-DE" dirty="0"/>
           </a:p>
@@ -38578,7 +37867,7 @@
 </p:sld>
 </file>
 
-<file path=ppt/slides/slide42.xml><?xml version="1.0" encoding="utf-8"?>
+<file path=ppt/slides/slide41.xml><?xml version="1.0" encoding="utf-8"?>
 <p:sld xmlns:a="http://schemas.openxmlformats.org/drawingml/2006/main" xmlns:r="http://schemas.openxmlformats.org/officeDocument/2006/relationships" xmlns:p="http://schemas.openxmlformats.org/presentationml/2006/main">
   <p:cSld>
     <p:spTree>
@@ -38680,7 +37969,7 @@
             <a:fld id="{815DB69B-0A2B-4D0B-A3BD-360AAA24381D}" type="slidenum">
               <a:rPr lang="de-DE" smtClean="0"/>
               <a:pPr/>
-              <a:t>42</a:t>
+              <a:t>41</a:t>
             </a:fld>
             <a:endParaRPr lang="de-DE" dirty="0"/>
           </a:p>
@@ -38780,7 +38069,7 @@
 </p:sld>
 </file>
 
-<file path=ppt/slides/slide43.xml><?xml version="1.0" encoding="utf-8"?>
+<file path=ppt/slides/slide42.xml><?xml version="1.0" encoding="utf-8"?>
 <p:sld xmlns:a="http://schemas.openxmlformats.org/drawingml/2006/main" xmlns:r="http://schemas.openxmlformats.org/officeDocument/2006/relationships" xmlns:p="http://schemas.openxmlformats.org/presentationml/2006/main">
   <p:cSld>
     <p:spTree>
@@ -38882,7 +38171,7 @@
             <a:fld id="{815DB69B-0A2B-4D0B-A3BD-360AAA24381D}" type="slidenum">
               <a:rPr lang="de-DE" smtClean="0"/>
               <a:pPr/>
-              <a:t>43</a:t>
+              <a:t>42</a:t>
             </a:fld>
             <a:endParaRPr lang="de-DE" dirty="0"/>
           </a:p>
@@ -38993,7 +38282,7 @@
 </p:sld>
 </file>
 
-<file path=ppt/slides/slide44.xml><?xml version="1.0" encoding="utf-8"?>
+<file path=ppt/slides/slide43.xml><?xml version="1.0" encoding="utf-8"?>
 <p:sld xmlns:a="http://schemas.openxmlformats.org/drawingml/2006/main" xmlns:r="http://schemas.openxmlformats.org/officeDocument/2006/relationships" xmlns:p="http://schemas.openxmlformats.org/presentationml/2006/main">
   <p:cSld>
     <p:spTree>
@@ -39100,7 +38389,7 @@
             <a:fld id="{815DB69B-0A2B-4D0B-A3BD-360AAA24381D}" type="slidenum">
               <a:rPr lang="de-DE" smtClean="0"/>
               <a:pPr/>
-              <a:t>44</a:t>
+              <a:t>43</a:t>
             </a:fld>
             <a:endParaRPr lang="de-DE" dirty="0"/>
           </a:p>
@@ -39192,7 +38481,7 @@
 </p:sld>
 </file>
 
-<file path=ppt/slides/slide45.xml><?xml version="1.0" encoding="utf-8"?>
+<file path=ppt/slides/slide44.xml><?xml version="1.0" encoding="utf-8"?>
 <p:sld xmlns:a="http://schemas.openxmlformats.org/drawingml/2006/main" xmlns:r="http://schemas.openxmlformats.org/officeDocument/2006/relationships" xmlns:p="http://schemas.openxmlformats.org/presentationml/2006/main">
   <p:cSld>
     <p:spTree>
@@ -39314,7 +38603,7 @@
             <a:fld id="{815DB69B-0A2B-4D0B-A3BD-360AAA24381D}" type="slidenum">
               <a:rPr lang="de-DE" smtClean="0"/>
               <a:pPr/>
-              <a:t>45</a:t>
+              <a:t>44</a:t>
             </a:fld>
             <a:endParaRPr lang="de-DE" dirty="0"/>
           </a:p>
@@ -39366,7 +38655,7 @@
 </p:sld>
 </file>
 
-<file path=ppt/slides/slide46.xml><?xml version="1.0" encoding="utf-8"?>
+<file path=ppt/slides/slide45.xml><?xml version="1.0" encoding="utf-8"?>
 <p:sld xmlns:a="http://schemas.openxmlformats.org/drawingml/2006/main" xmlns:r="http://schemas.openxmlformats.org/officeDocument/2006/relationships" xmlns:p="http://schemas.openxmlformats.org/presentationml/2006/main">
   <p:cSld>
     <p:spTree>
@@ -39464,7 +38753,7 @@
             <a:fld id="{815DB69B-0A2B-4D0B-A3BD-360AAA24381D}" type="slidenum">
               <a:rPr lang="de-DE" smtClean="0"/>
               <a:pPr/>
-              <a:t>46</a:t>
+              <a:t>45</a:t>
             </a:fld>
             <a:endParaRPr lang="de-DE" dirty="0"/>
           </a:p>
@@ -39483,7 +38772,7 @@
 </p:sld>
 </file>
 
-<file path=ppt/slides/slide47.xml><?xml version="1.0" encoding="utf-8"?>
+<file path=ppt/slides/slide46.xml><?xml version="1.0" encoding="utf-8"?>
 <p:sld xmlns:a="http://schemas.openxmlformats.org/drawingml/2006/main" xmlns:r="http://schemas.openxmlformats.org/officeDocument/2006/relationships" xmlns:p="http://schemas.openxmlformats.org/presentationml/2006/main">
   <p:cSld>
     <p:spTree>
@@ -39590,7 +38879,7 @@
             <a:fld id="{815DB69B-0A2B-4D0B-A3BD-360AAA24381D}" type="slidenum">
               <a:rPr lang="de-DE" smtClean="0"/>
               <a:pPr/>
-              <a:t>47</a:t>
+              <a:t>46</a:t>
             </a:fld>
             <a:endParaRPr lang="de-DE" dirty="0"/>
           </a:p>
@@ -39682,7 +38971,7 @@
 </p:sld>
 </file>
 
-<file path=ppt/slides/slide48.xml><?xml version="1.0" encoding="utf-8"?>
+<file path=ppt/slides/slide47.xml><?xml version="1.0" encoding="utf-8"?>
 <p:sld xmlns:a="http://schemas.openxmlformats.org/drawingml/2006/main" xmlns:r="http://schemas.openxmlformats.org/officeDocument/2006/relationships" xmlns:p="http://schemas.openxmlformats.org/presentationml/2006/main">
   <p:cSld>
     <p:spTree>
@@ -39804,7 +39093,7 @@
             <a:fld id="{815DB69B-0A2B-4D0B-A3BD-360AAA24381D}" type="slidenum">
               <a:rPr lang="de-DE" smtClean="0"/>
               <a:pPr/>
-              <a:t>48</a:t>
+              <a:t>47</a:t>
             </a:fld>
             <a:endParaRPr lang="de-DE" dirty="0"/>
           </a:p>
@@ -39912,7 +39201,7 @@
 </p:sld>
 </file>
 
-<file path=ppt/slides/slide49.xml><?xml version="1.0" encoding="utf-8"?>
+<file path=ppt/slides/slide48.xml><?xml version="1.0" encoding="utf-8"?>
 <p:sld xmlns:a="http://schemas.openxmlformats.org/drawingml/2006/main" xmlns:r="http://schemas.openxmlformats.org/officeDocument/2006/relationships" xmlns:p="http://schemas.openxmlformats.org/presentationml/2006/main">
   <p:cSld>
     <p:spTree>
@@ -40031,7 +39320,7 @@
             <a:fld id="{815DB69B-0A2B-4D0B-A3BD-360AAA24381D}" type="slidenum">
               <a:rPr lang="de-DE" smtClean="0"/>
               <a:pPr/>
-              <a:t>49</a:t>
+              <a:t>48</a:t>
             </a:fld>
             <a:endParaRPr lang="de-DE" dirty="0"/>
           </a:p>
@@ -40143,170 +39432,7 @@
 </p:sld>
 </file>
 
-<file path=ppt/slides/slide5.xml><?xml version="1.0" encoding="utf-8"?>
-<p:sld xmlns:a="http://schemas.openxmlformats.org/drawingml/2006/main" xmlns:r="http://schemas.openxmlformats.org/officeDocument/2006/relationships" xmlns:p="http://schemas.openxmlformats.org/presentationml/2006/main">
-  <p:cSld>
-    <p:spTree>
-      <p:nvGrpSpPr>
-        <p:cNvPr id="1" name=""/>
-        <p:cNvGrpSpPr/>
-        <p:nvPr/>
-      </p:nvGrpSpPr>
-      <p:grpSpPr>
-        <a:xfrm>
-          <a:off x="0" y="0"/>
-          <a:ext cx="0" cy="0"/>
-          <a:chOff x="0" y="0"/>
-          <a:chExt cx="0" cy="0"/>
-        </a:xfrm>
-      </p:grpSpPr>
-      <p:sp>
-        <p:nvSpPr>
-          <p:cNvPr id="2" name="Titel 1"/>
-          <p:cNvSpPr>
-            <a:spLocks noGrp="1"/>
-          </p:cNvSpPr>
-          <p:nvPr>
-            <p:ph type="title"/>
-          </p:nvPr>
-        </p:nvSpPr>
-        <p:spPr/>
-        <p:txBody>
-          <a:bodyPr/>
-          <a:lstStyle/>
-          <a:p>
-            <a:r>
-              <a:rPr lang="de-DE" dirty="0">
-                <a:solidFill>
-                  <a:schemeClr val="tx2"/>
-                </a:solidFill>
-              </a:rPr>
-              <a:t> Problem Statement</a:t>
-            </a:r>
-          </a:p>
-        </p:txBody>
-      </p:sp>
-      <p:sp>
-        <p:nvSpPr>
-          <p:cNvPr id="4" name="Foliennummernplatzhalter 3"/>
-          <p:cNvSpPr>
-            <a:spLocks noGrp="1"/>
-          </p:cNvSpPr>
-          <p:nvPr>
-            <p:ph type="sldNum" sz="quarter" idx="11"/>
-          </p:nvPr>
-        </p:nvSpPr>
-        <p:spPr/>
-        <p:txBody>
-          <a:bodyPr/>
-          <a:lstStyle/>
-          <a:p>
-            <a:fld id="{815DB69B-0A2B-4D0B-A3BD-360AAA24381D}" type="slidenum">
-              <a:rPr lang="de-DE" smtClean="0"/>
-              <a:pPr/>
-              <a:t>5</a:t>
-            </a:fld>
-            <a:endParaRPr lang="de-DE" dirty="0"/>
-          </a:p>
-        </p:txBody>
-      </p:sp>
-      <p:sp>
-        <p:nvSpPr>
-          <p:cNvPr id="5" name="Textplatzhalter 4"/>
-          <p:cNvSpPr>
-            <a:spLocks noGrp="1"/>
-          </p:cNvSpPr>
-          <p:nvPr>
-            <p:ph type="body" sz="quarter" idx="12"/>
-          </p:nvPr>
-        </p:nvSpPr>
-        <p:spPr/>
-        <p:txBody>
-          <a:bodyPr/>
-          <a:lstStyle/>
-          <a:p>
-            <a:endParaRPr lang="en-GB" dirty="0"/>
-          </a:p>
-          <a:p>
-            <a:endParaRPr lang="en-GB" dirty="0"/>
-          </a:p>
-          <a:p>
-            <a:endParaRPr lang="en-GB" dirty="0"/>
-          </a:p>
-          <a:p>
-            <a:r>
-              <a:rPr lang="en-GB" sz="2400" dirty="0"/>
-              <a:t>How to integrate the results of multiple static analysis tools </a:t>
-            </a:r>
-            <a:br>
-              <a:rPr lang="en-GB" sz="2400" dirty="0"/>
-            </a:br>
-            <a:endParaRPr lang="en-GB" sz="2400" dirty="0"/>
-          </a:p>
-          <a:p>
-            <a:pPr marL="0" indent="0">
-              <a:buNone/>
-            </a:pPr>
-            <a:r>
-              <a:rPr lang="en-GB" sz="2400" dirty="0"/>
-              <a:t>													in a unified user interface?</a:t>
-            </a:r>
-          </a:p>
-          <a:p>
-            <a:endParaRPr lang="de-DE" dirty="0"/>
-          </a:p>
-          <a:p>
-            <a:endParaRPr lang="de-DE" dirty="0"/>
-          </a:p>
-          <a:p>
-            <a:pPr lvl="1">
-              <a:buFont typeface="Wingdings" panose="05000000000000000000" pitchFamily="2" charset="2"/>
-              <a:buChar char="v"/>
-            </a:pPr>
-            <a:r>
-              <a:rPr lang="de-DE" dirty="0"/>
-              <a:t>3 Research Questions</a:t>
-            </a:r>
-          </a:p>
-        </p:txBody>
-      </p:sp>
-      <p:sp>
-        <p:nvSpPr>
-          <p:cNvPr id="3" name="Fußzeilenplatzhalter 2"/>
-          <p:cNvSpPr>
-            <a:spLocks noGrp="1"/>
-          </p:cNvSpPr>
-          <p:nvPr>
-            <p:ph type="ftr" sz="quarter" idx="10"/>
-          </p:nvPr>
-        </p:nvSpPr>
-        <p:spPr/>
-        <p:txBody>
-          <a:bodyPr/>
-          <a:lstStyle/>
-          <a:p>
-            <a:r>
-              <a:rPr lang="de-DE"/>
-              <a:t>Software Engineering</a:t>
-            </a:r>
-            <a:endParaRPr lang="de-DE" dirty="0"/>
-          </a:p>
-        </p:txBody>
-      </p:sp>
-    </p:spTree>
-    <p:extLst>
-      <p:ext uri="{BB962C8B-B14F-4D97-AF65-F5344CB8AC3E}">
-        <p14:creationId xmlns:p14="http://schemas.microsoft.com/office/powerpoint/2010/main" val="4204401702"/>
-      </p:ext>
-    </p:extLst>
-  </p:cSld>
-  <p:clrMapOvr>
-    <a:masterClrMapping/>
-  </p:clrMapOvr>
-</p:sld>
-</file>
-
-<file path=ppt/slides/slide50.xml><?xml version="1.0" encoding="utf-8"?>
+<file path=ppt/slides/slide49.xml><?xml version="1.0" encoding="utf-8"?>
 <p:sld xmlns:a="http://schemas.openxmlformats.org/drawingml/2006/main" xmlns:r="http://schemas.openxmlformats.org/officeDocument/2006/relationships" xmlns:p="http://schemas.openxmlformats.org/presentationml/2006/main">
   <p:cSld>
     <p:spTree>
@@ -40413,7 +39539,7 @@
             <a:fld id="{815DB69B-0A2B-4D0B-A3BD-360AAA24381D}" type="slidenum">
               <a:rPr lang="de-DE" smtClean="0"/>
               <a:pPr/>
-              <a:t>50</a:t>
+              <a:t>49</a:t>
             </a:fld>
             <a:endParaRPr lang="de-DE" dirty="0"/>
           </a:p>
@@ -40513,7 +39639,170 @@
 </p:sld>
 </file>
 
-<file path=ppt/slides/slide51.xml><?xml version="1.0" encoding="utf-8"?>
+<file path=ppt/slides/slide5.xml><?xml version="1.0" encoding="utf-8"?>
+<p:sld xmlns:a="http://schemas.openxmlformats.org/drawingml/2006/main" xmlns:r="http://schemas.openxmlformats.org/officeDocument/2006/relationships" xmlns:p="http://schemas.openxmlformats.org/presentationml/2006/main">
+  <p:cSld>
+    <p:spTree>
+      <p:nvGrpSpPr>
+        <p:cNvPr id="1" name=""/>
+        <p:cNvGrpSpPr/>
+        <p:nvPr/>
+      </p:nvGrpSpPr>
+      <p:grpSpPr>
+        <a:xfrm>
+          <a:off x="0" y="0"/>
+          <a:ext cx="0" cy="0"/>
+          <a:chOff x="0" y="0"/>
+          <a:chExt cx="0" cy="0"/>
+        </a:xfrm>
+      </p:grpSpPr>
+      <p:sp>
+        <p:nvSpPr>
+          <p:cNvPr id="2" name="Titel 1"/>
+          <p:cNvSpPr>
+            <a:spLocks noGrp="1"/>
+          </p:cNvSpPr>
+          <p:nvPr>
+            <p:ph type="title"/>
+          </p:nvPr>
+        </p:nvSpPr>
+        <p:spPr/>
+        <p:txBody>
+          <a:bodyPr/>
+          <a:lstStyle/>
+          <a:p>
+            <a:r>
+              <a:rPr lang="de-DE" dirty="0">
+                <a:solidFill>
+                  <a:schemeClr val="tx2"/>
+                </a:solidFill>
+              </a:rPr>
+              <a:t> Problem Statement</a:t>
+            </a:r>
+          </a:p>
+        </p:txBody>
+      </p:sp>
+      <p:sp>
+        <p:nvSpPr>
+          <p:cNvPr id="4" name="Foliennummernplatzhalter 3"/>
+          <p:cNvSpPr>
+            <a:spLocks noGrp="1"/>
+          </p:cNvSpPr>
+          <p:nvPr>
+            <p:ph type="sldNum" sz="quarter" idx="11"/>
+          </p:nvPr>
+        </p:nvSpPr>
+        <p:spPr/>
+        <p:txBody>
+          <a:bodyPr/>
+          <a:lstStyle/>
+          <a:p>
+            <a:fld id="{815DB69B-0A2B-4D0B-A3BD-360AAA24381D}" type="slidenum">
+              <a:rPr lang="de-DE" smtClean="0"/>
+              <a:pPr/>
+              <a:t>5</a:t>
+            </a:fld>
+            <a:endParaRPr lang="de-DE" dirty="0"/>
+          </a:p>
+        </p:txBody>
+      </p:sp>
+      <p:sp>
+        <p:nvSpPr>
+          <p:cNvPr id="5" name="Textplatzhalter 4"/>
+          <p:cNvSpPr>
+            <a:spLocks noGrp="1"/>
+          </p:cNvSpPr>
+          <p:nvPr>
+            <p:ph type="body" sz="quarter" idx="12"/>
+          </p:nvPr>
+        </p:nvSpPr>
+        <p:spPr/>
+        <p:txBody>
+          <a:bodyPr/>
+          <a:lstStyle/>
+          <a:p>
+            <a:endParaRPr lang="en-GB" dirty="0"/>
+          </a:p>
+          <a:p>
+            <a:endParaRPr lang="en-GB" dirty="0"/>
+          </a:p>
+          <a:p>
+            <a:endParaRPr lang="en-GB" dirty="0"/>
+          </a:p>
+          <a:p>
+            <a:r>
+              <a:rPr lang="en-GB" sz="2400" dirty="0"/>
+              <a:t>How to integrate the results of multiple static analysis tools </a:t>
+            </a:r>
+            <a:br>
+              <a:rPr lang="en-GB" sz="2400" dirty="0"/>
+            </a:br>
+            <a:endParaRPr lang="en-GB" sz="2400" dirty="0"/>
+          </a:p>
+          <a:p>
+            <a:pPr marL="0" indent="0">
+              <a:buNone/>
+            </a:pPr>
+            <a:r>
+              <a:rPr lang="en-GB" sz="2400" dirty="0"/>
+              <a:t>													in a unified user interface?</a:t>
+            </a:r>
+          </a:p>
+          <a:p>
+            <a:endParaRPr lang="de-DE" dirty="0"/>
+          </a:p>
+          <a:p>
+            <a:endParaRPr lang="de-DE" dirty="0"/>
+          </a:p>
+          <a:p>
+            <a:pPr lvl="1">
+              <a:buFont typeface="Wingdings" panose="05000000000000000000" pitchFamily="2" charset="2"/>
+              <a:buChar char="v"/>
+            </a:pPr>
+            <a:r>
+              <a:rPr lang="de-DE" dirty="0"/>
+              <a:t>3 Research Questions</a:t>
+            </a:r>
+          </a:p>
+        </p:txBody>
+      </p:sp>
+      <p:sp>
+        <p:nvSpPr>
+          <p:cNvPr id="3" name="Fußzeilenplatzhalter 2"/>
+          <p:cNvSpPr>
+            <a:spLocks noGrp="1"/>
+          </p:cNvSpPr>
+          <p:nvPr>
+            <p:ph type="ftr" sz="quarter" idx="10"/>
+          </p:nvPr>
+        </p:nvSpPr>
+        <p:spPr/>
+        <p:txBody>
+          <a:bodyPr/>
+          <a:lstStyle/>
+          <a:p>
+            <a:r>
+              <a:rPr lang="de-DE"/>
+              <a:t>Software Engineering</a:t>
+            </a:r>
+            <a:endParaRPr lang="de-DE" dirty="0"/>
+          </a:p>
+        </p:txBody>
+      </p:sp>
+    </p:spTree>
+    <p:extLst>
+      <p:ext uri="{BB962C8B-B14F-4D97-AF65-F5344CB8AC3E}">
+        <p14:creationId xmlns:p14="http://schemas.microsoft.com/office/powerpoint/2010/main" val="4204401702"/>
+      </p:ext>
+    </p:extLst>
+  </p:cSld>
+  <p:clrMapOvr>
+    <a:masterClrMapping/>
+  </p:clrMapOvr>
+</p:sld>
+</file>
+
+<file path=ppt/slides/slide50.xml><?xml version="1.0" encoding="utf-8"?>
 <p:sld xmlns:a="http://schemas.openxmlformats.org/drawingml/2006/main" xmlns:r="http://schemas.openxmlformats.org/officeDocument/2006/relationships" xmlns:p="http://schemas.openxmlformats.org/presentationml/2006/main">
   <p:cSld>
     <p:spTree>
@@ -40620,7 +39909,7 @@
             <a:fld id="{815DB69B-0A2B-4D0B-A3BD-360AAA24381D}" type="slidenum">
               <a:rPr lang="de-DE" smtClean="0"/>
               <a:pPr/>
-              <a:t>51</a:t>
+              <a:t>50</a:t>
             </a:fld>
             <a:endParaRPr lang="de-DE" dirty="0"/>
           </a:p>
@@ -40728,7 +40017,7 @@
 </p:sld>
 </file>
 
-<file path=ppt/slides/slide52.xml><?xml version="1.0" encoding="utf-8"?>
+<file path=ppt/slides/slide51.xml><?xml version="1.0" encoding="utf-8"?>
 <p:sld xmlns:a="http://schemas.openxmlformats.org/drawingml/2006/main" xmlns:r="http://schemas.openxmlformats.org/officeDocument/2006/relationships" xmlns:p="http://schemas.openxmlformats.org/presentationml/2006/main">
   <p:cSld>
     <p:spTree>
@@ -40978,7 +40267,7 @@
 </p:sld>
 </file>
 
-<file path=ppt/slides/slide53.xml><?xml version="1.0" encoding="utf-8"?>
+<file path=ppt/slides/slide52.xml><?xml version="1.0" encoding="utf-8"?>
 <p:sld xmlns:a="http://schemas.openxmlformats.org/drawingml/2006/main" xmlns:r="http://schemas.openxmlformats.org/officeDocument/2006/relationships" xmlns:p="http://schemas.openxmlformats.org/presentationml/2006/main">
   <p:cSld>
     <p:spTree>
@@ -41085,7 +40374,7 @@
             <a:fld id="{815DB69B-0A2B-4D0B-A3BD-360AAA24381D}" type="slidenum">
               <a:rPr lang="de-DE" smtClean="0"/>
               <a:pPr/>
-              <a:t>53</a:t>
+              <a:t>52</a:t>
             </a:fld>
             <a:endParaRPr lang="de-DE" dirty="0"/>
           </a:p>
@@ -41177,7 +40466,7 @@
 </p:sld>
 </file>
 
-<file path=ppt/slides/slide54.xml><?xml version="1.0" encoding="utf-8"?>
+<file path=ppt/slides/slide53.xml><?xml version="1.0" encoding="utf-8"?>
 <p:sld xmlns:a="http://schemas.openxmlformats.org/drawingml/2006/main" xmlns:r="http://schemas.openxmlformats.org/officeDocument/2006/relationships" xmlns:p="http://schemas.openxmlformats.org/presentationml/2006/main">
   <p:cSld>
     <p:spTree>
@@ -41284,7 +40573,7 @@
             <a:fld id="{815DB69B-0A2B-4D0B-A3BD-360AAA24381D}" type="slidenum">
               <a:rPr lang="de-DE" smtClean="0"/>
               <a:pPr/>
-              <a:t>54</a:t>
+              <a:t>53</a:t>
             </a:fld>
             <a:endParaRPr lang="de-DE" dirty="0"/>
           </a:p>
@@ -41376,7 +40665,7 @@
 </p:sld>
 </file>
 
-<file path=ppt/slides/slide55.xml><?xml version="1.0" encoding="utf-8"?>
+<file path=ppt/slides/slide54.xml><?xml version="1.0" encoding="utf-8"?>
 <p:sld xmlns:a="http://schemas.openxmlformats.org/drawingml/2006/main" xmlns:r="http://schemas.openxmlformats.org/officeDocument/2006/relationships" xmlns:p="http://schemas.openxmlformats.org/presentationml/2006/main">
   <p:cSld>
     <p:spTree>
@@ -41495,7 +40784,7 @@
             <a:fld id="{815DB69B-0A2B-4D0B-A3BD-360AAA24381D}" type="slidenum">
               <a:rPr lang="de-DE" smtClean="0"/>
               <a:pPr/>
-              <a:t>55</a:t>
+              <a:t>54</a:t>
             </a:fld>
             <a:endParaRPr lang="de-DE" dirty="0"/>
           </a:p>
@@ -41595,7 +40884,7 @@
 </p:sld>
 </file>
 
-<file path=ppt/slides/slide56.xml><?xml version="1.0" encoding="utf-8"?>
+<file path=ppt/slides/slide55.xml><?xml version="1.0" encoding="utf-8"?>
 <p:sld xmlns:a="http://schemas.openxmlformats.org/drawingml/2006/main" xmlns:r="http://schemas.openxmlformats.org/officeDocument/2006/relationships" xmlns:p="http://schemas.openxmlformats.org/presentationml/2006/main">
   <p:cSld>
     <p:spTree>
@@ -41693,7 +40982,7 @@
             <a:fld id="{815DB69B-0A2B-4D0B-A3BD-360AAA24381D}" type="slidenum">
               <a:rPr lang="de-DE" smtClean="0"/>
               <a:pPr/>
-              <a:t>56</a:t>
+              <a:t>55</a:t>
             </a:fld>
             <a:endParaRPr lang="de-DE" dirty="0"/>
           </a:p>
@@ -41712,7 +41001,7 @@
 </p:sld>
 </file>
 
-<file path=ppt/slides/slide57.xml><?xml version="1.0" encoding="utf-8"?>
+<file path=ppt/slides/slide56.xml><?xml version="1.0" encoding="utf-8"?>
 <p:sld xmlns:a="http://schemas.openxmlformats.org/drawingml/2006/main" xmlns:r="http://schemas.openxmlformats.org/officeDocument/2006/relationships" xmlns:p="http://schemas.openxmlformats.org/presentationml/2006/main">
   <p:cSld>
     <p:spTree>
@@ -41834,7 +41123,7 @@
             <a:fld id="{815DB69B-0A2B-4D0B-A3BD-360AAA24381D}" type="slidenum">
               <a:rPr lang="de-DE" smtClean="0"/>
               <a:pPr/>
-              <a:t>57</a:t>
+              <a:t>56</a:t>
             </a:fld>
             <a:endParaRPr lang="de-DE" dirty="0"/>
           </a:p>
@@ -41934,7 +41223,7 @@
 </p:sld>
 </file>
 
-<file path=ppt/slides/slide58.xml><?xml version="1.0" encoding="utf-8"?>
+<file path=ppt/slides/slide57.xml><?xml version="1.0" encoding="utf-8"?>
 <p:sld xmlns:a="http://schemas.openxmlformats.org/drawingml/2006/main" xmlns:r="http://schemas.openxmlformats.org/officeDocument/2006/relationships" xmlns:p="http://schemas.openxmlformats.org/presentationml/2006/main">
   <p:cSld>
     <p:spTree>
@@ -42056,7 +41345,7 @@
             <a:fld id="{815DB69B-0A2B-4D0B-A3BD-360AAA24381D}" type="slidenum">
               <a:rPr lang="de-DE" smtClean="0"/>
               <a:pPr/>
-              <a:t>58</a:t>
+              <a:t>57</a:t>
             </a:fld>
             <a:endParaRPr lang="de-DE" dirty="0"/>
           </a:p>
@@ -42164,7 +41453,7 @@
 </p:sld>
 </file>
 
-<file path=ppt/slides/slide59.xml><?xml version="1.0" encoding="utf-8"?>
+<file path=ppt/slides/slide58.xml><?xml version="1.0" encoding="utf-8"?>
 <p:sld xmlns:a="http://schemas.openxmlformats.org/drawingml/2006/main" xmlns:r="http://schemas.openxmlformats.org/officeDocument/2006/relationships" xmlns:p="http://schemas.openxmlformats.org/presentationml/2006/main">
   <p:cSld>
     <p:spTree>
@@ -42286,7 +41575,7 @@
             <a:fld id="{815DB69B-0A2B-4D0B-A3BD-360AAA24381D}" type="slidenum">
               <a:rPr lang="de-DE" smtClean="0"/>
               <a:pPr/>
-              <a:t>59</a:t>
+              <a:t>58</a:t>
             </a:fld>
             <a:endParaRPr lang="de-DE" dirty="0"/>
           </a:p>
@@ -42394,223 +41683,7 @@
 </p:sld>
 </file>
 
-<file path=ppt/slides/slide6.xml><?xml version="1.0" encoding="utf-8"?>
-<p:sld xmlns:a="http://schemas.openxmlformats.org/drawingml/2006/main" xmlns:r="http://schemas.openxmlformats.org/officeDocument/2006/relationships" xmlns:p="http://schemas.openxmlformats.org/presentationml/2006/main">
-  <p:cSld>
-    <p:spTree>
-      <p:nvGrpSpPr>
-        <p:cNvPr id="1" name=""/>
-        <p:cNvGrpSpPr/>
-        <p:nvPr/>
-      </p:nvGrpSpPr>
-      <p:grpSpPr>
-        <a:xfrm>
-          <a:off x="0" y="0"/>
-          <a:ext cx="0" cy="0"/>
-          <a:chOff x="0" y="0"/>
-          <a:chExt cx="0" cy="0"/>
-        </a:xfrm>
-      </p:grpSpPr>
-      <p:sp>
-        <p:nvSpPr>
-          <p:cNvPr id="2" name="Titel 1"/>
-          <p:cNvSpPr>
-            <a:spLocks noGrp="1"/>
-          </p:cNvSpPr>
-          <p:nvPr>
-            <p:ph type="title"/>
-          </p:nvPr>
-        </p:nvSpPr>
-        <p:spPr/>
-        <p:txBody>
-          <a:bodyPr/>
-          <a:lstStyle/>
-          <a:p>
-            <a:r>
-              <a:rPr lang="de-DE" dirty="0">
-                <a:solidFill>
-                  <a:schemeClr val="tx2"/>
-                </a:solidFill>
-              </a:rPr>
-              <a:t>Research Questions</a:t>
-            </a:r>
-          </a:p>
-        </p:txBody>
-      </p:sp>
-      <p:sp>
-        <p:nvSpPr>
-          <p:cNvPr id="4" name="Foliennummernplatzhalter 3"/>
-          <p:cNvSpPr>
-            <a:spLocks noGrp="1"/>
-          </p:cNvSpPr>
-          <p:nvPr>
-            <p:ph type="sldNum" sz="quarter" idx="11"/>
-          </p:nvPr>
-        </p:nvSpPr>
-        <p:spPr/>
-        <p:txBody>
-          <a:bodyPr/>
-          <a:lstStyle/>
-          <a:p>
-            <a:fld id="{815DB69B-0A2B-4D0B-A3BD-360AAA24381D}" type="slidenum">
-              <a:rPr lang="de-DE" smtClean="0"/>
-              <a:pPr/>
-              <a:t>6</a:t>
-            </a:fld>
-            <a:endParaRPr lang="de-DE" dirty="0"/>
-          </a:p>
-        </p:txBody>
-      </p:sp>
-      <p:sp>
-        <p:nvSpPr>
-          <p:cNvPr id="5" name="Textplatzhalter 4"/>
-          <p:cNvSpPr>
-            <a:spLocks noGrp="1"/>
-          </p:cNvSpPr>
-          <p:nvPr>
-            <p:ph type="body" sz="quarter" idx="12"/>
-          </p:nvPr>
-        </p:nvSpPr>
-        <p:spPr/>
-        <p:txBody>
-          <a:bodyPr/>
-          <a:lstStyle/>
-          <a:p>
-            <a:pPr marL="0" indent="0">
-              <a:lnSpc>
-                <a:spcPct val="150000"/>
-              </a:lnSpc>
-              <a:buNone/>
-            </a:pPr>
-            <a:endParaRPr lang="en-GB" dirty="0"/>
-          </a:p>
-          <a:p>
-            <a:pPr>
-              <a:lnSpc>
-                <a:spcPct val="150000"/>
-              </a:lnSpc>
-            </a:pPr>
-            <a:r>
-              <a:rPr lang="en-GB" dirty="0"/>
-              <a:t>RQ 1: How to display results of the same codebase from different analysis tools?</a:t>
-            </a:r>
-          </a:p>
-          <a:p>
-            <a:pPr>
-              <a:lnSpc>
-                <a:spcPct val="150000"/>
-              </a:lnSpc>
-            </a:pPr>
-            <a:endParaRPr lang="en-GB" dirty="0"/>
-          </a:p>
-          <a:p>
-            <a:pPr>
-              <a:lnSpc>
-                <a:spcPct val="150000"/>
-              </a:lnSpc>
-            </a:pPr>
-            <a:r>
-              <a:rPr lang="en-GB" dirty="0"/>
-              <a:t>RQ 2: What feedback works to know that bug fixing is on-going?</a:t>
-            </a:r>
-          </a:p>
-          <a:p>
-            <a:pPr>
-              <a:lnSpc>
-                <a:spcPct val="150000"/>
-              </a:lnSpc>
-            </a:pPr>
-            <a:endParaRPr lang="en-GB" dirty="0"/>
-          </a:p>
-          <a:p>
-            <a:pPr>
-              <a:lnSpc>
-                <a:spcPct val="150000"/>
-              </a:lnSpc>
-            </a:pPr>
-            <a:r>
-              <a:rPr lang="en-GB" dirty="0"/>
-              <a:t>RQ 3: How to carry traceability of bug fixing? </a:t>
-            </a:r>
-            <a:endParaRPr lang="de-DE" dirty="0"/>
-          </a:p>
-          <a:p>
-            <a:pPr marL="0" indent="0" algn="r">
-              <a:lnSpc>
-                <a:spcPct val="150000"/>
-              </a:lnSpc>
-              <a:buNone/>
-            </a:pPr>
-            <a:endParaRPr lang="en-GB" dirty="0"/>
-          </a:p>
-          <a:p>
-            <a:pPr marL="0" indent="0" algn="r">
-              <a:lnSpc>
-                <a:spcPct val="150000"/>
-              </a:lnSpc>
-              <a:buNone/>
-            </a:pPr>
-            <a:r>
-              <a:rPr lang="en-GB" dirty="0"/>
-              <a:t> </a:t>
-            </a:r>
-          </a:p>
-          <a:p>
-            <a:pPr>
-              <a:lnSpc>
-                <a:spcPct val="150000"/>
-              </a:lnSpc>
-            </a:pPr>
-            <a:endParaRPr lang="en-GB" dirty="0"/>
-          </a:p>
-          <a:p>
-            <a:pPr marL="0" indent="0">
-              <a:lnSpc>
-                <a:spcPct val="150000"/>
-              </a:lnSpc>
-              <a:buNone/>
-            </a:pPr>
-            <a:endParaRPr lang="en-GB" dirty="0"/>
-          </a:p>
-        </p:txBody>
-      </p:sp>
-      <p:sp>
-        <p:nvSpPr>
-          <p:cNvPr id="3" name="Fußzeilenplatzhalter 2"/>
-          <p:cNvSpPr>
-            <a:spLocks noGrp="1"/>
-          </p:cNvSpPr>
-          <p:nvPr>
-            <p:ph type="ftr" sz="quarter" idx="10"/>
-          </p:nvPr>
-        </p:nvSpPr>
-        <p:spPr/>
-        <p:txBody>
-          <a:bodyPr/>
-          <a:lstStyle/>
-          <a:p>
-            <a:r>
-              <a:rPr lang="de-DE"/>
-              <a:t>Software Engineering</a:t>
-            </a:r>
-            <a:endParaRPr lang="de-DE" dirty="0"/>
-          </a:p>
-        </p:txBody>
-      </p:sp>
-    </p:spTree>
-    <p:extLst>
-      <p:ext uri="{BB962C8B-B14F-4D97-AF65-F5344CB8AC3E}">
-        <p14:creationId xmlns:p14="http://schemas.microsoft.com/office/powerpoint/2010/main" val="1386339837"/>
-      </p:ext>
-    </p:extLst>
-  </p:cSld>
-  <p:clrMapOvr>
-    <a:masterClrMapping/>
-  </p:clrMapOvr>
-</p:sld>
-</file>
-
-<file path=ppt/slides/slide60.xml><?xml version="1.0" encoding="utf-8"?>
+<file path=ppt/slides/slide59.xml><?xml version="1.0" encoding="utf-8"?>
 <p:sld xmlns:a="http://schemas.openxmlformats.org/drawingml/2006/main" xmlns:r="http://schemas.openxmlformats.org/officeDocument/2006/relationships" xmlns:p="http://schemas.openxmlformats.org/presentationml/2006/main">
   <p:cSld>
     <p:spTree>
@@ -42732,7 +41805,7 @@
             <a:fld id="{815DB69B-0A2B-4D0B-A3BD-360AAA24381D}" type="slidenum">
               <a:rPr lang="de-DE" smtClean="0"/>
               <a:pPr/>
-              <a:t>60</a:t>
+              <a:t>59</a:t>
             </a:fld>
             <a:endParaRPr lang="de-DE" dirty="0"/>
           </a:p>
@@ -42832,7 +41905,223 @@
 </p:sld>
 </file>
 
-<file path=ppt/slides/slide61.xml><?xml version="1.0" encoding="utf-8"?>
+<file path=ppt/slides/slide6.xml><?xml version="1.0" encoding="utf-8"?>
+<p:sld xmlns:a="http://schemas.openxmlformats.org/drawingml/2006/main" xmlns:r="http://schemas.openxmlformats.org/officeDocument/2006/relationships" xmlns:p="http://schemas.openxmlformats.org/presentationml/2006/main">
+  <p:cSld>
+    <p:spTree>
+      <p:nvGrpSpPr>
+        <p:cNvPr id="1" name=""/>
+        <p:cNvGrpSpPr/>
+        <p:nvPr/>
+      </p:nvGrpSpPr>
+      <p:grpSpPr>
+        <a:xfrm>
+          <a:off x="0" y="0"/>
+          <a:ext cx="0" cy="0"/>
+          <a:chOff x="0" y="0"/>
+          <a:chExt cx="0" cy="0"/>
+        </a:xfrm>
+      </p:grpSpPr>
+      <p:sp>
+        <p:nvSpPr>
+          <p:cNvPr id="2" name="Titel 1"/>
+          <p:cNvSpPr>
+            <a:spLocks noGrp="1"/>
+          </p:cNvSpPr>
+          <p:nvPr>
+            <p:ph type="title"/>
+          </p:nvPr>
+        </p:nvSpPr>
+        <p:spPr/>
+        <p:txBody>
+          <a:bodyPr/>
+          <a:lstStyle/>
+          <a:p>
+            <a:r>
+              <a:rPr lang="de-DE" dirty="0">
+                <a:solidFill>
+                  <a:schemeClr val="tx2"/>
+                </a:solidFill>
+              </a:rPr>
+              <a:t>Research Questions</a:t>
+            </a:r>
+          </a:p>
+        </p:txBody>
+      </p:sp>
+      <p:sp>
+        <p:nvSpPr>
+          <p:cNvPr id="4" name="Foliennummernplatzhalter 3"/>
+          <p:cNvSpPr>
+            <a:spLocks noGrp="1"/>
+          </p:cNvSpPr>
+          <p:nvPr>
+            <p:ph type="sldNum" sz="quarter" idx="11"/>
+          </p:nvPr>
+        </p:nvSpPr>
+        <p:spPr/>
+        <p:txBody>
+          <a:bodyPr/>
+          <a:lstStyle/>
+          <a:p>
+            <a:fld id="{815DB69B-0A2B-4D0B-A3BD-360AAA24381D}" type="slidenum">
+              <a:rPr lang="de-DE" smtClean="0"/>
+              <a:pPr/>
+              <a:t>6</a:t>
+            </a:fld>
+            <a:endParaRPr lang="de-DE" dirty="0"/>
+          </a:p>
+        </p:txBody>
+      </p:sp>
+      <p:sp>
+        <p:nvSpPr>
+          <p:cNvPr id="5" name="Textplatzhalter 4"/>
+          <p:cNvSpPr>
+            <a:spLocks noGrp="1"/>
+          </p:cNvSpPr>
+          <p:nvPr>
+            <p:ph type="body" sz="quarter" idx="12"/>
+          </p:nvPr>
+        </p:nvSpPr>
+        <p:spPr/>
+        <p:txBody>
+          <a:bodyPr/>
+          <a:lstStyle/>
+          <a:p>
+            <a:pPr marL="0" indent="0">
+              <a:lnSpc>
+                <a:spcPct val="150000"/>
+              </a:lnSpc>
+              <a:buNone/>
+            </a:pPr>
+            <a:endParaRPr lang="en-GB" dirty="0"/>
+          </a:p>
+          <a:p>
+            <a:pPr>
+              <a:lnSpc>
+                <a:spcPct val="150000"/>
+              </a:lnSpc>
+            </a:pPr>
+            <a:r>
+              <a:rPr lang="en-GB" dirty="0"/>
+              <a:t>RQ 1: How to display results of the same codebase from different analysis tools?</a:t>
+            </a:r>
+          </a:p>
+          <a:p>
+            <a:pPr>
+              <a:lnSpc>
+                <a:spcPct val="150000"/>
+              </a:lnSpc>
+            </a:pPr>
+            <a:endParaRPr lang="en-GB" dirty="0"/>
+          </a:p>
+          <a:p>
+            <a:pPr>
+              <a:lnSpc>
+                <a:spcPct val="150000"/>
+              </a:lnSpc>
+            </a:pPr>
+            <a:r>
+              <a:rPr lang="en-GB" dirty="0"/>
+              <a:t>RQ 2: What feedback works to know that bug fixing is on-going?</a:t>
+            </a:r>
+          </a:p>
+          <a:p>
+            <a:pPr>
+              <a:lnSpc>
+                <a:spcPct val="150000"/>
+              </a:lnSpc>
+            </a:pPr>
+            <a:endParaRPr lang="en-GB" dirty="0"/>
+          </a:p>
+          <a:p>
+            <a:pPr>
+              <a:lnSpc>
+                <a:spcPct val="150000"/>
+              </a:lnSpc>
+            </a:pPr>
+            <a:r>
+              <a:rPr lang="en-GB" dirty="0"/>
+              <a:t>RQ 3: How to carry traceability of bug fixing? </a:t>
+            </a:r>
+            <a:endParaRPr lang="de-DE" dirty="0"/>
+          </a:p>
+          <a:p>
+            <a:pPr marL="0" indent="0" algn="r">
+              <a:lnSpc>
+                <a:spcPct val="150000"/>
+              </a:lnSpc>
+              <a:buNone/>
+            </a:pPr>
+            <a:endParaRPr lang="en-GB" dirty="0"/>
+          </a:p>
+          <a:p>
+            <a:pPr marL="0" indent="0" algn="r">
+              <a:lnSpc>
+                <a:spcPct val="150000"/>
+              </a:lnSpc>
+              <a:buNone/>
+            </a:pPr>
+            <a:r>
+              <a:rPr lang="en-GB" dirty="0"/>
+              <a:t> </a:t>
+            </a:r>
+          </a:p>
+          <a:p>
+            <a:pPr>
+              <a:lnSpc>
+                <a:spcPct val="150000"/>
+              </a:lnSpc>
+            </a:pPr>
+            <a:endParaRPr lang="en-GB" dirty="0"/>
+          </a:p>
+          <a:p>
+            <a:pPr marL="0" indent="0">
+              <a:lnSpc>
+                <a:spcPct val="150000"/>
+              </a:lnSpc>
+              <a:buNone/>
+            </a:pPr>
+            <a:endParaRPr lang="en-GB" dirty="0"/>
+          </a:p>
+        </p:txBody>
+      </p:sp>
+      <p:sp>
+        <p:nvSpPr>
+          <p:cNvPr id="3" name="Fußzeilenplatzhalter 2"/>
+          <p:cNvSpPr>
+            <a:spLocks noGrp="1"/>
+          </p:cNvSpPr>
+          <p:nvPr>
+            <p:ph type="ftr" sz="quarter" idx="10"/>
+          </p:nvPr>
+        </p:nvSpPr>
+        <p:spPr/>
+        <p:txBody>
+          <a:bodyPr/>
+          <a:lstStyle/>
+          <a:p>
+            <a:r>
+              <a:rPr lang="de-DE"/>
+              <a:t>Software Engineering</a:t>
+            </a:r>
+            <a:endParaRPr lang="de-DE" dirty="0"/>
+          </a:p>
+        </p:txBody>
+      </p:sp>
+    </p:spTree>
+    <p:extLst>
+      <p:ext uri="{BB962C8B-B14F-4D97-AF65-F5344CB8AC3E}">
+        <p14:creationId xmlns:p14="http://schemas.microsoft.com/office/powerpoint/2010/main" val="1386339837"/>
+      </p:ext>
+    </p:extLst>
+  </p:cSld>
+  <p:clrMapOvr>
+    <a:masterClrMapping/>
+  </p:clrMapOvr>
+</p:sld>
+</file>
+
+<file path=ppt/slides/slide60.xml><?xml version="1.0" encoding="utf-8"?>
 <p:sld xmlns:a="http://schemas.openxmlformats.org/drawingml/2006/main" xmlns:r="http://schemas.openxmlformats.org/officeDocument/2006/relationships" xmlns:p="http://schemas.openxmlformats.org/presentationml/2006/main">
   <p:cSld>
     <p:spTree>
@@ -42954,7 +42243,7 @@
             <a:fld id="{815DB69B-0A2B-4D0B-A3BD-360AAA24381D}" type="slidenum">
               <a:rPr lang="de-DE" smtClean="0"/>
               <a:pPr/>
-              <a:t>61</a:t>
+              <a:t>60</a:t>
             </a:fld>
             <a:endParaRPr lang="de-DE" dirty="0"/>
           </a:p>
@@ -43100,7 +42389,7 @@
 </p:sld>
 </file>
 
-<file path=ppt/slides/slide62.xml><?xml version="1.0" encoding="utf-8"?>
+<file path=ppt/slides/slide61.xml><?xml version="1.0" encoding="utf-8"?>
 <p:sld xmlns:a="http://schemas.openxmlformats.org/drawingml/2006/main" xmlns:r="http://schemas.openxmlformats.org/officeDocument/2006/relationships" xmlns:p="http://schemas.openxmlformats.org/presentationml/2006/main">
   <p:cSld>
     <p:spTree>
@@ -43207,7 +42496,7 @@
             <a:fld id="{815DB69B-0A2B-4D0B-A3BD-360AAA24381D}" type="slidenum">
               <a:rPr lang="de-DE" smtClean="0"/>
               <a:pPr/>
-              <a:t>62</a:t>
+              <a:t>61</a:t>
             </a:fld>
             <a:endParaRPr lang="de-DE" dirty="0"/>
           </a:p>
@@ -43465,6 +42754,344 @@
 </p:sld>
 </file>
 
+<file path=ppt/slides/slide62.xml><?xml version="1.0" encoding="utf-8"?>
+<p:sld xmlns:a="http://schemas.openxmlformats.org/drawingml/2006/main" xmlns:r="http://schemas.openxmlformats.org/officeDocument/2006/relationships" xmlns:p="http://schemas.openxmlformats.org/presentationml/2006/main">
+  <p:cSld>
+    <p:spTree>
+      <p:nvGrpSpPr>
+        <p:cNvPr id="1" name=""/>
+        <p:cNvGrpSpPr/>
+        <p:nvPr/>
+      </p:nvGrpSpPr>
+      <p:grpSpPr>
+        <a:xfrm>
+          <a:off x="0" y="0"/>
+          <a:ext cx="0" cy="0"/>
+          <a:chOff x="0" y="0"/>
+          <a:chExt cx="0" cy="0"/>
+        </a:xfrm>
+      </p:grpSpPr>
+      <p:sp>
+        <p:nvSpPr>
+          <p:cNvPr id="2" name="Title 1">
+            <a:extLst>
+              <a:ext uri="{FF2B5EF4-FFF2-40B4-BE49-F238E27FC236}">
+                <a16:creationId xmlns:a16="http://schemas.microsoft.com/office/drawing/2014/main" id="{D900D08C-C553-43EE-84D1-0E74FA2FC9BA}"/>
+              </a:ext>
+            </a:extLst>
+          </p:cNvPr>
+          <p:cNvSpPr>
+            <a:spLocks noGrp="1"/>
+          </p:cNvSpPr>
+          <p:nvPr>
+            <p:ph type="title"/>
+          </p:nvPr>
+        </p:nvSpPr>
+        <p:spPr>
+          <a:xfrm>
+            <a:off x="250734" y="404664"/>
+            <a:ext cx="9363637" cy="1079772"/>
+          </a:xfrm>
+        </p:spPr>
+        <p:txBody>
+          <a:bodyPr/>
+          <a:lstStyle/>
+          <a:p>
+            <a:r>
+              <a:rPr lang="en-GB" dirty="0">
+                <a:solidFill>
+                  <a:srgbClr val="003A80"/>
+                </a:solidFill>
+              </a:rPr>
+              <a:t>[RQ 2] </a:t>
+            </a:r>
+            <a:br>
+              <a:rPr lang="en-GB" dirty="0">
+                <a:solidFill>
+                  <a:srgbClr val="003A80"/>
+                </a:solidFill>
+              </a:rPr>
+            </a:br>
+            <a:br>
+              <a:rPr lang="en-GB" dirty="0">
+                <a:solidFill>
+                  <a:srgbClr val="003A80"/>
+                </a:solidFill>
+              </a:rPr>
+            </a:br>
+            <a:r>
+              <a:rPr lang="en-GB" dirty="0">
+                <a:solidFill>
+                  <a:srgbClr val="003A80"/>
+                </a:solidFill>
+              </a:rPr>
+              <a:t> How usable are each feedback functionality compared to the  		                       scenario of using uniﬁed UI to native UIs? </a:t>
+            </a:r>
+          </a:p>
+        </p:txBody>
+      </p:sp>
+      <p:sp>
+        <p:nvSpPr>
+          <p:cNvPr id="3" name="Footer Placeholder 2">
+            <a:extLst>
+              <a:ext uri="{FF2B5EF4-FFF2-40B4-BE49-F238E27FC236}">
+                <a16:creationId xmlns:a16="http://schemas.microsoft.com/office/drawing/2014/main" id="{29CCF344-4A75-4B15-B92F-90EB399CF56D}"/>
+              </a:ext>
+            </a:extLst>
+          </p:cNvPr>
+          <p:cNvSpPr>
+            <a:spLocks noGrp="1"/>
+          </p:cNvSpPr>
+          <p:nvPr>
+            <p:ph type="ftr" sz="quarter" idx="10"/>
+          </p:nvPr>
+        </p:nvSpPr>
+        <p:spPr/>
+        <p:txBody>
+          <a:bodyPr/>
+          <a:lstStyle/>
+          <a:p>
+            <a:r>
+              <a:rPr lang="de-DE"/>
+              <a:t>Software Engineering</a:t>
+            </a:r>
+            <a:endParaRPr lang="de-DE" dirty="0"/>
+          </a:p>
+        </p:txBody>
+      </p:sp>
+      <p:sp>
+        <p:nvSpPr>
+          <p:cNvPr id="4" name="Slide Number Placeholder 3">
+            <a:extLst>
+              <a:ext uri="{FF2B5EF4-FFF2-40B4-BE49-F238E27FC236}">
+                <a16:creationId xmlns:a16="http://schemas.microsoft.com/office/drawing/2014/main" id="{0B6F0876-29E2-400F-9A5E-7977729A15FA}"/>
+              </a:ext>
+            </a:extLst>
+          </p:cNvPr>
+          <p:cNvSpPr>
+            <a:spLocks noGrp="1"/>
+          </p:cNvSpPr>
+          <p:nvPr>
+            <p:ph type="sldNum" sz="quarter" idx="11"/>
+          </p:nvPr>
+        </p:nvSpPr>
+        <p:spPr/>
+        <p:txBody>
+          <a:bodyPr/>
+          <a:lstStyle/>
+          <a:p>
+            <a:fld id="{815DB69B-0A2B-4D0B-A3BD-360AAA24381D}" type="slidenum">
+              <a:rPr lang="de-DE" smtClean="0"/>
+              <a:pPr/>
+              <a:t>62</a:t>
+            </a:fld>
+            <a:endParaRPr lang="de-DE" dirty="0"/>
+          </a:p>
+        </p:txBody>
+      </p:sp>
+      <p:sp>
+        <p:nvSpPr>
+          <p:cNvPr id="5" name="TextBox 4">
+            <a:extLst>
+              <a:ext uri="{FF2B5EF4-FFF2-40B4-BE49-F238E27FC236}">
+                <a16:creationId xmlns:a16="http://schemas.microsoft.com/office/drawing/2014/main" id="{F7E54871-4301-4549-BA66-9A05B456E854}"/>
+              </a:ext>
+            </a:extLst>
+          </p:cNvPr>
+          <p:cNvSpPr txBox="1"/>
+          <p:nvPr/>
+        </p:nvSpPr>
+        <p:spPr>
+          <a:xfrm>
+            <a:off x="560512" y="2348880"/>
+            <a:ext cx="8558112" cy="2800767"/>
+          </a:xfrm>
+          <a:prstGeom prst="rect">
+            <a:avLst/>
+          </a:prstGeom>
+          <a:noFill/>
+        </p:spPr>
+        <p:txBody>
+          <a:bodyPr wrap="none" lIns="0" rIns="0" rtlCol="0">
+            <a:spAutoFit/>
+          </a:bodyPr>
+          <a:lstStyle/>
+          <a:p>
+            <a:pPr marL="360000" indent="-360000">
+              <a:spcAft>
+                <a:spcPts val="1000"/>
+              </a:spcAft>
+              <a:buClr>
+                <a:schemeClr val="tx2"/>
+              </a:buClr>
+              <a:buSzPct val="80000"/>
+              <a:buFont typeface="Wingdings" panose="05000000000000000000" pitchFamily="2" charset="2"/>
+              <a:buChar char="n"/>
+            </a:pPr>
+            <a:r>
+              <a:rPr lang="en-GB" dirty="0"/>
+              <a:t>Animated Icons</a:t>
+            </a:r>
+          </a:p>
+          <a:p>
+            <a:pPr marL="360000" indent="-360000">
+              <a:spcAft>
+                <a:spcPts val="1000"/>
+              </a:spcAft>
+              <a:buClr>
+                <a:schemeClr val="tx2"/>
+              </a:buClr>
+              <a:buSzPct val="80000"/>
+              <a:buFont typeface="Wingdings" panose="05000000000000000000" pitchFamily="2" charset="2"/>
+              <a:buChar char="n"/>
+            </a:pPr>
+            <a:r>
+              <a:rPr lang="en-GB" dirty="0"/>
+              <a:t>Progress Bar</a:t>
+            </a:r>
+          </a:p>
+          <a:p>
+            <a:pPr marL="360000" indent="-360000">
+              <a:spcAft>
+                <a:spcPts val="1000"/>
+              </a:spcAft>
+              <a:buClr>
+                <a:schemeClr val="tx2"/>
+              </a:buClr>
+              <a:buSzPct val="80000"/>
+              <a:buFont typeface="Wingdings" panose="05000000000000000000" pitchFamily="2" charset="2"/>
+              <a:buChar char="n"/>
+            </a:pPr>
+            <a:r>
+              <a:rPr lang="en-GB" dirty="0"/>
+              <a:t>Pending Status Popup</a:t>
+            </a:r>
+          </a:p>
+          <a:p>
+            <a:pPr marL="360000" indent="-360000">
+              <a:spcAft>
+                <a:spcPts val="1000"/>
+              </a:spcAft>
+              <a:buClr>
+                <a:schemeClr val="tx2"/>
+              </a:buClr>
+              <a:buSzPct val="80000"/>
+              <a:buFont typeface="Wingdings" panose="05000000000000000000" pitchFamily="2" charset="2"/>
+              <a:buChar char="n"/>
+            </a:pPr>
+            <a:r>
+              <a:rPr lang="en-GB" dirty="0"/>
+              <a:t>Alerts</a:t>
+            </a:r>
+          </a:p>
+          <a:p>
+            <a:pPr marL="360000" indent="-360000">
+              <a:spcAft>
+                <a:spcPts val="1000"/>
+              </a:spcAft>
+              <a:buClr>
+                <a:schemeClr val="tx2"/>
+              </a:buClr>
+              <a:buSzPct val="80000"/>
+              <a:buFont typeface="Wingdings" panose="05000000000000000000" pitchFamily="2" charset="2"/>
+              <a:buChar char="n"/>
+            </a:pPr>
+            <a:r>
+              <a:rPr lang="en-GB" dirty="0"/>
+              <a:t>Status </a:t>
+            </a:r>
+          </a:p>
+          <a:p>
+            <a:pPr marL="360000" indent="-360000">
+              <a:spcAft>
+                <a:spcPts val="1000"/>
+              </a:spcAft>
+              <a:buClr>
+                <a:schemeClr val="tx2"/>
+              </a:buClr>
+              <a:buSzPct val="80000"/>
+              <a:buFont typeface="Wingdings" panose="05000000000000000000" pitchFamily="2" charset="2"/>
+              <a:buChar char="n"/>
+            </a:pPr>
+            <a:endParaRPr lang="en-GB" dirty="0"/>
+          </a:p>
+          <a:p>
+            <a:pPr marL="360000" indent="-360000">
+              <a:spcAft>
+                <a:spcPts val="1000"/>
+              </a:spcAft>
+              <a:buClr>
+                <a:schemeClr val="tx2"/>
+              </a:buClr>
+              <a:buSzPct val="80000"/>
+              <a:buFont typeface="Wingdings" panose="05000000000000000000" pitchFamily="2" charset="2"/>
+              <a:buChar char="n"/>
+            </a:pPr>
+            <a:r>
+              <a:rPr lang="en-GB" dirty="0"/>
+              <a:t>Almost all users agreed the ideas being novel and hardly present with native UIs.</a:t>
+            </a:r>
+          </a:p>
+        </p:txBody>
+      </p:sp>
+      <p:sp>
+        <p:nvSpPr>
+          <p:cNvPr id="6" name="Rectangle 5">
+            <a:extLst>
+              <a:ext uri="{FF2B5EF4-FFF2-40B4-BE49-F238E27FC236}">
+                <a16:creationId xmlns:a16="http://schemas.microsoft.com/office/drawing/2014/main" id="{7694293A-86B1-4CA8-85FF-6BD271BFDC7A}"/>
+              </a:ext>
+            </a:extLst>
+          </p:cNvPr>
+          <p:cNvSpPr/>
+          <p:nvPr/>
+        </p:nvSpPr>
+        <p:spPr>
+          <a:xfrm>
+            <a:off x="632520" y="5543210"/>
+            <a:ext cx="9649072" cy="646331"/>
+          </a:xfrm>
+          <a:prstGeom prst="rect">
+            <a:avLst/>
+          </a:prstGeom>
+        </p:spPr>
+        <p:txBody>
+          <a:bodyPr wrap="square">
+            <a:spAutoFit/>
+          </a:bodyPr>
+          <a:lstStyle/>
+          <a:p>
+            <a:r>
+              <a:rPr lang="en-GB" dirty="0">
+                <a:latin typeface="LMRoman10-Regular"/>
+              </a:rPr>
+              <a:t>Each proposed feedback play an essential role in providing the information to the</a:t>
+            </a:r>
+          </a:p>
+          <a:p>
+            <a:r>
+              <a:rPr lang="en-GB" dirty="0">
+                <a:latin typeface="LMRoman10-Regular"/>
+              </a:rPr>
+              <a:t>user. Some are absent in existing tools.</a:t>
+            </a:r>
+            <a:endParaRPr lang="en-GB" dirty="0"/>
+          </a:p>
+        </p:txBody>
+      </p:sp>
+    </p:spTree>
+    <p:extLst>
+      <p:ext uri="{BB962C8B-B14F-4D97-AF65-F5344CB8AC3E}">
+        <p14:creationId xmlns:p14="http://schemas.microsoft.com/office/powerpoint/2010/main" val="1173169024"/>
+      </p:ext>
+    </p:extLst>
+  </p:cSld>
+  <p:clrMapOvr>
+    <a:masterClrMapping/>
+  </p:clrMapOvr>
+</p:sld>
+</file>
+
 <file path=ppt/slides/slide63.xml><?xml version="1.0" encoding="utf-8"?>
 <p:sld xmlns:a="http://schemas.openxmlformats.org/drawingml/2006/main" xmlns:r="http://schemas.openxmlformats.org/officeDocument/2006/relationships" xmlns:p="http://schemas.openxmlformats.org/presentationml/2006/main">
   <p:cSld>
@@ -43523,20 +43150,13 @@
                 </a:solidFill>
               </a:rPr>
             </a:br>
-            <a:br>
+            <a:r>
               <a:rPr lang="en-GB" dirty="0">
                 <a:solidFill>
                   <a:srgbClr val="003A80"/>
                 </a:solidFill>
               </a:rPr>
-            </a:br>
-            <a:r>
-              <a:rPr lang="en-GB" dirty="0">
-                <a:solidFill>
-                  <a:srgbClr val="003A80"/>
-                </a:solidFill>
-              </a:rPr>
-              <a:t> How usable are each feedback functionality compared to the  		                       scenario of using uniﬁed UI to native UIs? </a:t>
+              <a:t>Does alert notiﬁcation help in ﬁxing more bugs in contrast to its absence in current tools UI? </a:t>
             </a:r>
           </a:p>
         </p:txBody>
@@ -43595,337 +43215,6 @@
               <a:rPr lang="de-DE" smtClean="0"/>
               <a:pPr/>
               <a:t>63</a:t>
-            </a:fld>
-            <a:endParaRPr lang="de-DE" dirty="0"/>
-          </a:p>
-        </p:txBody>
-      </p:sp>
-      <p:sp>
-        <p:nvSpPr>
-          <p:cNvPr id="5" name="TextBox 4">
-            <a:extLst>
-              <a:ext uri="{FF2B5EF4-FFF2-40B4-BE49-F238E27FC236}">
-                <a16:creationId xmlns:a16="http://schemas.microsoft.com/office/drawing/2014/main" id="{F7E54871-4301-4549-BA66-9A05B456E854}"/>
-              </a:ext>
-            </a:extLst>
-          </p:cNvPr>
-          <p:cNvSpPr txBox="1"/>
-          <p:nvPr/>
-        </p:nvSpPr>
-        <p:spPr>
-          <a:xfrm>
-            <a:off x="560512" y="2348880"/>
-            <a:ext cx="8558112" cy="2800767"/>
-          </a:xfrm>
-          <a:prstGeom prst="rect">
-            <a:avLst/>
-          </a:prstGeom>
-          <a:noFill/>
-        </p:spPr>
-        <p:txBody>
-          <a:bodyPr wrap="none" lIns="0" rIns="0" rtlCol="0">
-            <a:spAutoFit/>
-          </a:bodyPr>
-          <a:lstStyle/>
-          <a:p>
-            <a:pPr marL="360000" indent="-360000">
-              <a:spcAft>
-                <a:spcPts val="1000"/>
-              </a:spcAft>
-              <a:buClr>
-                <a:schemeClr val="tx2"/>
-              </a:buClr>
-              <a:buSzPct val="80000"/>
-              <a:buFont typeface="Wingdings" panose="05000000000000000000" pitchFamily="2" charset="2"/>
-              <a:buChar char="n"/>
-            </a:pPr>
-            <a:r>
-              <a:rPr lang="en-GB" dirty="0"/>
-              <a:t>Animated Icons</a:t>
-            </a:r>
-          </a:p>
-          <a:p>
-            <a:pPr marL="360000" indent="-360000">
-              <a:spcAft>
-                <a:spcPts val="1000"/>
-              </a:spcAft>
-              <a:buClr>
-                <a:schemeClr val="tx2"/>
-              </a:buClr>
-              <a:buSzPct val="80000"/>
-              <a:buFont typeface="Wingdings" panose="05000000000000000000" pitchFamily="2" charset="2"/>
-              <a:buChar char="n"/>
-            </a:pPr>
-            <a:r>
-              <a:rPr lang="en-GB" dirty="0"/>
-              <a:t>Progress Bar</a:t>
-            </a:r>
-          </a:p>
-          <a:p>
-            <a:pPr marL="360000" indent="-360000">
-              <a:spcAft>
-                <a:spcPts val="1000"/>
-              </a:spcAft>
-              <a:buClr>
-                <a:schemeClr val="tx2"/>
-              </a:buClr>
-              <a:buSzPct val="80000"/>
-              <a:buFont typeface="Wingdings" panose="05000000000000000000" pitchFamily="2" charset="2"/>
-              <a:buChar char="n"/>
-            </a:pPr>
-            <a:r>
-              <a:rPr lang="en-GB" dirty="0"/>
-              <a:t>Pending Status Popup</a:t>
-            </a:r>
-          </a:p>
-          <a:p>
-            <a:pPr marL="360000" indent="-360000">
-              <a:spcAft>
-                <a:spcPts val="1000"/>
-              </a:spcAft>
-              <a:buClr>
-                <a:schemeClr val="tx2"/>
-              </a:buClr>
-              <a:buSzPct val="80000"/>
-              <a:buFont typeface="Wingdings" panose="05000000000000000000" pitchFamily="2" charset="2"/>
-              <a:buChar char="n"/>
-            </a:pPr>
-            <a:r>
-              <a:rPr lang="en-GB" dirty="0"/>
-              <a:t>Alerts</a:t>
-            </a:r>
-          </a:p>
-          <a:p>
-            <a:pPr marL="360000" indent="-360000">
-              <a:spcAft>
-                <a:spcPts val="1000"/>
-              </a:spcAft>
-              <a:buClr>
-                <a:schemeClr val="tx2"/>
-              </a:buClr>
-              <a:buSzPct val="80000"/>
-              <a:buFont typeface="Wingdings" panose="05000000000000000000" pitchFamily="2" charset="2"/>
-              <a:buChar char="n"/>
-            </a:pPr>
-            <a:r>
-              <a:rPr lang="en-GB" dirty="0"/>
-              <a:t>Status </a:t>
-            </a:r>
-          </a:p>
-          <a:p>
-            <a:pPr marL="360000" indent="-360000">
-              <a:spcAft>
-                <a:spcPts val="1000"/>
-              </a:spcAft>
-              <a:buClr>
-                <a:schemeClr val="tx2"/>
-              </a:buClr>
-              <a:buSzPct val="80000"/>
-              <a:buFont typeface="Wingdings" panose="05000000000000000000" pitchFamily="2" charset="2"/>
-              <a:buChar char="n"/>
-            </a:pPr>
-            <a:endParaRPr lang="en-GB" dirty="0"/>
-          </a:p>
-          <a:p>
-            <a:pPr marL="360000" indent="-360000">
-              <a:spcAft>
-                <a:spcPts val="1000"/>
-              </a:spcAft>
-              <a:buClr>
-                <a:schemeClr val="tx2"/>
-              </a:buClr>
-              <a:buSzPct val="80000"/>
-              <a:buFont typeface="Wingdings" panose="05000000000000000000" pitchFamily="2" charset="2"/>
-              <a:buChar char="n"/>
-            </a:pPr>
-            <a:r>
-              <a:rPr lang="en-GB" dirty="0"/>
-              <a:t>Almost all users agreed the ideas being novel and hardly present with native UIs.</a:t>
-            </a:r>
-          </a:p>
-        </p:txBody>
-      </p:sp>
-      <p:sp>
-        <p:nvSpPr>
-          <p:cNvPr id="6" name="Rectangle 5">
-            <a:extLst>
-              <a:ext uri="{FF2B5EF4-FFF2-40B4-BE49-F238E27FC236}">
-                <a16:creationId xmlns:a16="http://schemas.microsoft.com/office/drawing/2014/main" id="{7694293A-86B1-4CA8-85FF-6BD271BFDC7A}"/>
-              </a:ext>
-            </a:extLst>
-          </p:cNvPr>
-          <p:cNvSpPr/>
-          <p:nvPr/>
-        </p:nvSpPr>
-        <p:spPr>
-          <a:xfrm>
-            <a:off x="632520" y="5543210"/>
-            <a:ext cx="9649072" cy="646331"/>
-          </a:xfrm>
-          <a:prstGeom prst="rect">
-            <a:avLst/>
-          </a:prstGeom>
-        </p:spPr>
-        <p:txBody>
-          <a:bodyPr wrap="square">
-            <a:spAutoFit/>
-          </a:bodyPr>
-          <a:lstStyle/>
-          <a:p>
-            <a:r>
-              <a:rPr lang="en-GB" dirty="0">
-                <a:latin typeface="LMRoman10-Regular"/>
-              </a:rPr>
-              <a:t>Each proposed feedback play an essential role in providing the information to the</a:t>
-            </a:r>
-          </a:p>
-          <a:p>
-            <a:r>
-              <a:rPr lang="en-GB" dirty="0">
-                <a:latin typeface="LMRoman10-Regular"/>
-              </a:rPr>
-              <a:t>user. Some are absent in existing tools.</a:t>
-            </a:r>
-            <a:endParaRPr lang="en-GB" dirty="0"/>
-          </a:p>
-        </p:txBody>
-      </p:sp>
-    </p:spTree>
-    <p:extLst>
-      <p:ext uri="{BB962C8B-B14F-4D97-AF65-F5344CB8AC3E}">
-        <p14:creationId xmlns:p14="http://schemas.microsoft.com/office/powerpoint/2010/main" val="1173169024"/>
-      </p:ext>
-    </p:extLst>
-  </p:cSld>
-  <p:clrMapOvr>
-    <a:masterClrMapping/>
-  </p:clrMapOvr>
-</p:sld>
-</file>
-
-<file path=ppt/slides/slide64.xml><?xml version="1.0" encoding="utf-8"?>
-<p:sld xmlns:a="http://schemas.openxmlformats.org/drawingml/2006/main" xmlns:r="http://schemas.openxmlformats.org/officeDocument/2006/relationships" xmlns:p="http://schemas.openxmlformats.org/presentationml/2006/main">
-  <p:cSld>
-    <p:spTree>
-      <p:nvGrpSpPr>
-        <p:cNvPr id="1" name=""/>
-        <p:cNvGrpSpPr/>
-        <p:nvPr/>
-      </p:nvGrpSpPr>
-      <p:grpSpPr>
-        <a:xfrm>
-          <a:off x="0" y="0"/>
-          <a:ext cx="0" cy="0"/>
-          <a:chOff x="0" y="0"/>
-          <a:chExt cx="0" cy="0"/>
-        </a:xfrm>
-      </p:grpSpPr>
-      <p:sp>
-        <p:nvSpPr>
-          <p:cNvPr id="2" name="Title 1">
-            <a:extLst>
-              <a:ext uri="{FF2B5EF4-FFF2-40B4-BE49-F238E27FC236}">
-                <a16:creationId xmlns:a16="http://schemas.microsoft.com/office/drawing/2014/main" id="{D900D08C-C553-43EE-84D1-0E74FA2FC9BA}"/>
-              </a:ext>
-            </a:extLst>
-          </p:cNvPr>
-          <p:cNvSpPr>
-            <a:spLocks noGrp="1"/>
-          </p:cNvSpPr>
-          <p:nvPr>
-            <p:ph type="title"/>
-          </p:nvPr>
-        </p:nvSpPr>
-        <p:spPr>
-          <a:xfrm>
-            <a:off x="250734" y="404664"/>
-            <a:ext cx="9363637" cy="1079772"/>
-          </a:xfrm>
-        </p:spPr>
-        <p:txBody>
-          <a:bodyPr/>
-          <a:lstStyle/>
-          <a:p>
-            <a:r>
-              <a:rPr lang="en-GB" dirty="0">
-                <a:solidFill>
-                  <a:srgbClr val="003A80"/>
-                </a:solidFill>
-              </a:rPr>
-              <a:t>[RQ 2] </a:t>
-            </a:r>
-            <a:br>
-              <a:rPr lang="en-GB" dirty="0">
-                <a:solidFill>
-                  <a:srgbClr val="003A80"/>
-                </a:solidFill>
-              </a:rPr>
-            </a:br>
-            <a:r>
-              <a:rPr lang="en-GB" dirty="0">
-                <a:solidFill>
-                  <a:srgbClr val="003A80"/>
-                </a:solidFill>
-              </a:rPr>
-              <a:t>Does alert notiﬁcation help in ﬁxing more bugs in contrast to its absence in current tools UI? </a:t>
-            </a:r>
-          </a:p>
-        </p:txBody>
-      </p:sp>
-      <p:sp>
-        <p:nvSpPr>
-          <p:cNvPr id="3" name="Footer Placeholder 2">
-            <a:extLst>
-              <a:ext uri="{FF2B5EF4-FFF2-40B4-BE49-F238E27FC236}">
-                <a16:creationId xmlns:a16="http://schemas.microsoft.com/office/drawing/2014/main" id="{29CCF344-4A75-4B15-B92F-90EB399CF56D}"/>
-              </a:ext>
-            </a:extLst>
-          </p:cNvPr>
-          <p:cNvSpPr>
-            <a:spLocks noGrp="1"/>
-          </p:cNvSpPr>
-          <p:nvPr>
-            <p:ph type="ftr" sz="quarter" idx="10"/>
-          </p:nvPr>
-        </p:nvSpPr>
-        <p:spPr/>
-        <p:txBody>
-          <a:bodyPr/>
-          <a:lstStyle/>
-          <a:p>
-            <a:r>
-              <a:rPr lang="de-DE"/>
-              <a:t>Software Engineering</a:t>
-            </a:r>
-            <a:endParaRPr lang="de-DE" dirty="0"/>
-          </a:p>
-        </p:txBody>
-      </p:sp>
-      <p:sp>
-        <p:nvSpPr>
-          <p:cNvPr id="4" name="Slide Number Placeholder 3">
-            <a:extLst>
-              <a:ext uri="{FF2B5EF4-FFF2-40B4-BE49-F238E27FC236}">
-                <a16:creationId xmlns:a16="http://schemas.microsoft.com/office/drawing/2014/main" id="{0B6F0876-29E2-400F-9A5E-7977729A15FA}"/>
-              </a:ext>
-            </a:extLst>
-          </p:cNvPr>
-          <p:cNvSpPr>
-            <a:spLocks noGrp="1"/>
-          </p:cNvSpPr>
-          <p:nvPr>
-            <p:ph type="sldNum" sz="quarter" idx="11"/>
-          </p:nvPr>
-        </p:nvSpPr>
-        <p:spPr/>
-        <p:txBody>
-          <a:bodyPr/>
-          <a:lstStyle/>
-          <a:p>
-            <a:fld id="{815DB69B-0A2B-4D0B-A3BD-360AAA24381D}" type="slidenum">
-              <a:rPr lang="de-DE" smtClean="0"/>
-              <a:pPr/>
-              <a:t>64</a:t>
             </a:fld>
             <a:endParaRPr lang="de-DE" dirty="0"/>
           </a:p>
@@ -44033,7 +43322,7 @@
 </p:sld>
 </file>
 
-<file path=ppt/slides/slide65.xml><?xml version="1.0" encoding="utf-8"?>
+<file path=ppt/slides/slide64.xml><?xml version="1.0" encoding="utf-8"?>
 <p:sld xmlns:a="http://schemas.openxmlformats.org/drawingml/2006/main" xmlns:r="http://schemas.openxmlformats.org/officeDocument/2006/relationships" xmlns:p="http://schemas.openxmlformats.org/presentationml/2006/main">
   <p:cSld>
     <p:spTree>
@@ -44155,7 +43444,7 @@
             <a:fld id="{815DB69B-0A2B-4D0B-A3BD-360AAA24381D}" type="slidenum">
               <a:rPr lang="de-DE" smtClean="0"/>
               <a:pPr/>
-              <a:t>65</a:t>
+              <a:t>64</a:t>
             </a:fld>
             <a:endParaRPr lang="de-DE" dirty="0"/>
           </a:p>
@@ -44269,6 +43558,302 @@
     <p:extLst>
       <p:ext uri="{BB962C8B-B14F-4D97-AF65-F5344CB8AC3E}">
         <p14:creationId xmlns:p14="http://schemas.microsoft.com/office/powerpoint/2010/main" val="3336131277"/>
+      </p:ext>
+    </p:extLst>
+  </p:cSld>
+  <p:clrMapOvr>
+    <a:masterClrMapping/>
+  </p:clrMapOvr>
+</p:sld>
+</file>
+
+<file path=ppt/slides/slide65.xml><?xml version="1.0" encoding="utf-8"?>
+<p:sld xmlns:a="http://schemas.openxmlformats.org/drawingml/2006/main" xmlns:r="http://schemas.openxmlformats.org/officeDocument/2006/relationships" xmlns:p="http://schemas.openxmlformats.org/presentationml/2006/main">
+  <p:cSld>
+    <p:spTree>
+      <p:nvGrpSpPr>
+        <p:cNvPr id="1" name=""/>
+        <p:cNvGrpSpPr/>
+        <p:nvPr/>
+      </p:nvGrpSpPr>
+      <p:grpSpPr>
+        <a:xfrm>
+          <a:off x="0" y="0"/>
+          <a:ext cx="0" cy="0"/>
+          <a:chOff x="0" y="0"/>
+          <a:chExt cx="0" cy="0"/>
+        </a:xfrm>
+      </p:grpSpPr>
+      <p:sp>
+        <p:nvSpPr>
+          <p:cNvPr id="2" name="Title 1">
+            <a:extLst>
+              <a:ext uri="{FF2B5EF4-FFF2-40B4-BE49-F238E27FC236}">
+                <a16:creationId xmlns:a16="http://schemas.microsoft.com/office/drawing/2014/main" id="{D900D08C-C553-43EE-84D1-0E74FA2FC9BA}"/>
+              </a:ext>
+            </a:extLst>
+          </p:cNvPr>
+          <p:cNvSpPr>
+            <a:spLocks noGrp="1"/>
+          </p:cNvSpPr>
+          <p:nvPr>
+            <p:ph type="title"/>
+          </p:nvPr>
+        </p:nvSpPr>
+        <p:spPr>
+          <a:xfrm>
+            <a:off x="271181" y="836712"/>
+            <a:ext cx="9363637" cy="1079772"/>
+          </a:xfrm>
+        </p:spPr>
+        <p:txBody>
+          <a:bodyPr/>
+          <a:lstStyle/>
+          <a:p>
+            <a:r>
+              <a:rPr lang="en-GB" dirty="0">
+                <a:solidFill>
+                  <a:srgbClr val="003A80"/>
+                </a:solidFill>
+              </a:rPr>
+              <a:t>[RQ 2] </a:t>
+            </a:r>
+            <a:br>
+              <a:rPr lang="en-GB" dirty="0">
+                <a:solidFill>
+                  <a:srgbClr val="003A80"/>
+                </a:solidFill>
+              </a:rPr>
+            </a:br>
+            <a:br>
+              <a:rPr lang="en-GB" dirty="0">
+                <a:solidFill>
+                  <a:srgbClr val="003A80"/>
+                </a:solidFill>
+              </a:rPr>
+            </a:br>
+            <a:r>
+              <a:rPr lang="en-GB" dirty="0">
+                <a:solidFill>
+                  <a:srgbClr val="003A80"/>
+                </a:solidFill>
+              </a:rPr>
+              <a:t>Does MSAT UI with ﬁve diﬀerent mechanisms helps in ﬁxing the bugs in a faster way in comparison to using multiple tools with native user interfaces?</a:t>
+            </a:r>
+            <a:br>
+              <a:rPr lang="en-GB" dirty="0">
+                <a:solidFill>
+                  <a:srgbClr val="003A80"/>
+                </a:solidFill>
+              </a:rPr>
+            </a:br>
+            <a:endParaRPr lang="en-GB" dirty="0">
+              <a:solidFill>
+                <a:srgbClr val="003A80"/>
+              </a:solidFill>
+            </a:endParaRPr>
+          </a:p>
+        </p:txBody>
+      </p:sp>
+      <p:sp>
+        <p:nvSpPr>
+          <p:cNvPr id="3" name="Footer Placeholder 2">
+            <a:extLst>
+              <a:ext uri="{FF2B5EF4-FFF2-40B4-BE49-F238E27FC236}">
+                <a16:creationId xmlns:a16="http://schemas.microsoft.com/office/drawing/2014/main" id="{29CCF344-4A75-4B15-B92F-90EB399CF56D}"/>
+              </a:ext>
+            </a:extLst>
+          </p:cNvPr>
+          <p:cNvSpPr>
+            <a:spLocks noGrp="1"/>
+          </p:cNvSpPr>
+          <p:nvPr>
+            <p:ph type="ftr" sz="quarter" idx="10"/>
+          </p:nvPr>
+        </p:nvSpPr>
+        <p:spPr/>
+        <p:txBody>
+          <a:bodyPr/>
+          <a:lstStyle/>
+          <a:p>
+            <a:r>
+              <a:rPr lang="de-DE"/>
+              <a:t>Software Engineering</a:t>
+            </a:r>
+            <a:endParaRPr lang="de-DE" dirty="0"/>
+          </a:p>
+        </p:txBody>
+      </p:sp>
+      <p:sp>
+        <p:nvSpPr>
+          <p:cNvPr id="4" name="Slide Number Placeholder 3">
+            <a:extLst>
+              <a:ext uri="{FF2B5EF4-FFF2-40B4-BE49-F238E27FC236}">
+                <a16:creationId xmlns:a16="http://schemas.microsoft.com/office/drawing/2014/main" id="{0B6F0876-29E2-400F-9A5E-7977729A15FA}"/>
+              </a:ext>
+            </a:extLst>
+          </p:cNvPr>
+          <p:cNvSpPr>
+            <a:spLocks noGrp="1"/>
+          </p:cNvSpPr>
+          <p:nvPr>
+            <p:ph type="sldNum" sz="quarter" idx="11"/>
+          </p:nvPr>
+        </p:nvSpPr>
+        <p:spPr/>
+        <p:txBody>
+          <a:bodyPr/>
+          <a:lstStyle/>
+          <a:p>
+            <a:fld id="{815DB69B-0A2B-4D0B-A3BD-360AAA24381D}" type="slidenum">
+              <a:rPr lang="de-DE" smtClean="0"/>
+              <a:pPr/>
+              <a:t>65</a:t>
+            </a:fld>
+            <a:endParaRPr lang="de-DE" dirty="0"/>
+          </a:p>
+        </p:txBody>
+      </p:sp>
+      <p:sp>
+        <p:nvSpPr>
+          <p:cNvPr id="6" name="TextBox 5">
+            <a:extLst>
+              <a:ext uri="{FF2B5EF4-FFF2-40B4-BE49-F238E27FC236}">
+                <a16:creationId xmlns:a16="http://schemas.microsoft.com/office/drawing/2014/main" id="{970BBC4C-A02F-4F76-BF32-AA9BFD78D93C}"/>
+              </a:ext>
+            </a:extLst>
+          </p:cNvPr>
+          <p:cNvSpPr txBox="1"/>
+          <p:nvPr/>
+        </p:nvSpPr>
+        <p:spPr>
+          <a:xfrm>
+            <a:off x="632520" y="3212976"/>
+            <a:ext cx="7262886" cy="1585049"/>
+          </a:xfrm>
+          <a:prstGeom prst="rect">
+            <a:avLst/>
+          </a:prstGeom>
+          <a:noFill/>
+        </p:spPr>
+        <p:txBody>
+          <a:bodyPr wrap="none" lIns="0" rIns="0" rtlCol="0">
+            <a:spAutoFit/>
+          </a:bodyPr>
+          <a:lstStyle/>
+          <a:p>
+            <a:pPr marL="360000" indent="-360000">
+              <a:spcAft>
+                <a:spcPts val="1000"/>
+              </a:spcAft>
+              <a:buClr>
+                <a:schemeClr val="tx2"/>
+              </a:buClr>
+              <a:buSzPct val="80000"/>
+              <a:buFont typeface="Wingdings" panose="05000000000000000000" pitchFamily="2" charset="2"/>
+              <a:buChar char="n"/>
+            </a:pPr>
+            <a:r>
+              <a:rPr lang="en-GB" dirty="0"/>
+              <a:t>Visualisations provided by these 5 feedback helps!</a:t>
+            </a:r>
+          </a:p>
+          <a:p>
+            <a:pPr marL="360000" indent="-360000">
+              <a:spcAft>
+                <a:spcPts val="1000"/>
+              </a:spcAft>
+              <a:buClr>
+                <a:schemeClr val="tx2"/>
+              </a:buClr>
+              <a:buSzPct val="80000"/>
+              <a:buFont typeface="Wingdings" panose="05000000000000000000" pitchFamily="2" charset="2"/>
+              <a:buChar char="n"/>
+            </a:pPr>
+            <a:endParaRPr lang="en-GB" dirty="0"/>
+          </a:p>
+          <a:p>
+            <a:pPr marL="360000" indent="-360000">
+              <a:spcAft>
+                <a:spcPts val="1000"/>
+              </a:spcAft>
+              <a:buClr>
+                <a:schemeClr val="tx2"/>
+              </a:buClr>
+              <a:buSzPct val="80000"/>
+              <a:buFont typeface="Wingdings" panose="05000000000000000000" pitchFamily="2" charset="2"/>
+              <a:buChar char="n"/>
+            </a:pPr>
+            <a:r>
+              <a:rPr lang="en-GB" dirty="0"/>
+              <a:t>Example: Progress Bar – helps in waiting than making system hang</a:t>
+            </a:r>
+          </a:p>
+          <a:p>
+            <a:pPr marL="360000" indent="-360000">
+              <a:spcAft>
+                <a:spcPts val="1000"/>
+              </a:spcAft>
+              <a:buClr>
+                <a:schemeClr val="tx2"/>
+              </a:buClr>
+              <a:buSzPct val="80000"/>
+              <a:buFont typeface="Wingdings" panose="05000000000000000000" pitchFamily="2" charset="2"/>
+              <a:buChar char="n"/>
+            </a:pPr>
+            <a:endParaRPr lang="en-GB" dirty="0"/>
+          </a:p>
+        </p:txBody>
+      </p:sp>
+      <p:sp>
+        <p:nvSpPr>
+          <p:cNvPr id="5" name="Rectangle 4">
+            <a:extLst>
+              <a:ext uri="{FF2B5EF4-FFF2-40B4-BE49-F238E27FC236}">
+                <a16:creationId xmlns:a16="http://schemas.microsoft.com/office/drawing/2014/main" id="{A98CEEC6-17B6-479B-A80F-A36C23657444}"/>
+              </a:ext>
+            </a:extLst>
+          </p:cNvPr>
+          <p:cNvSpPr/>
+          <p:nvPr/>
+        </p:nvSpPr>
+        <p:spPr>
+          <a:xfrm>
+            <a:off x="890670" y="5157192"/>
+            <a:ext cx="9363636" cy="646331"/>
+          </a:xfrm>
+          <a:prstGeom prst="rect">
+            <a:avLst/>
+          </a:prstGeom>
+        </p:spPr>
+        <p:txBody>
+          <a:bodyPr wrap="square">
+            <a:spAutoFit/>
+          </a:bodyPr>
+          <a:lstStyle/>
+          <a:p>
+            <a:r>
+              <a:rPr lang="en-GB" dirty="0">
+                <a:latin typeface="LMRoman10-Regular"/>
+              </a:rPr>
+              <a:t>Yes! with the help of direct visualisations provided by the proposed feedbacks.</a:t>
+            </a:r>
+          </a:p>
+          <a:p>
+            <a:r>
+              <a:rPr lang="en-GB" dirty="0">
+                <a:latin typeface="LMRoman10-Regular"/>
+              </a:rPr>
+              <a:t>Notably, ‘alert’ is helpful to try again to fix the bug immediately in case of bug fix fail.</a:t>
+            </a:r>
+            <a:endParaRPr lang="en-GB" dirty="0"/>
+          </a:p>
+        </p:txBody>
+      </p:sp>
+    </p:spTree>
+    <p:extLst>
+      <p:ext uri="{BB962C8B-B14F-4D97-AF65-F5344CB8AC3E}">
+        <p14:creationId xmlns:p14="http://schemas.microsoft.com/office/powerpoint/2010/main" val="284205104"/>
       </p:ext>
     </p:extLst>
   </p:cSld>
@@ -44313,7 +43898,7 @@
         </p:nvSpPr>
         <p:spPr>
           <a:xfrm>
-            <a:off x="271181" y="836712"/>
+            <a:off x="250734" y="404664"/>
             <a:ext cx="9363637" cy="1079772"/>
           </a:xfrm>
         </p:spPr>
@@ -44327,7 +43912,7 @@
                   <a:srgbClr val="003A80"/>
                 </a:solidFill>
               </a:rPr>
-              <a:t>[RQ 2] </a:t>
+              <a:t>[RQ 3] </a:t>
             </a:r>
             <a:br>
               <a:rPr lang="en-GB" dirty="0">
@@ -44336,33 +43921,14 @@
                 </a:solidFill>
               </a:rPr>
             </a:br>
-            <a:br>
+            <a:r>
               <a:rPr lang="en-GB" dirty="0">
                 <a:solidFill>
                   <a:srgbClr val="003A80"/>
                 </a:solidFill>
               </a:rPr>
-            </a:br>
-            <a:r>
-              <a:rPr lang="en-GB" dirty="0">
-                <a:solidFill>
-                  <a:srgbClr val="003A80"/>
-                </a:solidFill>
-              </a:rPr>
-              <a:t>Does MSAT UI with ﬁve diﬀerent mechanisms helps in ﬁxing the bugs in a faster way in comparison to using multiple tools with native user interfaces?</a:t>
-            </a:r>
-            <a:br>
-              <a:rPr lang="en-GB" dirty="0">
-                <a:solidFill>
-                  <a:srgbClr val="003A80"/>
-                </a:solidFill>
-              </a:rPr>
-            </a:br>
-            <a:endParaRPr lang="en-GB" dirty="0">
-              <a:solidFill>
-                <a:srgbClr val="003A80"/>
-              </a:solidFill>
-            </a:endParaRPr>
+              <a:t>Do users prefer having multiple windows to single window in tracing previous bug ﬁxes in a method? </a:t>
+            </a:r>
           </a:p>
         </p:txBody>
       </p:sp>
@@ -44420,283 +43986,6 @@
               <a:rPr lang="de-DE" smtClean="0"/>
               <a:pPr/>
               <a:t>66</a:t>
-            </a:fld>
-            <a:endParaRPr lang="de-DE" dirty="0"/>
-          </a:p>
-        </p:txBody>
-      </p:sp>
-      <p:sp>
-        <p:nvSpPr>
-          <p:cNvPr id="6" name="TextBox 5">
-            <a:extLst>
-              <a:ext uri="{FF2B5EF4-FFF2-40B4-BE49-F238E27FC236}">
-                <a16:creationId xmlns:a16="http://schemas.microsoft.com/office/drawing/2014/main" id="{970BBC4C-A02F-4F76-BF32-AA9BFD78D93C}"/>
-              </a:ext>
-            </a:extLst>
-          </p:cNvPr>
-          <p:cNvSpPr txBox="1"/>
-          <p:nvPr/>
-        </p:nvSpPr>
-        <p:spPr>
-          <a:xfrm>
-            <a:off x="632520" y="3212976"/>
-            <a:ext cx="7262886" cy="1585049"/>
-          </a:xfrm>
-          <a:prstGeom prst="rect">
-            <a:avLst/>
-          </a:prstGeom>
-          <a:noFill/>
-        </p:spPr>
-        <p:txBody>
-          <a:bodyPr wrap="none" lIns="0" rIns="0" rtlCol="0">
-            <a:spAutoFit/>
-          </a:bodyPr>
-          <a:lstStyle/>
-          <a:p>
-            <a:pPr marL="360000" indent="-360000">
-              <a:spcAft>
-                <a:spcPts val="1000"/>
-              </a:spcAft>
-              <a:buClr>
-                <a:schemeClr val="tx2"/>
-              </a:buClr>
-              <a:buSzPct val="80000"/>
-              <a:buFont typeface="Wingdings" panose="05000000000000000000" pitchFamily="2" charset="2"/>
-              <a:buChar char="n"/>
-            </a:pPr>
-            <a:r>
-              <a:rPr lang="en-GB" dirty="0"/>
-              <a:t>Visualisations provided by these 5 feedback helps!</a:t>
-            </a:r>
-          </a:p>
-          <a:p>
-            <a:pPr marL="360000" indent="-360000">
-              <a:spcAft>
-                <a:spcPts val="1000"/>
-              </a:spcAft>
-              <a:buClr>
-                <a:schemeClr val="tx2"/>
-              </a:buClr>
-              <a:buSzPct val="80000"/>
-              <a:buFont typeface="Wingdings" panose="05000000000000000000" pitchFamily="2" charset="2"/>
-              <a:buChar char="n"/>
-            </a:pPr>
-            <a:endParaRPr lang="en-GB" dirty="0"/>
-          </a:p>
-          <a:p>
-            <a:pPr marL="360000" indent="-360000">
-              <a:spcAft>
-                <a:spcPts val="1000"/>
-              </a:spcAft>
-              <a:buClr>
-                <a:schemeClr val="tx2"/>
-              </a:buClr>
-              <a:buSzPct val="80000"/>
-              <a:buFont typeface="Wingdings" panose="05000000000000000000" pitchFamily="2" charset="2"/>
-              <a:buChar char="n"/>
-            </a:pPr>
-            <a:r>
-              <a:rPr lang="en-GB" dirty="0"/>
-              <a:t>Example: Progress Bar – helps in waiting than making system hang</a:t>
-            </a:r>
-          </a:p>
-          <a:p>
-            <a:pPr marL="360000" indent="-360000">
-              <a:spcAft>
-                <a:spcPts val="1000"/>
-              </a:spcAft>
-              <a:buClr>
-                <a:schemeClr val="tx2"/>
-              </a:buClr>
-              <a:buSzPct val="80000"/>
-              <a:buFont typeface="Wingdings" panose="05000000000000000000" pitchFamily="2" charset="2"/>
-              <a:buChar char="n"/>
-            </a:pPr>
-            <a:endParaRPr lang="en-GB" dirty="0"/>
-          </a:p>
-        </p:txBody>
-      </p:sp>
-      <p:sp>
-        <p:nvSpPr>
-          <p:cNvPr id="5" name="Rectangle 4">
-            <a:extLst>
-              <a:ext uri="{FF2B5EF4-FFF2-40B4-BE49-F238E27FC236}">
-                <a16:creationId xmlns:a16="http://schemas.microsoft.com/office/drawing/2014/main" id="{A98CEEC6-17B6-479B-A80F-A36C23657444}"/>
-              </a:ext>
-            </a:extLst>
-          </p:cNvPr>
-          <p:cNvSpPr/>
-          <p:nvPr/>
-        </p:nvSpPr>
-        <p:spPr>
-          <a:xfrm>
-            <a:off x="890670" y="5157192"/>
-            <a:ext cx="9363636" cy="646331"/>
-          </a:xfrm>
-          <a:prstGeom prst="rect">
-            <a:avLst/>
-          </a:prstGeom>
-        </p:spPr>
-        <p:txBody>
-          <a:bodyPr wrap="square">
-            <a:spAutoFit/>
-          </a:bodyPr>
-          <a:lstStyle/>
-          <a:p>
-            <a:r>
-              <a:rPr lang="en-GB" dirty="0">
-                <a:latin typeface="LMRoman10-Regular"/>
-              </a:rPr>
-              <a:t>Yes! with the help of direct visualisations provided by the proposed feedbacks.</a:t>
-            </a:r>
-          </a:p>
-          <a:p>
-            <a:r>
-              <a:rPr lang="en-GB" dirty="0">
-                <a:latin typeface="LMRoman10-Regular"/>
-              </a:rPr>
-              <a:t>Notably, ‘alert’ is helpful to try again to fix the bug immediately in case of bug fix fail.</a:t>
-            </a:r>
-            <a:endParaRPr lang="en-GB" dirty="0"/>
-          </a:p>
-        </p:txBody>
-      </p:sp>
-    </p:spTree>
-    <p:extLst>
-      <p:ext uri="{BB962C8B-B14F-4D97-AF65-F5344CB8AC3E}">
-        <p14:creationId xmlns:p14="http://schemas.microsoft.com/office/powerpoint/2010/main" val="284205104"/>
-      </p:ext>
-    </p:extLst>
-  </p:cSld>
-  <p:clrMapOvr>
-    <a:masterClrMapping/>
-  </p:clrMapOvr>
-</p:sld>
-</file>
-
-<file path=ppt/slides/slide67.xml><?xml version="1.0" encoding="utf-8"?>
-<p:sld xmlns:a="http://schemas.openxmlformats.org/drawingml/2006/main" xmlns:r="http://schemas.openxmlformats.org/officeDocument/2006/relationships" xmlns:p="http://schemas.openxmlformats.org/presentationml/2006/main">
-  <p:cSld>
-    <p:spTree>
-      <p:nvGrpSpPr>
-        <p:cNvPr id="1" name=""/>
-        <p:cNvGrpSpPr/>
-        <p:nvPr/>
-      </p:nvGrpSpPr>
-      <p:grpSpPr>
-        <a:xfrm>
-          <a:off x="0" y="0"/>
-          <a:ext cx="0" cy="0"/>
-          <a:chOff x="0" y="0"/>
-          <a:chExt cx="0" cy="0"/>
-        </a:xfrm>
-      </p:grpSpPr>
-      <p:sp>
-        <p:nvSpPr>
-          <p:cNvPr id="2" name="Title 1">
-            <a:extLst>
-              <a:ext uri="{FF2B5EF4-FFF2-40B4-BE49-F238E27FC236}">
-                <a16:creationId xmlns:a16="http://schemas.microsoft.com/office/drawing/2014/main" id="{D900D08C-C553-43EE-84D1-0E74FA2FC9BA}"/>
-              </a:ext>
-            </a:extLst>
-          </p:cNvPr>
-          <p:cNvSpPr>
-            <a:spLocks noGrp="1"/>
-          </p:cNvSpPr>
-          <p:nvPr>
-            <p:ph type="title"/>
-          </p:nvPr>
-        </p:nvSpPr>
-        <p:spPr>
-          <a:xfrm>
-            <a:off x="250734" y="404664"/>
-            <a:ext cx="9363637" cy="1079772"/>
-          </a:xfrm>
-        </p:spPr>
-        <p:txBody>
-          <a:bodyPr/>
-          <a:lstStyle/>
-          <a:p>
-            <a:r>
-              <a:rPr lang="en-GB" dirty="0">
-                <a:solidFill>
-                  <a:srgbClr val="003A80"/>
-                </a:solidFill>
-              </a:rPr>
-              <a:t>[RQ 3] </a:t>
-            </a:r>
-            <a:br>
-              <a:rPr lang="en-GB" dirty="0">
-                <a:solidFill>
-                  <a:srgbClr val="003A80"/>
-                </a:solidFill>
-              </a:rPr>
-            </a:br>
-            <a:r>
-              <a:rPr lang="en-GB" dirty="0">
-                <a:solidFill>
-                  <a:srgbClr val="003A80"/>
-                </a:solidFill>
-              </a:rPr>
-              <a:t>Do users prefer having multiple windows to single window in tracing previous bug ﬁxes in a method? </a:t>
-            </a:r>
-          </a:p>
-        </p:txBody>
-      </p:sp>
-      <p:sp>
-        <p:nvSpPr>
-          <p:cNvPr id="3" name="Footer Placeholder 2">
-            <a:extLst>
-              <a:ext uri="{FF2B5EF4-FFF2-40B4-BE49-F238E27FC236}">
-                <a16:creationId xmlns:a16="http://schemas.microsoft.com/office/drawing/2014/main" id="{29CCF344-4A75-4B15-B92F-90EB399CF56D}"/>
-              </a:ext>
-            </a:extLst>
-          </p:cNvPr>
-          <p:cNvSpPr>
-            <a:spLocks noGrp="1"/>
-          </p:cNvSpPr>
-          <p:nvPr>
-            <p:ph type="ftr" sz="quarter" idx="10"/>
-          </p:nvPr>
-        </p:nvSpPr>
-        <p:spPr/>
-        <p:txBody>
-          <a:bodyPr/>
-          <a:lstStyle/>
-          <a:p>
-            <a:r>
-              <a:rPr lang="de-DE"/>
-              <a:t>Software Engineering</a:t>
-            </a:r>
-            <a:endParaRPr lang="de-DE" dirty="0"/>
-          </a:p>
-        </p:txBody>
-      </p:sp>
-      <p:sp>
-        <p:nvSpPr>
-          <p:cNvPr id="4" name="Slide Number Placeholder 3">
-            <a:extLst>
-              <a:ext uri="{FF2B5EF4-FFF2-40B4-BE49-F238E27FC236}">
-                <a16:creationId xmlns:a16="http://schemas.microsoft.com/office/drawing/2014/main" id="{0B6F0876-29E2-400F-9A5E-7977729A15FA}"/>
-              </a:ext>
-            </a:extLst>
-          </p:cNvPr>
-          <p:cNvSpPr>
-            <a:spLocks noGrp="1"/>
-          </p:cNvSpPr>
-          <p:nvPr>
-            <p:ph type="sldNum" sz="quarter" idx="11"/>
-          </p:nvPr>
-        </p:nvSpPr>
-        <p:spPr/>
-        <p:txBody>
-          <a:bodyPr/>
-          <a:lstStyle/>
-          <a:p>
-            <a:fld id="{815DB69B-0A2B-4D0B-A3BD-360AAA24381D}" type="slidenum">
-              <a:rPr lang="de-DE" smtClean="0"/>
-              <a:pPr/>
-              <a:t>67</a:t>
             </a:fld>
             <a:endParaRPr lang="de-DE" dirty="0"/>
           </a:p>
@@ -44788,6 +44077,222 @@
 </p:sld>
 </file>
 
+<file path=ppt/slides/slide67.xml><?xml version="1.0" encoding="utf-8"?>
+<p:sld xmlns:a="http://schemas.openxmlformats.org/drawingml/2006/main" xmlns:r="http://schemas.openxmlformats.org/officeDocument/2006/relationships" xmlns:p="http://schemas.openxmlformats.org/presentationml/2006/main">
+  <p:cSld>
+    <p:spTree>
+      <p:nvGrpSpPr>
+        <p:cNvPr id="1" name=""/>
+        <p:cNvGrpSpPr/>
+        <p:nvPr/>
+      </p:nvGrpSpPr>
+      <p:grpSpPr>
+        <a:xfrm>
+          <a:off x="0" y="0"/>
+          <a:ext cx="0" cy="0"/>
+          <a:chOff x="0" y="0"/>
+          <a:chExt cx="0" cy="0"/>
+        </a:xfrm>
+      </p:grpSpPr>
+      <p:sp>
+        <p:nvSpPr>
+          <p:cNvPr id="2" name="Title 1">
+            <a:extLst>
+              <a:ext uri="{FF2B5EF4-FFF2-40B4-BE49-F238E27FC236}">
+                <a16:creationId xmlns:a16="http://schemas.microsoft.com/office/drawing/2014/main" id="{D900D08C-C553-43EE-84D1-0E74FA2FC9BA}"/>
+              </a:ext>
+            </a:extLst>
+          </p:cNvPr>
+          <p:cNvSpPr>
+            <a:spLocks noGrp="1"/>
+          </p:cNvSpPr>
+          <p:nvPr>
+            <p:ph type="title"/>
+          </p:nvPr>
+        </p:nvSpPr>
+        <p:spPr>
+          <a:xfrm>
+            <a:off x="250734" y="404664"/>
+            <a:ext cx="9363637" cy="1079772"/>
+          </a:xfrm>
+        </p:spPr>
+        <p:txBody>
+          <a:bodyPr/>
+          <a:lstStyle/>
+          <a:p>
+            <a:r>
+              <a:rPr lang="en-GB" dirty="0">
+                <a:solidFill>
+                  <a:srgbClr val="003A80"/>
+                </a:solidFill>
+              </a:rPr>
+              <a:t>[RQ 3] </a:t>
+            </a:r>
+            <a:br>
+              <a:rPr lang="en-GB" dirty="0">
+                <a:solidFill>
+                  <a:srgbClr val="003A80"/>
+                </a:solidFill>
+              </a:rPr>
+            </a:br>
+            <a:r>
+              <a:rPr lang="en-GB" dirty="0">
+                <a:solidFill>
+                  <a:srgbClr val="003A80"/>
+                </a:solidFill>
+              </a:rPr>
+              <a:t>Do users be able to keep up in state of workﬂow as tools scale? </a:t>
+            </a:r>
+          </a:p>
+        </p:txBody>
+      </p:sp>
+      <p:sp>
+        <p:nvSpPr>
+          <p:cNvPr id="3" name="Footer Placeholder 2">
+            <a:extLst>
+              <a:ext uri="{FF2B5EF4-FFF2-40B4-BE49-F238E27FC236}">
+                <a16:creationId xmlns:a16="http://schemas.microsoft.com/office/drawing/2014/main" id="{29CCF344-4A75-4B15-B92F-90EB399CF56D}"/>
+              </a:ext>
+            </a:extLst>
+          </p:cNvPr>
+          <p:cNvSpPr>
+            <a:spLocks noGrp="1"/>
+          </p:cNvSpPr>
+          <p:nvPr>
+            <p:ph type="ftr" sz="quarter" idx="10"/>
+          </p:nvPr>
+        </p:nvSpPr>
+        <p:spPr/>
+        <p:txBody>
+          <a:bodyPr/>
+          <a:lstStyle/>
+          <a:p>
+            <a:r>
+              <a:rPr lang="de-DE"/>
+              <a:t>Software Engineering</a:t>
+            </a:r>
+            <a:endParaRPr lang="de-DE" dirty="0"/>
+          </a:p>
+        </p:txBody>
+      </p:sp>
+      <p:sp>
+        <p:nvSpPr>
+          <p:cNvPr id="4" name="Slide Number Placeholder 3">
+            <a:extLst>
+              <a:ext uri="{FF2B5EF4-FFF2-40B4-BE49-F238E27FC236}">
+                <a16:creationId xmlns:a16="http://schemas.microsoft.com/office/drawing/2014/main" id="{0B6F0876-29E2-400F-9A5E-7977729A15FA}"/>
+              </a:ext>
+            </a:extLst>
+          </p:cNvPr>
+          <p:cNvSpPr>
+            <a:spLocks noGrp="1"/>
+          </p:cNvSpPr>
+          <p:nvPr>
+            <p:ph type="sldNum" sz="quarter" idx="11"/>
+          </p:nvPr>
+        </p:nvSpPr>
+        <p:spPr/>
+        <p:txBody>
+          <a:bodyPr/>
+          <a:lstStyle/>
+          <a:p>
+            <a:fld id="{815DB69B-0A2B-4D0B-A3BD-360AAA24381D}" type="slidenum">
+              <a:rPr lang="de-DE" smtClean="0"/>
+              <a:pPr/>
+              <a:t>67</a:t>
+            </a:fld>
+            <a:endParaRPr lang="de-DE" dirty="0"/>
+          </a:p>
+        </p:txBody>
+      </p:sp>
+      <p:sp>
+        <p:nvSpPr>
+          <p:cNvPr id="5" name="TextBox 4">
+            <a:extLst>
+              <a:ext uri="{FF2B5EF4-FFF2-40B4-BE49-F238E27FC236}">
+                <a16:creationId xmlns:a16="http://schemas.microsoft.com/office/drawing/2014/main" id="{FA172556-29A1-4B1B-86E1-8A0F11FF20CE}"/>
+              </a:ext>
+            </a:extLst>
+          </p:cNvPr>
+          <p:cNvSpPr txBox="1"/>
+          <p:nvPr/>
+        </p:nvSpPr>
+        <p:spPr>
+          <a:xfrm>
+            <a:off x="560512" y="2871913"/>
+            <a:ext cx="8010976" cy="774571"/>
+          </a:xfrm>
+          <a:prstGeom prst="rect">
+            <a:avLst/>
+          </a:prstGeom>
+          <a:noFill/>
+        </p:spPr>
+        <p:txBody>
+          <a:bodyPr wrap="none" lIns="0" rIns="0" rtlCol="0">
+            <a:spAutoFit/>
+          </a:bodyPr>
+          <a:lstStyle/>
+          <a:p>
+            <a:pPr marL="360000" indent="-360000">
+              <a:spcAft>
+                <a:spcPts val="1000"/>
+              </a:spcAft>
+              <a:buClr>
+                <a:schemeClr val="tx2"/>
+              </a:buClr>
+              <a:buSzPct val="80000"/>
+              <a:buFont typeface="Wingdings" panose="05000000000000000000" pitchFamily="2" charset="2"/>
+              <a:buChar char="n"/>
+            </a:pPr>
+            <a:r>
+              <a:rPr lang="en-GB" dirty="0"/>
+              <a:t>Yes! proposed solution ideas promised to keep up the scalability.</a:t>
+            </a:r>
+          </a:p>
+          <a:p>
+            <a:pPr marL="360000" indent="-360000">
+              <a:spcAft>
+                <a:spcPts val="1000"/>
+              </a:spcAft>
+              <a:buClr>
+                <a:schemeClr val="tx2"/>
+              </a:buClr>
+              <a:buSzPct val="80000"/>
+              <a:buFont typeface="Wingdings" panose="05000000000000000000" pitchFamily="2" charset="2"/>
+              <a:buChar char="n"/>
+            </a:pPr>
+            <a:r>
+              <a:rPr lang="en-GB" dirty="0"/>
+              <a:t>However, users preferred ‘</a:t>
+            </a:r>
+            <a:r>
+              <a:rPr lang="en-GB" dirty="0">
+                <a:solidFill>
+                  <a:srgbClr val="00B050"/>
+                </a:solidFill>
+              </a:rPr>
+              <a:t>table view</a:t>
+            </a:r>
+            <a:r>
+              <a:rPr lang="en-GB" dirty="0"/>
+              <a:t>’ as easy with their consistency model.</a:t>
+            </a:r>
+          </a:p>
+        </p:txBody>
+      </p:sp>
+    </p:spTree>
+    <p:extLst>
+      <p:ext uri="{BB962C8B-B14F-4D97-AF65-F5344CB8AC3E}">
+        <p14:creationId xmlns:p14="http://schemas.microsoft.com/office/powerpoint/2010/main" val="425311662"/>
+      </p:ext>
+    </p:extLst>
+  </p:cSld>
+  <p:clrMapOvr>
+    <a:masterClrMapping/>
+  </p:clrMapOvr>
+</p:sld>
+</file>
+
 <file path=ppt/slides/slide68.xml><?xml version="1.0" encoding="utf-8"?>
 <p:sld xmlns:a="http://schemas.openxmlformats.org/drawingml/2006/main" xmlns:r="http://schemas.openxmlformats.org/officeDocument/2006/relationships" xmlns:p="http://schemas.openxmlformats.org/presentationml/2006/main">
   <p:cSld>
@@ -44852,7 +44357,7 @@
                   <a:srgbClr val="003A80"/>
                 </a:solidFill>
               </a:rPr>
-              <a:t>Do users be able to keep up in state of workﬂow as tools scale? </a:t>
+              <a:t>While tracing previous bug ﬁxes in a method, do users prefer a table view to a before/after windows? </a:t>
             </a:r>
           </a:p>
         </p:txBody>
@@ -44911,222 +44416,6 @@
               <a:rPr lang="de-DE" smtClean="0"/>
               <a:pPr/>
               <a:t>68</a:t>
-            </a:fld>
-            <a:endParaRPr lang="de-DE" dirty="0"/>
-          </a:p>
-        </p:txBody>
-      </p:sp>
-      <p:sp>
-        <p:nvSpPr>
-          <p:cNvPr id="5" name="TextBox 4">
-            <a:extLst>
-              <a:ext uri="{FF2B5EF4-FFF2-40B4-BE49-F238E27FC236}">
-                <a16:creationId xmlns:a16="http://schemas.microsoft.com/office/drawing/2014/main" id="{FA172556-29A1-4B1B-86E1-8A0F11FF20CE}"/>
-              </a:ext>
-            </a:extLst>
-          </p:cNvPr>
-          <p:cNvSpPr txBox="1"/>
-          <p:nvPr/>
-        </p:nvSpPr>
-        <p:spPr>
-          <a:xfrm>
-            <a:off x="560512" y="2871913"/>
-            <a:ext cx="8010976" cy="774571"/>
-          </a:xfrm>
-          <a:prstGeom prst="rect">
-            <a:avLst/>
-          </a:prstGeom>
-          <a:noFill/>
-        </p:spPr>
-        <p:txBody>
-          <a:bodyPr wrap="none" lIns="0" rIns="0" rtlCol="0">
-            <a:spAutoFit/>
-          </a:bodyPr>
-          <a:lstStyle/>
-          <a:p>
-            <a:pPr marL="360000" indent="-360000">
-              <a:spcAft>
-                <a:spcPts val="1000"/>
-              </a:spcAft>
-              <a:buClr>
-                <a:schemeClr val="tx2"/>
-              </a:buClr>
-              <a:buSzPct val="80000"/>
-              <a:buFont typeface="Wingdings" panose="05000000000000000000" pitchFamily="2" charset="2"/>
-              <a:buChar char="n"/>
-            </a:pPr>
-            <a:r>
-              <a:rPr lang="en-GB" dirty="0"/>
-              <a:t>Yes! proposed solution ideas promised to keep up the scalability.</a:t>
-            </a:r>
-          </a:p>
-          <a:p>
-            <a:pPr marL="360000" indent="-360000">
-              <a:spcAft>
-                <a:spcPts val="1000"/>
-              </a:spcAft>
-              <a:buClr>
-                <a:schemeClr val="tx2"/>
-              </a:buClr>
-              <a:buSzPct val="80000"/>
-              <a:buFont typeface="Wingdings" panose="05000000000000000000" pitchFamily="2" charset="2"/>
-              <a:buChar char="n"/>
-            </a:pPr>
-            <a:r>
-              <a:rPr lang="en-GB" dirty="0"/>
-              <a:t>However, users preferred ‘</a:t>
-            </a:r>
-            <a:r>
-              <a:rPr lang="en-GB" dirty="0">
-                <a:solidFill>
-                  <a:srgbClr val="00B050"/>
-                </a:solidFill>
-              </a:rPr>
-              <a:t>table view</a:t>
-            </a:r>
-            <a:r>
-              <a:rPr lang="en-GB" dirty="0"/>
-              <a:t>’ as easy with their consistency model.</a:t>
-            </a:r>
-          </a:p>
-        </p:txBody>
-      </p:sp>
-    </p:spTree>
-    <p:extLst>
-      <p:ext uri="{BB962C8B-B14F-4D97-AF65-F5344CB8AC3E}">
-        <p14:creationId xmlns:p14="http://schemas.microsoft.com/office/powerpoint/2010/main" val="425311662"/>
-      </p:ext>
-    </p:extLst>
-  </p:cSld>
-  <p:clrMapOvr>
-    <a:masterClrMapping/>
-  </p:clrMapOvr>
-</p:sld>
-</file>
-
-<file path=ppt/slides/slide69.xml><?xml version="1.0" encoding="utf-8"?>
-<p:sld xmlns:a="http://schemas.openxmlformats.org/drawingml/2006/main" xmlns:r="http://schemas.openxmlformats.org/officeDocument/2006/relationships" xmlns:p="http://schemas.openxmlformats.org/presentationml/2006/main">
-  <p:cSld>
-    <p:spTree>
-      <p:nvGrpSpPr>
-        <p:cNvPr id="1" name=""/>
-        <p:cNvGrpSpPr/>
-        <p:nvPr/>
-      </p:nvGrpSpPr>
-      <p:grpSpPr>
-        <a:xfrm>
-          <a:off x="0" y="0"/>
-          <a:ext cx="0" cy="0"/>
-          <a:chOff x="0" y="0"/>
-          <a:chExt cx="0" cy="0"/>
-        </a:xfrm>
-      </p:grpSpPr>
-      <p:sp>
-        <p:nvSpPr>
-          <p:cNvPr id="2" name="Title 1">
-            <a:extLst>
-              <a:ext uri="{FF2B5EF4-FFF2-40B4-BE49-F238E27FC236}">
-                <a16:creationId xmlns:a16="http://schemas.microsoft.com/office/drawing/2014/main" id="{D900D08C-C553-43EE-84D1-0E74FA2FC9BA}"/>
-              </a:ext>
-            </a:extLst>
-          </p:cNvPr>
-          <p:cNvSpPr>
-            <a:spLocks noGrp="1"/>
-          </p:cNvSpPr>
-          <p:nvPr>
-            <p:ph type="title"/>
-          </p:nvPr>
-        </p:nvSpPr>
-        <p:spPr>
-          <a:xfrm>
-            <a:off x="250734" y="404664"/>
-            <a:ext cx="9363637" cy="1079772"/>
-          </a:xfrm>
-        </p:spPr>
-        <p:txBody>
-          <a:bodyPr/>
-          <a:lstStyle/>
-          <a:p>
-            <a:r>
-              <a:rPr lang="en-GB" dirty="0">
-                <a:solidFill>
-                  <a:srgbClr val="003A80"/>
-                </a:solidFill>
-              </a:rPr>
-              <a:t>[RQ 3] </a:t>
-            </a:r>
-            <a:br>
-              <a:rPr lang="en-GB" dirty="0">
-                <a:solidFill>
-                  <a:srgbClr val="003A80"/>
-                </a:solidFill>
-              </a:rPr>
-            </a:br>
-            <a:r>
-              <a:rPr lang="en-GB" dirty="0">
-                <a:solidFill>
-                  <a:srgbClr val="003A80"/>
-                </a:solidFill>
-              </a:rPr>
-              <a:t>While tracing previous bug ﬁxes in a method, do users prefer a table view to a before/after windows? </a:t>
-            </a:r>
-          </a:p>
-        </p:txBody>
-      </p:sp>
-      <p:sp>
-        <p:nvSpPr>
-          <p:cNvPr id="3" name="Footer Placeholder 2">
-            <a:extLst>
-              <a:ext uri="{FF2B5EF4-FFF2-40B4-BE49-F238E27FC236}">
-                <a16:creationId xmlns:a16="http://schemas.microsoft.com/office/drawing/2014/main" id="{29CCF344-4A75-4B15-B92F-90EB399CF56D}"/>
-              </a:ext>
-            </a:extLst>
-          </p:cNvPr>
-          <p:cNvSpPr>
-            <a:spLocks noGrp="1"/>
-          </p:cNvSpPr>
-          <p:nvPr>
-            <p:ph type="ftr" sz="quarter" idx="10"/>
-          </p:nvPr>
-        </p:nvSpPr>
-        <p:spPr/>
-        <p:txBody>
-          <a:bodyPr/>
-          <a:lstStyle/>
-          <a:p>
-            <a:r>
-              <a:rPr lang="de-DE"/>
-              <a:t>Software Engineering</a:t>
-            </a:r>
-            <a:endParaRPr lang="de-DE" dirty="0"/>
-          </a:p>
-        </p:txBody>
-      </p:sp>
-      <p:sp>
-        <p:nvSpPr>
-          <p:cNvPr id="4" name="Slide Number Placeholder 3">
-            <a:extLst>
-              <a:ext uri="{FF2B5EF4-FFF2-40B4-BE49-F238E27FC236}">
-                <a16:creationId xmlns:a16="http://schemas.microsoft.com/office/drawing/2014/main" id="{0B6F0876-29E2-400F-9A5E-7977729A15FA}"/>
-              </a:ext>
-            </a:extLst>
-          </p:cNvPr>
-          <p:cNvSpPr>
-            <a:spLocks noGrp="1"/>
-          </p:cNvSpPr>
-          <p:nvPr>
-            <p:ph type="sldNum" sz="quarter" idx="11"/>
-          </p:nvPr>
-        </p:nvSpPr>
-        <p:spPr/>
-        <p:txBody>
-          <a:bodyPr/>
-          <a:lstStyle/>
-          <a:p>
-            <a:fld id="{815DB69B-0A2B-4D0B-A3BD-360AAA24381D}" type="slidenum">
-              <a:rPr lang="de-DE" smtClean="0"/>
-              <a:pPr/>
-              <a:t>69</a:t>
             </a:fld>
             <a:endParaRPr lang="de-DE" dirty="0"/>
           </a:p>
@@ -45217,6 +44506,259 @@
     <p:extLst>
       <p:ext uri="{BB962C8B-B14F-4D97-AF65-F5344CB8AC3E}">
         <p14:creationId xmlns:p14="http://schemas.microsoft.com/office/powerpoint/2010/main" val="433358539"/>
+      </p:ext>
+    </p:extLst>
+  </p:cSld>
+  <p:clrMapOvr>
+    <a:masterClrMapping/>
+  </p:clrMapOvr>
+</p:sld>
+</file>
+
+<file path=ppt/slides/slide69.xml><?xml version="1.0" encoding="utf-8"?>
+<p:sld xmlns:a="http://schemas.openxmlformats.org/drawingml/2006/main" xmlns:r="http://schemas.openxmlformats.org/officeDocument/2006/relationships" xmlns:p="http://schemas.openxmlformats.org/presentationml/2006/main">
+  <p:cSld>
+    <p:spTree>
+      <p:nvGrpSpPr>
+        <p:cNvPr id="1" name=""/>
+        <p:cNvGrpSpPr/>
+        <p:nvPr/>
+      </p:nvGrpSpPr>
+      <p:grpSpPr>
+        <a:xfrm>
+          <a:off x="0" y="0"/>
+          <a:ext cx="0" cy="0"/>
+          <a:chOff x="0" y="0"/>
+          <a:chExt cx="0" cy="0"/>
+        </a:xfrm>
+      </p:grpSpPr>
+      <p:sp>
+        <p:nvSpPr>
+          <p:cNvPr id="2" name="Title 1">
+            <a:extLst>
+              <a:ext uri="{FF2B5EF4-FFF2-40B4-BE49-F238E27FC236}">
+                <a16:creationId xmlns:a16="http://schemas.microsoft.com/office/drawing/2014/main" id="{D900D08C-C553-43EE-84D1-0E74FA2FC9BA}"/>
+              </a:ext>
+            </a:extLst>
+          </p:cNvPr>
+          <p:cNvSpPr>
+            <a:spLocks noGrp="1"/>
+          </p:cNvSpPr>
+          <p:nvPr>
+            <p:ph type="title"/>
+          </p:nvPr>
+        </p:nvSpPr>
+        <p:spPr>
+          <a:xfrm>
+            <a:off x="250734" y="404664"/>
+            <a:ext cx="9363637" cy="1079772"/>
+          </a:xfrm>
+        </p:spPr>
+        <p:txBody>
+          <a:bodyPr/>
+          <a:lstStyle/>
+          <a:p>
+            <a:br>
+              <a:rPr lang="en-GB" dirty="0">
+                <a:solidFill>
+                  <a:srgbClr val="003A80"/>
+                </a:solidFill>
+              </a:rPr>
+            </a:br>
+            <a:r>
+              <a:rPr lang="en-GB" dirty="0">
+                <a:solidFill>
+                  <a:srgbClr val="003A80"/>
+                </a:solidFill>
+              </a:rPr>
+              <a:t>Q. Do users prefer having tool names in general?</a:t>
+            </a:r>
+            <a:br>
+              <a:rPr lang="en-GB" dirty="0">
+                <a:solidFill>
+                  <a:srgbClr val="003A80"/>
+                </a:solidFill>
+              </a:rPr>
+            </a:br>
+            <a:endParaRPr lang="en-GB" dirty="0">
+              <a:solidFill>
+                <a:srgbClr val="003A80"/>
+              </a:solidFill>
+            </a:endParaRPr>
+          </a:p>
+        </p:txBody>
+      </p:sp>
+      <p:sp>
+        <p:nvSpPr>
+          <p:cNvPr id="3" name="Footer Placeholder 2">
+            <a:extLst>
+              <a:ext uri="{FF2B5EF4-FFF2-40B4-BE49-F238E27FC236}">
+                <a16:creationId xmlns:a16="http://schemas.microsoft.com/office/drawing/2014/main" id="{29CCF344-4A75-4B15-B92F-90EB399CF56D}"/>
+              </a:ext>
+            </a:extLst>
+          </p:cNvPr>
+          <p:cNvSpPr>
+            <a:spLocks noGrp="1"/>
+          </p:cNvSpPr>
+          <p:nvPr>
+            <p:ph type="ftr" sz="quarter" idx="10"/>
+          </p:nvPr>
+        </p:nvSpPr>
+        <p:spPr/>
+        <p:txBody>
+          <a:bodyPr/>
+          <a:lstStyle/>
+          <a:p>
+            <a:r>
+              <a:rPr lang="de-DE"/>
+              <a:t>Software Engineering</a:t>
+            </a:r>
+            <a:endParaRPr lang="de-DE" dirty="0"/>
+          </a:p>
+        </p:txBody>
+      </p:sp>
+      <p:sp>
+        <p:nvSpPr>
+          <p:cNvPr id="4" name="Slide Number Placeholder 3">
+            <a:extLst>
+              <a:ext uri="{FF2B5EF4-FFF2-40B4-BE49-F238E27FC236}">
+                <a16:creationId xmlns:a16="http://schemas.microsoft.com/office/drawing/2014/main" id="{0B6F0876-29E2-400F-9A5E-7977729A15FA}"/>
+              </a:ext>
+            </a:extLst>
+          </p:cNvPr>
+          <p:cNvSpPr>
+            <a:spLocks noGrp="1"/>
+          </p:cNvSpPr>
+          <p:nvPr>
+            <p:ph type="sldNum" sz="quarter" idx="11"/>
+          </p:nvPr>
+        </p:nvSpPr>
+        <p:spPr/>
+        <p:txBody>
+          <a:bodyPr/>
+          <a:lstStyle/>
+          <a:p>
+            <a:fld id="{815DB69B-0A2B-4D0B-A3BD-360AAA24381D}" type="slidenum">
+              <a:rPr lang="de-DE" smtClean="0"/>
+              <a:pPr/>
+              <a:t>69</a:t>
+            </a:fld>
+            <a:endParaRPr lang="de-DE" dirty="0"/>
+          </a:p>
+        </p:txBody>
+      </p:sp>
+      <p:sp>
+        <p:nvSpPr>
+          <p:cNvPr id="5" name="TextBox 4">
+            <a:extLst>
+              <a:ext uri="{FF2B5EF4-FFF2-40B4-BE49-F238E27FC236}">
+                <a16:creationId xmlns:a16="http://schemas.microsoft.com/office/drawing/2014/main" id="{CF22893C-556F-46B0-A166-9CC42FEA2069}"/>
+              </a:ext>
+            </a:extLst>
+          </p:cNvPr>
+          <p:cNvSpPr txBox="1"/>
+          <p:nvPr/>
+        </p:nvSpPr>
+        <p:spPr>
+          <a:xfrm>
+            <a:off x="591450" y="2433856"/>
+            <a:ext cx="4890441" cy="1990288"/>
+          </a:xfrm>
+          <a:prstGeom prst="rect">
+            <a:avLst/>
+          </a:prstGeom>
+          <a:noFill/>
+        </p:spPr>
+        <p:txBody>
+          <a:bodyPr wrap="none" lIns="0" rIns="0" rtlCol="0">
+            <a:spAutoFit/>
+          </a:bodyPr>
+          <a:lstStyle/>
+          <a:p>
+            <a:pPr marL="360000" indent="-360000">
+              <a:spcAft>
+                <a:spcPts val="1000"/>
+              </a:spcAft>
+              <a:buClr>
+                <a:schemeClr val="tx2"/>
+              </a:buClr>
+              <a:buSzPct val="80000"/>
+              <a:buFont typeface="Wingdings" panose="05000000000000000000" pitchFamily="2" charset="2"/>
+              <a:buChar char="n"/>
+            </a:pPr>
+            <a:r>
+              <a:rPr lang="en-GB" dirty="0"/>
+              <a:t>Yes!</a:t>
+            </a:r>
+          </a:p>
+          <a:p>
+            <a:pPr marL="360000" indent="-360000">
+              <a:spcAft>
+                <a:spcPts val="1000"/>
+              </a:spcAft>
+              <a:buClr>
+                <a:schemeClr val="tx2"/>
+              </a:buClr>
+              <a:buSzPct val="80000"/>
+              <a:buFont typeface="Wingdings" panose="05000000000000000000" pitchFamily="2" charset="2"/>
+              <a:buChar char="n"/>
+            </a:pPr>
+            <a:endParaRPr lang="en-GB" dirty="0"/>
+          </a:p>
+          <a:p>
+            <a:pPr marL="360000" indent="-360000">
+              <a:spcAft>
+                <a:spcPts val="1000"/>
+              </a:spcAft>
+              <a:buClr>
+                <a:schemeClr val="tx2"/>
+              </a:buClr>
+              <a:buSzPct val="80000"/>
+              <a:buFont typeface="Wingdings" panose="05000000000000000000" pitchFamily="2" charset="2"/>
+              <a:buChar char="n"/>
+            </a:pPr>
+            <a:endParaRPr lang="en-GB" dirty="0"/>
+          </a:p>
+          <a:p>
+            <a:pPr marL="360000" indent="-360000">
+              <a:spcAft>
+                <a:spcPts val="1000"/>
+              </a:spcAft>
+              <a:buClr>
+                <a:schemeClr val="tx2"/>
+              </a:buClr>
+              <a:buSzPct val="80000"/>
+              <a:buFont typeface="Wingdings" panose="05000000000000000000" pitchFamily="2" charset="2"/>
+              <a:buChar char="n"/>
+            </a:pPr>
+            <a:r>
+              <a:rPr lang="en-GB" dirty="0"/>
+              <a:t>Compare tool performance</a:t>
+            </a:r>
+          </a:p>
+          <a:p>
+            <a:pPr marL="360000" indent="-360000">
+              <a:spcAft>
+                <a:spcPts val="1000"/>
+              </a:spcAft>
+              <a:buClr>
+                <a:schemeClr val="tx2"/>
+              </a:buClr>
+              <a:buSzPct val="80000"/>
+              <a:buFont typeface="Wingdings" panose="05000000000000000000" pitchFamily="2" charset="2"/>
+              <a:buChar char="n"/>
+            </a:pPr>
+            <a:r>
+              <a:rPr lang="en-GB" dirty="0"/>
+              <a:t>Helps to have much information as possible</a:t>
+            </a:r>
+          </a:p>
+        </p:txBody>
+      </p:sp>
+    </p:spTree>
+    <p:extLst>
+      <p:ext uri="{BB962C8B-B14F-4D97-AF65-F5344CB8AC3E}">
+        <p14:creationId xmlns:p14="http://schemas.microsoft.com/office/powerpoint/2010/main" val="4140349292"/>
       </p:ext>
     </p:extLst>
   </p:cSld>
@@ -45426,259 +44968,6 @@
     <p:extLst>
       <p:ext uri="{BB962C8B-B14F-4D97-AF65-F5344CB8AC3E}">
         <p14:creationId xmlns:p14="http://schemas.microsoft.com/office/powerpoint/2010/main" val="2449660059"/>
-      </p:ext>
-    </p:extLst>
-  </p:cSld>
-  <p:clrMapOvr>
-    <a:masterClrMapping/>
-  </p:clrMapOvr>
-</p:sld>
-</file>
-
-<file path=ppt/slides/slide70.xml><?xml version="1.0" encoding="utf-8"?>
-<p:sld xmlns:a="http://schemas.openxmlformats.org/drawingml/2006/main" xmlns:r="http://schemas.openxmlformats.org/officeDocument/2006/relationships" xmlns:p="http://schemas.openxmlformats.org/presentationml/2006/main">
-  <p:cSld>
-    <p:spTree>
-      <p:nvGrpSpPr>
-        <p:cNvPr id="1" name=""/>
-        <p:cNvGrpSpPr/>
-        <p:nvPr/>
-      </p:nvGrpSpPr>
-      <p:grpSpPr>
-        <a:xfrm>
-          <a:off x="0" y="0"/>
-          <a:ext cx="0" cy="0"/>
-          <a:chOff x="0" y="0"/>
-          <a:chExt cx="0" cy="0"/>
-        </a:xfrm>
-      </p:grpSpPr>
-      <p:sp>
-        <p:nvSpPr>
-          <p:cNvPr id="2" name="Title 1">
-            <a:extLst>
-              <a:ext uri="{FF2B5EF4-FFF2-40B4-BE49-F238E27FC236}">
-                <a16:creationId xmlns:a16="http://schemas.microsoft.com/office/drawing/2014/main" id="{D900D08C-C553-43EE-84D1-0E74FA2FC9BA}"/>
-              </a:ext>
-            </a:extLst>
-          </p:cNvPr>
-          <p:cNvSpPr>
-            <a:spLocks noGrp="1"/>
-          </p:cNvSpPr>
-          <p:nvPr>
-            <p:ph type="title"/>
-          </p:nvPr>
-        </p:nvSpPr>
-        <p:spPr>
-          <a:xfrm>
-            <a:off x="250734" y="404664"/>
-            <a:ext cx="9363637" cy="1079772"/>
-          </a:xfrm>
-        </p:spPr>
-        <p:txBody>
-          <a:bodyPr/>
-          <a:lstStyle/>
-          <a:p>
-            <a:br>
-              <a:rPr lang="en-GB" dirty="0">
-                <a:solidFill>
-                  <a:srgbClr val="003A80"/>
-                </a:solidFill>
-              </a:rPr>
-            </a:br>
-            <a:r>
-              <a:rPr lang="en-GB" dirty="0">
-                <a:solidFill>
-                  <a:srgbClr val="003A80"/>
-                </a:solidFill>
-              </a:rPr>
-              <a:t>Q. Do users prefer having tool names in general?</a:t>
-            </a:r>
-            <a:br>
-              <a:rPr lang="en-GB" dirty="0">
-                <a:solidFill>
-                  <a:srgbClr val="003A80"/>
-                </a:solidFill>
-              </a:rPr>
-            </a:br>
-            <a:endParaRPr lang="en-GB" dirty="0">
-              <a:solidFill>
-                <a:srgbClr val="003A80"/>
-              </a:solidFill>
-            </a:endParaRPr>
-          </a:p>
-        </p:txBody>
-      </p:sp>
-      <p:sp>
-        <p:nvSpPr>
-          <p:cNvPr id="3" name="Footer Placeholder 2">
-            <a:extLst>
-              <a:ext uri="{FF2B5EF4-FFF2-40B4-BE49-F238E27FC236}">
-                <a16:creationId xmlns:a16="http://schemas.microsoft.com/office/drawing/2014/main" id="{29CCF344-4A75-4B15-B92F-90EB399CF56D}"/>
-              </a:ext>
-            </a:extLst>
-          </p:cNvPr>
-          <p:cNvSpPr>
-            <a:spLocks noGrp="1"/>
-          </p:cNvSpPr>
-          <p:nvPr>
-            <p:ph type="ftr" sz="quarter" idx="10"/>
-          </p:nvPr>
-        </p:nvSpPr>
-        <p:spPr/>
-        <p:txBody>
-          <a:bodyPr/>
-          <a:lstStyle/>
-          <a:p>
-            <a:r>
-              <a:rPr lang="de-DE"/>
-              <a:t>Software Engineering</a:t>
-            </a:r>
-            <a:endParaRPr lang="de-DE" dirty="0"/>
-          </a:p>
-        </p:txBody>
-      </p:sp>
-      <p:sp>
-        <p:nvSpPr>
-          <p:cNvPr id="4" name="Slide Number Placeholder 3">
-            <a:extLst>
-              <a:ext uri="{FF2B5EF4-FFF2-40B4-BE49-F238E27FC236}">
-                <a16:creationId xmlns:a16="http://schemas.microsoft.com/office/drawing/2014/main" id="{0B6F0876-29E2-400F-9A5E-7977729A15FA}"/>
-              </a:ext>
-            </a:extLst>
-          </p:cNvPr>
-          <p:cNvSpPr>
-            <a:spLocks noGrp="1"/>
-          </p:cNvSpPr>
-          <p:nvPr>
-            <p:ph type="sldNum" sz="quarter" idx="11"/>
-          </p:nvPr>
-        </p:nvSpPr>
-        <p:spPr/>
-        <p:txBody>
-          <a:bodyPr/>
-          <a:lstStyle/>
-          <a:p>
-            <a:fld id="{815DB69B-0A2B-4D0B-A3BD-360AAA24381D}" type="slidenum">
-              <a:rPr lang="de-DE" smtClean="0"/>
-              <a:pPr/>
-              <a:t>70</a:t>
-            </a:fld>
-            <a:endParaRPr lang="de-DE" dirty="0"/>
-          </a:p>
-        </p:txBody>
-      </p:sp>
-      <p:sp>
-        <p:nvSpPr>
-          <p:cNvPr id="5" name="TextBox 4">
-            <a:extLst>
-              <a:ext uri="{FF2B5EF4-FFF2-40B4-BE49-F238E27FC236}">
-                <a16:creationId xmlns:a16="http://schemas.microsoft.com/office/drawing/2014/main" id="{CF22893C-556F-46B0-A166-9CC42FEA2069}"/>
-              </a:ext>
-            </a:extLst>
-          </p:cNvPr>
-          <p:cNvSpPr txBox="1"/>
-          <p:nvPr/>
-        </p:nvSpPr>
-        <p:spPr>
-          <a:xfrm>
-            <a:off x="591450" y="2433856"/>
-            <a:ext cx="4890441" cy="1990288"/>
-          </a:xfrm>
-          <a:prstGeom prst="rect">
-            <a:avLst/>
-          </a:prstGeom>
-          <a:noFill/>
-        </p:spPr>
-        <p:txBody>
-          <a:bodyPr wrap="none" lIns="0" rIns="0" rtlCol="0">
-            <a:spAutoFit/>
-          </a:bodyPr>
-          <a:lstStyle/>
-          <a:p>
-            <a:pPr marL="360000" indent="-360000">
-              <a:spcAft>
-                <a:spcPts val="1000"/>
-              </a:spcAft>
-              <a:buClr>
-                <a:schemeClr val="tx2"/>
-              </a:buClr>
-              <a:buSzPct val="80000"/>
-              <a:buFont typeface="Wingdings" panose="05000000000000000000" pitchFamily="2" charset="2"/>
-              <a:buChar char="n"/>
-            </a:pPr>
-            <a:r>
-              <a:rPr lang="en-GB" dirty="0"/>
-              <a:t>Yes!</a:t>
-            </a:r>
-          </a:p>
-          <a:p>
-            <a:pPr marL="360000" indent="-360000">
-              <a:spcAft>
-                <a:spcPts val="1000"/>
-              </a:spcAft>
-              <a:buClr>
-                <a:schemeClr val="tx2"/>
-              </a:buClr>
-              <a:buSzPct val="80000"/>
-              <a:buFont typeface="Wingdings" panose="05000000000000000000" pitchFamily="2" charset="2"/>
-              <a:buChar char="n"/>
-            </a:pPr>
-            <a:endParaRPr lang="en-GB" dirty="0"/>
-          </a:p>
-          <a:p>
-            <a:pPr marL="360000" indent="-360000">
-              <a:spcAft>
-                <a:spcPts val="1000"/>
-              </a:spcAft>
-              <a:buClr>
-                <a:schemeClr val="tx2"/>
-              </a:buClr>
-              <a:buSzPct val="80000"/>
-              <a:buFont typeface="Wingdings" panose="05000000000000000000" pitchFamily="2" charset="2"/>
-              <a:buChar char="n"/>
-            </a:pPr>
-            <a:endParaRPr lang="en-GB" dirty="0"/>
-          </a:p>
-          <a:p>
-            <a:pPr marL="360000" indent="-360000">
-              <a:spcAft>
-                <a:spcPts val="1000"/>
-              </a:spcAft>
-              <a:buClr>
-                <a:schemeClr val="tx2"/>
-              </a:buClr>
-              <a:buSzPct val="80000"/>
-              <a:buFont typeface="Wingdings" panose="05000000000000000000" pitchFamily="2" charset="2"/>
-              <a:buChar char="n"/>
-            </a:pPr>
-            <a:r>
-              <a:rPr lang="en-GB" dirty="0"/>
-              <a:t>Compare tool performance</a:t>
-            </a:r>
-          </a:p>
-          <a:p>
-            <a:pPr marL="360000" indent="-360000">
-              <a:spcAft>
-                <a:spcPts val="1000"/>
-              </a:spcAft>
-              <a:buClr>
-                <a:schemeClr val="tx2"/>
-              </a:buClr>
-              <a:buSzPct val="80000"/>
-              <a:buFont typeface="Wingdings" panose="05000000000000000000" pitchFamily="2" charset="2"/>
-              <a:buChar char="n"/>
-            </a:pPr>
-            <a:r>
-              <a:rPr lang="en-GB" dirty="0"/>
-              <a:t>Helps to have much information as possible</a:t>
-            </a:r>
-          </a:p>
-        </p:txBody>
-      </p:sp>
-    </p:spTree>
-    <p:extLst>
-      <p:ext uri="{BB962C8B-B14F-4D97-AF65-F5344CB8AC3E}">
-        <p14:creationId xmlns:p14="http://schemas.microsoft.com/office/powerpoint/2010/main" val="4140349292"/>
       </p:ext>
     </p:extLst>
   </p:cSld>

--- a/docs/slides/Defence_presentation_MSAT-UI - Version 3.pptx
+++ b/docs/slides/Defence_presentation_MSAT-UI - Version 3.pptx
@@ -5,10 +5,10 @@
     <p:sldMasterId id="2147483661" r:id="rId1"/>
   </p:sldMasterIdLst>
   <p:notesMasterIdLst>
-    <p:notesMasterId r:id="rId75"/>
+    <p:notesMasterId r:id="rId76"/>
   </p:notesMasterIdLst>
   <p:handoutMasterIdLst>
-    <p:handoutMasterId r:id="rId76"/>
+    <p:handoutMasterId r:id="rId77"/>
   </p:handoutMasterIdLst>
   <p:sldIdLst>
     <p:sldId id="259" r:id="rId2"/>
@@ -43,47 +43,48 @@
     <p:sldId id="385" r:id="rId31"/>
     <p:sldId id="373" r:id="rId32"/>
     <p:sldId id="319" r:id="rId33"/>
-    <p:sldId id="367" r:id="rId34"/>
-    <p:sldId id="366" r:id="rId35"/>
-    <p:sldId id="368" r:id="rId36"/>
-    <p:sldId id="274" r:id="rId37"/>
-    <p:sldId id="273" r:id="rId38"/>
-    <p:sldId id="320" r:id="rId39"/>
-    <p:sldId id="369" r:id="rId40"/>
-    <p:sldId id="328" r:id="rId41"/>
-    <p:sldId id="330" r:id="rId42"/>
-    <p:sldId id="329" r:id="rId43"/>
-    <p:sldId id="332" r:id="rId44"/>
-    <p:sldId id="331" r:id="rId45"/>
-    <p:sldId id="333" r:id="rId46"/>
-    <p:sldId id="334" r:id="rId47"/>
-    <p:sldId id="335" r:id="rId48"/>
-    <p:sldId id="377" r:id="rId49"/>
-    <p:sldId id="371" r:id="rId50"/>
-    <p:sldId id="336" r:id="rId51"/>
-    <p:sldId id="338" r:id="rId52"/>
-    <p:sldId id="339" r:id="rId53"/>
-    <p:sldId id="340" r:id="rId54"/>
-    <p:sldId id="341" r:id="rId55"/>
-    <p:sldId id="342" r:id="rId56"/>
-    <p:sldId id="343" r:id="rId57"/>
-    <p:sldId id="344" r:id="rId58"/>
-    <p:sldId id="345" r:id="rId59"/>
-    <p:sldId id="370" r:id="rId60"/>
-    <p:sldId id="346" r:id="rId61"/>
-    <p:sldId id="348" r:id="rId62"/>
-    <p:sldId id="349" r:id="rId63"/>
-    <p:sldId id="350" r:id="rId64"/>
-    <p:sldId id="351" r:id="rId65"/>
-    <p:sldId id="352" r:id="rId66"/>
-    <p:sldId id="360" r:id="rId67"/>
-    <p:sldId id="353" r:id="rId68"/>
-    <p:sldId id="355" r:id="rId69"/>
-    <p:sldId id="354" r:id="rId70"/>
-    <p:sldId id="356" r:id="rId71"/>
-    <p:sldId id="357" r:id="rId72"/>
-    <p:sldId id="358" r:id="rId73"/>
-    <p:sldId id="359" r:id="rId74"/>
+    <p:sldId id="393" r:id="rId34"/>
+    <p:sldId id="367" r:id="rId35"/>
+    <p:sldId id="366" r:id="rId36"/>
+    <p:sldId id="368" r:id="rId37"/>
+    <p:sldId id="274" r:id="rId38"/>
+    <p:sldId id="273" r:id="rId39"/>
+    <p:sldId id="320" r:id="rId40"/>
+    <p:sldId id="369" r:id="rId41"/>
+    <p:sldId id="328" r:id="rId42"/>
+    <p:sldId id="330" r:id="rId43"/>
+    <p:sldId id="329" r:id="rId44"/>
+    <p:sldId id="332" r:id="rId45"/>
+    <p:sldId id="331" r:id="rId46"/>
+    <p:sldId id="333" r:id="rId47"/>
+    <p:sldId id="334" r:id="rId48"/>
+    <p:sldId id="335" r:id="rId49"/>
+    <p:sldId id="377" r:id="rId50"/>
+    <p:sldId id="371" r:id="rId51"/>
+    <p:sldId id="336" r:id="rId52"/>
+    <p:sldId id="338" r:id="rId53"/>
+    <p:sldId id="339" r:id="rId54"/>
+    <p:sldId id="340" r:id="rId55"/>
+    <p:sldId id="341" r:id="rId56"/>
+    <p:sldId id="342" r:id="rId57"/>
+    <p:sldId id="343" r:id="rId58"/>
+    <p:sldId id="344" r:id="rId59"/>
+    <p:sldId id="345" r:id="rId60"/>
+    <p:sldId id="370" r:id="rId61"/>
+    <p:sldId id="346" r:id="rId62"/>
+    <p:sldId id="348" r:id="rId63"/>
+    <p:sldId id="349" r:id="rId64"/>
+    <p:sldId id="350" r:id="rId65"/>
+    <p:sldId id="351" r:id="rId66"/>
+    <p:sldId id="352" r:id="rId67"/>
+    <p:sldId id="360" r:id="rId68"/>
+    <p:sldId id="353" r:id="rId69"/>
+    <p:sldId id="355" r:id="rId70"/>
+    <p:sldId id="354" r:id="rId71"/>
+    <p:sldId id="356" r:id="rId72"/>
+    <p:sldId id="357" r:id="rId73"/>
+    <p:sldId id="358" r:id="rId74"/>
+    <p:sldId id="359" r:id="rId75"/>
   </p:sldIdLst>
   <p:sldSz cx="9906000" cy="6858000" type="A4"/>
   <p:notesSz cx="6669088" cy="9926638"/>
@@ -29354,7 +29355,7 @@
         <p:spPr>
           <a:xfrm>
             <a:off x="2054327" y="5246717"/>
-            <a:ext cx="5796780" cy="774571"/>
+            <a:ext cx="5953874" cy="774571"/>
           </a:xfrm>
           <a:prstGeom prst="rect">
             <a:avLst/>
@@ -29380,7 +29381,7 @@
             </a:pPr>
             <a:r>
               <a:rPr lang="en-GB" dirty="0"/>
-              <a:t>Separate List – more effective when using more tools</a:t>
+              <a:t>Separate List – “more effective when using more tools”</a:t>
             </a:r>
           </a:p>
           <a:p>
@@ -32283,7 +32284,7 @@
         <p:spPr>
           <a:xfrm>
             <a:off x="2054327" y="5246717"/>
-            <a:ext cx="5783956" cy="774571"/>
+            <a:ext cx="5937844" cy="774571"/>
           </a:xfrm>
           <a:prstGeom prst="rect">
             <a:avLst/>
@@ -32309,7 +32310,7 @@
             </a:pPr>
             <a:r>
               <a:rPr lang="en-GB" dirty="0"/>
-              <a:t>Single List – effortless to perceive, more user friendly</a:t>
+              <a:t>Single List – “effortless to perceive, more user friendly”</a:t>
             </a:r>
           </a:p>
           <a:p>
@@ -35326,7 +35327,7 @@
         <p:spPr>
           <a:xfrm>
             <a:off x="751656" y="1567160"/>
-            <a:ext cx="8258671" cy="4698722"/>
+            <a:ext cx="8258671" cy="4293483"/>
           </a:xfrm>
           <a:prstGeom prst="rect">
             <a:avLst/>
@@ -35445,18 +35446,6 @@
               <a:buSzPct val="80000"/>
               <a:buFont typeface="Wingdings" panose="05000000000000000000" pitchFamily="2" charset="2"/>
               <a:buChar char="§"/>
-            </a:pPr>
-            <a:endParaRPr lang="en-GB" dirty="0"/>
-          </a:p>
-          <a:p>
-            <a:pPr>
-              <a:spcAft>
-                <a:spcPts val="1000"/>
-              </a:spcAft>
-              <a:buClr>
-                <a:schemeClr val="tx2"/>
-              </a:buClr>
-              <a:buSzPct val="80000"/>
             </a:pPr>
             <a:endParaRPr lang="en-GB" dirty="0"/>
           </a:p>
@@ -35507,14 +35496,14 @@
           <p:nvPr>
             <p:extLst>
               <p:ext uri="{D42A27DB-BD31-4B8C-83A1-F6EECF244321}">
-                <p14:modId xmlns:p14="http://schemas.microsoft.com/office/powerpoint/2010/main" val="2357749545"/>
+                <p14:modId xmlns:p14="http://schemas.microsoft.com/office/powerpoint/2010/main" val="627655006"/>
               </p:ext>
             </p:extLst>
           </p:nvPr>
         </p:nvGraphicFramePr>
         <p:xfrm>
-          <a:off x="632521" y="1988840"/>
-          <a:ext cx="8496942" cy="3302000"/>
+          <a:off x="632520" y="2564904"/>
+          <a:ext cx="8496942" cy="2225040"/>
         </p:xfrm>
         <a:graphic>
           <a:graphicData uri="http://schemas.openxmlformats.org/drawingml/2006/table">
@@ -35558,7 +35547,7 @@
                       </a:r>
                     </a:p>
                   </a:txBody>
-                  <a:tcPr/>
+                  <a:tcPr anchor="ctr"/>
                 </a:tc>
                 <a:tc>
                   <a:txBody>
@@ -35622,12 +35611,8 @@
                         <a:t>Animated Icons</a:t>
                       </a:r>
                     </a:p>
-                    <a:p>
-                      <a:pPr algn="ctr"/>
-                      <a:endParaRPr lang="en-GB" dirty="0"/>
-                    </a:p>
                   </a:txBody>
-                  <a:tcPr/>
+                  <a:tcPr anchor="ctr"/>
                 </a:tc>
                 <a:tc>
                   <a:txBody>
@@ -35691,12 +35676,8 @@
                         <a:t>Progress Bar</a:t>
                       </a:r>
                     </a:p>
-                    <a:p>
-                      <a:pPr algn="ctr"/>
-                      <a:endParaRPr lang="en-GB" dirty="0"/>
-                    </a:p>
                   </a:txBody>
-                  <a:tcPr/>
+                  <a:tcPr anchor="ctr"/>
                 </a:tc>
                 <a:tc>
                   <a:txBody>
@@ -35760,12 +35741,8 @@
                         <a:t>Pending Status Popup</a:t>
                       </a:r>
                     </a:p>
-                    <a:p>
-                      <a:pPr algn="ctr"/>
-                      <a:endParaRPr lang="en-GB" dirty="0"/>
-                    </a:p>
                   </a:txBody>
-                  <a:tcPr/>
+                  <a:tcPr anchor="ctr"/>
                 </a:tc>
                 <a:tc>
                   <a:txBody>
@@ -35829,12 +35806,8 @@
                         <a:t>Alerts</a:t>
                       </a:r>
                     </a:p>
-                    <a:p>
-                      <a:pPr algn="ctr"/>
-                      <a:endParaRPr lang="en-GB" dirty="0"/>
-                    </a:p>
                   </a:txBody>
-                  <a:tcPr/>
+                  <a:tcPr anchor="ctr"/>
                 </a:tc>
                 <a:tc>
                   <a:txBody>
@@ -35883,7 +35856,7 @@
                       </a:r>
                     </a:p>
                   </a:txBody>
-                  <a:tcPr/>
+                  <a:tcPr anchor="ctr"/>
                 </a:tc>
                 <a:tc>
                   <a:txBody>
@@ -36927,13 +36900,9 @@
             </a:r>
           </a:p>
           <a:p>
-            <a:endParaRPr lang="en-GB" dirty="0"/>
-          </a:p>
-          <a:p>
-            <a:r>
-              <a:rPr lang="en-GB" dirty="0"/>
-              <a:t>Closed Study</a:t>
-            </a:r>
+            <a:pPr marL="0" indent="0">
+              <a:buNone/>
+            </a:pPr>
             <a:br>
               <a:rPr lang="en-GB" dirty="0"/>
             </a:br>
@@ -36942,7 +36911,7 @@
           <a:p>
             <a:r>
               <a:rPr lang="en-GB" dirty="0"/>
-              <a:t>Order of evaluation – priming, recency bias:  Latin Square partition</a:t>
+              <a:t>Priming, Recency bias:  Latin Square partition</a:t>
             </a:r>
             <a:br>
               <a:rPr lang="en-GB" dirty="0"/>
@@ -36952,7 +36921,7 @@
           <a:p>
             <a:r>
               <a:rPr lang="en-GB" dirty="0"/>
-              <a:t>Design Tool: click jump, animation</a:t>
+              <a:t>Closed Study, Design Tool</a:t>
             </a:r>
             <a:endParaRPr lang="de-DE" dirty="0"/>
           </a:p>
@@ -37276,7 +37245,13 @@
       </p:grpSpPr>
       <p:sp>
         <p:nvSpPr>
-          <p:cNvPr id="2" name="Titel 1"/>
+          <p:cNvPr id="2" name="Title 1">
+            <a:extLst>
+              <a:ext uri="{FF2B5EF4-FFF2-40B4-BE49-F238E27FC236}">
+                <a16:creationId xmlns:a16="http://schemas.microsoft.com/office/drawing/2014/main" id="{2B15CFF3-F04D-4340-BFB7-4312E7D82F6C}"/>
+              </a:ext>
+            </a:extLst>
+          </p:cNvPr>
           <p:cNvSpPr>
             <a:spLocks noGrp="1"/>
           </p:cNvSpPr>
@@ -37295,14 +37270,50 @@
                   <a:schemeClr val="tx2"/>
                 </a:solidFill>
               </a:rPr>
-              <a:t>Future Work</a:t>
-            </a:r>
+              <a:t>Findings</a:t>
+            </a:r>
+            <a:endParaRPr lang="en-GB" dirty="0"/>
           </a:p>
         </p:txBody>
       </p:sp>
       <p:sp>
         <p:nvSpPr>
-          <p:cNvPr id="4" name="Foliennummernplatzhalter 3"/>
+          <p:cNvPr id="3" name="Footer Placeholder 2">
+            <a:extLst>
+              <a:ext uri="{FF2B5EF4-FFF2-40B4-BE49-F238E27FC236}">
+                <a16:creationId xmlns:a16="http://schemas.microsoft.com/office/drawing/2014/main" id="{DDBB6233-C88C-4BA4-B9C3-7D6AEB438557}"/>
+              </a:ext>
+            </a:extLst>
+          </p:cNvPr>
+          <p:cNvSpPr>
+            <a:spLocks noGrp="1"/>
+          </p:cNvSpPr>
+          <p:nvPr>
+            <p:ph type="ftr" sz="quarter" idx="10"/>
+          </p:nvPr>
+        </p:nvSpPr>
+        <p:spPr/>
+        <p:txBody>
+          <a:bodyPr/>
+          <a:lstStyle/>
+          <a:p>
+            <a:r>
+              <a:rPr lang="de-DE"/>
+              <a:t>Software Engineering</a:t>
+            </a:r>
+            <a:endParaRPr lang="de-DE" dirty="0"/>
+          </a:p>
+        </p:txBody>
+      </p:sp>
+      <p:sp>
+        <p:nvSpPr>
+          <p:cNvPr id="4" name="Slide Number Placeholder 3">
+            <a:extLst>
+              <a:ext uri="{FF2B5EF4-FFF2-40B4-BE49-F238E27FC236}">
+                <a16:creationId xmlns:a16="http://schemas.microsoft.com/office/drawing/2014/main" id="{2C32C926-D9A7-4872-8D5C-182B98590F50}"/>
+              </a:ext>
+            </a:extLst>
+          </p:cNvPr>
           <p:cNvSpPr>
             <a:spLocks noGrp="1"/>
           </p:cNvSpPr>
@@ -37324,218 +37335,393 @@
           </a:p>
         </p:txBody>
       </p:sp>
-      <p:sp>
-        <p:nvSpPr>
-          <p:cNvPr id="5" name="Textplatzhalter 4"/>
-          <p:cNvSpPr>
-            <a:spLocks noGrp="1"/>
-          </p:cNvSpPr>
+      <p:graphicFrame>
+        <p:nvGraphicFramePr>
+          <p:cNvPr id="5" name="Table 4">
+            <a:extLst>
+              <a:ext uri="{FF2B5EF4-FFF2-40B4-BE49-F238E27FC236}">
+                <a16:creationId xmlns:a16="http://schemas.microsoft.com/office/drawing/2014/main" id="{1D138DDB-D2AE-4751-9635-0BE60DDF6ECD}"/>
+              </a:ext>
+            </a:extLst>
+          </p:cNvPr>
+          <p:cNvGraphicFramePr>
+            <a:graphicFrameLocks noGrp="1"/>
+          </p:cNvGraphicFramePr>
           <p:nvPr>
-            <p:ph type="body" sz="quarter" idx="12"/>
+            <p:extLst>
+              <p:ext uri="{D42A27DB-BD31-4B8C-83A1-F6EECF244321}">
+                <p14:modId xmlns:p14="http://schemas.microsoft.com/office/powerpoint/2010/main" val="447083790"/>
+              </p:ext>
+            </p:extLst>
           </p:nvPr>
-        </p:nvSpPr>
-        <p:spPr>
-          <a:xfrm>
-            <a:off x="272284" y="1916832"/>
-            <a:ext cx="9361488" cy="5113337"/>
-          </a:xfrm>
-        </p:spPr>
-        <p:txBody>
-          <a:bodyPr/>
-          <a:lstStyle/>
-          <a:p>
-            <a:r>
-              <a:rPr lang="en-GB" dirty="0"/>
-              <a:t>Q. Would having </a:t>
-            </a:r>
-            <a:r>
-              <a:rPr lang="en-GB" dirty="0">
-                <a:solidFill>
-                  <a:srgbClr val="FF0000"/>
-                </a:solidFill>
-              </a:rPr>
-              <a:t>tabs</a:t>
-            </a:r>
-            <a:r>
-              <a:rPr lang="en-GB" dirty="0"/>
-              <a:t> help scale the tools visibility with bugs results?</a:t>
-            </a:r>
-            <a:br>
-              <a:rPr lang="en-GB" dirty="0"/>
-            </a:br>
-            <a:endParaRPr lang="en-GB" dirty="0"/>
-          </a:p>
-          <a:p>
-            <a:r>
-              <a:rPr lang="en-GB" dirty="0"/>
-              <a:t>Q. Do </a:t>
-            </a:r>
-            <a:r>
-              <a:rPr lang="en-GB" dirty="0">
-                <a:solidFill>
-                  <a:srgbClr val="FF0000"/>
-                </a:solidFill>
-              </a:rPr>
-              <a:t>graphs</a:t>
-            </a:r>
-            <a:r>
-              <a:rPr lang="en-GB" dirty="0"/>
-              <a:t> help in understanding the bugs reported?</a:t>
-            </a:r>
-          </a:p>
-          <a:p>
-            <a:endParaRPr lang="en-GB" dirty="0"/>
-          </a:p>
-          <a:p>
-            <a:pPr marL="0" indent="0">
-              <a:buNone/>
-            </a:pPr>
-            <a:endParaRPr lang="en-GB" dirty="0"/>
-          </a:p>
-          <a:p>
-            <a:r>
-              <a:rPr lang="en-GB" dirty="0"/>
-              <a:t>RQ 4: How is </a:t>
-            </a:r>
-            <a:r>
-              <a:rPr lang="en-GB" dirty="0">
-                <a:solidFill>
-                  <a:srgbClr val="FF0000"/>
-                </a:solidFill>
-              </a:rPr>
-              <a:t>teamwork</a:t>
-            </a:r>
-            <a:r>
-              <a:rPr lang="en-GB" dirty="0"/>
-              <a:t> facilitated in bug fixing in context of multiple tools?																								</a:t>
-            </a:r>
-          </a:p>
-          <a:p>
-            <a:pPr marL="0" indent="0">
-              <a:buNone/>
-            </a:pPr>
-            <a:r>
-              <a:rPr lang="en-GB" dirty="0"/>
-              <a:t>										</a:t>
-            </a:r>
-          </a:p>
-          <a:p>
-            <a:pPr marL="0" indent="0">
-              <a:lnSpc>
-                <a:spcPct val="150000"/>
-              </a:lnSpc>
-              <a:buNone/>
-            </a:pPr>
-            <a:r>
-              <a:rPr lang="en-GB" dirty="0"/>
-              <a:t>														</a:t>
-            </a:r>
-            <a:r>
-              <a:rPr lang="en-GB" dirty="0">
-                <a:solidFill>
-                  <a:srgbClr val="00B050"/>
-                </a:solidFill>
-              </a:rPr>
-              <a:t>	… many more!</a:t>
-            </a:r>
-          </a:p>
-          <a:p>
-            <a:pPr marL="0" indent="0">
-              <a:lnSpc>
-                <a:spcPct val="150000"/>
-              </a:lnSpc>
-              <a:buNone/>
-            </a:pPr>
-            <a:endParaRPr lang="en-GB" dirty="0"/>
-          </a:p>
-          <a:p>
-            <a:pPr marL="0" indent="0" algn="r">
-              <a:lnSpc>
-                <a:spcPct val="150000"/>
-              </a:lnSpc>
-              <a:buNone/>
-            </a:pPr>
-            <a:endParaRPr lang="en-GB" dirty="0"/>
-          </a:p>
-          <a:p>
-            <a:pPr marL="0" indent="0" algn="r">
-              <a:lnSpc>
-                <a:spcPct val="150000"/>
-              </a:lnSpc>
-              <a:buNone/>
-            </a:pPr>
-            <a:endParaRPr lang="en-GB" dirty="0"/>
-          </a:p>
-          <a:p>
-            <a:pPr marL="0" indent="0" algn="r">
-              <a:lnSpc>
-                <a:spcPct val="150000"/>
-              </a:lnSpc>
-              <a:buNone/>
-            </a:pPr>
-            <a:endParaRPr lang="en-GB" dirty="0"/>
-          </a:p>
-          <a:p>
-            <a:pPr marL="0" indent="0" algn="r">
-              <a:lnSpc>
-                <a:spcPct val="150000"/>
-              </a:lnSpc>
-              <a:buNone/>
-            </a:pPr>
-            <a:r>
-              <a:rPr lang="en-GB" dirty="0"/>
-              <a:t> </a:t>
-            </a:r>
-          </a:p>
-          <a:p>
-            <a:pPr>
-              <a:lnSpc>
-                <a:spcPct val="150000"/>
-              </a:lnSpc>
-            </a:pPr>
-            <a:endParaRPr lang="en-GB" dirty="0"/>
-          </a:p>
-          <a:p>
-            <a:pPr marL="0" indent="0">
-              <a:lnSpc>
-                <a:spcPct val="150000"/>
-              </a:lnSpc>
-              <a:buNone/>
-            </a:pPr>
-            <a:endParaRPr lang="en-GB" dirty="0"/>
-          </a:p>
-          <a:p>
-            <a:endParaRPr lang="de-DE" dirty="0"/>
-          </a:p>
-        </p:txBody>
-      </p:sp>
-      <p:sp>
-        <p:nvSpPr>
-          <p:cNvPr id="3" name="Fußzeilenplatzhalter 2"/>
-          <p:cNvSpPr>
-            <a:spLocks noGrp="1"/>
-          </p:cNvSpPr>
-          <p:nvPr>
-            <p:ph type="ftr" sz="quarter" idx="10"/>
-          </p:nvPr>
-        </p:nvSpPr>
-        <p:spPr/>
-        <p:txBody>
-          <a:bodyPr/>
-          <a:lstStyle/>
-          <a:p>
-            <a:r>
-              <a:rPr lang="de-DE"/>
-              <a:t>Software Engineering</a:t>
-            </a:r>
-            <a:endParaRPr lang="de-DE" dirty="0"/>
-          </a:p>
-        </p:txBody>
-      </p:sp>
+        </p:nvGraphicFramePr>
+        <p:xfrm>
+          <a:off x="559701" y="1556792"/>
+          <a:ext cx="8712969" cy="4248471"/>
+        </p:xfrm>
+        <a:graphic>
+          <a:graphicData uri="http://schemas.openxmlformats.org/drawingml/2006/table">
+            <a:tbl>
+              <a:tblPr firstRow="1" bandRow="1">
+                <a:tableStyleId>{5940675A-B579-460E-94D1-54222C63F5DA}</a:tableStyleId>
+              </a:tblPr>
+              <a:tblGrid>
+                <a:gridCol w="2904323">
+                  <a:extLst>
+                    <a:ext uri="{9D8B030D-6E8A-4147-A177-3AD203B41FA5}">
+                      <a16:colId xmlns:a16="http://schemas.microsoft.com/office/drawing/2014/main" val="2406918312"/>
+                    </a:ext>
+                  </a:extLst>
+                </a:gridCol>
+                <a:gridCol w="2904323">
+                  <a:extLst>
+                    <a:ext uri="{9D8B030D-6E8A-4147-A177-3AD203B41FA5}">
+                      <a16:colId xmlns:a16="http://schemas.microsoft.com/office/drawing/2014/main" val="3849632893"/>
+                    </a:ext>
+                  </a:extLst>
+                </a:gridCol>
+                <a:gridCol w="2904323">
+                  <a:extLst>
+                    <a:ext uri="{9D8B030D-6E8A-4147-A177-3AD203B41FA5}">
+                      <a16:colId xmlns:a16="http://schemas.microsoft.com/office/drawing/2014/main" val="2193450931"/>
+                    </a:ext>
+                  </a:extLst>
+                </a:gridCol>
+              </a:tblGrid>
+              <a:tr h="554809">
+                <a:tc>
+                  <a:txBody>
+                    <a:bodyPr/>
+                    <a:lstStyle/>
+                    <a:p>
+                      <a:endParaRPr lang="en-GB" dirty="0"/>
+                    </a:p>
+                  </a:txBody>
+                  <a:tcPr anchor="ctr"/>
+                </a:tc>
+                <a:tc>
+                  <a:txBody>
+                    <a:bodyPr/>
+                    <a:lstStyle/>
+                    <a:p>
+                      <a:pPr algn="ctr"/>
+                      <a:r>
+                        <a:rPr lang="en-GB" b="1" dirty="0"/>
+                        <a:t>Analysis View</a:t>
+                      </a:r>
+                    </a:p>
+                  </a:txBody>
+                  <a:tcPr anchor="ctr"/>
+                </a:tc>
+                <a:tc>
+                  <a:txBody>
+                    <a:bodyPr/>
+                    <a:lstStyle/>
+                    <a:p>
+                      <a:pPr algn="ctr"/>
+                      <a:r>
+                        <a:rPr lang="en-GB" b="1" dirty="0"/>
+                        <a:t>Code View</a:t>
+                      </a:r>
+                    </a:p>
+                  </a:txBody>
+                  <a:tcPr anchor="ctr"/>
+                </a:tc>
+                <a:extLst>
+                  <a:ext uri="{0D108BD9-81ED-4DB2-BD59-A6C34878D82A}">
+                    <a16:rowId xmlns:a16="http://schemas.microsoft.com/office/drawing/2014/main" val="4001962314"/>
+                  </a:ext>
+                </a:extLst>
+              </a:tr>
+              <a:tr h="1368023">
+                <a:tc>
+                  <a:txBody>
+                    <a:bodyPr/>
+                    <a:lstStyle/>
+                    <a:p>
+                      <a:pPr algn="ctr"/>
+                      <a:endParaRPr lang="en-GB" dirty="0"/>
+                    </a:p>
+                    <a:p>
+                      <a:pPr algn="ctr"/>
+                      <a:r>
+                        <a:rPr lang="en-GB" b="1" dirty="0"/>
+                        <a:t>RQ 1 ( display )</a:t>
+                      </a:r>
+                    </a:p>
+                  </a:txBody>
+                  <a:tcPr anchor="ctr"/>
+                </a:tc>
+                <a:tc>
+                  <a:txBody>
+                    <a:bodyPr/>
+                    <a:lstStyle/>
+                    <a:p>
+                      <a:pPr marL="285750" indent="-285750">
+                        <a:buFont typeface="Arial" panose="020B0604020202020204" pitchFamily="34" charset="0"/>
+                        <a:buChar char="•"/>
+                      </a:pPr>
+                      <a:r>
+                        <a:rPr lang="en-GB" dirty="0"/>
+                        <a:t>Single list</a:t>
+                      </a:r>
+                    </a:p>
+                  </a:txBody>
+                  <a:tcPr anchor="ctr"/>
+                </a:tc>
+                <a:tc>
+                  <a:txBody>
+                    <a:bodyPr/>
+                    <a:lstStyle/>
+                    <a:p>
+                      <a:pPr marL="285750" marR="0" lvl="0" indent="-285750" algn="l" defTabSz="914296" rtl="0" eaLnBrk="1" fontAlgn="auto" latinLnBrk="0" hangingPunct="1">
+                        <a:lnSpc>
+                          <a:spcPct val="100000"/>
+                        </a:lnSpc>
+                        <a:spcBef>
+                          <a:spcPts val="0"/>
+                        </a:spcBef>
+                        <a:spcAft>
+                          <a:spcPts val="0"/>
+                        </a:spcAft>
+                        <a:buClrTx/>
+                        <a:buSzTx/>
+                        <a:buFont typeface="Arial" panose="020B0604020202020204" pitchFamily="34" charset="0"/>
+                        <a:buChar char="•"/>
+                        <a:tabLst/>
+                        <a:defRPr/>
+                      </a:pPr>
+                      <a:r>
+                        <a:rPr lang="en-GB" dirty="0"/>
+                        <a:t>List view</a:t>
+                      </a:r>
+                    </a:p>
+                    <a:p>
+                      <a:pPr marL="285750" indent="-285750">
+                        <a:buFont typeface="Arial" panose="020B0604020202020204" pitchFamily="34" charset="0"/>
+                        <a:buChar char="•"/>
+                      </a:pPr>
+                      <a:r>
+                        <a:rPr lang="en-GB" dirty="0"/>
+                        <a:t>Single icon</a:t>
+                      </a:r>
+                    </a:p>
+                    <a:p>
+                      <a:pPr marL="285750" marR="0" lvl="0" indent="-285750" algn="l" defTabSz="914296" rtl="0" eaLnBrk="1" fontAlgn="auto" latinLnBrk="0" hangingPunct="1">
+                        <a:lnSpc>
+                          <a:spcPct val="100000"/>
+                        </a:lnSpc>
+                        <a:spcBef>
+                          <a:spcPts val="0"/>
+                        </a:spcBef>
+                        <a:spcAft>
+                          <a:spcPts val="0"/>
+                        </a:spcAft>
+                        <a:buClrTx/>
+                        <a:buSzTx/>
+                        <a:buFont typeface="Arial" panose="020B0604020202020204" pitchFamily="34" charset="0"/>
+                        <a:buChar char="•"/>
+                        <a:tabLst/>
+                        <a:defRPr/>
+                      </a:pPr>
+                      <a:r>
+                        <a:rPr lang="en-GB" dirty="0"/>
+                        <a:t>Table view</a:t>
+                      </a:r>
+                    </a:p>
+                    <a:p>
+                      <a:pPr marL="285750" indent="-285750">
+                        <a:buFont typeface="Arial" panose="020B0604020202020204" pitchFamily="34" charset="0"/>
+                        <a:buChar char="•"/>
+                      </a:pPr>
+                      <a:r>
+                        <a:rPr lang="en-GB" dirty="0"/>
+                        <a:t>Similar list</a:t>
+                      </a:r>
+                    </a:p>
+                  </a:txBody>
+                  <a:tcPr anchor="ctr"/>
+                </a:tc>
+                <a:extLst>
+                  <a:ext uri="{0D108BD9-81ED-4DB2-BD59-A6C34878D82A}">
+                    <a16:rowId xmlns:a16="http://schemas.microsoft.com/office/drawing/2014/main" val="3132111287"/>
+                  </a:ext>
+                </a:extLst>
+              </a:tr>
+              <a:tr h="1368023">
+                <a:tc>
+                  <a:txBody>
+                    <a:bodyPr/>
+                    <a:lstStyle/>
+                    <a:p>
+                      <a:pPr algn="ctr"/>
+                      <a:endParaRPr lang="en-GB" dirty="0"/>
+                    </a:p>
+                    <a:p>
+                      <a:pPr algn="ctr"/>
+                      <a:r>
+                        <a:rPr lang="en-GB" b="1" dirty="0"/>
+                        <a:t>RQ 2 ( feedback )</a:t>
+                      </a:r>
+                    </a:p>
+                  </a:txBody>
+                  <a:tcPr anchor="ctr"/>
+                </a:tc>
+                <a:tc>
+                  <a:txBody>
+                    <a:bodyPr/>
+                    <a:lstStyle/>
+                    <a:p>
+                      <a:pPr marL="285750" indent="-285750">
+                        <a:buFont typeface="Arial" panose="020B0604020202020204" pitchFamily="34" charset="0"/>
+                        <a:buChar char="•"/>
+                      </a:pPr>
+                      <a:endParaRPr lang="en-GB" dirty="0"/>
+                    </a:p>
+                    <a:p>
+                      <a:pPr marL="285750" indent="-285750">
+                        <a:buFont typeface="Arial" panose="020B0604020202020204" pitchFamily="34" charset="0"/>
+                        <a:buChar char="•"/>
+                      </a:pPr>
+                      <a:r>
+                        <a:rPr lang="en-GB" dirty="0"/>
+                        <a:t>Animated Icons</a:t>
+                      </a:r>
+                    </a:p>
+                    <a:p>
+                      <a:pPr marL="285750" indent="-285750">
+                        <a:buFont typeface="Arial" panose="020B0604020202020204" pitchFamily="34" charset="0"/>
+                        <a:buChar char="•"/>
+                      </a:pPr>
+                      <a:r>
+                        <a:rPr lang="en-GB" dirty="0"/>
+                        <a:t>Progress Bar</a:t>
+                      </a:r>
+                    </a:p>
+                    <a:p>
+                      <a:pPr marL="285750" indent="-285750">
+                        <a:buFont typeface="Arial" panose="020B0604020202020204" pitchFamily="34" charset="0"/>
+                        <a:buChar char="•"/>
+                      </a:pPr>
+                      <a:r>
+                        <a:rPr lang="en-GB" dirty="0"/>
+                        <a:t>Popup</a:t>
+                      </a:r>
+                    </a:p>
+                  </a:txBody>
+                  <a:tcPr anchor="ctr"/>
+                </a:tc>
+                <a:tc>
+                  <a:txBody>
+                    <a:bodyPr/>
+                    <a:lstStyle/>
+                    <a:p>
+                      <a:pPr marL="285750" indent="-285750">
+                        <a:buFont typeface="Arial" panose="020B0604020202020204" pitchFamily="34" charset="0"/>
+                        <a:buChar char="•"/>
+                      </a:pPr>
+                      <a:endParaRPr lang="en-GB" dirty="0"/>
+                    </a:p>
+                    <a:p>
+                      <a:pPr marL="285750" indent="-285750">
+                        <a:buFont typeface="Arial" panose="020B0604020202020204" pitchFamily="34" charset="0"/>
+                        <a:buChar char="•"/>
+                      </a:pPr>
+                      <a:r>
+                        <a:rPr lang="en-GB" dirty="0"/>
+                        <a:t>Toasts ( alerts )</a:t>
+                      </a:r>
+                    </a:p>
+                  </a:txBody>
+                  <a:tcPr anchor="ctr"/>
+                </a:tc>
+                <a:extLst>
+                  <a:ext uri="{0D108BD9-81ED-4DB2-BD59-A6C34878D82A}">
+                    <a16:rowId xmlns:a16="http://schemas.microsoft.com/office/drawing/2014/main" val="3107927025"/>
+                  </a:ext>
+                </a:extLst>
+              </a:tr>
+              <a:tr h="957616">
+                <a:tc>
+                  <a:txBody>
+                    <a:bodyPr/>
+                    <a:lstStyle/>
+                    <a:p>
+                      <a:pPr algn="ctr"/>
+                      <a:endParaRPr lang="en-GB" dirty="0"/>
+                    </a:p>
+                    <a:p>
+                      <a:pPr algn="ctr"/>
+                      <a:r>
+                        <a:rPr lang="en-GB" b="1" dirty="0"/>
+                        <a:t>RQ 3 ( trace )</a:t>
+                      </a:r>
+                    </a:p>
+                  </a:txBody>
+                  <a:tcPr anchor="ctr"/>
+                </a:tc>
+                <a:tc>
+                  <a:txBody>
+                    <a:bodyPr/>
+                    <a:lstStyle/>
+                    <a:p>
+                      <a:pPr marL="285750" indent="-285750">
+                        <a:buFont typeface="Arial" panose="020B0604020202020204" pitchFamily="34" charset="0"/>
+                        <a:buChar char="•"/>
+                      </a:pPr>
+                      <a:r>
+                        <a:rPr lang="en-GB" dirty="0"/>
+                        <a:t>Adjectives</a:t>
+                      </a:r>
+                    </a:p>
+                  </a:txBody>
+                  <a:tcPr anchor="ctr"/>
+                </a:tc>
+                <a:tc>
+                  <a:txBody>
+                    <a:bodyPr/>
+                    <a:lstStyle/>
+                    <a:p>
+                      <a:pPr marL="285750" indent="-285750">
+                        <a:buFont typeface="Arial" panose="020B0604020202020204" pitchFamily="34" charset="0"/>
+                        <a:buChar char="•"/>
+                      </a:pPr>
+                      <a:endParaRPr lang="en-GB" dirty="0"/>
+                    </a:p>
+                    <a:p>
+                      <a:pPr marL="285750" indent="-285750">
+                        <a:buFont typeface="Arial" panose="020B0604020202020204" pitchFamily="34" charset="0"/>
+                        <a:buChar char="•"/>
+                      </a:pPr>
+                      <a:r>
+                        <a:rPr lang="en-GB" dirty="0"/>
+                        <a:t>Table view</a:t>
+                      </a:r>
+                    </a:p>
+                    <a:p>
+                      <a:pPr marL="0" indent="0">
+                        <a:buFont typeface="Arial" panose="020B0604020202020204" pitchFamily="34" charset="0"/>
+                        <a:buNone/>
+                      </a:pPr>
+                      <a:endParaRPr lang="en-GB" dirty="0"/>
+                    </a:p>
+                  </a:txBody>
+                  <a:tcPr anchor="ctr"/>
+                </a:tc>
+                <a:extLst>
+                  <a:ext uri="{0D108BD9-81ED-4DB2-BD59-A6C34878D82A}">
+                    <a16:rowId xmlns:a16="http://schemas.microsoft.com/office/drawing/2014/main" val="2337037445"/>
+                  </a:ext>
+                </a:extLst>
+              </a:tr>
+            </a:tbl>
+          </a:graphicData>
+        </a:graphic>
+      </p:graphicFrame>
     </p:spTree>
     <p:extLst>
       <p:ext uri="{BB962C8B-B14F-4D97-AF65-F5344CB8AC3E}">
-        <p14:creationId xmlns:p14="http://schemas.microsoft.com/office/powerpoint/2010/main" val="633130857"/>
+        <p14:creationId xmlns:p14="http://schemas.microsoft.com/office/powerpoint/2010/main" val="2899401352"/>
       </p:ext>
     </p:extLst>
   </p:cSld>
@@ -37583,7 +37769,7 @@
                   <a:schemeClr val="tx2"/>
                 </a:solidFill>
               </a:rPr>
-              <a:t>Summary</a:t>
+              <a:t>Future Work</a:t>
             </a:r>
           </a:p>
         </p:txBody>
@@ -37622,46 +37808,57 @@
             <p:ph type="body" sz="quarter" idx="12"/>
           </p:nvPr>
         </p:nvSpPr>
-        <p:spPr/>
+        <p:spPr>
+          <a:xfrm>
+            <a:off x="272284" y="1916832"/>
+            <a:ext cx="9361488" cy="5113337"/>
+          </a:xfrm>
+        </p:spPr>
         <p:txBody>
           <a:bodyPr/>
           <a:lstStyle/>
           <a:p>
             <a:r>
-              <a:rPr lang="de-DE" dirty="0"/>
-              <a:t>Importance of Static Analysis tools</a:t>
-            </a:r>
-          </a:p>
-          <a:p>
-            <a:r>
-              <a:rPr lang="de-DE" dirty="0"/>
-              <a:t>Usage of Multiple Static Analysis tools</a:t>
-            </a:r>
-          </a:p>
-          <a:p>
-            <a:pPr marL="0" indent="0">
-              <a:buNone/>
-            </a:pPr>
-            <a:endParaRPr lang="de-DE" dirty="0"/>
-          </a:p>
-          <a:p>
-            <a:r>
-              <a:rPr lang="de-DE" dirty="0"/>
-              <a:t>Need for a single user interface for multiple tools</a:t>
-            </a:r>
-          </a:p>
-          <a:p>
-            <a:endParaRPr lang="de-DE" dirty="0"/>
-          </a:p>
-          <a:p>
-            <a:r>
-              <a:rPr lang="de-DE" dirty="0"/>
-              <a:t>This thesis work followed UX Design Cycle to achieve usable prototypes focussing on primary research questions such as, </a:t>
-            </a:r>
-            <a:r>
               <a:rPr lang="en-GB" dirty="0"/>
-              <a:t> </a:t>
-            </a:r>
+              <a:t>Q. Would having </a:t>
+            </a:r>
+            <a:r>
+              <a:rPr lang="en-GB" dirty="0">
+                <a:solidFill>
+                  <a:srgbClr val="00B050"/>
+                </a:solidFill>
+              </a:rPr>
+              <a:t>tabs</a:t>
+            </a:r>
+            <a:r>
+              <a:rPr lang="en-GB" dirty="0"/>
+              <a:t> help scale the tools visibility with bugs results?</a:t>
+            </a:r>
+            <a:br>
+              <a:rPr lang="en-GB" dirty="0"/>
+            </a:br>
+            <a:endParaRPr lang="en-GB" dirty="0"/>
+          </a:p>
+          <a:p>
+            <a:r>
+              <a:rPr lang="en-GB" dirty="0"/>
+              <a:t>Q. Do </a:t>
+            </a:r>
+            <a:r>
+              <a:rPr lang="en-GB" dirty="0">
+                <a:solidFill>
+                  <a:srgbClr val="00B050"/>
+                </a:solidFill>
+              </a:rPr>
+              <a:t>graphs</a:t>
+            </a:r>
+            <a:r>
+              <a:rPr lang="en-GB" dirty="0"/>
+              <a:t> help in understanding the bugs reported?</a:t>
+            </a:r>
+          </a:p>
+          <a:p>
+            <a:endParaRPr lang="en-GB" dirty="0"/>
           </a:p>
           <a:p>
             <a:pPr marL="0" indent="0">
@@ -37670,41 +37867,51 @@
             <a:endParaRPr lang="en-GB" dirty="0"/>
           </a:p>
           <a:p>
-            <a:pPr lvl="1">
-              <a:buFont typeface="Wingdings" panose="05000000000000000000" pitchFamily="2" charset="2"/>
-              <a:buChar char="§"/>
+            <a:r>
+              <a:rPr lang="en-GB" dirty="0"/>
+              <a:t>RQ 4: How is </a:t>
+            </a:r>
+            <a:r>
+              <a:rPr lang="en-GB" dirty="0">
+                <a:solidFill>
+                  <a:srgbClr val="00B050"/>
+                </a:solidFill>
+              </a:rPr>
+              <a:t>teamwork</a:t>
+            </a:r>
+            <a:r>
+              <a:rPr lang="en-GB" dirty="0"/>
+              <a:t> facilitated in bug fixing in context of multiple tools?																								</a:t>
+            </a:r>
+          </a:p>
+          <a:p>
+            <a:pPr marL="0" indent="0">
+              <a:buNone/>
             </a:pPr>
             <a:r>
               <a:rPr lang="en-GB" dirty="0"/>
-              <a:t>How to display results of the same codebase from different analysis tools?</a:t>
-            </a:r>
-          </a:p>
-          <a:p>
-            <a:pPr lvl="1">
+              <a:t>										</a:t>
+            </a:r>
+          </a:p>
+          <a:p>
+            <a:pPr marL="0" indent="0">
               <a:lnSpc>
                 <a:spcPct val="150000"/>
               </a:lnSpc>
-              <a:buFont typeface="Wingdings" panose="05000000000000000000" pitchFamily="2" charset="2"/>
-              <a:buChar char="§"/>
+              <a:buNone/>
             </a:pPr>
             <a:r>
               <a:rPr lang="en-GB" dirty="0"/>
-              <a:t>What feedback works to know that bug fixing is on-going?</a:t>
-            </a:r>
-          </a:p>
-          <a:p>
-            <a:pPr lvl="1">
-              <a:lnSpc>
-                <a:spcPct val="150000"/>
-              </a:lnSpc>
-              <a:buFont typeface="Wingdings" panose="05000000000000000000" pitchFamily="2" charset="2"/>
-              <a:buChar char="§"/>
-            </a:pPr>
-            <a:r>
-              <a:rPr lang="en-GB" dirty="0"/>
-              <a:t>How to carry traceability of bug fixing? </a:t>
-            </a:r>
-            <a:endParaRPr lang="de-DE" dirty="0"/>
+              <a:t>														</a:t>
+            </a:r>
+            <a:r>
+              <a:rPr lang="en-GB" dirty="0">
+                <a:solidFill>
+                  <a:srgbClr val="00B050"/>
+                </a:solidFill>
+              </a:rPr>
+              <a:t>	… many more!</a:t>
+            </a:r>
           </a:p>
           <a:p>
             <a:pPr marL="0" indent="0">
@@ -37802,6 +38009,273 @@
     </p:spTree>
     <p:extLst>
       <p:ext uri="{BB962C8B-B14F-4D97-AF65-F5344CB8AC3E}">
+        <p14:creationId xmlns:p14="http://schemas.microsoft.com/office/powerpoint/2010/main" val="633130857"/>
+      </p:ext>
+    </p:extLst>
+  </p:cSld>
+  <p:clrMapOvr>
+    <a:masterClrMapping/>
+  </p:clrMapOvr>
+</p:sld>
+</file>
+
+<file path=ppt/slides/slide35.xml><?xml version="1.0" encoding="utf-8"?>
+<p:sld xmlns:a="http://schemas.openxmlformats.org/drawingml/2006/main" xmlns:r="http://schemas.openxmlformats.org/officeDocument/2006/relationships" xmlns:p="http://schemas.openxmlformats.org/presentationml/2006/main">
+  <p:cSld>
+    <p:spTree>
+      <p:nvGrpSpPr>
+        <p:cNvPr id="1" name=""/>
+        <p:cNvGrpSpPr/>
+        <p:nvPr/>
+      </p:nvGrpSpPr>
+      <p:grpSpPr>
+        <a:xfrm>
+          <a:off x="0" y="0"/>
+          <a:ext cx="0" cy="0"/>
+          <a:chOff x="0" y="0"/>
+          <a:chExt cx="0" cy="0"/>
+        </a:xfrm>
+      </p:grpSpPr>
+      <p:sp>
+        <p:nvSpPr>
+          <p:cNvPr id="2" name="Titel 1"/>
+          <p:cNvSpPr>
+            <a:spLocks noGrp="1"/>
+          </p:cNvSpPr>
+          <p:nvPr>
+            <p:ph type="title"/>
+          </p:nvPr>
+        </p:nvSpPr>
+        <p:spPr/>
+        <p:txBody>
+          <a:bodyPr/>
+          <a:lstStyle/>
+          <a:p>
+            <a:r>
+              <a:rPr lang="de-DE" dirty="0">
+                <a:solidFill>
+                  <a:schemeClr val="tx2"/>
+                </a:solidFill>
+              </a:rPr>
+              <a:t>Summary</a:t>
+            </a:r>
+          </a:p>
+        </p:txBody>
+      </p:sp>
+      <p:sp>
+        <p:nvSpPr>
+          <p:cNvPr id="4" name="Foliennummernplatzhalter 3"/>
+          <p:cNvSpPr>
+            <a:spLocks noGrp="1"/>
+          </p:cNvSpPr>
+          <p:nvPr>
+            <p:ph type="sldNum" sz="quarter" idx="11"/>
+          </p:nvPr>
+        </p:nvSpPr>
+        <p:spPr/>
+        <p:txBody>
+          <a:bodyPr/>
+          <a:lstStyle/>
+          <a:p>
+            <a:fld id="{815DB69B-0A2B-4D0B-A3BD-360AAA24381D}" type="slidenum">
+              <a:rPr lang="de-DE" smtClean="0"/>
+              <a:pPr/>
+              <a:t>35</a:t>
+            </a:fld>
+            <a:endParaRPr lang="de-DE" dirty="0"/>
+          </a:p>
+        </p:txBody>
+      </p:sp>
+      <p:sp>
+        <p:nvSpPr>
+          <p:cNvPr id="5" name="Textplatzhalter 4"/>
+          <p:cNvSpPr>
+            <a:spLocks noGrp="1"/>
+          </p:cNvSpPr>
+          <p:nvPr>
+            <p:ph type="body" sz="quarter" idx="12"/>
+          </p:nvPr>
+        </p:nvSpPr>
+        <p:spPr/>
+        <p:txBody>
+          <a:bodyPr/>
+          <a:lstStyle/>
+          <a:p>
+            <a:r>
+              <a:rPr lang="de-DE" dirty="0"/>
+              <a:t>Importance of Static Analysis tools</a:t>
+            </a:r>
+          </a:p>
+          <a:p>
+            <a:r>
+              <a:rPr lang="de-DE" dirty="0"/>
+              <a:t>Usage of Multiple Static Analysis tools</a:t>
+            </a:r>
+          </a:p>
+          <a:p>
+            <a:pPr marL="0" indent="0">
+              <a:buNone/>
+            </a:pPr>
+            <a:endParaRPr lang="de-DE" dirty="0"/>
+          </a:p>
+          <a:p>
+            <a:r>
+              <a:rPr lang="de-DE" dirty="0"/>
+              <a:t>Need for a single user interface for multiple tools</a:t>
+            </a:r>
+          </a:p>
+          <a:p>
+            <a:endParaRPr lang="de-DE" dirty="0"/>
+          </a:p>
+          <a:p>
+            <a:r>
+              <a:rPr lang="de-DE" dirty="0"/>
+              <a:t>This thesis work followed UX Design Cycle to achieve usable prototypes focussing on primary research questions such as, </a:t>
+            </a:r>
+            <a:r>
+              <a:rPr lang="en-GB" dirty="0"/>
+              <a:t> </a:t>
+            </a:r>
+          </a:p>
+          <a:p>
+            <a:pPr marL="0" indent="0">
+              <a:buNone/>
+            </a:pPr>
+            <a:endParaRPr lang="en-GB" dirty="0"/>
+          </a:p>
+          <a:p>
+            <a:pPr lvl="1">
+              <a:buFont typeface="Wingdings" panose="05000000000000000000" pitchFamily="2" charset="2"/>
+              <a:buChar char="§"/>
+            </a:pPr>
+            <a:r>
+              <a:rPr lang="en-GB" dirty="0"/>
+              <a:t>How to display results of the same codebase from different analysis tools?</a:t>
+            </a:r>
+          </a:p>
+          <a:p>
+            <a:pPr lvl="1">
+              <a:lnSpc>
+                <a:spcPct val="150000"/>
+              </a:lnSpc>
+              <a:buFont typeface="Wingdings" panose="05000000000000000000" pitchFamily="2" charset="2"/>
+              <a:buChar char="§"/>
+            </a:pPr>
+            <a:r>
+              <a:rPr lang="en-GB" dirty="0"/>
+              <a:t>What feedback works to know that bug fixing is on-going?</a:t>
+            </a:r>
+          </a:p>
+          <a:p>
+            <a:pPr lvl="1">
+              <a:lnSpc>
+                <a:spcPct val="150000"/>
+              </a:lnSpc>
+              <a:buFont typeface="Wingdings" panose="05000000000000000000" pitchFamily="2" charset="2"/>
+              <a:buChar char="§"/>
+            </a:pPr>
+            <a:r>
+              <a:rPr lang="en-GB" dirty="0"/>
+              <a:t>How to carry traceability of bug fixing? </a:t>
+            </a:r>
+            <a:endParaRPr lang="de-DE" dirty="0"/>
+          </a:p>
+          <a:p>
+            <a:pPr marL="0" indent="0">
+              <a:lnSpc>
+                <a:spcPct val="150000"/>
+              </a:lnSpc>
+              <a:buNone/>
+            </a:pPr>
+            <a:endParaRPr lang="en-GB" dirty="0"/>
+          </a:p>
+          <a:p>
+            <a:pPr marL="0" indent="0" algn="r">
+              <a:lnSpc>
+                <a:spcPct val="150000"/>
+              </a:lnSpc>
+              <a:buNone/>
+            </a:pPr>
+            <a:endParaRPr lang="en-GB" dirty="0"/>
+          </a:p>
+          <a:p>
+            <a:pPr marL="0" indent="0" algn="r">
+              <a:lnSpc>
+                <a:spcPct val="150000"/>
+              </a:lnSpc>
+              <a:buNone/>
+            </a:pPr>
+            <a:endParaRPr lang="en-GB" dirty="0"/>
+          </a:p>
+          <a:p>
+            <a:pPr marL="0" indent="0" algn="r">
+              <a:lnSpc>
+                <a:spcPct val="150000"/>
+              </a:lnSpc>
+              <a:buNone/>
+            </a:pPr>
+            <a:endParaRPr lang="en-GB" dirty="0"/>
+          </a:p>
+          <a:p>
+            <a:pPr marL="0" indent="0" algn="r">
+              <a:lnSpc>
+                <a:spcPct val="150000"/>
+              </a:lnSpc>
+              <a:buNone/>
+            </a:pPr>
+            <a:r>
+              <a:rPr lang="en-GB" dirty="0"/>
+              <a:t> </a:t>
+            </a:r>
+          </a:p>
+          <a:p>
+            <a:pPr>
+              <a:lnSpc>
+                <a:spcPct val="150000"/>
+              </a:lnSpc>
+            </a:pPr>
+            <a:endParaRPr lang="en-GB" dirty="0"/>
+          </a:p>
+          <a:p>
+            <a:pPr marL="0" indent="0">
+              <a:lnSpc>
+                <a:spcPct val="150000"/>
+              </a:lnSpc>
+              <a:buNone/>
+            </a:pPr>
+            <a:endParaRPr lang="en-GB" dirty="0"/>
+          </a:p>
+          <a:p>
+            <a:endParaRPr lang="de-DE" dirty="0"/>
+          </a:p>
+        </p:txBody>
+      </p:sp>
+      <p:sp>
+        <p:nvSpPr>
+          <p:cNvPr id="3" name="Fußzeilenplatzhalter 2"/>
+          <p:cNvSpPr>
+            <a:spLocks noGrp="1"/>
+          </p:cNvSpPr>
+          <p:nvPr>
+            <p:ph type="ftr" sz="quarter" idx="10"/>
+          </p:nvPr>
+        </p:nvSpPr>
+        <p:spPr/>
+        <p:txBody>
+          <a:bodyPr/>
+          <a:lstStyle/>
+          <a:p>
+            <a:r>
+              <a:rPr lang="de-DE"/>
+              <a:t>Software Engineering</a:t>
+            </a:r>
+            <a:endParaRPr lang="de-DE" dirty="0"/>
+          </a:p>
+        </p:txBody>
+      </p:sp>
+    </p:spTree>
+    <p:extLst>
+      <p:ext uri="{BB962C8B-B14F-4D97-AF65-F5344CB8AC3E}">
         <p14:creationId xmlns:p14="http://schemas.microsoft.com/office/powerpoint/2010/main" val="1011400342"/>
       </p:ext>
     </p:extLst>
@@ -37812,7 +38286,7 @@
 </p:sld>
 </file>
 
-<file path=ppt/slides/slide35.xml><?xml version="1.0" encoding="utf-8"?>
+<file path=ppt/slides/slide36.xml><?xml version="1.0" encoding="utf-8"?>
 <p:sld xmlns:a="http://schemas.openxmlformats.org/drawingml/2006/main" xmlns:r="http://schemas.openxmlformats.org/officeDocument/2006/relationships" xmlns:p="http://schemas.openxmlformats.org/presentationml/2006/main">
   <p:cSld>
     <p:spTree>
@@ -37915,7 +38389,7 @@
             <a:fld id="{815DB69B-0A2B-4D0B-A3BD-360AAA24381D}" type="slidenum">
               <a:rPr lang="de-DE" smtClean="0"/>
               <a:pPr/>
-              <a:t>35</a:t>
+              <a:t>36</a:t>
             </a:fld>
             <a:endParaRPr lang="de-DE" dirty="0"/>
           </a:p>
@@ -37934,7 +38408,7 @@
 </p:sld>
 </file>
 
-<file path=ppt/slides/slide36.xml><?xml version="1.0" encoding="utf-8"?>
+<file path=ppt/slides/slide37.xml><?xml version="1.0" encoding="utf-8"?>
 <p:sld xmlns:a="http://schemas.openxmlformats.org/drawingml/2006/main" xmlns:r="http://schemas.openxmlformats.org/officeDocument/2006/relationships" xmlns:p="http://schemas.openxmlformats.org/presentationml/2006/main">
   <p:cSld>
     <p:spTree>
@@ -37969,7 +38443,7 @@
             <a:fld id="{815DB69B-0A2B-4D0B-A3BD-360AAA24381D}" type="slidenum">
               <a:rPr lang="de-DE" smtClean="0"/>
               <a:pPr/>
-              <a:t>36</a:t>
+              <a:t>37</a:t>
             </a:fld>
             <a:endParaRPr lang="de-DE" dirty="0"/>
           </a:p>
@@ -38337,312 +38811,6 @@
     <p:extLst>
       <p:ext uri="{BB962C8B-B14F-4D97-AF65-F5344CB8AC3E}">
         <p14:creationId xmlns:p14="http://schemas.microsoft.com/office/powerpoint/2010/main" val="3638362156"/>
-      </p:ext>
-    </p:extLst>
-  </p:cSld>
-  <p:clrMapOvr>
-    <a:masterClrMapping/>
-  </p:clrMapOvr>
-</p:sld>
-</file>
-
-<file path=ppt/slides/slide37.xml><?xml version="1.0" encoding="utf-8"?>
-<p:sld xmlns:a="http://schemas.openxmlformats.org/drawingml/2006/main" xmlns:r="http://schemas.openxmlformats.org/officeDocument/2006/relationships" xmlns:p="http://schemas.openxmlformats.org/presentationml/2006/main">
-  <p:cSld>
-    <p:spTree>
-      <p:nvGrpSpPr>
-        <p:cNvPr id="1" name=""/>
-        <p:cNvGrpSpPr/>
-        <p:nvPr/>
-      </p:nvGrpSpPr>
-      <p:grpSpPr>
-        <a:xfrm>
-          <a:off x="0" y="0"/>
-          <a:ext cx="0" cy="0"/>
-          <a:chOff x="0" y="0"/>
-          <a:chExt cx="0" cy="0"/>
-        </a:xfrm>
-      </p:grpSpPr>
-      <p:sp>
-        <p:nvSpPr>
-          <p:cNvPr id="2" name="Titel 1"/>
-          <p:cNvSpPr>
-            <a:spLocks noGrp="1"/>
-          </p:cNvSpPr>
-          <p:nvPr>
-            <p:ph type="title"/>
-          </p:nvPr>
-        </p:nvSpPr>
-        <p:spPr/>
-        <p:txBody>
-          <a:bodyPr/>
-          <a:lstStyle/>
-          <a:p>
-            <a:r>
-              <a:rPr lang="de-DE" dirty="0">
-                <a:solidFill>
-                  <a:schemeClr val="tx2"/>
-                </a:solidFill>
-              </a:rPr>
-              <a:t>Multiple Tools</a:t>
-            </a:r>
-          </a:p>
-        </p:txBody>
-      </p:sp>
-      <p:sp>
-        <p:nvSpPr>
-          <p:cNvPr id="4" name="Foliennummernplatzhalter 3"/>
-          <p:cNvSpPr>
-            <a:spLocks noGrp="1"/>
-          </p:cNvSpPr>
-          <p:nvPr>
-            <p:ph type="sldNum" sz="quarter" idx="11"/>
-          </p:nvPr>
-        </p:nvSpPr>
-        <p:spPr/>
-        <p:txBody>
-          <a:bodyPr/>
-          <a:lstStyle/>
-          <a:p>
-            <a:fld id="{815DB69B-0A2B-4D0B-A3BD-360AAA24381D}" type="slidenum">
-              <a:rPr lang="de-DE" smtClean="0"/>
-              <a:pPr/>
-              <a:t>37</a:t>
-            </a:fld>
-            <a:endParaRPr lang="de-DE" dirty="0"/>
-          </a:p>
-        </p:txBody>
-      </p:sp>
-      <p:sp>
-        <p:nvSpPr>
-          <p:cNvPr id="5" name="Textplatzhalter 4"/>
-          <p:cNvSpPr>
-            <a:spLocks noGrp="1"/>
-          </p:cNvSpPr>
-          <p:nvPr>
-            <p:ph type="body" sz="quarter" idx="12"/>
-          </p:nvPr>
-        </p:nvSpPr>
-        <p:spPr/>
-        <p:txBody>
-          <a:bodyPr/>
-          <a:lstStyle/>
-          <a:p>
-            <a:pPr marL="0" indent="0">
-              <a:buNone/>
-            </a:pPr>
-            <a:endParaRPr lang="de-DE" dirty="0"/>
-          </a:p>
-          <a:p>
-            <a:r>
-              <a:rPr lang="de-DE" dirty="0"/>
-              <a:t>Developers use multiple static analysis tools each having own coverage.</a:t>
-            </a:r>
-          </a:p>
-          <a:p>
-            <a:endParaRPr lang="de-DE" dirty="0"/>
-          </a:p>
-          <a:p>
-            <a:r>
-              <a:rPr lang="de-DE" dirty="0"/>
-              <a:t>Research trends:</a:t>
-            </a:r>
-          </a:p>
-          <a:p>
-            <a:endParaRPr lang="de-DE" dirty="0"/>
-          </a:p>
-          <a:p>
-            <a:pPr>
-              <a:buFont typeface="Arial" panose="020B0604020202020204" pitchFamily="34" charset="0"/>
-              <a:buChar char="•"/>
-            </a:pPr>
-            <a:r>
-              <a:rPr lang="en-GB" dirty="0"/>
-              <a:t>Prioritise the bug warning alerts</a:t>
-            </a:r>
-          </a:p>
-          <a:p>
-            <a:pPr marL="0" indent="0" algn="r">
-              <a:buNone/>
-            </a:pPr>
-            <a:r>
-              <a:rPr lang="en-GB" dirty="0"/>
-              <a:t>( Flynn et al. )</a:t>
-            </a:r>
-          </a:p>
-          <a:p>
-            <a:pPr>
-              <a:buFont typeface="Arial" panose="020B0604020202020204" pitchFamily="34" charset="0"/>
-              <a:buChar char="•"/>
-            </a:pPr>
-            <a:r>
-              <a:rPr lang="en-GB" dirty="0"/>
-              <a:t>Merges 3 tools for Java to show warnings </a:t>
-            </a:r>
-          </a:p>
-          <a:p>
-            <a:pPr marL="0" indent="0" algn="r">
-              <a:buNone/>
-            </a:pPr>
-            <a:r>
-              <a:rPr lang="en-GB" dirty="0"/>
-              <a:t>( Meng et al. )</a:t>
-            </a:r>
-          </a:p>
-        </p:txBody>
-      </p:sp>
-      <p:sp>
-        <p:nvSpPr>
-          <p:cNvPr id="3" name="Fußzeilenplatzhalter 2"/>
-          <p:cNvSpPr>
-            <a:spLocks noGrp="1"/>
-          </p:cNvSpPr>
-          <p:nvPr>
-            <p:ph type="ftr" sz="quarter" idx="10"/>
-          </p:nvPr>
-        </p:nvSpPr>
-        <p:spPr/>
-        <p:txBody>
-          <a:bodyPr/>
-          <a:lstStyle/>
-          <a:p>
-            <a:r>
-              <a:rPr lang="de-DE"/>
-              <a:t>Software Engineering</a:t>
-            </a:r>
-            <a:endParaRPr lang="de-DE" dirty="0"/>
-          </a:p>
-        </p:txBody>
-      </p:sp>
-      <p:sp>
-        <p:nvSpPr>
-          <p:cNvPr id="6" name="TextBox 5">
-            <a:extLst>
-              <a:ext uri="{FF2B5EF4-FFF2-40B4-BE49-F238E27FC236}">
-                <a16:creationId xmlns:a16="http://schemas.microsoft.com/office/drawing/2014/main" id="{BE000176-FB64-494D-85BE-2C0B58A1CB46}"/>
-              </a:ext>
-            </a:extLst>
-          </p:cNvPr>
-          <p:cNvSpPr txBox="1"/>
-          <p:nvPr/>
-        </p:nvSpPr>
-        <p:spPr>
-          <a:xfrm>
-            <a:off x="270900" y="5492411"/>
-            <a:ext cx="9433352" cy="990015"/>
-          </a:xfrm>
-          <a:prstGeom prst="rect">
-            <a:avLst/>
-          </a:prstGeom>
-          <a:noFill/>
-        </p:spPr>
-        <p:txBody>
-          <a:bodyPr wrap="none" lIns="0" rIns="0" rtlCol="0">
-            <a:spAutoFit/>
-          </a:bodyPr>
-          <a:lstStyle/>
-          <a:p>
-            <a:pPr marL="360000" indent="-360000">
-              <a:spcAft>
-                <a:spcPts val="1000"/>
-              </a:spcAft>
-              <a:buClr>
-                <a:schemeClr val="tx2"/>
-              </a:buClr>
-              <a:buSzPct val="80000"/>
-              <a:buFont typeface="Wingdings" panose="05000000000000000000" pitchFamily="2" charset="2"/>
-              <a:buChar char="v"/>
-            </a:pPr>
-            <a:r>
-              <a:rPr lang="en-GB" sz="1000" dirty="0"/>
-              <a:t>Lori Flynn, William Snavely, David Svoboda, Nathan </a:t>
-            </a:r>
-            <a:r>
-              <a:rPr lang="en-GB" sz="1000" dirty="0" err="1"/>
-              <a:t>VanHoudnos</a:t>
-            </a:r>
-            <a:r>
-              <a:rPr lang="en-GB" sz="1000" dirty="0"/>
-              <a:t>, Richard Qin, Jennifer Burns, David </a:t>
-            </a:r>
-            <a:r>
-              <a:rPr lang="en-GB" sz="1000" dirty="0" err="1"/>
-              <a:t>Zubrow</a:t>
-            </a:r>
-            <a:r>
-              <a:rPr lang="en-GB" sz="1000" dirty="0"/>
-              <a:t>, Robert Stoddard, and Guillermo </a:t>
-            </a:r>
-            <a:r>
-              <a:rPr lang="en-GB" sz="1000" dirty="0" err="1"/>
-              <a:t>Marce-Santurio</a:t>
-            </a:r>
-            <a:r>
-              <a:rPr lang="en-GB" sz="1000" dirty="0"/>
-              <a:t>. </a:t>
-            </a:r>
-            <a:br>
-              <a:rPr lang="en-GB" sz="1000" dirty="0"/>
-            </a:br>
-            <a:r>
-              <a:rPr lang="en-GB" sz="1000" dirty="0"/>
-              <a:t>2018. Prioritizing alerts from multiple static analysis tools, using classification models. In </a:t>
-            </a:r>
-            <a:r>
-              <a:rPr lang="en-GB" sz="1000" i="1" dirty="0"/>
-              <a:t>Proceedings of the 1st International Workshop on Software Qualities </a:t>
-            </a:r>
-            <a:br>
-              <a:rPr lang="en-GB" sz="1000" i="1" dirty="0"/>
-            </a:br>
-            <a:r>
-              <a:rPr lang="en-GB" sz="1000" i="1" dirty="0"/>
-              <a:t>and Their Dependencies</a:t>
-            </a:r>
-            <a:r>
-              <a:rPr lang="en-GB" sz="1000" dirty="0"/>
-              <a:t> (SQUADE '18). ACM, New York, NY, USA, 13-20. DOI: https://doi.org/10.1145/3194095.3194100 </a:t>
-            </a:r>
-          </a:p>
-          <a:p>
-            <a:pPr marL="360000" indent="-360000">
-              <a:spcAft>
-                <a:spcPts val="1000"/>
-              </a:spcAft>
-              <a:buClr>
-                <a:schemeClr val="tx2"/>
-              </a:buClr>
-              <a:buSzPct val="80000"/>
-              <a:buFont typeface="Wingdings" panose="05000000000000000000" pitchFamily="2" charset="2"/>
-              <a:buChar char="v"/>
-            </a:pPr>
-            <a:r>
-              <a:rPr lang="en-GB" sz="1000" dirty="0"/>
-              <a:t>N. Meng, Q. Wang, Q. Wu and H. Mei, "An Approach to Merge Results of Multiple Static Analysis Tools (Short Paper)," </a:t>
-            </a:r>
-            <a:r>
-              <a:rPr lang="en-GB" sz="1000" i="1" dirty="0"/>
-              <a:t>2008 The Eighth International </a:t>
-            </a:r>
-            <a:br>
-              <a:rPr lang="en-GB" sz="1000" i="1" dirty="0"/>
-            </a:br>
-            <a:r>
-              <a:rPr lang="en-GB" sz="1000" i="1" dirty="0"/>
-              <a:t>Conference on Quality Software</a:t>
-            </a:r>
-            <a:r>
-              <a:rPr lang="en-GB" sz="1000" dirty="0"/>
-              <a:t>, Oxford, 2008, pp. 169-174.doi: 10.1109/QSIC.2008.30</a:t>
-            </a:r>
-            <a:endParaRPr lang="LID4096" sz="1000" dirty="0" err="1"/>
-          </a:p>
-        </p:txBody>
-      </p:sp>
-    </p:spTree>
-    <p:extLst>
-      <p:ext uri="{BB962C8B-B14F-4D97-AF65-F5344CB8AC3E}">
-        <p14:creationId xmlns:p14="http://schemas.microsoft.com/office/powerpoint/2010/main" val="4077162985"/>
       </p:ext>
     </p:extLst>
   </p:cSld>
@@ -38734,6 +38902,312 @@
           <a:bodyPr/>
           <a:lstStyle/>
           <a:p>
+            <a:pPr marL="0" indent="0">
+              <a:buNone/>
+            </a:pPr>
+            <a:endParaRPr lang="de-DE" dirty="0"/>
+          </a:p>
+          <a:p>
+            <a:r>
+              <a:rPr lang="de-DE" dirty="0"/>
+              <a:t>Developers use multiple static analysis tools each having own coverage.</a:t>
+            </a:r>
+          </a:p>
+          <a:p>
+            <a:endParaRPr lang="de-DE" dirty="0"/>
+          </a:p>
+          <a:p>
+            <a:r>
+              <a:rPr lang="de-DE" dirty="0"/>
+              <a:t>Research trends:</a:t>
+            </a:r>
+          </a:p>
+          <a:p>
+            <a:endParaRPr lang="de-DE" dirty="0"/>
+          </a:p>
+          <a:p>
+            <a:pPr>
+              <a:buFont typeface="Arial" panose="020B0604020202020204" pitchFamily="34" charset="0"/>
+              <a:buChar char="•"/>
+            </a:pPr>
+            <a:r>
+              <a:rPr lang="en-GB" dirty="0"/>
+              <a:t>Prioritise the bug warning alerts</a:t>
+            </a:r>
+          </a:p>
+          <a:p>
+            <a:pPr marL="0" indent="0" algn="r">
+              <a:buNone/>
+            </a:pPr>
+            <a:r>
+              <a:rPr lang="en-GB" dirty="0"/>
+              <a:t>( Flynn et al. )</a:t>
+            </a:r>
+          </a:p>
+          <a:p>
+            <a:pPr>
+              <a:buFont typeface="Arial" panose="020B0604020202020204" pitchFamily="34" charset="0"/>
+              <a:buChar char="•"/>
+            </a:pPr>
+            <a:r>
+              <a:rPr lang="en-GB" dirty="0"/>
+              <a:t>Merges 3 tools for Java to show warnings </a:t>
+            </a:r>
+          </a:p>
+          <a:p>
+            <a:pPr marL="0" indent="0" algn="r">
+              <a:buNone/>
+            </a:pPr>
+            <a:r>
+              <a:rPr lang="en-GB" dirty="0"/>
+              <a:t>( Meng et al. )</a:t>
+            </a:r>
+          </a:p>
+        </p:txBody>
+      </p:sp>
+      <p:sp>
+        <p:nvSpPr>
+          <p:cNvPr id="3" name="Fußzeilenplatzhalter 2"/>
+          <p:cNvSpPr>
+            <a:spLocks noGrp="1"/>
+          </p:cNvSpPr>
+          <p:nvPr>
+            <p:ph type="ftr" sz="quarter" idx="10"/>
+          </p:nvPr>
+        </p:nvSpPr>
+        <p:spPr/>
+        <p:txBody>
+          <a:bodyPr/>
+          <a:lstStyle/>
+          <a:p>
+            <a:r>
+              <a:rPr lang="de-DE"/>
+              <a:t>Software Engineering</a:t>
+            </a:r>
+            <a:endParaRPr lang="de-DE" dirty="0"/>
+          </a:p>
+        </p:txBody>
+      </p:sp>
+      <p:sp>
+        <p:nvSpPr>
+          <p:cNvPr id="6" name="TextBox 5">
+            <a:extLst>
+              <a:ext uri="{FF2B5EF4-FFF2-40B4-BE49-F238E27FC236}">
+                <a16:creationId xmlns:a16="http://schemas.microsoft.com/office/drawing/2014/main" id="{BE000176-FB64-494D-85BE-2C0B58A1CB46}"/>
+              </a:ext>
+            </a:extLst>
+          </p:cNvPr>
+          <p:cNvSpPr txBox="1"/>
+          <p:nvPr/>
+        </p:nvSpPr>
+        <p:spPr>
+          <a:xfrm>
+            <a:off x="270900" y="5492411"/>
+            <a:ext cx="9433352" cy="990015"/>
+          </a:xfrm>
+          <a:prstGeom prst="rect">
+            <a:avLst/>
+          </a:prstGeom>
+          <a:noFill/>
+        </p:spPr>
+        <p:txBody>
+          <a:bodyPr wrap="none" lIns="0" rIns="0" rtlCol="0">
+            <a:spAutoFit/>
+          </a:bodyPr>
+          <a:lstStyle/>
+          <a:p>
+            <a:pPr marL="360000" indent="-360000">
+              <a:spcAft>
+                <a:spcPts val="1000"/>
+              </a:spcAft>
+              <a:buClr>
+                <a:schemeClr val="tx2"/>
+              </a:buClr>
+              <a:buSzPct val="80000"/>
+              <a:buFont typeface="Wingdings" panose="05000000000000000000" pitchFamily="2" charset="2"/>
+              <a:buChar char="v"/>
+            </a:pPr>
+            <a:r>
+              <a:rPr lang="en-GB" sz="1000" dirty="0"/>
+              <a:t>Lori Flynn, William Snavely, David Svoboda, Nathan </a:t>
+            </a:r>
+            <a:r>
+              <a:rPr lang="en-GB" sz="1000" dirty="0" err="1"/>
+              <a:t>VanHoudnos</a:t>
+            </a:r>
+            <a:r>
+              <a:rPr lang="en-GB" sz="1000" dirty="0"/>
+              <a:t>, Richard Qin, Jennifer Burns, David </a:t>
+            </a:r>
+            <a:r>
+              <a:rPr lang="en-GB" sz="1000" dirty="0" err="1"/>
+              <a:t>Zubrow</a:t>
+            </a:r>
+            <a:r>
+              <a:rPr lang="en-GB" sz="1000" dirty="0"/>
+              <a:t>, Robert Stoddard, and Guillermo </a:t>
+            </a:r>
+            <a:r>
+              <a:rPr lang="en-GB" sz="1000" dirty="0" err="1"/>
+              <a:t>Marce-Santurio</a:t>
+            </a:r>
+            <a:r>
+              <a:rPr lang="en-GB" sz="1000" dirty="0"/>
+              <a:t>. </a:t>
+            </a:r>
+            <a:br>
+              <a:rPr lang="en-GB" sz="1000" dirty="0"/>
+            </a:br>
+            <a:r>
+              <a:rPr lang="en-GB" sz="1000" dirty="0"/>
+              <a:t>2018. Prioritizing alerts from multiple static analysis tools, using classification models. In </a:t>
+            </a:r>
+            <a:r>
+              <a:rPr lang="en-GB" sz="1000" i="1" dirty="0"/>
+              <a:t>Proceedings of the 1st International Workshop on Software Qualities </a:t>
+            </a:r>
+            <a:br>
+              <a:rPr lang="en-GB" sz="1000" i="1" dirty="0"/>
+            </a:br>
+            <a:r>
+              <a:rPr lang="en-GB" sz="1000" i="1" dirty="0"/>
+              <a:t>and Their Dependencies</a:t>
+            </a:r>
+            <a:r>
+              <a:rPr lang="en-GB" sz="1000" dirty="0"/>
+              <a:t> (SQUADE '18). ACM, New York, NY, USA, 13-20. DOI: https://doi.org/10.1145/3194095.3194100 </a:t>
+            </a:r>
+          </a:p>
+          <a:p>
+            <a:pPr marL="360000" indent="-360000">
+              <a:spcAft>
+                <a:spcPts val="1000"/>
+              </a:spcAft>
+              <a:buClr>
+                <a:schemeClr val="tx2"/>
+              </a:buClr>
+              <a:buSzPct val="80000"/>
+              <a:buFont typeface="Wingdings" panose="05000000000000000000" pitchFamily="2" charset="2"/>
+              <a:buChar char="v"/>
+            </a:pPr>
+            <a:r>
+              <a:rPr lang="en-GB" sz="1000" dirty="0"/>
+              <a:t>N. Meng, Q. Wang, Q. Wu and H. Mei, "An Approach to Merge Results of Multiple Static Analysis Tools (Short Paper)," </a:t>
+            </a:r>
+            <a:r>
+              <a:rPr lang="en-GB" sz="1000" i="1" dirty="0"/>
+              <a:t>2008 The Eighth International </a:t>
+            </a:r>
+            <a:br>
+              <a:rPr lang="en-GB" sz="1000" i="1" dirty="0"/>
+            </a:br>
+            <a:r>
+              <a:rPr lang="en-GB" sz="1000" i="1" dirty="0"/>
+              <a:t>Conference on Quality Software</a:t>
+            </a:r>
+            <a:r>
+              <a:rPr lang="en-GB" sz="1000" dirty="0"/>
+              <a:t>, Oxford, 2008, pp. 169-174.doi: 10.1109/QSIC.2008.30</a:t>
+            </a:r>
+            <a:endParaRPr lang="LID4096" sz="1000" dirty="0" err="1"/>
+          </a:p>
+        </p:txBody>
+      </p:sp>
+    </p:spTree>
+    <p:extLst>
+      <p:ext uri="{BB962C8B-B14F-4D97-AF65-F5344CB8AC3E}">
+        <p14:creationId xmlns:p14="http://schemas.microsoft.com/office/powerpoint/2010/main" val="4077162985"/>
+      </p:ext>
+    </p:extLst>
+  </p:cSld>
+  <p:clrMapOvr>
+    <a:masterClrMapping/>
+  </p:clrMapOvr>
+</p:sld>
+</file>
+
+<file path=ppt/slides/slide39.xml><?xml version="1.0" encoding="utf-8"?>
+<p:sld xmlns:a="http://schemas.openxmlformats.org/drawingml/2006/main" xmlns:r="http://schemas.openxmlformats.org/officeDocument/2006/relationships" xmlns:p="http://schemas.openxmlformats.org/presentationml/2006/main">
+  <p:cSld>
+    <p:spTree>
+      <p:nvGrpSpPr>
+        <p:cNvPr id="1" name=""/>
+        <p:cNvGrpSpPr/>
+        <p:nvPr/>
+      </p:nvGrpSpPr>
+      <p:grpSpPr>
+        <a:xfrm>
+          <a:off x="0" y="0"/>
+          <a:ext cx="0" cy="0"/>
+          <a:chOff x="0" y="0"/>
+          <a:chExt cx="0" cy="0"/>
+        </a:xfrm>
+      </p:grpSpPr>
+      <p:sp>
+        <p:nvSpPr>
+          <p:cNvPr id="2" name="Titel 1"/>
+          <p:cNvSpPr>
+            <a:spLocks noGrp="1"/>
+          </p:cNvSpPr>
+          <p:nvPr>
+            <p:ph type="title"/>
+          </p:nvPr>
+        </p:nvSpPr>
+        <p:spPr/>
+        <p:txBody>
+          <a:bodyPr/>
+          <a:lstStyle/>
+          <a:p>
+            <a:r>
+              <a:rPr lang="de-DE" dirty="0">
+                <a:solidFill>
+                  <a:schemeClr val="tx2"/>
+                </a:solidFill>
+              </a:rPr>
+              <a:t>Multiple Tools</a:t>
+            </a:r>
+          </a:p>
+        </p:txBody>
+      </p:sp>
+      <p:sp>
+        <p:nvSpPr>
+          <p:cNvPr id="4" name="Foliennummernplatzhalter 3"/>
+          <p:cNvSpPr>
+            <a:spLocks noGrp="1"/>
+          </p:cNvSpPr>
+          <p:nvPr>
+            <p:ph type="sldNum" sz="quarter" idx="11"/>
+          </p:nvPr>
+        </p:nvSpPr>
+        <p:spPr/>
+        <p:txBody>
+          <a:bodyPr/>
+          <a:lstStyle/>
+          <a:p>
+            <a:fld id="{815DB69B-0A2B-4D0B-A3BD-360AAA24381D}" type="slidenum">
+              <a:rPr lang="de-DE" smtClean="0"/>
+              <a:pPr/>
+              <a:t>39</a:t>
+            </a:fld>
+            <a:endParaRPr lang="de-DE" dirty="0"/>
+          </a:p>
+        </p:txBody>
+      </p:sp>
+      <p:sp>
+        <p:nvSpPr>
+          <p:cNvPr id="5" name="Textplatzhalter 4"/>
+          <p:cNvSpPr>
+            <a:spLocks noGrp="1"/>
+          </p:cNvSpPr>
+          <p:nvPr>
+            <p:ph type="body" sz="quarter" idx="12"/>
+          </p:nvPr>
+        </p:nvSpPr>
+        <p:spPr/>
+        <p:txBody>
+          <a:bodyPr/>
+          <a:lstStyle/>
+          <a:p>
             <a:pPr>
               <a:buFont typeface="Wingdings" panose="05000000000000000000" pitchFamily="2" charset="2"/>
               <a:buChar char="§"/>
@@ -39093,123 +39567,6 @@
     <p:extLst>
       <p:ext uri="{BB962C8B-B14F-4D97-AF65-F5344CB8AC3E}">
         <p14:creationId xmlns:p14="http://schemas.microsoft.com/office/powerpoint/2010/main" val="86134784"/>
-      </p:ext>
-    </p:extLst>
-  </p:cSld>
-  <p:clrMapOvr>
-    <a:masterClrMapping/>
-  </p:clrMapOvr>
-</p:sld>
-</file>
-
-<file path=ppt/slides/slide39.xml><?xml version="1.0" encoding="utf-8"?>
-<p:sld xmlns:a="http://schemas.openxmlformats.org/drawingml/2006/main" xmlns:r="http://schemas.openxmlformats.org/officeDocument/2006/relationships" xmlns:p="http://schemas.openxmlformats.org/presentationml/2006/main">
-  <p:cSld>
-    <p:spTree>
-      <p:nvGrpSpPr>
-        <p:cNvPr id="1" name=""/>
-        <p:cNvGrpSpPr/>
-        <p:nvPr/>
-      </p:nvGrpSpPr>
-      <p:grpSpPr>
-        <a:xfrm>
-          <a:off x="0" y="0"/>
-          <a:ext cx="0" cy="0"/>
-          <a:chOff x="0" y="0"/>
-          <a:chExt cx="0" cy="0"/>
-        </a:xfrm>
-      </p:grpSpPr>
-      <p:sp>
-        <p:nvSpPr>
-          <p:cNvPr id="2" name="Title 1">
-            <a:extLst>
-              <a:ext uri="{FF2B5EF4-FFF2-40B4-BE49-F238E27FC236}">
-                <a16:creationId xmlns:a16="http://schemas.microsoft.com/office/drawing/2014/main" id="{D57EC3E0-9236-43AA-81A1-7A63AFB25E7B}"/>
-              </a:ext>
-            </a:extLst>
-          </p:cNvPr>
-          <p:cNvSpPr>
-            <a:spLocks noGrp="1"/>
-          </p:cNvSpPr>
-          <p:nvPr>
-            <p:ph type="title"/>
-          </p:nvPr>
-        </p:nvSpPr>
-        <p:spPr/>
-        <p:txBody>
-          <a:bodyPr/>
-          <a:lstStyle/>
-          <a:p>
-            <a:r>
-              <a:rPr lang="en-GB" dirty="0"/>
-              <a:t>UX 1</a:t>
-            </a:r>
-          </a:p>
-        </p:txBody>
-      </p:sp>
-      <p:sp>
-        <p:nvSpPr>
-          <p:cNvPr id="3" name="Footer Placeholder 2">
-            <a:extLst>
-              <a:ext uri="{FF2B5EF4-FFF2-40B4-BE49-F238E27FC236}">
-                <a16:creationId xmlns:a16="http://schemas.microsoft.com/office/drawing/2014/main" id="{F997027D-A7E6-4628-B95A-48F49A5502B9}"/>
-              </a:ext>
-            </a:extLst>
-          </p:cNvPr>
-          <p:cNvSpPr>
-            <a:spLocks noGrp="1"/>
-          </p:cNvSpPr>
-          <p:nvPr>
-            <p:ph type="ftr" sz="quarter" idx="10"/>
-          </p:nvPr>
-        </p:nvSpPr>
-        <p:spPr/>
-        <p:txBody>
-          <a:bodyPr/>
-          <a:lstStyle/>
-          <a:p>
-            <a:r>
-              <a:rPr lang="de-DE"/>
-              <a:t>Software Engineering</a:t>
-            </a:r>
-            <a:endParaRPr lang="de-DE" dirty="0"/>
-          </a:p>
-        </p:txBody>
-      </p:sp>
-      <p:sp>
-        <p:nvSpPr>
-          <p:cNvPr id="4" name="Slide Number Placeholder 3">
-            <a:extLst>
-              <a:ext uri="{FF2B5EF4-FFF2-40B4-BE49-F238E27FC236}">
-                <a16:creationId xmlns:a16="http://schemas.microsoft.com/office/drawing/2014/main" id="{CF4A4DC8-AA9A-44CD-A922-87A43FBD311C}"/>
-              </a:ext>
-            </a:extLst>
-          </p:cNvPr>
-          <p:cNvSpPr>
-            <a:spLocks noGrp="1"/>
-          </p:cNvSpPr>
-          <p:nvPr>
-            <p:ph type="sldNum" sz="quarter" idx="11"/>
-          </p:nvPr>
-        </p:nvSpPr>
-        <p:spPr/>
-        <p:txBody>
-          <a:bodyPr/>
-          <a:lstStyle/>
-          <a:p>
-            <a:fld id="{815DB69B-0A2B-4D0B-A3BD-360AAA24381D}" type="slidenum">
-              <a:rPr lang="de-DE" smtClean="0"/>
-              <a:pPr/>
-              <a:t>39</a:t>
-            </a:fld>
-            <a:endParaRPr lang="de-DE" dirty="0"/>
-          </a:p>
-        </p:txBody>
-      </p:sp>
-    </p:spTree>
-    <p:extLst>
-      <p:ext uri="{BB962C8B-B14F-4D97-AF65-F5344CB8AC3E}">
-        <p14:creationId xmlns:p14="http://schemas.microsoft.com/office/powerpoint/2010/main" val="1497993630"/>
       </p:ext>
     </p:extLst>
   </p:cSld>
@@ -39457,6 +39814,123 @@
           <p:cNvPr id="2" name="Title 1">
             <a:extLst>
               <a:ext uri="{FF2B5EF4-FFF2-40B4-BE49-F238E27FC236}">
+                <a16:creationId xmlns:a16="http://schemas.microsoft.com/office/drawing/2014/main" id="{D57EC3E0-9236-43AA-81A1-7A63AFB25E7B}"/>
+              </a:ext>
+            </a:extLst>
+          </p:cNvPr>
+          <p:cNvSpPr>
+            <a:spLocks noGrp="1"/>
+          </p:cNvSpPr>
+          <p:nvPr>
+            <p:ph type="title"/>
+          </p:nvPr>
+        </p:nvSpPr>
+        <p:spPr/>
+        <p:txBody>
+          <a:bodyPr/>
+          <a:lstStyle/>
+          <a:p>
+            <a:r>
+              <a:rPr lang="en-GB" dirty="0"/>
+              <a:t>UX 1</a:t>
+            </a:r>
+          </a:p>
+        </p:txBody>
+      </p:sp>
+      <p:sp>
+        <p:nvSpPr>
+          <p:cNvPr id="3" name="Footer Placeholder 2">
+            <a:extLst>
+              <a:ext uri="{FF2B5EF4-FFF2-40B4-BE49-F238E27FC236}">
+                <a16:creationId xmlns:a16="http://schemas.microsoft.com/office/drawing/2014/main" id="{F997027D-A7E6-4628-B95A-48F49A5502B9}"/>
+              </a:ext>
+            </a:extLst>
+          </p:cNvPr>
+          <p:cNvSpPr>
+            <a:spLocks noGrp="1"/>
+          </p:cNvSpPr>
+          <p:nvPr>
+            <p:ph type="ftr" sz="quarter" idx="10"/>
+          </p:nvPr>
+        </p:nvSpPr>
+        <p:spPr/>
+        <p:txBody>
+          <a:bodyPr/>
+          <a:lstStyle/>
+          <a:p>
+            <a:r>
+              <a:rPr lang="de-DE"/>
+              <a:t>Software Engineering</a:t>
+            </a:r>
+            <a:endParaRPr lang="de-DE" dirty="0"/>
+          </a:p>
+        </p:txBody>
+      </p:sp>
+      <p:sp>
+        <p:nvSpPr>
+          <p:cNvPr id="4" name="Slide Number Placeholder 3">
+            <a:extLst>
+              <a:ext uri="{FF2B5EF4-FFF2-40B4-BE49-F238E27FC236}">
+                <a16:creationId xmlns:a16="http://schemas.microsoft.com/office/drawing/2014/main" id="{CF4A4DC8-AA9A-44CD-A922-87A43FBD311C}"/>
+              </a:ext>
+            </a:extLst>
+          </p:cNvPr>
+          <p:cNvSpPr>
+            <a:spLocks noGrp="1"/>
+          </p:cNvSpPr>
+          <p:nvPr>
+            <p:ph type="sldNum" sz="quarter" idx="11"/>
+          </p:nvPr>
+        </p:nvSpPr>
+        <p:spPr/>
+        <p:txBody>
+          <a:bodyPr/>
+          <a:lstStyle/>
+          <a:p>
+            <a:fld id="{815DB69B-0A2B-4D0B-A3BD-360AAA24381D}" type="slidenum">
+              <a:rPr lang="de-DE" smtClean="0"/>
+              <a:pPr/>
+              <a:t>40</a:t>
+            </a:fld>
+            <a:endParaRPr lang="de-DE" dirty="0"/>
+          </a:p>
+        </p:txBody>
+      </p:sp>
+    </p:spTree>
+    <p:extLst>
+      <p:ext uri="{BB962C8B-B14F-4D97-AF65-F5344CB8AC3E}">
+        <p14:creationId xmlns:p14="http://schemas.microsoft.com/office/powerpoint/2010/main" val="1497993630"/>
+      </p:ext>
+    </p:extLst>
+  </p:cSld>
+  <p:clrMapOvr>
+    <a:masterClrMapping/>
+  </p:clrMapOvr>
+</p:sld>
+</file>
+
+<file path=ppt/slides/slide41.xml><?xml version="1.0" encoding="utf-8"?>
+<p:sld xmlns:a="http://schemas.openxmlformats.org/drawingml/2006/main" xmlns:r="http://schemas.openxmlformats.org/officeDocument/2006/relationships" xmlns:p="http://schemas.openxmlformats.org/presentationml/2006/main">
+  <p:cSld>
+    <p:spTree>
+      <p:nvGrpSpPr>
+        <p:cNvPr id="1" name=""/>
+        <p:cNvGrpSpPr/>
+        <p:nvPr/>
+      </p:nvGrpSpPr>
+      <p:grpSpPr>
+        <a:xfrm>
+          <a:off x="0" y="0"/>
+          <a:ext cx="0" cy="0"/>
+          <a:chOff x="0" y="0"/>
+          <a:chExt cx="0" cy="0"/>
+        </a:xfrm>
+      </p:grpSpPr>
+      <p:sp>
+        <p:nvSpPr>
+          <p:cNvPr id="2" name="Title 1">
+            <a:extLst>
+              <a:ext uri="{FF2B5EF4-FFF2-40B4-BE49-F238E27FC236}">
                 <a16:creationId xmlns:a16="http://schemas.microsoft.com/office/drawing/2014/main" id="{83C13346-0BF4-4F03-B530-A08C29A45234}"/>
               </a:ext>
             </a:extLst>
@@ -39537,7 +40011,7 @@
             <a:fld id="{815DB69B-0A2B-4D0B-A3BD-360AAA24381D}" type="slidenum">
               <a:rPr lang="de-DE" smtClean="0"/>
               <a:pPr/>
-              <a:t>40</a:t>
+              <a:t>41</a:t>
             </a:fld>
             <a:endParaRPr lang="de-DE" dirty="0"/>
           </a:p>
@@ -39641,7 +40115,7 @@
 </p:sld>
 </file>
 
-<file path=ppt/slides/slide41.xml><?xml version="1.0" encoding="utf-8"?>
+<file path=ppt/slides/slide42.xml><?xml version="1.0" encoding="utf-8"?>
 <p:sld xmlns:a="http://schemas.openxmlformats.org/drawingml/2006/main" xmlns:r="http://schemas.openxmlformats.org/officeDocument/2006/relationships" xmlns:p="http://schemas.openxmlformats.org/presentationml/2006/main">
   <p:cSld>
     <p:spTree>
@@ -39743,7 +40217,7 @@
             <a:fld id="{815DB69B-0A2B-4D0B-A3BD-360AAA24381D}" type="slidenum">
               <a:rPr lang="de-DE" smtClean="0"/>
               <a:pPr/>
-              <a:t>41</a:t>
+              <a:t>42</a:t>
             </a:fld>
             <a:endParaRPr lang="de-DE" dirty="0"/>
           </a:p>
@@ -39843,7 +40317,7 @@
 </p:sld>
 </file>
 
-<file path=ppt/slides/slide42.xml><?xml version="1.0" encoding="utf-8"?>
+<file path=ppt/slides/slide43.xml><?xml version="1.0" encoding="utf-8"?>
 <p:sld xmlns:a="http://schemas.openxmlformats.org/drawingml/2006/main" xmlns:r="http://schemas.openxmlformats.org/officeDocument/2006/relationships" xmlns:p="http://schemas.openxmlformats.org/presentationml/2006/main">
   <p:cSld>
     <p:spTree>
@@ -39945,7 +40419,7 @@
             <a:fld id="{815DB69B-0A2B-4D0B-A3BD-360AAA24381D}" type="slidenum">
               <a:rPr lang="de-DE" smtClean="0"/>
               <a:pPr/>
-              <a:t>42</a:t>
+              <a:t>43</a:t>
             </a:fld>
             <a:endParaRPr lang="de-DE" dirty="0"/>
           </a:p>
@@ -40037,7 +40511,7 @@
 </p:sld>
 </file>
 
-<file path=ppt/slides/slide43.xml><?xml version="1.0" encoding="utf-8"?>
+<file path=ppt/slides/slide44.xml><?xml version="1.0" encoding="utf-8"?>
 <p:sld xmlns:a="http://schemas.openxmlformats.org/drawingml/2006/main" xmlns:r="http://schemas.openxmlformats.org/officeDocument/2006/relationships" xmlns:p="http://schemas.openxmlformats.org/presentationml/2006/main">
   <p:cSld>
     <p:spTree>
@@ -40139,7 +40613,7 @@
             <a:fld id="{815DB69B-0A2B-4D0B-A3BD-360AAA24381D}" type="slidenum">
               <a:rPr lang="de-DE" smtClean="0"/>
               <a:pPr/>
-              <a:t>43</a:t>
+              <a:t>44</a:t>
             </a:fld>
             <a:endParaRPr lang="de-DE" dirty="0"/>
           </a:p>
@@ -40239,7 +40713,7 @@
 </p:sld>
 </file>
 
-<file path=ppt/slides/slide44.xml><?xml version="1.0" encoding="utf-8"?>
+<file path=ppt/slides/slide45.xml><?xml version="1.0" encoding="utf-8"?>
 <p:sld xmlns:a="http://schemas.openxmlformats.org/drawingml/2006/main" xmlns:r="http://schemas.openxmlformats.org/officeDocument/2006/relationships" xmlns:p="http://schemas.openxmlformats.org/presentationml/2006/main">
   <p:cSld>
     <p:spTree>
@@ -40341,7 +40815,7 @@
             <a:fld id="{815DB69B-0A2B-4D0B-A3BD-360AAA24381D}" type="slidenum">
               <a:rPr lang="de-DE" smtClean="0"/>
               <a:pPr/>
-              <a:t>44</a:t>
+              <a:t>45</a:t>
             </a:fld>
             <a:endParaRPr lang="de-DE" dirty="0"/>
           </a:p>
@@ -40433,7 +40907,7 @@
 </p:sld>
 </file>
 
-<file path=ppt/slides/slide45.xml><?xml version="1.0" encoding="utf-8"?>
+<file path=ppt/slides/slide46.xml><?xml version="1.0" encoding="utf-8"?>
 <p:sld xmlns:a="http://schemas.openxmlformats.org/drawingml/2006/main" xmlns:r="http://schemas.openxmlformats.org/officeDocument/2006/relationships" xmlns:p="http://schemas.openxmlformats.org/presentationml/2006/main">
   <p:cSld>
     <p:spTree>
@@ -40535,7 +41009,7 @@
             <a:fld id="{815DB69B-0A2B-4D0B-A3BD-360AAA24381D}" type="slidenum">
               <a:rPr lang="de-DE" smtClean="0"/>
               <a:pPr/>
-              <a:t>45</a:t>
+              <a:t>46</a:t>
             </a:fld>
             <a:endParaRPr lang="de-DE" dirty="0"/>
           </a:p>
@@ -40635,7 +41109,7 @@
 </p:sld>
 </file>
 
-<file path=ppt/slides/slide46.xml><?xml version="1.0" encoding="utf-8"?>
+<file path=ppt/slides/slide47.xml><?xml version="1.0" encoding="utf-8"?>
 <p:sld xmlns:a="http://schemas.openxmlformats.org/drawingml/2006/main" xmlns:r="http://schemas.openxmlformats.org/officeDocument/2006/relationships" xmlns:p="http://schemas.openxmlformats.org/presentationml/2006/main">
   <p:cSld>
     <p:spTree>
@@ -40737,7 +41211,7 @@
             <a:fld id="{815DB69B-0A2B-4D0B-A3BD-360AAA24381D}" type="slidenum">
               <a:rPr lang="de-DE" smtClean="0"/>
               <a:pPr/>
-              <a:t>46</a:t>
+              <a:t>47</a:t>
             </a:fld>
             <a:endParaRPr lang="de-DE" dirty="0"/>
           </a:p>
@@ -40848,7 +41322,7 @@
 </p:sld>
 </file>
 
-<file path=ppt/slides/slide47.xml><?xml version="1.0" encoding="utf-8"?>
+<file path=ppt/slides/slide48.xml><?xml version="1.0" encoding="utf-8"?>
 <p:sld xmlns:a="http://schemas.openxmlformats.org/drawingml/2006/main" xmlns:r="http://schemas.openxmlformats.org/officeDocument/2006/relationships" xmlns:p="http://schemas.openxmlformats.org/presentationml/2006/main">
   <p:cSld>
     <p:spTree>
@@ -40955,7 +41429,7 @@
             <a:fld id="{815DB69B-0A2B-4D0B-A3BD-360AAA24381D}" type="slidenum">
               <a:rPr lang="de-DE" smtClean="0"/>
               <a:pPr/>
-              <a:t>47</a:t>
+              <a:t>48</a:t>
             </a:fld>
             <a:endParaRPr lang="de-DE" dirty="0"/>
           </a:p>
@@ -41047,7 +41521,7 @@
 </p:sld>
 </file>
 
-<file path=ppt/slides/slide48.xml><?xml version="1.0" encoding="utf-8"?>
+<file path=ppt/slides/slide49.xml><?xml version="1.0" encoding="utf-8"?>
 <p:sld xmlns:a="http://schemas.openxmlformats.org/drawingml/2006/main" xmlns:r="http://schemas.openxmlformats.org/officeDocument/2006/relationships" xmlns:p="http://schemas.openxmlformats.org/presentationml/2006/main">
   <p:cSld>
     <p:spTree>
@@ -41169,7 +41643,7 @@
             <a:fld id="{815DB69B-0A2B-4D0B-A3BD-360AAA24381D}" type="slidenum">
               <a:rPr lang="de-DE" smtClean="0"/>
               <a:pPr/>
-              <a:t>48</a:t>
+              <a:t>49</a:t>
             </a:fld>
             <a:endParaRPr lang="de-DE" dirty="0"/>
           </a:p>
@@ -41212,123 +41686,6 @@
     <p:extLst>
       <p:ext uri="{BB962C8B-B14F-4D97-AF65-F5344CB8AC3E}">
         <p14:creationId xmlns:p14="http://schemas.microsoft.com/office/powerpoint/2010/main" val="3378290831"/>
-      </p:ext>
-    </p:extLst>
-  </p:cSld>
-  <p:clrMapOvr>
-    <a:masterClrMapping/>
-  </p:clrMapOvr>
-</p:sld>
-</file>
-
-<file path=ppt/slides/slide49.xml><?xml version="1.0" encoding="utf-8"?>
-<p:sld xmlns:a="http://schemas.openxmlformats.org/drawingml/2006/main" xmlns:r="http://schemas.openxmlformats.org/officeDocument/2006/relationships" xmlns:p="http://schemas.openxmlformats.org/presentationml/2006/main">
-  <p:cSld>
-    <p:spTree>
-      <p:nvGrpSpPr>
-        <p:cNvPr id="1" name=""/>
-        <p:cNvGrpSpPr/>
-        <p:nvPr/>
-      </p:nvGrpSpPr>
-      <p:grpSpPr>
-        <a:xfrm>
-          <a:off x="0" y="0"/>
-          <a:ext cx="0" cy="0"/>
-          <a:chOff x="0" y="0"/>
-          <a:chExt cx="0" cy="0"/>
-        </a:xfrm>
-      </p:grpSpPr>
-      <p:sp>
-        <p:nvSpPr>
-          <p:cNvPr id="2" name="Title 1">
-            <a:extLst>
-              <a:ext uri="{FF2B5EF4-FFF2-40B4-BE49-F238E27FC236}">
-                <a16:creationId xmlns:a16="http://schemas.microsoft.com/office/drawing/2014/main" id="{D57EC3E0-9236-43AA-81A1-7A63AFB25E7B}"/>
-              </a:ext>
-            </a:extLst>
-          </p:cNvPr>
-          <p:cNvSpPr>
-            <a:spLocks noGrp="1"/>
-          </p:cNvSpPr>
-          <p:nvPr>
-            <p:ph type="title"/>
-          </p:nvPr>
-        </p:nvSpPr>
-        <p:spPr/>
-        <p:txBody>
-          <a:bodyPr/>
-          <a:lstStyle/>
-          <a:p>
-            <a:r>
-              <a:rPr lang="en-GB" dirty="0"/>
-              <a:t>UX 2</a:t>
-            </a:r>
-          </a:p>
-        </p:txBody>
-      </p:sp>
-      <p:sp>
-        <p:nvSpPr>
-          <p:cNvPr id="3" name="Footer Placeholder 2">
-            <a:extLst>
-              <a:ext uri="{FF2B5EF4-FFF2-40B4-BE49-F238E27FC236}">
-                <a16:creationId xmlns:a16="http://schemas.microsoft.com/office/drawing/2014/main" id="{F997027D-A7E6-4628-B95A-48F49A5502B9}"/>
-              </a:ext>
-            </a:extLst>
-          </p:cNvPr>
-          <p:cNvSpPr>
-            <a:spLocks noGrp="1"/>
-          </p:cNvSpPr>
-          <p:nvPr>
-            <p:ph type="ftr" sz="quarter" idx="10"/>
-          </p:nvPr>
-        </p:nvSpPr>
-        <p:spPr/>
-        <p:txBody>
-          <a:bodyPr/>
-          <a:lstStyle/>
-          <a:p>
-            <a:r>
-              <a:rPr lang="de-DE"/>
-              <a:t>Software Engineering</a:t>
-            </a:r>
-            <a:endParaRPr lang="de-DE" dirty="0"/>
-          </a:p>
-        </p:txBody>
-      </p:sp>
-      <p:sp>
-        <p:nvSpPr>
-          <p:cNvPr id="4" name="Slide Number Placeholder 3">
-            <a:extLst>
-              <a:ext uri="{FF2B5EF4-FFF2-40B4-BE49-F238E27FC236}">
-                <a16:creationId xmlns:a16="http://schemas.microsoft.com/office/drawing/2014/main" id="{CF4A4DC8-AA9A-44CD-A922-87A43FBD311C}"/>
-              </a:ext>
-            </a:extLst>
-          </p:cNvPr>
-          <p:cNvSpPr>
-            <a:spLocks noGrp="1"/>
-          </p:cNvSpPr>
-          <p:nvPr>
-            <p:ph type="sldNum" sz="quarter" idx="11"/>
-          </p:nvPr>
-        </p:nvSpPr>
-        <p:spPr/>
-        <p:txBody>
-          <a:bodyPr/>
-          <a:lstStyle/>
-          <a:p>
-            <a:fld id="{815DB69B-0A2B-4D0B-A3BD-360AAA24381D}" type="slidenum">
-              <a:rPr lang="de-DE" smtClean="0"/>
-              <a:pPr/>
-              <a:t>49</a:t>
-            </a:fld>
-            <a:endParaRPr lang="de-DE" dirty="0"/>
-          </a:p>
-        </p:txBody>
-      </p:sp>
-    </p:spTree>
-    <p:extLst>
-      <p:ext uri="{BB962C8B-B14F-4D97-AF65-F5344CB8AC3E}">
-        <p14:creationId xmlns:p14="http://schemas.microsoft.com/office/powerpoint/2010/main" val="1108162872"/>
       </p:ext>
     </p:extLst>
   </p:cSld>
@@ -41569,6 +41926,123 @@
           <p:cNvPr id="2" name="Title 1">
             <a:extLst>
               <a:ext uri="{FF2B5EF4-FFF2-40B4-BE49-F238E27FC236}">
+                <a16:creationId xmlns:a16="http://schemas.microsoft.com/office/drawing/2014/main" id="{D57EC3E0-9236-43AA-81A1-7A63AFB25E7B}"/>
+              </a:ext>
+            </a:extLst>
+          </p:cNvPr>
+          <p:cNvSpPr>
+            <a:spLocks noGrp="1"/>
+          </p:cNvSpPr>
+          <p:nvPr>
+            <p:ph type="title"/>
+          </p:nvPr>
+        </p:nvSpPr>
+        <p:spPr/>
+        <p:txBody>
+          <a:bodyPr/>
+          <a:lstStyle/>
+          <a:p>
+            <a:r>
+              <a:rPr lang="en-GB" dirty="0"/>
+              <a:t>UX 2</a:t>
+            </a:r>
+          </a:p>
+        </p:txBody>
+      </p:sp>
+      <p:sp>
+        <p:nvSpPr>
+          <p:cNvPr id="3" name="Footer Placeholder 2">
+            <a:extLst>
+              <a:ext uri="{FF2B5EF4-FFF2-40B4-BE49-F238E27FC236}">
+                <a16:creationId xmlns:a16="http://schemas.microsoft.com/office/drawing/2014/main" id="{F997027D-A7E6-4628-B95A-48F49A5502B9}"/>
+              </a:ext>
+            </a:extLst>
+          </p:cNvPr>
+          <p:cNvSpPr>
+            <a:spLocks noGrp="1"/>
+          </p:cNvSpPr>
+          <p:nvPr>
+            <p:ph type="ftr" sz="quarter" idx="10"/>
+          </p:nvPr>
+        </p:nvSpPr>
+        <p:spPr/>
+        <p:txBody>
+          <a:bodyPr/>
+          <a:lstStyle/>
+          <a:p>
+            <a:r>
+              <a:rPr lang="de-DE"/>
+              <a:t>Software Engineering</a:t>
+            </a:r>
+            <a:endParaRPr lang="de-DE" dirty="0"/>
+          </a:p>
+        </p:txBody>
+      </p:sp>
+      <p:sp>
+        <p:nvSpPr>
+          <p:cNvPr id="4" name="Slide Number Placeholder 3">
+            <a:extLst>
+              <a:ext uri="{FF2B5EF4-FFF2-40B4-BE49-F238E27FC236}">
+                <a16:creationId xmlns:a16="http://schemas.microsoft.com/office/drawing/2014/main" id="{CF4A4DC8-AA9A-44CD-A922-87A43FBD311C}"/>
+              </a:ext>
+            </a:extLst>
+          </p:cNvPr>
+          <p:cNvSpPr>
+            <a:spLocks noGrp="1"/>
+          </p:cNvSpPr>
+          <p:nvPr>
+            <p:ph type="sldNum" sz="quarter" idx="11"/>
+          </p:nvPr>
+        </p:nvSpPr>
+        <p:spPr/>
+        <p:txBody>
+          <a:bodyPr/>
+          <a:lstStyle/>
+          <a:p>
+            <a:fld id="{815DB69B-0A2B-4D0B-A3BD-360AAA24381D}" type="slidenum">
+              <a:rPr lang="de-DE" smtClean="0"/>
+              <a:pPr/>
+              <a:t>50</a:t>
+            </a:fld>
+            <a:endParaRPr lang="de-DE" dirty="0"/>
+          </a:p>
+        </p:txBody>
+      </p:sp>
+    </p:spTree>
+    <p:extLst>
+      <p:ext uri="{BB962C8B-B14F-4D97-AF65-F5344CB8AC3E}">
+        <p14:creationId xmlns:p14="http://schemas.microsoft.com/office/powerpoint/2010/main" val="1108162872"/>
+      </p:ext>
+    </p:extLst>
+  </p:cSld>
+  <p:clrMapOvr>
+    <a:masterClrMapping/>
+  </p:clrMapOvr>
+</p:sld>
+</file>
+
+<file path=ppt/slides/slide51.xml><?xml version="1.0" encoding="utf-8"?>
+<p:sld xmlns:a="http://schemas.openxmlformats.org/drawingml/2006/main" xmlns:r="http://schemas.openxmlformats.org/officeDocument/2006/relationships" xmlns:p="http://schemas.openxmlformats.org/presentationml/2006/main">
+  <p:cSld>
+    <p:spTree>
+      <p:nvGrpSpPr>
+        <p:cNvPr id="1" name=""/>
+        <p:cNvGrpSpPr/>
+        <p:nvPr/>
+      </p:nvGrpSpPr>
+      <p:grpSpPr>
+        <a:xfrm>
+          <a:off x="0" y="0"/>
+          <a:ext cx="0" cy="0"/>
+          <a:chOff x="0" y="0"/>
+          <a:chExt cx="0" cy="0"/>
+        </a:xfrm>
+      </p:grpSpPr>
+      <p:sp>
+        <p:nvSpPr>
+          <p:cNvPr id="2" name="Title 1">
+            <a:extLst>
+              <a:ext uri="{FF2B5EF4-FFF2-40B4-BE49-F238E27FC236}">
                 <a16:creationId xmlns:a16="http://schemas.microsoft.com/office/drawing/2014/main" id="{D900D08C-C553-43EE-84D1-0E74FA2FC9BA}"/>
               </a:ext>
             </a:extLst>
@@ -41654,7 +42128,7 @@
             <a:fld id="{815DB69B-0A2B-4D0B-A3BD-360AAA24381D}" type="slidenum">
               <a:rPr lang="de-DE" smtClean="0"/>
               <a:pPr/>
-              <a:t>50</a:t>
+              <a:t>51</a:t>
             </a:fld>
             <a:endParaRPr lang="de-DE" dirty="0"/>
           </a:p>
@@ -41746,7 +42220,7 @@
 </p:sld>
 </file>
 
-<file path=ppt/slides/slide51.xml><?xml version="1.0" encoding="utf-8"?>
+<file path=ppt/slides/slide52.xml><?xml version="1.0" encoding="utf-8"?>
 <p:sld xmlns:a="http://schemas.openxmlformats.org/drawingml/2006/main" xmlns:r="http://schemas.openxmlformats.org/officeDocument/2006/relationships" xmlns:p="http://schemas.openxmlformats.org/presentationml/2006/main">
   <p:cSld>
     <p:spTree>
@@ -41868,7 +42342,7 @@
             <a:fld id="{815DB69B-0A2B-4D0B-A3BD-360AAA24381D}" type="slidenum">
               <a:rPr lang="de-DE" smtClean="0"/>
               <a:pPr/>
-              <a:t>51</a:t>
+              <a:t>52</a:t>
             </a:fld>
             <a:endParaRPr lang="de-DE" dirty="0"/>
           </a:p>
@@ -41976,7 +42450,7 @@
 </p:sld>
 </file>
 
-<file path=ppt/slides/slide52.xml><?xml version="1.0" encoding="utf-8"?>
+<file path=ppt/slides/slide53.xml><?xml version="1.0" encoding="utf-8"?>
 <p:sld xmlns:a="http://schemas.openxmlformats.org/drawingml/2006/main" xmlns:r="http://schemas.openxmlformats.org/officeDocument/2006/relationships" xmlns:p="http://schemas.openxmlformats.org/presentationml/2006/main">
   <p:cSld>
     <p:spTree>
@@ -42095,7 +42569,7 @@
             <a:fld id="{815DB69B-0A2B-4D0B-A3BD-360AAA24381D}" type="slidenum">
               <a:rPr lang="de-DE" smtClean="0"/>
               <a:pPr/>
-              <a:t>52</a:t>
+              <a:t>53</a:t>
             </a:fld>
             <a:endParaRPr lang="de-DE" dirty="0"/>
           </a:p>
@@ -42207,7 +42681,7 @@
 </p:sld>
 </file>
 
-<file path=ppt/slides/slide53.xml><?xml version="1.0" encoding="utf-8"?>
+<file path=ppt/slides/slide54.xml><?xml version="1.0" encoding="utf-8"?>
 <p:sld xmlns:a="http://schemas.openxmlformats.org/drawingml/2006/main" xmlns:r="http://schemas.openxmlformats.org/officeDocument/2006/relationships" xmlns:p="http://schemas.openxmlformats.org/presentationml/2006/main">
   <p:cSld>
     <p:spTree>
@@ -42314,7 +42788,7 @@
             <a:fld id="{815DB69B-0A2B-4D0B-A3BD-360AAA24381D}" type="slidenum">
               <a:rPr lang="de-DE" smtClean="0"/>
               <a:pPr/>
-              <a:t>53</a:t>
+              <a:t>54</a:t>
             </a:fld>
             <a:endParaRPr lang="de-DE" dirty="0"/>
           </a:p>
@@ -42414,7 +42888,7 @@
 </p:sld>
 </file>
 
-<file path=ppt/slides/slide54.xml><?xml version="1.0" encoding="utf-8"?>
+<file path=ppt/slides/slide55.xml><?xml version="1.0" encoding="utf-8"?>
 <p:sld xmlns:a="http://schemas.openxmlformats.org/drawingml/2006/main" xmlns:r="http://schemas.openxmlformats.org/officeDocument/2006/relationships" xmlns:p="http://schemas.openxmlformats.org/presentationml/2006/main">
   <p:cSld>
     <p:spTree>
@@ -42521,7 +42995,7 @@
             <a:fld id="{815DB69B-0A2B-4D0B-A3BD-360AAA24381D}" type="slidenum">
               <a:rPr lang="de-DE" smtClean="0"/>
               <a:pPr/>
-              <a:t>54</a:t>
+              <a:t>55</a:t>
             </a:fld>
             <a:endParaRPr lang="de-DE" dirty="0"/>
           </a:p>
@@ -42629,7 +43103,7 @@
 </p:sld>
 </file>
 
-<file path=ppt/slides/slide55.xml><?xml version="1.0" encoding="utf-8"?>
+<file path=ppt/slides/slide56.xml><?xml version="1.0" encoding="utf-8"?>
 <p:sld xmlns:a="http://schemas.openxmlformats.org/drawingml/2006/main" xmlns:r="http://schemas.openxmlformats.org/officeDocument/2006/relationships" xmlns:p="http://schemas.openxmlformats.org/presentationml/2006/main">
   <p:cSld>
     <p:spTree>
@@ -42879,7 +43353,7 @@
 </p:sld>
 </file>
 
-<file path=ppt/slides/slide56.xml><?xml version="1.0" encoding="utf-8"?>
+<file path=ppt/slides/slide57.xml><?xml version="1.0" encoding="utf-8"?>
 <p:sld xmlns:a="http://schemas.openxmlformats.org/drawingml/2006/main" xmlns:r="http://schemas.openxmlformats.org/officeDocument/2006/relationships" xmlns:p="http://schemas.openxmlformats.org/presentationml/2006/main">
   <p:cSld>
     <p:spTree>
@@ -42986,7 +43460,7 @@
             <a:fld id="{815DB69B-0A2B-4D0B-A3BD-360AAA24381D}" type="slidenum">
               <a:rPr lang="de-DE" smtClean="0"/>
               <a:pPr/>
-              <a:t>56</a:t>
+              <a:t>57</a:t>
             </a:fld>
             <a:endParaRPr lang="de-DE" dirty="0"/>
           </a:p>
@@ -43078,7 +43552,7 @@
 </p:sld>
 </file>
 
-<file path=ppt/slides/slide57.xml><?xml version="1.0" encoding="utf-8"?>
+<file path=ppt/slides/slide58.xml><?xml version="1.0" encoding="utf-8"?>
 <p:sld xmlns:a="http://schemas.openxmlformats.org/drawingml/2006/main" xmlns:r="http://schemas.openxmlformats.org/officeDocument/2006/relationships" xmlns:p="http://schemas.openxmlformats.org/presentationml/2006/main">
   <p:cSld>
     <p:spTree>
@@ -43185,7 +43659,7 @@
             <a:fld id="{815DB69B-0A2B-4D0B-A3BD-360AAA24381D}" type="slidenum">
               <a:rPr lang="de-DE" smtClean="0"/>
               <a:pPr/>
-              <a:t>57</a:t>
+              <a:t>58</a:t>
             </a:fld>
             <a:endParaRPr lang="de-DE" dirty="0"/>
           </a:p>
@@ -43277,7 +43751,7 @@
 </p:sld>
 </file>
 
-<file path=ppt/slides/slide58.xml><?xml version="1.0" encoding="utf-8"?>
+<file path=ppt/slides/slide59.xml><?xml version="1.0" encoding="utf-8"?>
 <p:sld xmlns:a="http://schemas.openxmlformats.org/drawingml/2006/main" xmlns:r="http://schemas.openxmlformats.org/officeDocument/2006/relationships" xmlns:p="http://schemas.openxmlformats.org/presentationml/2006/main">
   <p:cSld>
     <p:spTree>
@@ -43396,7 +43870,7 @@
             <a:fld id="{815DB69B-0A2B-4D0B-A3BD-360AAA24381D}" type="slidenum">
               <a:rPr lang="de-DE" smtClean="0"/>
               <a:pPr/>
-              <a:t>58</a:t>
+              <a:t>59</a:t>
             </a:fld>
             <a:endParaRPr lang="de-DE" dirty="0"/>
           </a:p>
@@ -43496,7 +43970,222 @@
 </p:sld>
 </file>
 
-<file path=ppt/slides/slide59.xml><?xml version="1.0" encoding="utf-8"?>
+<file path=ppt/slides/slide6.xml><?xml version="1.0" encoding="utf-8"?>
+<p:sld xmlns:a="http://schemas.openxmlformats.org/drawingml/2006/main" xmlns:r="http://schemas.openxmlformats.org/officeDocument/2006/relationships" xmlns:p="http://schemas.openxmlformats.org/presentationml/2006/main">
+  <p:cSld>
+    <p:spTree>
+      <p:nvGrpSpPr>
+        <p:cNvPr id="1" name=""/>
+        <p:cNvGrpSpPr/>
+        <p:nvPr/>
+      </p:nvGrpSpPr>
+      <p:grpSpPr>
+        <a:xfrm>
+          <a:off x="0" y="0"/>
+          <a:ext cx="0" cy="0"/>
+          <a:chOff x="0" y="0"/>
+          <a:chExt cx="0" cy="0"/>
+        </a:xfrm>
+      </p:grpSpPr>
+      <p:sp>
+        <p:nvSpPr>
+          <p:cNvPr id="2" name="Titel 1"/>
+          <p:cNvSpPr>
+            <a:spLocks noGrp="1"/>
+          </p:cNvSpPr>
+          <p:nvPr>
+            <p:ph type="title"/>
+          </p:nvPr>
+        </p:nvSpPr>
+        <p:spPr/>
+        <p:txBody>
+          <a:bodyPr/>
+          <a:lstStyle/>
+          <a:p>
+            <a:r>
+              <a:rPr lang="de-DE" dirty="0">
+                <a:solidFill>
+                  <a:schemeClr val="tx2"/>
+                </a:solidFill>
+              </a:rPr>
+              <a:t>Our Approaches</a:t>
+            </a:r>
+          </a:p>
+        </p:txBody>
+      </p:sp>
+      <p:sp>
+        <p:nvSpPr>
+          <p:cNvPr id="4" name="Foliennummernplatzhalter 3"/>
+          <p:cNvSpPr>
+            <a:spLocks noGrp="1"/>
+          </p:cNvSpPr>
+          <p:nvPr>
+            <p:ph type="sldNum" sz="quarter" idx="11"/>
+          </p:nvPr>
+        </p:nvSpPr>
+        <p:spPr/>
+        <p:txBody>
+          <a:bodyPr/>
+          <a:lstStyle/>
+          <a:p>
+            <a:fld id="{815DB69B-0A2B-4D0B-A3BD-360AAA24381D}" type="slidenum">
+              <a:rPr lang="de-DE" smtClean="0"/>
+              <a:pPr/>
+              <a:t>6</a:t>
+            </a:fld>
+            <a:endParaRPr lang="de-DE" dirty="0"/>
+          </a:p>
+        </p:txBody>
+      </p:sp>
+      <p:sp>
+        <p:nvSpPr>
+          <p:cNvPr id="5" name="Textplatzhalter 4"/>
+          <p:cNvSpPr>
+            <a:spLocks noGrp="1"/>
+          </p:cNvSpPr>
+          <p:nvPr>
+            <p:ph type="body" sz="quarter" idx="12"/>
+          </p:nvPr>
+        </p:nvSpPr>
+        <p:spPr/>
+        <p:txBody>
+          <a:bodyPr/>
+          <a:lstStyle/>
+          <a:p>
+            <a:pPr marL="0" indent="0">
+              <a:buNone/>
+            </a:pPr>
+            <a:endParaRPr lang="de-DE" dirty="0"/>
+          </a:p>
+          <a:p>
+            <a:r>
+              <a:rPr lang="de-DE" dirty="0"/>
+              <a:t>Software Engineering disciplines:</a:t>
+            </a:r>
+            <a:br>
+              <a:rPr lang="de-DE" dirty="0"/>
+            </a:br>
+            <a:endParaRPr lang="de-DE" dirty="0"/>
+          </a:p>
+          <a:p>
+            <a:pPr lvl="4">
+              <a:buFont typeface="Wingdings" panose="05000000000000000000" pitchFamily="2" charset="2"/>
+              <a:buChar char="§"/>
+            </a:pPr>
+            <a:r>
+              <a:rPr lang="de-DE" dirty="0"/>
+              <a:t>Complex datasets</a:t>
+            </a:r>
+          </a:p>
+          <a:p>
+            <a:pPr lvl="4">
+              <a:buFont typeface="Wingdings" panose="05000000000000000000" pitchFamily="2" charset="2"/>
+              <a:buChar char="§"/>
+            </a:pPr>
+            <a:r>
+              <a:rPr lang="de-DE" dirty="0"/>
+              <a:t>Compiler reporting</a:t>
+            </a:r>
+          </a:p>
+          <a:p>
+            <a:pPr lvl="4">
+              <a:buFont typeface="Wingdings" panose="05000000000000000000" pitchFamily="2" charset="2"/>
+              <a:buChar char="§"/>
+            </a:pPr>
+            <a:r>
+              <a:rPr lang="de-DE" dirty="0"/>
+              <a:t>Continuous integration</a:t>
+            </a:r>
+          </a:p>
+          <a:p>
+            <a:pPr lvl="4">
+              <a:buFont typeface="Wingdings" panose="05000000000000000000" pitchFamily="2" charset="2"/>
+              <a:buChar char="§"/>
+            </a:pPr>
+            <a:r>
+              <a:rPr lang="de-DE" dirty="0"/>
+              <a:t>Refactoring tools</a:t>
+            </a:r>
+          </a:p>
+          <a:p>
+            <a:pPr lvl="4">
+              <a:buFont typeface="Wingdings" panose="05000000000000000000" pitchFamily="2" charset="2"/>
+              <a:buChar char="§"/>
+            </a:pPr>
+            <a:r>
+              <a:rPr lang="de-DE" dirty="0"/>
+              <a:t>Issue tracker</a:t>
+            </a:r>
+          </a:p>
+          <a:p>
+            <a:pPr lvl="4">
+              <a:buFont typeface="Wingdings" panose="05000000000000000000" pitchFamily="2" charset="2"/>
+              <a:buChar char="§"/>
+            </a:pPr>
+            <a:r>
+              <a:rPr lang="de-DE" dirty="0"/>
+              <a:t>Stack Overflow </a:t>
+            </a:r>
+          </a:p>
+          <a:p>
+            <a:pPr lvl="4">
+              <a:buFont typeface="Wingdings" panose="05000000000000000000" pitchFamily="2" charset="2"/>
+              <a:buChar char="§"/>
+            </a:pPr>
+            <a:r>
+              <a:rPr lang="de-DE" dirty="0"/>
+              <a:t>Gamification</a:t>
+            </a:r>
+          </a:p>
+          <a:p>
+            <a:pPr lvl="4">
+              <a:buFont typeface="Wingdings" panose="05000000000000000000" pitchFamily="2" charset="2"/>
+              <a:buChar char="§"/>
+            </a:pPr>
+            <a:r>
+              <a:rPr lang="de-DE" dirty="0"/>
+              <a:t>Usability Engineering</a:t>
+            </a:r>
+          </a:p>
+        </p:txBody>
+      </p:sp>
+      <p:sp>
+        <p:nvSpPr>
+          <p:cNvPr id="3" name="Fußzeilenplatzhalter 2"/>
+          <p:cNvSpPr>
+            <a:spLocks noGrp="1"/>
+          </p:cNvSpPr>
+          <p:nvPr>
+            <p:ph type="ftr" sz="quarter" idx="10"/>
+          </p:nvPr>
+        </p:nvSpPr>
+        <p:spPr/>
+        <p:txBody>
+          <a:bodyPr/>
+          <a:lstStyle/>
+          <a:p>
+            <a:r>
+              <a:rPr lang="de-DE"/>
+              <a:t>Software Engineering</a:t>
+            </a:r>
+            <a:endParaRPr lang="de-DE" dirty="0"/>
+          </a:p>
+        </p:txBody>
+      </p:sp>
+    </p:spTree>
+    <p:extLst>
+      <p:ext uri="{BB962C8B-B14F-4D97-AF65-F5344CB8AC3E}">
+        <p14:creationId xmlns:p14="http://schemas.microsoft.com/office/powerpoint/2010/main" val="4265672591"/>
+      </p:ext>
+    </p:extLst>
+  </p:cSld>
+  <p:clrMapOvr>
+    <a:masterClrMapping/>
+  </p:clrMapOvr>
+</p:sld>
+</file>
+
+<file path=ppt/slides/slide60.xml><?xml version="1.0" encoding="utf-8"?>
 <p:sld xmlns:a="http://schemas.openxmlformats.org/drawingml/2006/main" xmlns:r="http://schemas.openxmlformats.org/officeDocument/2006/relationships" xmlns:p="http://schemas.openxmlformats.org/presentationml/2006/main">
   <p:cSld>
     <p:spTree>
@@ -43594,7 +44283,7 @@
             <a:fld id="{815DB69B-0A2B-4D0B-A3BD-360AAA24381D}" type="slidenum">
               <a:rPr lang="de-DE" smtClean="0"/>
               <a:pPr/>
-              <a:t>59</a:t>
+              <a:t>60</a:t>
             </a:fld>
             <a:endParaRPr lang="de-DE" dirty="0"/>
           </a:p>
@@ -43613,222 +44302,7 @@
 </p:sld>
 </file>
 
-<file path=ppt/slides/slide6.xml><?xml version="1.0" encoding="utf-8"?>
-<p:sld xmlns:a="http://schemas.openxmlformats.org/drawingml/2006/main" xmlns:r="http://schemas.openxmlformats.org/officeDocument/2006/relationships" xmlns:p="http://schemas.openxmlformats.org/presentationml/2006/main">
-  <p:cSld>
-    <p:spTree>
-      <p:nvGrpSpPr>
-        <p:cNvPr id="1" name=""/>
-        <p:cNvGrpSpPr/>
-        <p:nvPr/>
-      </p:nvGrpSpPr>
-      <p:grpSpPr>
-        <a:xfrm>
-          <a:off x="0" y="0"/>
-          <a:ext cx="0" cy="0"/>
-          <a:chOff x="0" y="0"/>
-          <a:chExt cx="0" cy="0"/>
-        </a:xfrm>
-      </p:grpSpPr>
-      <p:sp>
-        <p:nvSpPr>
-          <p:cNvPr id="2" name="Titel 1"/>
-          <p:cNvSpPr>
-            <a:spLocks noGrp="1"/>
-          </p:cNvSpPr>
-          <p:nvPr>
-            <p:ph type="title"/>
-          </p:nvPr>
-        </p:nvSpPr>
-        <p:spPr/>
-        <p:txBody>
-          <a:bodyPr/>
-          <a:lstStyle/>
-          <a:p>
-            <a:r>
-              <a:rPr lang="de-DE" dirty="0">
-                <a:solidFill>
-                  <a:schemeClr val="tx2"/>
-                </a:solidFill>
-              </a:rPr>
-              <a:t>Our Approaches</a:t>
-            </a:r>
-          </a:p>
-        </p:txBody>
-      </p:sp>
-      <p:sp>
-        <p:nvSpPr>
-          <p:cNvPr id="4" name="Foliennummernplatzhalter 3"/>
-          <p:cNvSpPr>
-            <a:spLocks noGrp="1"/>
-          </p:cNvSpPr>
-          <p:nvPr>
-            <p:ph type="sldNum" sz="quarter" idx="11"/>
-          </p:nvPr>
-        </p:nvSpPr>
-        <p:spPr/>
-        <p:txBody>
-          <a:bodyPr/>
-          <a:lstStyle/>
-          <a:p>
-            <a:fld id="{815DB69B-0A2B-4D0B-A3BD-360AAA24381D}" type="slidenum">
-              <a:rPr lang="de-DE" smtClean="0"/>
-              <a:pPr/>
-              <a:t>6</a:t>
-            </a:fld>
-            <a:endParaRPr lang="de-DE" dirty="0"/>
-          </a:p>
-        </p:txBody>
-      </p:sp>
-      <p:sp>
-        <p:nvSpPr>
-          <p:cNvPr id="5" name="Textplatzhalter 4"/>
-          <p:cNvSpPr>
-            <a:spLocks noGrp="1"/>
-          </p:cNvSpPr>
-          <p:nvPr>
-            <p:ph type="body" sz="quarter" idx="12"/>
-          </p:nvPr>
-        </p:nvSpPr>
-        <p:spPr/>
-        <p:txBody>
-          <a:bodyPr/>
-          <a:lstStyle/>
-          <a:p>
-            <a:pPr marL="0" indent="0">
-              <a:buNone/>
-            </a:pPr>
-            <a:endParaRPr lang="de-DE" dirty="0"/>
-          </a:p>
-          <a:p>
-            <a:r>
-              <a:rPr lang="de-DE" dirty="0"/>
-              <a:t>Software Engineering disciplines:</a:t>
-            </a:r>
-            <a:br>
-              <a:rPr lang="de-DE" dirty="0"/>
-            </a:br>
-            <a:endParaRPr lang="de-DE" dirty="0"/>
-          </a:p>
-          <a:p>
-            <a:pPr lvl="4">
-              <a:buFont typeface="Wingdings" panose="05000000000000000000" pitchFamily="2" charset="2"/>
-              <a:buChar char="§"/>
-            </a:pPr>
-            <a:r>
-              <a:rPr lang="de-DE" dirty="0"/>
-              <a:t>Complex datasets</a:t>
-            </a:r>
-          </a:p>
-          <a:p>
-            <a:pPr lvl="4">
-              <a:buFont typeface="Wingdings" panose="05000000000000000000" pitchFamily="2" charset="2"/>
-              <a:buChar char="§"/>
-            </a:pPr>
-            <a:r>
-              <a:rPr lang="de-DE" dirty="0"/>
-              <a:t>Compiler reporting</a:t>
-            </a:r>
-          </a:p>
-          <a:p>
-            <a:pPr lvl="4">
-              <a:buFont typeface="Wingdings" panose="05000000000000000000" pitchFamily="2" charset="2"/>
-              <a:buChar char="§"/>
-            </a:pPr>
-            <a:r>
-              <a:rPr lang="de-DE" dirty="0"/>
-              <a:t>Continuous integration</a:t>
-            </a:r>
-          </a:p>
-          <a:p>
-            <a:pPr lvl="4">
-              <a:buFont typeface="Wingdings" panose="05000000000000000000" pitchFamily="2" charset="2"/>
-              <a:buChar char="§"/>
-            </a:pPr>
-            <a:r>
-              <a:rPr lang="de-DE" dirty="0"/>
-              <a:t>Refactoring tools</a:t>
-            </a:r>
-          </a:p>
-          <a:p>
-            <a:pPr lvl="4">
-              <a:buFont typeface="Wingdings" panose="05000000000000000000" pitchFamily="2" charset="2"/>
-              <a:buChar char="§"/>
-            </a:pPr>
-            <a:r>
-              <a:rPr lang="de-DE" dirty="0"/>
-              <a:t>Issue tracker</a:t>
-            </a:r>
-          </a:p>
-          <a:p>
-            <a:pPr lvl="4">
-              <a:buFont typeface="Wingdings" panose="05000000000000000000" pitchFamily="2" charset="2"/>
-              <a:buChar char="§"/>
-            </a:pPr>
-            <a:r>
-              <a:rPr lang="de-DE" dirty="0"/>
-              <a:t>Stack Overflow </a:t>
-            </a:r>
-          </a:p>
-          <a:p>
-            <a:pPr lvl="4">
-              <a:buFont typeface="Wingdings" panose="05000000000000000000" pitchFamily="2" charset="2"/>
-              <a:buChar char="§"/>
-            </a:pPr>
-            <a:r>
-              <a:rPr lang="de-DE" dirty="0"/>
-              <a:t>Gamification</a:t>
-            </a:r>
-          </a:p>
-          <a:p>
-            <a:pPr lvl="4">
-              <a:buFont typeface="Wingdings" panose="05000000000000000000" pitchFamily="2" charset="2"/>
-              <a:buChar char="§"/>
-            </a:pPr>
-            <a:r>
-              <a:rPr lang="de-DE" dirty="0"/>
-              <a:t>Usability Engineering</a:t>
-            </a:r>
-          </a:p>
-        </p:txBody>
-      </p:sp>
-      <p:sp>
-        <p:nvSpPr>
-          <p:cNvPr id="3" name="Fußzeilenplatzhalter 2"/>
-          <p:cNvSpPr>
-            <a:spLocks noGrp="1"/>
-          </p:cNvSpPr>
-          <p:nvPr>
-            <p:ph type="ftr" sz="quarter" idx="10"/>
-          </p:nvPr>
-        </p:nvSpPr>
-        <p:spPr/>
-        <p:txBody>
-          <a:bodyPr/>
-          <a:lstStyle/>
-          <a:p>
-            <a:r>
-              <a:rPr lang="de-DE"/>
-              <a:t>Software Engineering</a:t>
-            </a:r>
-            <a:endParaRPr lang="de-DE" dirty="0"/>
-          </a:p>
-        </p:txBody>
-      </p:sp>
-    </p:spTree>
-    <p:extLst>
-      <p:ext uri="{BB962C8B-B14F-4D97-AF65-F5344CB8AC3E}">
-        <p14:creationId xmlns:p14="http://schemas.microsoft.com/office/powerpoint/2010/main" val="4265672591"/>
-      </p:ext>
-    </p:extLst>
-  </p:cSld>
-  <p:clrMapOvr>
-    <a:masterClrMapping/>
-  </p:clrMapOvr>
-</p:sld>
-</file>
-
-<file path=ppt/slides/slide60.xml><?xml version="1.0" encoding="utf-8"?>
+<file path=ppt/slides/slide61.xml><?xml version="1.0" encoding="utf-8"?>
 <p:sld xmlns:a="http://schemas.openxmlformats.org/drawingml/2006/main" xmlns:r="http://schemas.openxmlformats.org/officeDocument/2006/relationships" xmlns:p="http://schemas.openxmlformats.org/presentationml/2006/main">
   <p:cSld>
     <p:spTree>
@@ -43950,7 +44424,7 @@
             <a:fld id="{815DB69B-0A2B-4D0B-A3BD-360AAA24381D}" type="slidenum">
               <a:rPr lang="de-DE" smtClean="0"/>
               <a:pPr/>
-              <a:t>60</a:t>
+              <a:t>61</a:t>
             </a:fld>
             <a:endParaRPr lang="de-DE" dirty="0"/>
           </a:p>
@@ -44050,7 +44524,7 @@
 </p:sld>
 </file>
 
-<file path=ppt/slides/slide61.xml><?xml version="1.0" encoding="utf-8"?>
+<file path=ppt/slides/slide62.xml><?xml version="1.0" encoding="utf-8"?>
 <p:sld xmlns:a="http://schemas.openxmlformats.org/drawingml/2006/main" xmlns:r="http://schemas.openxmlformats.org/officeDocument/2006/relationships" xmlns:p="http://schemas.openxmlformats.org/presentationml/2006/main">
   <p:cSld>
     <p:spTree>
@@ -44172,7 +44646,7 @@
             <a:fld id="{815DB69B-0A2B-4D0B-A3BD-360AAA24381D}" type="slidenum">
               <a:rPr lang="de-DE" smtClean="0"/>
               <a:pPr/>
-              <a:t>61</a:t>
+              <a:t>62</a:t>
             </a:fld>
             <a:endParaRPr lang="de-DE" dirty="0"/>
           </a:p>
@@ -44280,7 +44754,7 @@
 </p:sld>
 </file>
 
-<file path=ppt/slides/slide62.xml><?xml version="1.0" encoding="utf-8"?>
+<file path=ppt/slides/slide63.xml><?xml version="1.0" encoding="utf-8"?>
 <p:sld xmlns:a="http://schemas.openxmlformats.org/drawingml/2006/main" xmlns:r="http://schemas.openxmlformats.org/officeDocument/2006/relationships" xmlns:p="http://schemas.openxmlformats.org/presentationml/2006/main">
   <p:cSld>
     <p:spTree>
@@ -44402,7 +44876,7 @@
             <a:fld id="{815DB69B-0A2B-4D0B-A3BD-360AAA24381D}" type="slidenum">
               <a:rPr lang="de-DE" smtClean="0"/>
               <a:pPr/>
-              <a:t>62</a:t>
+              <a:t>63</a:t>
             </a:fld>
             <a:endParaRPr lang="de-DE" dirty="0"/>
           </a:p>
@@ -44510,7 +44984,7 @@
 </p:sld>
 </file>
 
-<file path=ppt/slides/slide63.xml><?xml version="1.0" encoding="utf-8"?>
+<file path=ppt/slides/slide64.xml><?xml version="1.0" encoding="utf-8"?>
 <p:sld xmlns:a="http://schemas.openxmlformats.org/drawingml/2006/main" xmlns:r="http://schemas.openxmlformats.org/officeDocument/2006/relationships" xmlns:p="http://schemas.openxmlformats.org/presentationml/2006/main">
   <p:cSld>
     <p:spTree>
@@ -44632,7 +45106,7 @@
             <a:fld id="{815DB69B-0A2B-4D0B-A3BD-360AAA24381D}" type="slidenum">
               <a:rPr lang="de-DE" smtClean="0"/>
               <a:pPr/>
-              <a:t>63</a:t>
+              <a:t>64</a:t>
             </a:fld>
             <a:endParaRPr lang="de-DE" dirty="0"/>
           </a:p>
@@ -44732,7 +45206,7 @@
 </p:sld>
 </file>
 
-<file path=ppt/slides/slide64.xml><?xml version="1.0" encoding="utf-8"?>
+<file path=ppt/slides/slide65.xml><?xml version="1.0" encoding="utf-8"?>
 <p:sld xmlns:a="http://schemas.openxmlformats.org/drawingml/2006/main" xmlns:r="http://schemas.openxmlformats.org/officeDocument/2006/relationships" xmlns:p="http://schemas.openxmlformats.org/presentationml/2006/main">
   <p:cSld>
     <p:spTree>
@@ -44854,7 +45328,7 @@
             <a:fld id="{815DB69B-0A2B-4D0B-A3BD-360AAA24381D}" type="slidenum">
               <a:rPr lang="de-DE" smtClean="0"/>
               <a:pPr/>
-              <a:t>64</a:t>
+              <a:t>65</a:t>
             </a:fld>
             <a:endParaRPr lang="de-DE" dirty="0"/>
           </a:p>
@@ -45000,7 +45474,7 @@
 </p:sld>
 </file>
 
-<file path=ppt/slides/slide65.xml><?xml version="1.0" encoding="utf-8"?>
+<file path=ppt/slides/slide66.xml><?xml version="1.0" encoding="utf-8"?>
 <p:sld xmlns:a="http://schemas.openxmlformats.org/drawingml/2006/main" xmlns:r="http://schemas.openxmlformats.org/officeDocument/2006/relationships" xmlns:p="http://schemas.openxmlformats.org/presentationml/2006/main">
   <p:cSld>
     <p:spTree>
@@ -45107,7 +45581,7 @@
             <a:fld id="{815DB69B-0A2B-4D0B-A3BD-360AAA24381D}" type="slidenum">
               <a:rPr lang="de-DE" smtClean="0"/>
               <a:pPr/>
-              <a:t>65</a:t>
+              <a:t>66</a:t>
             </a:fld>
             <a:endParaRPr lang="de-DE" dirty="0"/>
           </a:p>
@@ -45365,344 +45839,6 @@
 </p:sld>
 </file>
 
-<file path=ppt/slides/slide66.xml><?xml version="1.0" encoding="utf-8"?>
-<p:sld xmlns:a="http://schemas.openxmlformats.org/drawingml/2006/main" xmlns:r="http://schemas.openxmlformats.org/officeDocument/2006/relationships" xmlns:p="http://schemas.openxmlformats.org/presentationml/2006/main">
-  <p:cSld>
-    <p:spTree>
-      <p:nvGrpSpPr>
-        <p:cNvPr id="1" name=""/>
-        <p:cNvGrpSpPr/>
-        <p:nvPr/>
-      </p:nvGrpSpPr>
-      <p:grpSpPr>
-        <a:xfrm>
-          <a:off x="0" y="0"/>
-          <a:ext cx="0" cy="0"/>
-          <a:chOff x="0" y="0"/>
-          <a:chExt cx="0" cy="0"/>
-        </a:xfrm>
-      </p:grpSpPr>
-      <p:sp>
-        <p:nvSpPr>
-          <p:cNvPr id="2" name="Title 1">
-            <a:extLst>
-              <a:ext uri="{FF2B5EF4-FFF2-40B4-BE49-F238E27FC236}">
-                <a16:creationId xmlns:a16="http://schemas.microsoft.com/office/drawing/2014/main" id="{D900D08C-C553-43EE-84D1-0E74FA2FC9BA}"/>
-              </a:ext>
-            </a:extLst>
-          </p:cNvPr>
-          <p:cNvSpPr>
-            <a:spLocks noGrp="1"/>
-          </p:cNvSpPr>
-          <p:nvPr>
-            <p:ph type="title"/>
-          </p:nvPr>
-        </p:nvSpPr>
-        <p:spPr>
-          <a:xfrm>
-            <a:off x="250734" y="404664"/>
-            <a:ext cx="9363637" cy="1079772"/>
-          </a:xfrm>
-        </p:spPr>
-        <p:txBody>
-          <a:bodyPr/>
-          <a:lstStyle/>
-          <a:p>
-            <a:r>
-              <a:rPr lang="en-GB" dirty="0">
-                <a:solidFill>
-                  <a:srgbClr val="003A80"/>
-                </a:solidFill>
-              </a:rPr>
-              <a:t>[RQ 2] </a:t>
-            </a:r>
-            <a:br>
-              <a:rPr lang="en-GB" dirty="0">
-                <a:solidFill>
-                  <a:srgbClr val="003A80"/>
-                </a:solidFill>
-              </a:rPr>
-            </a:br>
-            <a:br>
-              <a:rPr lang="en-GB" dirty="0">
-                <a:solidFill>
-                  <a:srgbClr val="003A80"/>
-                </a:solidFill>
-              </a:rPr>
-            </a:br>
-            <a:r>
-              <a:rPr lang="en-GB" dirty="0">
-                <a:solidFill>
-                  <a:srgbClr val="003A80"/>
-                </a:solidFill>
-              </a:rPr>
-              <a:t> How usable are each feedback functionality compared to the  		                       scenario of using uniﬁed UI to native UIs? </a:t>
-            </a:r>
-          </a:p>
-        </p:txBody>
-      </p:sp>
-      <p:sp>
-        <p:nvSpPr>
-          <p:cNvPr id="3" name="Footer Placeholder 2">
-            <a:extLst>
-              <a:ext uri="{FF2B5EF4-FFF2-40B4-BE49-F238E27FC236}">
-                <a16:creationId xmlns:a16="http://schemas.microsoft.com/office/drawing/2014/main" id="{29CCF344-4A75-4B15-B92F-90EB399CF56D}"/>
-              </a:ext>
-            </a:extLst>
-          </p:cNvPr>
-          <p:cNvSpPr>
-            <a:spLocks noGrp="1"/>
-          </p:cNvSpPr>
-          <p:nvPr>
-            <p:ph type="ftr" sz="quarter" idx="10"/>
-          </p:nvPr>
-        </p:nvSpPr>
-        <p:spPr/>
-        <p:txBody>
-          <a:bodyPr/>
-          <a:lstStyle/>
-          <a:p>
-            <a:r>
-              <a:rPr lang="de-DE"/>
-              <a:t>Software Engineering</a:t>
-            </a:r>
-            <a:endParaRPr lang="de-DE" dirty="0"/>
-          </a:p>
-        </p:txBody>
-      </p:sp>
-      <p:sp>
-        <p:nvSpPr>
-          <p:cNvPr id="4" name="Slide Number Placeholder 3">
-            <a:extLst>
-              <a:ext uri="{FF2B5EF4-FFF2-40B4-BE49-F238E27FC236}">
-                <a16:creationId xmlns:a16="http://schemas.microsoft.com/office/drawing/2014/main" id="{0B6F0876-29E2-400F-9A5E-7977729A15FA}"/>
-              </a:ext>
-            </a:extLst>
-          </p:cNvPr>
-          <p:cNvSpPr>
-            <a:spLocks noGrp="1"/>
-          </p:cNvSpPr>
-          <p:nvPr>
-            <p:ph type="sldNum" sz="quarter" idx="11"/>
-          </p:nvPr>
-        </p:nvSpPr>
-        <p:spPr/>
-        <p:txBody>
-          <a:bodyPr/>
-          <a:lstStyle/>
-          <a:p>
-            <a:fld id="{815DB69B-0A2B-4D0B-A3BD-360AAA24381D}" type="slidenum">
-              <a:rPr lang="de-DE" smtClean="0"/>
-              <a:pPr/>
-              <a:t>66</a:t>
-            </a:fld>
-            <a:endParaRPr lang="de-DE" dirty="0"/>
-          </a:p>
-        </p:txBody>
-      </p:sp>
-      <p:sp>
-        <p:nvSpPr>
-          <p:cNvPr id="5" name="TextBox 4">
-            <a:extLst>
-              <a:ext uri="{FF2B5EF4-FFF2-40B4-BE49-F238E27FC236}">
-                <a16:creationId xmlns:a16="http://schemas.microsoft.com/office/drawing/2014/main" id="{F7E54871-4301-4549-BA66-9A05B456E854}"/>
-              </a:ext>
-            </a:extLst>
-          </p:cNvPr>
-          <p:cNvSpPr txBox="1"/>
-          <p:nvPr/>
-        </p:nvSpPr>
-        <p:spPr>
-          <a:xfrm>
-            <a:off x="560512" y="2348880"/>
-            <a:ext cx="8558112" cy="2800767"/>
-          </a:xfrm>
-          <a:prstGeom prst="rect">
-            <a:avLst/>
-          </a:prstGeom>
-          <a:noFill/>
-        </p:spPr>
-        <p:txBody>
-          <a:bodyPr wrap="none" lIns="0" rIns="0" rtlCol="0">
-            <a:spAutoFit/>
-          </a:bodyPr>
-          <a:lstStyle/>
-          <a:p>
-            <a:pPr marL="360000" indent="-360000">
-              <a:spcAft>
-                <a:spcPts val="1000"/>
-              </a:spcAft>
-              <a:buClr>
-                <a:schemeClr val="tx2"/>
-              </a:buClr>
-              <a:buSzPct val="80000"/>
-              <a:buFont typeface="Wingdings" panose="05000000000000000000" pitchFamily="2" charset="2"/>
-              <a:buChar char="n"/>
-            </a:pPr>
-            <a:r>
-              <a:rPr lang="en-GB" dirty="0"/>
-              <a:t>Animated Icons</a:t>
-            </a:r>
-          </a:p>
-          <a:p>
-            <a:pPr marL="360000" indent="-360000">
-              <a:spcAft>
-                <a:spcPts val="1000"/>
-              </a:spcAft>
-              <a:buClr>
-                <a:schemeClr val="tx2"/>
-              </a:buClr>
-              <a:buSzPct val="80000"/>
-              <a:buFont typeface="Wingdings" panose="05000000000000000000" pitchFamily="2" charset="2"/>
-              <a:buChar char="n"/>
-            </a:pPr>
-            <a:r>
-              <a:rPr lang="en-GB" dirty="0"/>
-              <a:t>Progress Bar</a:t>
-            </a:r>
-          </a:p>
-          <a:p>
-            <a:pPr marL="360000" indent="-360000">
-              <a:spcAft>
-                <a:spcPts val="1000"/>
-              </a:spcAft>
-              <a:buClr>
-                <a:schemeClr val="tx2"/>
-              </a:buClr>
-              <a:buSzPct val="80000"/>
-              <a:buFont typeface="Wingdings" panose="05000000000000000000" pitchFamily="2" charset="2"/>
-              <a:buChar char="n"/>
-            </a:pPr>
-            <a:r>
-              <a:rPr lang="en-GB" dirty="0"/>
-              <a:t>Pending Status Popup</a:t>
-            </a:r>
-          </a:p>
-          <a:p>
-            <a:pPr marL="360000" indent="-360000">
-              <a:spcAft>
-                <a:spcPts val="1000"/>
-              </a:spcAft>
-              <a:buClr>
-                <a:schemeClr val="tx2"/>
-              </a:buClr>
-              <a:buSzPct val="80000"/>
-              <a:buFont typeface="Wingdings" panose="05000000000000000000" pitchFamily="2" charset="2"/>
-              <a:buChar char="n"/>
-            </a:pPr>
-            <a:r>
-              <a:rPr lang="en-GB" dirty="0"/>
-              <a:t>Alerts</a:t>
-            </a:r>
-          </a:p>
-          <a:p>
-            <a:pPr marL="360000" indent="-360000">
-              <a:spcAft>
-                <a:spcPts val="1000"/>
-              </a:spcAft>
-              <a:buClr>
-                <a:schemeClr val="tx2"/>
-              </a:buClr>
-              <a:buSzPct val="80000"/>
-              <a:buFont typeface="Wingdings" panose="05000000000000000000" pitchFamily="2" charset="2"/>
-              <a:buChar char="n"/>
-            </a:pPr>
-            <a:r>
-              <a:rPr lang="en-GB" dirty="0"/>
-              <a:t>Status </a:t>
-            </a:r>
-          </a:p>
-          <a:p>
-            <a:pPr marL="360000" indent="-360000">
-              <a:spcAft>
-                <a:spcPts val="1000"/>
-              </a:spcAft>
-              <a:buClr>
-                <a:schemeClr val="tx2"/>
-              </a:buClr>
-              <a:buSzPct val="80000"/>
-              <a:buFont typeface="Wingdings" panose="05000000000000000000" pitchFamily="2" charset="2"/>
-              <a:buChar char="n"/>
-            </a:pPr>
-            <a:endParaRPr lang="en-GB" dirty="0"/>
-          </a:p>
-          <a:p>
-            <a:pPr marL="360000" indent="-360000">
-              <a:spcAft>
-                <a:spcPts val="1000"/>
-              </a:spcAft>
-              <a:buClr>
-                <a:schemeClr val="tx2"/>
-              </a:buClr>
-              <a:buSzPct val="80000"/>
-              <a:buFont typeface="Wingdings" panose="05000000000000000000" pitchFamily="2" charset="2"/>
-              <a:buChar char="n"/>
-            </a:pPr>
-            <a:r>
-              <a:rPr lang="en-GB" dirty="0"/>
-              <a:t>Almost all users agreed the ideas being novel and hardly present with native UIs.</a:t>
-            </a:r>
-          </a:p>
-        </p:txBody>
-      </p:sp>
-      <p:sp>
-        <p:nvSpPr>
-          <p:cNvPr id="6" name="Rectangle 5">
-            <a:extLst>
-              <a:ext uri="{FF2B5EF4-FFF2-40B4-BE49-F238E27FC236}">
-                <a16:creationId xmlns:a16="http://schemas.microsoft.com/office/drawing/2014/main" id="{7694293A-86B1-4CA8-85FF-6BD271BFDC7A}"/>
-              </a:ext>
-            </a:extLst>
-          </p:cNvPr>
-          <p:cNvSpPr/>
-          <p:nvPr/>
-        </p:nvSpPr>
-        <p:spPr>
-          <a:xfrm>
-            <a:off x="632520" y="5543210"/>
-            <a:ext cx="9649072" cy="646331"/>
-          </a:xfrm>
-          <a:prstGeom prst="rect">
-            <a:avLst/>
-          </a:prstGeom>
-        </p:spPr>
-        <p:txBody>
-          <a:bodyPr wrap="square">
-            <a:spAutoFit/>
-          </a:bodyPr>
-          <a:lstStyle/>
-          <a:p>
-            <a:r>
-              <a:rPr lang="en-GB" dirty="0">
-                <a:latin typeface="LMRoman10-Regular"/>
-              </a:rPr>
-              <a:t>Each proposed feedback play an essential role in providing the information to the</a:t>
-            </a:r>
-          </a:p>
-          <a:p>
-            <a:r>
-              <a:rPr lang="en-GB" dirty="0">
-                <a:latin typeface="LMRoman10-Regular"/>
-              </a:rPr>
-              <a:t>user. Some are absent in existing tools.</a:t>
-            </a:r>
-            <a:endParaRPr lang="en-GB" dirty="0"/>
-          </a:p>
-        </p:txBody>
-      </p:sp>
-    </p:spTree>
-    <p:extLst>
-      <p:ext uri="{BB962C8B-B14F-4D97-AF65-F5344CB8AC3E}">
-        <p14:creationId xmlns:p14="http://schemas.microsoft.com/office/powerpoint/2010/main" val="1173169024"/>
-      </p:ext>
-    </p:extLst>
-  </p:cSld>
-  <p:clrMapOvr>
-    <a:masterClrMapping/>
-  </p:clrMapOvr>
-</p:sld>
-</file>
-
 <file path=ppt/slides/slide67.xml><?xml version="1.0" encoding="utf-8"?>
 <p:sld xmlns:a="http://schemas.openxmlformats.org/drawingml/2006/main" xmlns:r="http://schemas.openxmlformats.org/officeDocument/2006/relationships" xmlns:p="http://schemas.openxmlformats.org/presentationml/2006/main">
   <p:cSld>
@@ -45761,13 +45897,20 @@
                 </a:solidFill>
               </a:rPr>
             </a:br>
-            <a:r>
+            <a:br>
               <a:rPr lang="en-GB" dirty="0">
                 <a:solidFill>
                   <a:srgbClr val="003A80"/>
                 </a:solidFill>
               </a:rPr>
-              <a:t>Does alert notiﬁcation help in ﬁxing more bugs in contrast to its absence in current tools UI? </a:t>
+            </a:br>
+            <a:r>
+              <a:rPr lang="en-GB" dirty="0">
+                <a:solidFill>
+                  <a:srgbClr val="003A80"/>
+                </a:solidFill>
+              </a:rPr>
+              <a:t> How usable are each feedback functionality compared to the  		                       scenario of using uniﬁed UI to native UIs? </a:t>
             </a:r>
           </a:p>
         </p:txBody>
@@ -45826,6 +45969,337 @@
               <a:rPr lang="de-DE" smtClean="0"/>
               <a:pPr/>
               <a:t>67</a:t>
+            </a:fld>
+            <a:endParaRPr lang="de-DE" dirty="0"/>
+          </a:p>
+        </p:txBody>
+      </p:sp>
+      <p:sp>
+        <p:nvSpPr>
+          <p:cNvPr id="5" name="TextBox 4">
+            <a:extLst>
+              <a:ext uri="{FF2B5EF4-FFF2-40B4-BE49-F238E27FC236}">
+                <a16:creationId xmlns:a16="http://schemas.microsoft.com/office/drawing/2014/main" id="{F7E54871-4301-4549-BA66-9A05B456E854}"/>
+              </a:ext>
+            </a:extLst>
+          </p:cNvPr>
+          <p:cNvSpPr txBox="1"/>
+          <p:nvPr/>
+        </p:nvSpPr>
+        <p:spPr>
+          <a:xfrm>
+            <a:off x="560512" y="2348880"/>
+            <a:ext cx="8558112" cy="2800767"/>
+          </a:xfrm>
+          <a:prstGeom prst="rect">
+            <a:avLst/>
+          </a:prstGeom>
+          <a:noFill/>
+        </p:spPr>
+        <p:txBody>
+          <a:bodyPr wrap="none" lIns="0" rIns="0" rtlCol="0">
+            <a:spAutoFit/>
+          </a:bodyPr>
+          <a:lstStyle/>
+          <a:p>
+            <a:pPr marL="360000" indent="-360000">
+              <a:spcAft>
+                <a:spcPts val="1000"/>
+              </a:spcAft>
+              <a:buClr>
+                <a:schemeClr val="tx2"/>
+              </a:buClr>
+              <a:buSzPct val="80000"/>
+              <a:buFont typeface="Wingdings" panose="05000000000000000000" pitchFamily="2" charset="2"/>
+              <a:buChar char="n"/>
+            </a:pPr>
+            <a:r>
+              <a:rPr lang="en-GB" dirty="0"/>
+              <a:t>Animated Icons</a:t>
+            </a:r>
+          </a:p>
+          <a:p>
+            <a:pPr marL="360000" indent="-360000">
+              <a:spcAft>
+                <a:spcPts val="1000"/>
+              </a:spcAft>
+              <a:buClr>
+                <a:schemeClr val="tx2"/>
+              </a:buClr>
+              <a:buSzPct val="80000"/>
+              <a:buFont typeface="Wingdings" panose="05000000000000000000" pitchFamily="2" charset="2"/>
+              <a:buChar char="n"/>
+            </a:pPr>
+            <a:r>
+              <a:rPr lang="en-GB" dirty="0"/>
+              <a:t>Progress Bar</a:t>
+            </a:r>
+          </a:p>
+          <a:p>
+            <a:pPr marL="360000" indent="-360000">
+              <a:spcAft>
+                <a:spcPts val="1000"/>
+              </a:spcAft>
+              <a:buClr>
+                <a:schemeClr val="tx2"/>
+              </a:buClr>
+              <a:buSzPct val="80000"/>
+              <a:buFont typeface="Wingdings" panose="05000000000000000000" pitchFamily="2" charset="2"/>
+              <a:buChar char="n"/>
+            </a:pPr>
+            <a:r>
+              <a:rPr lang="en-GB" dirty="0"/>
+              <a:t>Pending Status Popup</a:t>
+            </a:r>
+          </a:p>
+          <a:p>
+            <a:pPr marL="360000" indent="-360000">
+              <a:spcAft>
+                <a:spcPts val="1000"/>
+              </a:spcAft>
+              <a:buClr>
+                <a:schemeClr val="tx2"/>
+              </a:buClr>
+              <a:buSzPct val="80000"/>
+              <a:buFont typeface="Wingdings" panose="05000000000000000000" pitchFamily="2" charset="2"/>
+              <a:buChar char="n"/>
+            </a:pPr>
+            <a:r>
+              <a:rPr lang="en-GB" dirty="0"/>
+              <a:t>Alerts</a:t>
+            </a:r>
+          </a:p>
+          <a:p>
+            <a:pPr marL="360000" indent="-360000">
+              <a:spcAft>
+                <a:spcPts val="1000"/>
+              </a:spcAft>
+              <a:buClr>
+                <a:schemeClr val="tx2"/>
+              </a:buClr>
+              <a:buSzPct val="80000"/>
+              <a:buFont typeface="Wingdings" panose="05000000000000000000" pitchFamily="2" charset="2"/>
+              <a:buChar char="n"/>
+            </a:pPr>
+            <a:r>
+              <a:rPr lang="en-GB" dirty="0"/>
+              <a:t>Status </a:t>
+            </a:r>
+          </a:p>
+          <a:p>
+            <a:pPr marL="360000" indent="-360000">
+              <a:spcAft>
+                <a:spcPts val="1000"/>
+              </a:spcAft>
+              <a:buClr>
+                <a:schemeClr val="tx2"/>
+              </a:buClr>
+              <a:buSzPct val="80000"/>
+              <a:buFont typeface="Wingdings" panose="05000000000000000000" pitchFamily="2" charset="2"/>
+              <a:buChar char="n"/>
+            </a:pPr>
+            <a:endParaRPr lang="en-GB" dirty="0"/>
+          </a:p>
+          <a:p>
+            <a:pPr marL="360000" indent="-360000">
+              <a:spcAft>
+                <a:spcPts val="1000"/>
+              </a:spcAft>
+              <a:buClr>
+                <a:schemeClr val="tx2"/>
+              </a:buClr>
+              <a:buSzPct val="80000"/>
+              <a:buFont typeface="Wingdings" panose="05000000000000000000" pitchFamily="2" charset="2"/>
+              <a:buChar char="n"/>
+            </a:pPr>
+            <a:r>
+              <a:rPr lang="en-GB" dirty="0"/>
+              <a:t>Almost all users agreed the ideas being novel and hardly present with native UIs.</a:t>
+            </a:r>
+          </a:p>
+        </p:txBody>
+      </p:sp>
+      <p:sp>
+        <p:nvSpPr>
+          <p:cNvPr id="6" name="Rectangle 5">
+            <a:extLst>
+              <a:ext uri="{FF2B5EF4-FFF2-40B4-BE49-F238E27FC236}">
+                <a16:creationId xmlns:a16="http://schemas.microsoft.com/office/drawing/2014/main" id="{7694293A-86B1-4CA8-85FF-6BD271BFDC7A}"/>
+              </a:ext>
+            </a:extLst>
+          </p:cNvPr>
+          <p:cNvSpPr/>
+          <p:nvPr/>
+        </p:nvSpPr>
+        <p:spPr>
+          <a:xfrm>
+            <a:off x="632520" y="5543210"/>
+            <a:ext cx="9649072" cy="646331"/>
+          </a:xfrm>
+          <a:prstGeom prst="rect">
+            <a:avLst/>
+          </a:prstGeom>
+        </p:spPr>
+        <p:txBody>
+          <a:bodyPr wrap="square">
+            <a:spAutoFit/>
+          </a:bodyPr>
+          <a:lstStyle/>
+          <a:p>
+            <a:r>
+              <a:rPr lang="en-GB" dirty="0">
+                <a:latin typeface="LMRoman10-Regular"/>
+              </a:rPr>
+              <a:t>Each proposed feedback play an essential role in providing the information to the</a:t>
+            </a:r>
+          </a:p>
+          <a:p>
+            <a:r>
+              <a:rPr lang="en-GB" dirty="0">
+                <a:latin typeface="LMRoman10-Regular"/>
+              </a:rPr>
+              <a:t>user. Some are absent in existing tools.</a:t>
+            </a:r>
+            <a:endParaRPr lang="en-GB" dirty="0"/>
+          </a:p>
+        </p:txBody>
+      </p:sp>
+    </p:spTree>
+    <p:extLst>
+      <p:ext uri="{BB962C8B-B14F-4D97-AF65-F5344CB8AC3E}">
+        <p14:creationId xmlns:p14="http://schemas.microsoft.com/office/powerpoint/2010/main" val="1173169024"/>
+      </p:ext>
+    </p:extLst>
+  </p:cSld>
+  <p:clrMapOvr>
+    <a:masterClrMapping/>
+  </p:clrMapOvr>
+</p:sld>
+</file>
+
+<file path=ppt/slides/slide68.xml><?xml version="1.0" encoding="utf-8"?>
+<p:sld xmlns:a="http://schemas.openxmlformats.org/drawingml/2006/main" xmlns:r="http://schemas.openxmlformats.org/officeDocument/2006/relationships" xmlns:p="http://schemas.openxmlformats.org/presentationml/2006/main">
+  <p:cSld>
+    <p:spTree>
+      <p:nvGrpSpPr>
+        <p:cNvPr id="1" name=""/>
+        <p:cNvGrpSpPr/>
+        <p:nvPr/>
+      </p:nvGrpSpPr>
+      <p:grpSpPr>
+        <a:xfrm>
+          <a:off x="0" y="0"/>
+          <a:ext cx="0" cy="0"/>
+          <a:chOff x="0" y="0"/>
+          <a:chExt cx="0" cy="0"/>
+        </a:xfrm>
+      </p:grpSpPr>
+      <p:sp>
+        <p:nvSpPr>
+          <p:cNvPr id="2" name="Title 1">
+            <a:extLst>
+              <a:ext uri="{FF2B5EF4-FFF2-40B4-BE49-F238E27FC236}">
+                <a16:creationId xmlns:a16="http://schemas.microsoft.com/office/drawing/2014/main" id="{D900D08C-C553-43EE-84D1-0E74FA2FC9BA}"/>
+              </a:ext>
+            </a:extLst>
+          </p:cNvPr>
+          <p:cNvSpPr>
+            <a:spLocks noGrp="1"/>
+          </p:cNvSpPr>
+          <p:nvPr>
+            <p:ph type="title"/>
+          </p:nvPr>
+        </p:nvSpPr>
+        <p:spPr>
+          <a:xfrm>
+            <a:off x="250734" y="404664"/>
+            <a:ext cx="9363637" cy="1079772"/>
+          </a:xfrm>
+        </p:spPr>
+        <p:txBody>
+          <a:bodyPr/>
+          <a:lstStyle/>
+          <a:p>
+            <a:r>
+              <a:rPr lang="en-GB" dirty="0">
+                <a:solidFill>
+                  <a:srgbClr val="003A80"/>
+                </a:solidFill>
+              </a:rPr>
+              <a:t>[RQ 2] </a:t>
+            </a:r>
+            <a:br>
+              <a:rPr lang="en-GB" dirty="0">
+                <a:solidFill>
+                  <a:srgbClr val="003A80"/>
+                </a:solidFill>
+              </a:rPr>
+            </a:br>
+            <a:r>
+              <a:rPr lang="en-GB" dirty="0">
+                <a:solidFill>
+                  <a:srgbClr val="003A80"/>
+                </a:solidFill>
+              </a:rPr>
+              <a:t>Does alert notiﬁcation help in ﬁxing more bugs in contrast to its absence in current tools UI? </a:t>
+            </a:r>
+          </a:p>
+        </p:txBody>
+      </p:sp>
+      <p:sp>
+        <p:nvSpPr>
+          <p:cNvPr id="3" name="Footer Placeholder 2">
+            <a:extLst>
+              <a:ext uri="{FF2B5EF4-FFF2-40B4-BE49-F238E27FC236}">
+                <a16:creationId xmlns:a16="http://schemas.microsoft.com/office/drawing/2014/main" id="{29CCF344-4A75-4B15-B92F-90EB399CF56D}"/>
+              </a:ext>
+            </a:extLst>
+          </p:cNvPr>
+          <p:cNvSpPr>
+            <a:spLocks noGrp="1"/>
+          </p:cNvSpPr>
+          <p:nvPr>
+            <p:ph type="ftr" sz="quarter" idx="10"/>
+          </p:nvPr>
+        </p:nvSpPr>
+        <p:spPr/>
+        <p:txBody>
+          <a:bodyPr/>
+          <a:lstStyle/>
+          <a:p>
+            <a:r>
+              <a:rPr lang="de-DE"/>
+              <a:t>Software Engineering</a:t>
+            </a:r>
+            <a:endParaRPr lang="de-DE" dirty="0"/>
+          </a:p>
+        </p:txBody>
+      </p:sp>
+      <p:sp>
+        <p:nvSpPr>
+          <p:cNvPr id="4" name="Slide Number Placeholder 3">
+            <a:extLst>
+              <a:ext uri="{FF2B5EF4-FFF2-40B4-BE49-F238E27FC236}">
+                <a16:creationId xmlns:a16="http://schemas.microsoft.com/office/drawing/2014/main" id="{0B6F0876-29E2-400F-9A5E-7977729A15FA}"/>
+              </a:ext>
+            </a:extLst>
+          </p:cNvPr>
+          <p:cNvSpPr>
+            <a:spLocks noGrp="1"/>
+          </p:cNvSpPr>
+          <p:nvPr>
+            <p:ph type="sldNum" sz="quarter" idx="11"/>
+          </p:nvPr>
+        </p:nvSpPr>
+        <p:spPr/>
+        <p:txBody>
+          <a:bodyPr/>
+          <a:lstStyle/>
+          <a:p>
+            <a:fld id="{815DB69B-0A2B-4D0B-A3BD-360AAA24381D}" type="slidenum">
+              <a:rPr lang="de-DE" smtClean="0"/>
+              <a:pPr/>
+              <a:t>68</a:t>
             </a:fld>
             <a:endParaRPr lang="de-DE" dirty="0"/>
           </a:p>
@@ -45933,7 +46407,7 @@
 </p:sld>
 </file>
 
-<file path=ppt/slides/slide68.xml><?xml version="1.0" encoding="utf-8"?>
+<file path=ppt/slides/slide69.xml><?xml version="1.0" encoding="utf-8"?>
 <p:sld xmlns:a="http://schemas.openxmlformats.org/drawingml/2006/main" xmlns:r="http://schemas.openxmlformats.org/officeDocument/2006/relationships" xmlns:p="http://schemas.openxmlformats.org/presentationml/2006/main">
   <p:cSld>
     <p:spTree>
@@ -46055,7 +46529,7 @@
             <a:fld id="{815DB69B-0A2B-4D0B-A3BD-360AAA24381D}" type="slidenum">
               <a:rPr lang="de-DE" smtClean="0"/>
               <a:pPr/>
-              <a:t>68</a:t>
+              <a:t>69</a:t>
             </a:fld>
             <a:endParaRPr lang="de-DE" dirty="0"/>
           </a:p>
@@ -46169,302 +46643,6 @@
     <p:extLst>
       <p:ext uri="{BB962C8B-B14F-4D97-AF65-F5344CB8AC3E}">
         <p14:creationId xmlns:p14="http://schemas.microsoft.com/office/powerpoint/2010/main" val="3336131277"/>
-      </p:ext>
-    </p:extLst>
-  </p:cSld>
-  <p:clrMapOvr>
-    <a:masterClrMapping/>
-  </p:clrMapOvr>
-</p:sld>
-</file>
-
-<file path=ppt/slides/slide69.xml><?xml version="1.0" encoding="utf-8"?>
-<p:sld xmlns:a="http://schemas.openxmlformats.org/drawingml/2006/main" xmlns:r="http://schemas.openxmlformats.org/officeDocument/2006/relationships" xmlns:p="http://schemas.openxmlformats.org/presentationml/2006/main">
-  <p:cSld>
-    <p:spTree>
-      <p:nvGrpSpPr>
-        <p:cNvPr id="1" name=""/>
-        <p:cNvGrpSpPr/>
-        <p:nvPr/>
-      </p:nvGrpSpPr>
-      <p:grpSpPr>
-        <a:xfrm>
-          <a:off x="0" y="0"/>
-          <a:ext cx="0" cy="0"/>
-          <a:chOff x="0" y="0"/>
-          <a:chExt cx="0" cy="0"/>
-        </a:xfrm>
-      </p:grpSpPr>
-      <p:sp>
-        <p:nvSpPr>
-          <p:cNvPr id="2" name="Title 1">
-            <a:extLst>
-              <a:ext uri="{FF2B5EF4-FFF2-40B4-BE49-F238E27FC236}">
-                <a16:creationId xmlns:a16="http://schemas.microsoft.com/office/drawing/2014/main" id="{D900D08C-C553-43EE-84D1-0E74FA2FC9BA}"/>
-              </a:ext>
-            </a:extLst>
-          </p:cNvPr>
-          <p:cNvSpPr>
-            <a:spLocks noGrp="1"/>
-          </p:cNvSpPr>
-          <p:nvPr>
-            <p:ph type="title"/>
-          </p:nvPr>
-        </p:nvSpPr>
-        <p:spPr>
-          <a:xfrm>
-            <a:off x="271181" y="836712"/>
-            <a:ext cx="9363637" cy="1079772"/>
-          </a:xfrm>
-        </p:spPr>
-        <p:txBody>
-          <a:bodyPr/>
-          <a:lstStyle/>
-          <a:p>
-            <a:r>
-              <a:rPr lang="en-GB" dirty="0">
-                <a:solidFill>
-                  <a:srgbClr val="003A80"/>
-                </a:solidFill>
-              </a:rPr>
-              <a:t>[RQ 2] </a:t>
-            </a:r>
-            <a:br>
-              <a:rPr lang="en-GB" dirty="0">
-                <a:solidFill>
-                  <a:srgbClr val="003A80"/>
-                </a:solidFill>
-              </a:rPr>
-            </a:br>
-            <a:br>
-              <a:rPr lang="en-GB" dirty="0">
-                <a:solidFill>
-                  <a:srgbClr val="003A80"/>
-                </a:solidFill>
-              </a:rPr>
-            </a:br>
-            <a:r>
-              <a:rPr lang="en-GB" dirty="0">
-                <a:solidFill>
-                  <a:srgbClr val="003A80"/>
-                </a:solidFill>
-              </a:rPr>
-              <a:t>Does MSAT UI with ﬁve diﬀerent mechanisms helps in ﬁxing the bugs in a faster way in comparison to using multiple tools with native user interfaces?</a:t>
-            </a:r>
-            <a:br>
-              <a:rPr lang="en-GB" dirty="0">
-                <a:solidFill>
-                  <a:srgbClr val="003A80"/>
-                </a:solidFill>
-              </a:rPr>
-            </a:br>
-            <a:endParaRPr lang="en-GB" dirty="0">
-              <a:solidFill>
-                <a:srgbClr val="003A80"/>
-              </a:solidFill>
-            </a:endParaRPr>
-          </a:p>
-        </p:txBody>
-      </p:sp>
-      <p:sp>
-        <p:nvSpPr>
-          <p:cNvPr id="3" name="Footer Placeholder 2">
-            <a:extLst>
-              <a:ext uri="{FF2B5EF4-FFF2-40B4-BE49-F238E27FC236}">
-                <a16:creationId xmlns:a16="http://schemas.microsoft.com/office/drawing/2014/main" id="{29CCF344-4A75-4B15-B92F-90EB399CF56D}"/>
-              </a:ext>
-            </a:extLst>
-          </p:cNvPr>
-          <p:cNvSpPr>
-            <a:spLocks noGrp="1"/>
-          </p:cNvSpPr>
-          <p:nvPr>
-            <p:ph type="ftr" sz="quarter" idx="10"/>
-          </p:nvPr>
-        </p:nvSpPr>
-        <p:spPr/>
-        <p:txBody>
-          <a:bodyPr/>
-          <a:lstStyle/>
-          <a:p>
-            <a:r>
-              <a:rPr lang="de-DE"/>
-              <a:t>Software Engineering</a:t>
-            </a:r>
-            <a:endParaRPr lang="de-DE" dirty="0"/>
-          </a:p>
-        </p:txBody>
-      </p:sp>
-      <p:sp>
-        <p:nvSpPr>
-          <p:cNvPr id="4" name="Slide Number Placeholder 3">
-            <a:extLst>
-              <a:ext uri="{FF2B5EF4-FFF2-40B4-BE49-F238E27FC236}">
-                <a16:creationId xmlns:a16="http://schemas.microsoft.com/office/drawing/2014/main" id="{0B6F0876-29E2-400F-9A5E-7977729A15FA}"/>
-              </a:ext>
-            </a:extLst>
-          </p:cNvPr>
-          <p:cNvSpPr>
-            <a:spLocks noGrp="1"/>
-          </p:cNvSpPr>
-          <p:nvPr>
-            <p:ph type="sldNum" sz="quarter" idx="11"/>
-          </p:nvPr>
-        </p:nvSpPr>
-        <p:spPr/>
-        <p:txBody>
-          <a:bodyPr/>
-          <a:lstStyle/>
-          <a:p>
-            <a:fld id="{815DB69B-0A2B-4D0B-A3BD-360AAA24381D}" type="slidenum">
-              <a:rPr lang="de-DE" smtClean="0"/>
-              <a:pPr/>
-              <a:t>69</a:t>
-            </a:fld>
-            <a:endParaRPr lang="de-DE" dirty="0"/>
-          </a:p>
-        </p:txBody>
-      </p:sp>
-      <p:sp>
-        <p:nvSpPr>
-          <p:cNvPr id="6" name="TextBox 5">
-            <a:extLst>
-              <a:ext uri="{FF2B5EF4-FFF2-40B4-BE49-F238E27FC236}">
-                <a16:creationId xmlns:a16="http://schemas.microsoft.com/office/drawing/2014/main" id="{970BBC4C-A02F-4F76-BF32-AA9BFD78D93C}"/>
-              </a:ext>
-            </a:extLst>
-          </p:cNvPr>
-          <p:cNvSpPr txBox="1"/>
-          <p:nvPr/>
-        </p:nvSpPr>
-        <p:spPr>
-          <a:xfrm>
-            <a:off x="632520" y="3212976"/>
-            <a:ext cx="7262886" cy="1585049"/>
-          </a:xfrm>
-          <a:prstGeom prst="rect">
-            <a:avLst/>
-          </a:prstGeom>
-          <a:noFill/>
-        </p:spPr>
-        <p:txBody>
-          <a:bodyPr wrap="none" lIns="0" rIns="0" rtlCol="0">
-            <a:spAutoFit/>
-          </a:bodyPr>
-          <a:lstStyle/>
-          <a:p>
-            <a:pPr marL="360000" indent="-360000">
-              <a:spcAft>
-                <a:spcPts val="1000"/>
-              </a:spcAft>
-              <a:buClr>
-                <a:schemeClr val="tx2"/>
-              </a:buClr>
-              <a:buSzPct val="80000"/>
-              <a:buFont typeface="Wingdings" panose="05000000000000000000" pitchFamily="2" charset="2"/>
-              <a:buChar char="n"/>
-            </a:pPr>
-            <a:r>
-              <a:rPr lang="en-GB" dirty="0"/>
-              <a:t>Visualisations provided by these 5 feedback helps!</a:t>
-            </a:r>
-          </a:p>
-          <a:p>
-            <a:pPr marL="360000" indent="-360000">
-              <a:spcAft>
-                <a:spcPts val="1000"/>
-              </a:spcAft>
-              <a:buClr>
-                <a:schemeClr val="tx2"/>
-              </a:buClr>
-              <a:buSzPct val="80000"/>
-              <a:buFont typeface="Wingdings" panose="05000000000000000000" pitchFamily="2" charset="2"/>
-              <a:buChar char="n"/>
-            </a:pPr>
-            <a:endParaRPr lang="en-GB" dirty="0"/>
-          </a:p>
-          <a:p>
-            <a:pPr marL="360000" indent="-360000">
-              <a:spcAft>
-                <a:spcPts val="1000"/>
-              </a:spcAft>
-              <a:buClr>
-                <a:schemeClr val="tx2"/>
-              </a:buClr>
-              <a:buSzPct val="80000"/>
-              <a:buFont typeface="Wingdings" panose="05000000000000000000" pitchFamily="2" charset="2"/>
-              <a:buChar char="n"/>
-            </a:pPr>
-            <a:r>
-              <a:rPr lang="en-GB" dirty="0"/>
-              <a:t>Example: Progress Bar – helps in waiting than making system hang</a:t>
-            </a:r>
-          </a:p>
-          <a:p>
-            <a:pPr marL="360000" indent="-360000">
-              <a:spcAft>
-                <a:spcPts val="1000"/>
-              </a:spcAft>
-              <a:buClr>
-                <a:schemeClr val="tx2"/>
-              </a:buClr>
-              <a:buSzPct val="80000"/>
-              <a:buFont typeface="Wingdings" panose="05000000000000000000" pitchFamily="2" charset="2"/>
-              <a:buChar char="n"/>
-            </a:pPr>
-            <a:endParaRPr lang="en-GB" dirty="0"/>
-          </a:p>
-        </p:txBody>
-      </p:sp>
-      <p:sp>
-        <p:nvSpPr>
-          <p:cNvPr id="5" name="Rectangle 4">
-            <a:extLst>
-              <a:ext uri="{FF2B5EF4-FFF2-40B4-BE49-F238E27FC236}">
-                <a16:creationId xmlns:a16="http://schemas.microsoft.com/office/drawing/2014/main" id="{A98CEEC6-17B6-479B-A80F-A36C23657444}"/>
-              </a:ext>
-            </a:extLst>
-          </p:cNvPr>
-          <p:cNvSpPr/>
-          <p:nvPr/>
-        </p:nvSpPr>
-        <p:spPr>
-          <a:xfrm>
-            <a:off x="890670" y="5157192"/>
-            <a:ext cx="9363636" cy="646331"/>
-          </a:xfrm>
-          <a:prstGeom prst="rect">
-            <a:avLst/>
-          </a:prstGeom>
-        </p:spPr>
-        <p:txBody>
-          <a:bodyPr wrap="square">
-            <a:spAutoFit/>
-          </a:bodyPr>
-          <a:lstStyle/>
-          <a:p>
-            <a:r>
-              <a:rPr lang="en-GB" dirty="0">
-                <a:latin typeface="LMRoman10-Regular"/>
-              </a:rPr>
-              <a:t>Yes! with the help of direct visualisations provided by the proposed feedbacks.</a:t>
-            </a:r>
-          </a:p>
-          <a:p>
-            <a:r>
-              <a:rPr lang="en-GB" dirty="0">
-                <a:latin typeface="LMRoman10-Regular"/>
-              </a:rPr>
-              <a:t>Notably, ‘alert’ is helpful to try again to fix the bug immediately in case of bug fix fail.</a:t>
-            </a:r>
-            <a:endParaRPr lang="en-GB" dirty="0"/>
-          </a:p>
-        </p:txBody>
-      </p:sp>
-    </p:spTree>
-    <p:extLst>
-      <p:ext uri="{BB962C8B-B14F-4D97-AF65-F5344CB8AC3E}">
-        <p14:creationId xmlns:p14="http://schemas.microsoft.com/office/powerpoint/2010/main" val="284205104"/>
       </p:ext>
     </p:extLst>
   </p:cSld>
@@ -46805,7 +46983,7 @@
         </p:nvSpPr>
         <p:spPr>
           <a:xfrm>
-            <a:off x="250734" y="404664"/>
+            <a:off x="271181" y="836712"/>
             <a:ext cx="9363637" cy="1079772"/>
           </a:xfrm>
         </p:spPr>
@@ -46819,7 +46997,7 @@
                   <a:srgbClr val="003A80"/>
                 </a:solidFill>
               </a:rPr>
-              <a:t>[RQ 3] </a:t>
+              <a:t>[RQ 2] </a:t>
             </a:r>
             <a:br>
               <a:rPr lang="en-GB" dirty="0">
@@ -46828,14 +47006,33 @@
                 </a:solidFill>
               </a:rPr>
             </a:br>
-            <a:r>
+            <a:br>
               <a:rPr lang="en-GB" dirty="0">
                 <a:solidFill>
                   <a:srgbClr val="003A80"/>
                 </a:solidFill>
               </a:rPr>
-              <a:t>Do users prefer having multiple windows to single window in tracing previous bug ﬁxes in a method? </a:t>
-            </a:r>
+            </a:br>
+            <a:r>
+              <a:rPr lang="en-GB" dirty="0">
+                <a:solidFill>
+                  <a:srgbClr val="003A80"/>
+                </a:solidFill>
+              </a:rPr>
+              <a:t>Does MSAT UI with ﬁve diﬀerent mechanisms helps in ﬁxing the bugs in a faster way in comparison to using multiple tools with native user interfaces?</a:t>
+            </a:r>
+            <a:br>
+              <a:rPr lang="en-GB" dirty="0">
+                <a:solidFill>
+                  <a:srgbClr val="003A80"/>
+                </a:solidFill>
+              </a:rPr>
+            </a:br>
+            <a:endParaRPr lang="en-GB" dirty="0">
+              <a:solidFill>
+                <a:srgbClr val="003A80"/>
+              </a:solidFill>
+            </a:endParaRPr>
           </a:p>
         </p:txBody>
       </p:sp>
@@ -46893,6 +47090,283 @@
               <a:rPr lang="de-DE" smtClean="0"/>
               <a:pPr/>
               <a:t>70</a:t>
+            </a:fld>
+            <a:endParaRPr lang="de-DE" dirty="0"/>
+          </a:p>
+        </p:txBody>
+      </p:sp>
+      <p:sp>
+        <p:nvSpPr>
+          <p:cNvPr id="6" name="TextBox 5">
+            <a:extLst>
+              <a:ext uri="{FF2B5EF4-FFF2-40B4-BE49-F238E27FC236}">
+                <a16:creationId xmlns:a16="http://schemas.microsoft.com/office/drawing/2014/main" id="{970BBC4C-A02F-4F76-BF32-AA9BFD78D93C}"/>
+              </a:ext>
+            </a:extLst>
+          </p:cNvPr>
+          <p:cNvSpPr txBox="1"/>
+          <p:nvPr/>
+        </p:nvSpPr>
+        <p:spPr>
+          <a:xfrm>
+            <a:off x="632520" y="3212976"/>
+            <a:ext cx="7262886" cy="1585049"/>
+          </a:xfrm>
+          <a:prstGeom prst="rect">
+            <a:avLst/>
+          </a:prstGeom>
+          <a:noFill/>
+        </p:spPr>
+        <p:txBody>
+          <a:bodyPr wrap="none" lIns="0" rIns="0" rtlCol="0">
+            <a:spAutoFit/>
+          </a:bodyPr>
+          <a:lstStyle/>
+          <a:p>
+            <a:pPr marL="360000" indent="-360000">
+              <a:spcAft>
+                <a:spcPts val="1000"/>
+              </a:spcAft>
+              <a:buClr>
+                <a:schemeClr val="tx2"/>
+              </a:buClr>
+              <a:buSzPct val="80000"/>
+              <a:buFont typeface="Wingdings" panose="05000000000000000000" pitchFamily="2" charset="2"/>
+              <a:buChar char="n"/>
+            </a:pPr>
+            <a:r>
+              <a:rPr lang="en-GB" dirty="0"/>
+              <a:t>Visualisations provided by these 5 feedback helps!</a:t>
+            </a:r>
+          </a:p>
+          <a:p>
+            <a:pPr marL="360000" indent="-360000">
+              <a:spcAft>
+                <a:spcPts val="1000"/>
+              </a:spcAft>
+              <a:buClr>
+                <a:schemeClr val="tx2"/>
+              </a:buClr>
+              <a:buSzPct val="80000"/>
+              <a:buFont typeface="Wingdings" panose="05000000000000000000" pitchFamily="2" charset="2"/>
+              <a:buChar char="n"/>
+            </a:pPr>
+            <a:endParaRPr lang="en-GB" dirty="0"/>
+          </a:p>
+          <a:p>
+            <a:pPr marL="360000" indent="-360000">
+              <a:spcAft>
+                <a:spcPts val="1000"/>
+              </a:spcAft>
+              <a:buClr>
+                <a:schemeClr val="tx2"/>
+              </a:buClr>
+              <a:buSzPct val="80000"/>
+              <a:buFont typeface="Wingdings" panose="05000000000000000000" pitchFamily="2" charset="2"/>
+              <a:buChar char="n"/>
+            </a:pPr>
+            <a:r>
+              <a:rPr lang="en-GB" dirty="0"/>
+              <a:t>Example: Progress Bar – helps in waiting than making system hang</a:t>
+            </a:r>
+          </a:p>
+          <a:p>
+            <a:pPr marL="360000" indent="-360000">
+              <a:spcAft>
+                <a:spcPts val="1000"/>
+              </a:spcAft>
+              <a:buClr>
+                <a:schemeClr val="tx2"/>
+              </a:buClr>
+              <a:buSzPct val="80000"/>
+              <a:buFont typeface="Wingdings" panose="05000000000000000000" pitchFamily="2" charset="2"/>
+              <a:buChar char="n"/>
+            </a:pPr>
+            <a:endParaRPr lang="en-GB" dirty="0"/>
+          </a:p>
+        </p:txBody>
+      </p:sp>
+      <p:sp>
+        <p:nvSpPr>
+          <p:cNvPr id="5" name="Rectangle 4">
+            <a:extLst>
+              <a:ext uri="{FF2B5EF4-FFF2-40B4-BE49-F238E27FC236}">
+                <a16:creationId xmlns:a16="http://schemas.microsoft.com/office/drawing/2014/main" id="{A98CEEC6-17B6-479B-A80F-A36C23657444}"/>
+              </a:ext>
+            </a:extLst>
+          </p:cNvPr>
+          <p:cNvSpPr/>
+          <p:nvPr/>
+        </p:nvSpPr>
+        <p:spPr>
+          <a:xfrm>
+            <a:off x="890670" y="5157192"/>
+            <a:ext cx="9363636" cy="646331"/>
+          </a:xfrm>
+          <a:prstGeom prst="rect">
+            <a:avLst/>
+          </a:prstGeom>
+        </p:spPr>
+        <p:txBody>
+          <a:bodyPr wrap="square">
+            <a:spAutoFit/>
+          </a:bodyPr>
+          <a:lstStyle/>
+          <a:p>
+            <a:r>
+              <a:rPr lang="en-GB" dirty="0">
+                <a:latin typeface="LMRoman10-Regular"/>
+              </a:rPr>
+              <a:t>Yes! with the help of direct visualisations provided by the proposed feedbacks.</a:t>
+            </a:r>
+          </a:p>
+          <a:p>
+            <a:r>
+              <a:rPr lang="en-GB" dirty="0">
+                <a:latin typeface="LMRoman10-Regular"/>
+              </a:rPr>
+              <a:t>Notably, ‘alert’ is helpful to try again to fix the bug immediately in case of bug fix fail.</a:t>
+            </a:r>
+            <a:endParaRPr lang="en-GB" dirty="0"/>
+          </a:p>
+        </p:txBody>
+      </p:sp>
+    </p:spTree>
+    <p:extLst>
+      <p:ext uri="{BB962C8B-B14F-4D97-AF65-F5344CB8AC3E}">
+        <p14:creationId xmlns:p14="http://schemas.microsoft.com/office/powerpoint/2010/main" val="284205104"/>
+      </p:ext>
+    </p:extLst>
+  </p:cSld>
+  <p:clrMapOvr>
+    <a:masterClrMapping/>
+  </p:clrMapOvr>
+</p:sld>
+</file>
+
+<file path=ppt/slides/slide71.xml><?xml version="1.0" encoding="utf-8"?>
+<p:sld xmlns:a="http://schemas.openxmlformats.org/drawingml/2006/main" xmlns:r="http://schemas.openxmlformats.org/officeDocument/2006/relationships" xmlns:p="http://schemas.openxmlformats.org/presentationml/2006/main">
+  <p:cSld>
+    <p:spTree>
+      <p:nvGrpSpPr>
+        <p:cNvPr id="1" name=""/>
+        <p:cNvGrpSpPr/>
+        <p:nvPr/>
+      </p:nvGrpSpPr>
+      <p:grpSpPr>
+        <a:xfrm>
+          <a:off x="0" y="0"/>
+          <a:ext cx="0" cy="0"/>
+          <a:chOff x="0" y="0"/>
+          <a:chExt cx="0" cy="0"/>
+        </a:xfrm>
+      </p:grpSpPr>
+      <p:sp>
+        <p:nvSpPr>
+          <p:cNvPr id="2" name="Title 1">
+            <a:extLst>
+              <a:ext uri="{FF2B5EF4-FFF2-40B4-BE49-F238E27FC236}">
+                <a16:creationId xmlns:a16="http://schemas.microsoft.com/office/drawing/2014/main" id="{D900D08C-C553-43EE-84D1-0E74FA2FC9BA}"/>
+              </a:ext>
+            </a:extLst>
+          </p:cNvPr>
+          <p:cNvSpPr>
+            <a:spLocks noGrp="1"/>
+          </p:cNvSpPr>
+          <p:nvPr>
+            <p:ph type="title"/>
+          </p:nvPr>
+        </p:nvSpPr>
+        <p:spPr>
+          <a:xfrm>
+            <a:off x="250734" y="404664"/>
+            <a:ext cx="9363637" cy="1079772"/>
+          </a:xfrm>
+        </p:spPr>
+        <p:txBody>
+          <a:bodyPr/>
+          <a:lstStyle/>
+          <a:p>
+            <a:r>
+              <a:rPr lang="en-GB" dirty="0">
+                <a:solidFill>
+                  <a:srgbClr val="003A80"/>
+                </a:solidFill>
+              </a:rPr>
+              <a:t>[RQ 3] </a:t>
+            </a:r>
+            <a:br>
+              <a:rPr lang="en-GB" dirty="0">
+                <a:solidFill>
+                  <a:srgbClr val="003A80"/>
+                </a:solidFill>
+              </a:rPr>
+            </a:br>
+            <a:r>
+              <a:rPr lang="en-GB" dirty="0">
+                <a:solidFill>
+                  <a:srgbClr val="003A80"/>
+                </a:solidFill>
+              </a:rPr>
+              <a:t>Do users prefer having multiple windows to single window in tracing previous bug ﬁxes in a method? </a:t>
+            </a:r>
+          </a:p>
+        </p:txBody>
+      </p:sp>
+      <p:sp>
+        <p:nvSpPr>
+          <p:cNvPr id="3" name="Footer Placeholder 2">
+            <a:extLst>
+              <a:ext uri="{FF2B5EF4-FFF2-40B4-BE49-F238E27FC236}">
+                <a16:creationId xmlns:a16="http://schemas.microsoft.com/office/drawing/2014/main" id="{29CCF344-4A75-4B15-B92F-90EB399CF56D}"/>
+              </a:ext>
+            </a:extLst>
+          </p:cNvPr>
+          <p:cNvSpPr>
+            <a:spLocks noGrp="1"/>
+          </p:cNvSpPr>
+          <p:nvPr>
+            <p:ph type="ftr" sz="quarter" idx="10"/>
+          </p:nvPr>
+        </p:nvSpPr>
+        <p:spPr/>
+        <p:txBody>
+          <a:bodyPr/>
+          <a:lstStyle/>
+          <a:p>
+            <a:r>
+              <a:rPr lang="de-DE"/>
+              <a:t>Software Engineering</a:t>
+            </a:r>
+            <a:endParaRPr lang="de-DE" dirty="0"/>
+          </a:p>
+        </p:txBody>
+      </p:sp>
+      <p:sp>
+        <p:nvSpPr>
+          <p:cNvPr id="4" name="Slide Number Placeholder 3">
+            <a:extLst>
+              <a:ext uri="{FF2B5EF4-FFF2-40B4-BE49-F238E27FC236}">
+                <a16:creationId xmlns:a16="http://schemas.microsoft.com/office/drawing/2014/main" id="{0B6F0876-29E2-400F-9A5E-7977729A15FA}"/>
+              </a:ext>
+            </a:extLst>
+          </p:cNvPr>
+          <p:cNvSpPr>
+            <a:spLocks noGrp="1"/>
+          </p:cNvSpPr>
+          <p:nvPr>
+            <p:ph type="sldNum" sz="quarter" idx="11"/>
+          </p:nvPr>
+        </p:nvSpPr>
+        <p:spPr/>
+        <p:txBody>
+          <a:bodyPr/>
+          <a:lstStyle/>
+          <a:p>
+            <a:fld id="{815DB69B-0A2B-4D0B-A3BD-360AAA24381D}" type="slidenum">
+              <a:rPr lang="de-DE" smtClean="0"/>
+              <a:pPr/>
+              <a:t>71</a:t>
             </a:fld>
             <a:endParaRPr lang="de-DE" dirty="0"/>
           </a:p>
@@ -46984,222 +47458,6 @@
 </p:sld>
 </file>
 
-<file path=ppt/slides/slide71.xml><?xml version="1.0" encoding="utf-8"?>
-<p:sld xmlns:a="http://schemas.openxmlformats.org/drawingml/2006/main" xmlns:r="http://schemas.openxmlformats.org/officeDocument/2006/relationships" xmlns:p="http://schemas.openxmlformats.org/presentationml/2006/main">
-  <p:cSld>
-    <p:spTree>
-      <p:nvGrpSpPr>
-        <p:cNvPr id="1" name=""/>
-        <p:cNvGrpSpPr/>
-        <p:nvPr/>
-      </p:nvGrpSpPr>
-      <p:grpSpPr>
-        <a:xfrm>
-          <a:off x="0" y="0"/>
-          <a:ext cx="0" cy="0"/>
-          <a:chOff x="0" y="0"/>
-          <a:chExt cx="0" cy="0"/>
-        </a:xfrm>
-      </p:grpSpPr>
-      <p:sp>
-        <p:nvSpPr>
-          <p:cNvPr id="2" name="Title 1">
-            <a:extLst>
-              <a:ext uri="{FF2B5EF4-FFF2-40B4-BE49-F238E27FC236}">
-                <a16:creationId xmlns:a16="http://schemas.microsoft.com/office/drawing/2014/main" id="{D900D08C-C553-43EE-84D1-0E74FA2FC9BA}"/>
-              </a:ext>
-            </a:extLst>
-          </p:cNvPr>
-          <p:cNvSpPr>
-            <a:spLocks noGrp="1"/>
-          </p:cNvSpPr>
-          <p:nvPr>
-            <p:ph type="title"/>
-          </p:nvPr>
-        </p:nvSpPr>
-        <p:spPr>
-          <a:xfrm>
-            <a:off x="250734" y="404664"/>
-            <a:ext cx="9363637" cy="1079772"/>
-          </a:xfrm>
-        </p:spPr>
-        <p:txBody>
-          <a:bodyPr/>
-          <a:lstStyle/>
-          <a:p>
-            <a:r>
-              <a:rPr lang="en-GB" dirty="0">
-                <a:solidFill>
-                  <a:srgbClr val="003A80"/>
-                </a:solidFill>
-              </a:rPr>
-              <a:t>[RQ 3] </a:t>
-            </a:r>
-            <a:br>
-              <a:rPr lang="en-GB" dirty="0">
-                <a:solidFill>
-                  <a:srgbClr val="003A80"/>
-                </a:solidFill>
-              </a:rPr>
-            </a:br>
-            <a:r>
-              <a:rPr lang="en-GB" dirty="0">
-                <a:solidFill>
-                  <a:srgbClr val="003A80"/>
-                </a:solidFill>
-              </a:rPr>
-              <a:t>Do users be able to keep up in state of workﬂow as tools scale? </a:t>
-            </a:r>
-          </a:p>
-        </p:txBody>
-      </p:sp>
-      <p:sp>
-        <p:nvSpPr>
-          <p:cNvPr id="3" name="Footer Placeholder 2">
-            <a:extLst>
-              <a:ext uri="{FF2B5EF4-FFF2-40B4-BE49-F238E27FC236}">
-                <a16:creationId xmlns:a16="http://schemas.microsoft.com/office/drawing/2014/main" id="{29CCF344-4A75-4B15-B92F-90EB399CF56D}"/>
-              </a:ext>
-            </a:extLst>
-          </p:cNvPr>
-          <p:cNvSpPr>
-            <a:spLocks noGrp="1"/>
-          </p:cNvSpPr>
-          <p:nvPr>
-            <p:ph type="ftr" sz="quarter" idx="10"/>
-          </p:nvPr>
-        </p:nvSpPr>
-        <p:spPr/>
-        <p:txBody>
-          <a:bodyPr/>
-          <a:lstStyle/>
-          <a:p>
-            <a:r>
-              <a:rPr lang="de-DE"/>
-              <a:t>Software Engineering</a:t>
-            </a:r>
-            <a:endParaRPr lang="de-DE" dirty="0"/>
-          </a:p>
-        </p:txBody>
-      </p:sp>
-      <p:sp>
-        <p:nvSpPr>
-          <p:cNvPr id="4" name="Slide Number Placeholder 3">
-            <a:extLst>
-              <a:ext uri="{FF2B5EF4-FFF2-40B4-BE49-F238E27FC236}">
-                <a16:creationId xmlns:a16="http://schemas.microsoft.com/office/drawing/2014/main" id="{0B6F0876-29E2-400F-9A5E-7977729A15FA}"/>
-              </a:ext>
-            </a:extLst>
-          </p:cNvPr>
-          <p:cNvSpPr>
-            <a:spLocks noGrp="1"/>
-          </p:cNvSpPr>
-          <p:nvPr>
-            <p:ph type="sldNum" sz="quarter" idx="11"/>
-          </p:nvPr>
-        </p:nvSpPr>
-        <p:spPr/>
-        <p:txBody>
-          <a:bodyPr/>
-          <a:lstStyle/>
-          <a:p>
-            <a:fld id="{815DB69B-0A2B-4D0B-A3BD-360AAA24381D}" type="slidenum">
-              <a:rPr lang="de-DE" smtClean="0"/>
-              <a:pPr/>
-              <a:t>71</a:t>
-            </a:fld>
-            <a:endParaRPr lang="de-DE" dirty="0"/>
-          </a:p>
-        </p:txBody>
-      </p:sp>
-      <p:sp>
-        <p:nvSpPr>
-          <p:cNvPr id="5" name="TextBox 4">
-            <a:extLst>
-              <a:ext uri="{FF2B5EF4-FFF2-40B4-BE49-F238E27FC236}">
-                <a16:creationId xmlns:a16="http://schemas.microsoft.com/office/drawing/2014/main" id="{FA172556-29A1-4B1B-86E1-8A0F11FF20CE}"/>
-              </a:ext>
-            </a:extLst>
-          </p:cNvPr>
-          <p:cNvSpPr txBox="1"/>
-          <p:nvPr/>
-        </p:nvSpPr>
-        <p:spPr>
-          <a:xfrm>
-            <a:off x="560512" y="2871913"/>
-            <a:ext cx="8010976" cy="774571"/>
-          </a:xfrm>
-          <a:prstGeom prst="rect">
-            <a:avLst/>
-          </a:prstGeom>
-          <a:noFill/>
-        </p:spPr>
-        <p:txBody>
-          <a:bodyPr wrap="none" lIns="0" rIns="0" rtlCol="0">
-            <a:spAutoFit/>
-          </a:bodyPr>
-          <a:lstStyle/>
-          <a:p>
-            <a:pPr marL="360000" indent="-360000">
-              <a:spcAft>
-                <a:spcPts val="1000"/>
-              </a:spcAft>
-              <a:buClr>
-                <a:schemeClr val="tx2"/>
-              </a:buClr>
-              <a:buSzPct val="80000"/>
-              <a:buFont typeface="Wingdings" panose="05000000000000000000" pitchFamily="2" charset="2"/>
-              <a:buChar char="n"/>
-            </a:pPr>
-            <a:r>
-              <a:rPr lang="en-GB" dirty="0"/>
-              <a:t>Yes! proposed solution ideas promised to keep up the scalability.</a:t>
-            </a:r>
-          </a:p>
-          <a:p>
-            <a:pPr marL="360000" indent="-360000">
-              <a:spcAft>
-                <a:spcPts val="1000"/>
-              </a:spcAft>
-              <a:buClr>
-                <a:schemeClr val="tx2"/>
-              </a:buClr>
-              <a:buSzPct val="80000"/>
-              <a:buFont typeface="Wingdings" panose="05000000000000000000" pitchFamily="2" charset="2"/>
-              <a:buChar char="n"/>
-            </a:pPr>
-            <a:r>
-              <a:rPr lang="en-GB" dirty="0"/>
-              <a:t>However, users preferred ‘</a:t>
-            </a:r>
-            <a:r>
-              <a:rPr lang="en-GB" dirty="0">
-                <a:solidFill>
-                  <a:srgbClr val="00B050"/>
-                </a:solidFill>
-              </a:rPr>
-              <a:t>table view</a:t>
-            </a:r>
-            <a:r>
-              <a:rPr lang="en-GB" dirty="0"/>
-              <a:t>’ as easy with their consistency model.</a:t>
-            </a:r>
-          </a:p>
-        </p:txBody>
-      </p:sp>
-    </p:spTree>
-    <p:extLst>
-      <p:ext uri="{BB962C8B-B14F-4D97-AF65-F5344CB8AC3E}">
-        <p14:creationId xmlns:p14="http://schemas.microsoft.com/office/powerpoint/2010/main" val="425311662"/>
-      </p:ext>
-    </p:extLst>
-  </p:cSld>
-  <p:clrMapOvr>
-    <a:masterClrMapping/>
-  </p:clrMapOvr>
-</p:sld>
-</file>
-
 <file path=ppt/slides/slide72.xml><?xml version="1.0" encoding="utf-8"?>
 <p:sld xmlns:a="http://schemas.openxmlformats.org/drawingml/2006/main" xmlns:r="http://schemas.openxmlformats.org/officeDocument/2006/relationships" xmlns:p="http://schemas.openxmlformats.org/presentationml/2006/main">
   <p:cSld>
@@ -47264,7 +47522,7 @@
                   <a:srgbClr val="003A80"/>
                 </a:solidFill>
               </a:rPr>
-              <a:t>While tracing previous bug ﬁxes in a method, do users prefer a table view to a before/after windows? </a:t>
+              <a:t>Do users be able to keep up in state of workﬂow as tools scale? </a:t>
             </a:r>
           </a:p>
         </p:txBody>
@@ -47323,6 +47581,222 @@
               <a:rPr lang="de-DE" smtClean="0"/>
               <a:pPr/>
               <a:t>72</a:t>
+            </a:fld>
+            <a:endParaRPr lang="de-DE" dirty="0"/>
+          </a:p>
+        </p:txBody>
+      </p:sp>
+      <p:sp>
+        <p:nvSpPr>
+          <p:cNvPr id="5" name="TextBox 4">
+            <a:extLst>
+              <a:ext uri="{FF2B5EF4-FFF2-40B4-BE49-F238E27FC236}">
+                <a16:creationId xmlns:a16="http://schemas.microsoft.com/office/drawing/2014/main" id="{FA172556-29A1-4B1B-86E1-8A0F11FF20CE}"/>
+              </a:ext>
+            </a:extLst>
+          </p:cNvPr>
+          <p:cNvSpPr txBox="1"/>
+          <p:nvPr/>
+        </p:nvSpPr>
+        <p:spPr>
+          <a:xfrm>
+            <a:off x="560512" y="2871913"/>
+            <a:ext cx="8010976" cy="774571"/>
+          </a:xfrm>
+          <a:prstGeom prst="rect">
+            <a:avLst/>
+          </a:prstGeom>
+          <a:noFill/>
+        </p:spPr>
+        <p:txBody>
+          <a:bodyPr wrap="none" lIns="0" rIns="0" rtlCol="0">
+            <a:spAutoFit/>
+          </a:bodyPr>
+          <a:lstStyle/>
+          <a:p>
+            <a:pPr marL="360000" indent="-360000">
+              <a:spcAft>
+                <a:spcPts val="1000"/>
+              </a:spcAft>
+              <a:buClr>
+                <a:schemeClr val="tx2"/>
+              </a:buClr>
+              <a:buSzPct val="80000"/>
+              <a:buFont typeface="Wingdings" panose="05000000000000000000" pitchFamily="2" charset="2"/>
+              <a:buChar char="n"/>
+            </a:pPr>
+            <a:r>
+              <a:rPr lang="en-GB" dirty="0"/>
+              <a:t>Yes! proposed solution ideas promised to keep up the scalability.</a:t>
+            </a:r>
+          </a:p>
+          <a:p>
+            <a:pPr marL="360000" indent="-360000">
+              <a:spcAft>
+                <a:spcPts val="1000"/>
+              </a:spcAft>
+              <a:buClr>
+                <a:schemeClr val="tx2"/>
+              </a:buClr>
+              <a:buSzPct val="80000"/>
+              <a:buFont typeface="Wingdings" panose="05000000000000000000" pitchFamily="2" charset="2"/>
+              <a:buChar char="n"/>
+            </a:pPr>
+            <a:r>
+              <a:rPr lang="en-GB" dirty="0"/>
+              <a:t>However, users preferred ‘</a:t>
+            </a:r>
+            <a:r>
+              <a:rPr lang="en-GB" dirty="0">
+                <a:solidFill>
+                  <a:srgbClr val="00B050"/>
+                </a:solidFill>
+              </a:rPr>
+              <a:t>table view</a:t>
+            </a:r>
+            <a:r>
+              <a:rPr lang="en-GB" dirty="0"/>
+              <a:t>’ as easy with their consistency model.</a:t>
+            </a:r>
+          </a:p>
+        </p:txBody>
+      </p:sp>
+    </p:spTree>
+    <p:extLst>
+      <p:ext uri="{BB962C8B-B14F-4D97-AF65-F5344CB8AC3E}">
+        <p14:creationId xmlns:p14="http://schemas.microsoft.com/office/powerpoint/2010/main" val="425311662"/>
+      </p:ext>
+    </p:extLst>
+  </p:cSld>
+  <p:clrMapOvr>
+    <a:masterClrMapping/>
+  </p:clrMapOvr>
+</p:sld>
+</file>
+
+<file path=ppt/slides/slide73.xml><?xml version="1.0" encoding="utf-8"?>
+<p:sld xmlns:a="http://schemas.openxmlformats.org/drawingml/2006/main" xmlns:r="http://schemas.openxmlformats.org/officeDocument/2006/relationships" xmlns:p="http://schemas.openxmlformats.org/presentationml/2006/main">
+  <p:cSld>
+    <p:spTree>
+      <p:nvGrpSpPr>
+        <p:cNvPr id="1" name=""/>
+        <p:cNvGrpSpPr/>
+        <p:nvPr/>
+      </p:nvGrpSpPr>
+      <p:grpSpPr>
+        <a:xfrm>
+          <a:off x="0" y="0"/>
+          <a:ext cx="0" cy="0"/>
+          <a:chOff x="0" y="0"/>
+          <a:chExt cx="0" cy="0"/>
+        </a:xfrm>
+      </p:grpSpPr>
+      <p:sp>
+        <p:nvSpPr>
+          <p:cNvPr id="2" name="Title 1">
+            <a:extLst>
+              <a:ext uri="{FF2B5EF4-FFF2-40B4-BE49-F238E27FC236}">
+                <a16:creationId xmlns:a16="http://schemas.microsoft.com/office/drawing/2014/main" id="{D900D08C-C553-43EE-84D1-0E74FA2FC9BA}"/>
+              </a:ext>
+            </a:extLst>
+          </p:cNvPr>
+          <p:cNvSpPr>
+            <a:spLocks noGrp="1"/>
+          </p:cNvSpPr>
+          <p:nvPr>
+            <p:ph type="title"/>
+          </p:nvPr>
+        </p:nvSpPr>
+        <p:spPr>
+          <a:xfrm>
+            <a:off x="250734" y="404664"/>
+            <a:ext cx="9363637" cy="1079772"/>
+          </a:xfrm>
+        </p:spPr>
+        <p:txBody>
+          <a:bodyPr/>
+          <a:lstStyle/>
+          <a:p>
+            <a:r>
+              <a:rPr lang="en-GB" dirty="0">
+                <a:solidFill>
+                  <a:srgbClr val="003A80"/>
+                </a:solidFill>
+              </a:rPr>
+              <a:t>[RQ 3] </a:t>
+            </a:r>
+            <a:br>
+              <a:rPr lang="en-GB" dirty="0">
+                <a:solidFill>
+                  <a:srgbClr val="003A80"/>
+                </a:solidFill>
+              </a:rPr>
+            </a:br>
+            <a:r>
+              <a:rPr lang="en-GB" dirty="0">
+                <a:solidFill>
+                  <a:srgbClr val="003A80"/>
+                </a:solidFill>
+              </a:rPr>
+              <a:t>While tracing previous bug ﬁxes in a method, do users prefer a table view to a before/after windows? </a:t>
+            </a:r>
+          </a:p>
+        </p:txBody>
+      </p:sp>
+      <p:sp>
+        <p:nvSpPr>
+          <p:cNvPr id="3" name="Footer Placeholder 2">
+            <a:extLst>
+              <a:ext uri="{FF2B5EF4-FFF2-40B4-BE49-F238E27FC236}">
+                <a16:creationId xmlns:a16="http://schemas.microsoft.com/office/drawing/2014/main" id="{29CCF344-4A75-4B15-B92F-90EB399CF56D}"/>
+              </a:ext>
+            </a:extLst>
+          </p:cNvPr>
+          <p:cNvSpPr>
+            <a:spLocks noGrp="1"/>
+          </p:cNvSpPr>
+          <p:nvPr>
+            <p:ph type="ftr" sz="quarter" idx="10"/>
+          </p:nvPr>
+        </p:nvSpPr>
+        <p:spPr/>
+        <p:txBody>
+          <a:bodyPr/>
+          <a:lstStyle/>
+          <a:p>
+            <a:r>
+              <a:rPr lang="de-DE"/>
+              <a:t>Software Engineering</a:t>
+            </a:r>
+            <a:endParaRPr lang="de-DE" dirty="0"/>
+          </a:p>
+        </p:txBody>
+      </p:sp>
+      <p:sp>
+        <p:nvSpPr>
+          <p:cNvPr id="4" name="Slide Number Placeholder 3">
+            <a:extLst>
+              <a:ext uri="{FF2B5EF4-FFF2-40B4-BE49-F238E27FC236}">
+                <a16:creationId xmlns:a16="http://schemas.microsoft.com/office/drawing/2014/main" id="{0B6F0876-29E2-400F-9A5E-7977729A15FA}"/>
+              </a:ext>
+            </a:extLst>
+          </p:cNvPr>
+          <p:cNvSpPr>
+            <a:spLocks noGrp="1"/>
+          </p:cNvSpPr>
+          <p:nvPr>
+            <p:ph type="sldNum" sz="quarter" idx="11"/>
+          </p:nvPr>
+        </p:nvSpPr>
+        <p:spPr/>
+        <p:txBody>
+          <a:bodyPr/>
+          <a:lstStyle/>
+          <a:p>
+            <a:fld id="{815DB69B-0A2B-4D0B-A3BD-360AAA24381D}" type="slidenum">
+              <a:rPr lang="de-DE" smtClean="0"/>
+              <a:pPr/>
+              <a:t>73</a:t>
             </a:fld>
             <a:endParaRPr lang="de-DE" dirty="0"/>
           </a:p>
@@ -47422,7 +47896,7 @@
 </p:sld>
 </file>
 
-<file path=ppt/slides/slide73.xml><?xml version="1.0" encoding="utf-8"?>
+<file path=ppt/slides/slide74.xml><?xml version="1.0" encoding="utf-8"?>
 <p:sld xmlns:a="http://schemas.openxmlformats.org/drawingml/2006/main" xmlns:r="http://schemas.openxmlformats.org/officeDocument/2006/relationships" xmlns:p="http://schemas.openxmlformats.org/presentationml/2006/main">
   <p:cSld>
     <p:spTree>
@@ -47548,7 +48022,7 @@
             <a:fld id="{815DB69B-0A2B-4D0B-A3BD-360AAA24381D}" type="slidenum">
               <a:rPr lang="de-DE" smtClean="0"/>
               <a:pPr/>
-              <a:t>73</a:t>
+              <a:t>74</a:t>
             </a:fld>
             <a:endParaRPr lang="de-DE" dirty="0"/>
           </a:p>
